--- a/powerpoint_defesa.pptx
+++ b/powerpoint_defesa.pptx
@@ -12,6 +12,10 @@
     <p:sldId id="261" r:id="rId6"/>
     <p:sldId id="262" r:id="rId7"/>
     <p:sldId id="263" r:id="rId8"/>
+    <p:sldId id="264" r:id="rId9"/>
+    <p:sldId id="265" r:id="rId10"/>
+    <p:sldId id="266" r:id="rId11"/>
+    <p:sldId id="267" r:id="rId12"/>
   </p:sldIdLst>
   <p:sldSz cx="12192000" cy="6858000"/>
   <p:notesSz cx="6858000" cy="9144000"/>
@@ -110,7 +114,16 @@
       </a:defRPr>
     </a:lvl9pPr>
   </p:defaultTextStyle>
+  <p:extLst>
+    <p:ext uri="{EFAFB233-063F-42B5-8137-9DF3F51BA10A}">
+      <p15:sldGuideLst xmlns:p15="http://schemas.microsoft.com/office/powerpoint/2012/main"/>
+    </p:ext>
+  </p:extLst>
 </p:presentation>
+</file>
+
+<file path=ppt/revisionInfo.xml><?xml version="1.0" encoding="utf-8"?>
+<p1510:revInfo xmlns:a="http://schemas.openxmlformats.org/drawingml/2006/main" xmlns:r="http://schemas.openxmlformats.org/officeDocument/2006/relationships" xmlns:p1510="http://schemas.microsoft.com/office/powerpoint/2015/10/main"/>
 </file>
 
 <file path=ppt/slideLayouts/slideLayout1.xml><?xml version="1.0" encoding="utf-8"?>
@@ -3189,6 +3202,198 @@
 </p:sld>
 </file>
 
+<file path=ppt/slides/slide10.xml><?xml version="1.0" encoding="utf-8"?>
+<p:sld xmlns:a="http://schemas.openxmlformats.org/drawingml/2006/main" xmlns:r="http://schemas.openxmlformats.org/officeDocument/2006/relationships" xmlns:p="http://schemas.openxmlformats.org/presentationml/2006/main">
+  <p:cSld>
+    <p:spTree>
+      <p:nvGrpSpPr>
+        <p:cNvPr id="1" name=""/>
+        <p:cNvGrpSpPr/>
+        <p:nvPr/>
+      </p:nvGrpSpPr>
+      <p:grpSpPr>
+        <a:xfrm>
+          <a:off x="0" y="0"/>
+          <a:ext cx="0" cy="0"/>
+          <a:chOff x="0" y="0"/>
+          <a:chExt cx="0" cy="0"/>
+        </a:xfrm>
+      </p:grpSpPr>
+      <p:sp>
+        <p:nvSpPr>
+          <p:cNvPr id="2" name="Título 1">
+            <a:extLst>
+              <a:ext uri="{FF2B5EF4-FFF2-40B4-BE49-F238E27FC236}">
+                <a16:creationId xmlns:a16="http://schemas.microsoft.com/office/drawing/2014/main" id="{9D5AFAC0-1DB0-425A-8E90-02D5F1DF8949}"/>
+              </a:ext>
+            </a:extLst>
+          </p:cNvPr>
+          <p:cNvSpPr>
+            <a:spLocks noGrp="1"/>
+          </p:cNvSpPr>
+          <p:nvPr>
+            <p:ph type="title"/>
+          </p:nvPr>
+        </p:nvSpPr>
+        <p:spPr/>
+        <p:txBody>
+          <a:bodyPr/>
+          <a:lstStyle/>
+          <a:p>
+            <a:r>
+              <a:rPr lang="pt-PT" dirty="0">
+                <a:effectLst>
+                  <a:outerShdw blurRad="38100" dist="38100" dir="2700000" algn="tl">
+                    <a:srgbClr val="000000">
+                      <a:alpha val="43137"/>
+                    </a:srgbClr>
+                  </a:outerShdw>
+                </a:effectLst>
+              </a:rPr>
+              <a:t>Tecnologia e Linguagens</a:t>
+            </a:r>
+          </a:p>
+        </p:txBody>
+      </p:sp>
+      <p:sp>
+        <p:nvSpPr>
+          <p:cNvPr id="3" name="Marcador de Posição de Conteúdo 2">
+            <a:extLst>
+              <a:ext uri="{FF2B5EF4-FFF2-40B4-BE49-F238E27FC236}">
+                <a16:creationId xmlns:a16="http://schemas.microsoft.com/office/drawing/2014/main" id="{1A46A901-B9CC-42A0-A8BC-45BC3C90C855}"/>
+              </a:ext>
+            </a:extLst>
+          </p:cNvPr>
+          <p:cNvSpPr>
+            <a:spLocks noGrp="1"/>
+          </p:cNvSpPr>
+          <p:nvPr>
+            <p:ph idx="1"/>
+          </p:nvPr>
+        </p:nvSpPr>
+        <p:spPr/>
+        <p:txBody>
+          <a:bodyPr/>
+          <a:lstStyle/>
+          <a:p>
+            <a:r>
+              <a:rPr lang="pt-PT" dirty="0" err="1"/>
+              <a:t>Qt</a:t>
+            </a:r>
+            <a:r>
+              <a:rPr lang="pt-PT" dirty="0"/>
+              <a:t> </a:t>
+            </a:r>
+            <a:r>
+              <a:rPr lang="pt-PT" dirty="0" err="1"/>
+              <a:t>creator</a:t>
+            </a:r>
+            <a:endParaRPr lang="pt-PT" dirty="0"/>
+          </a:p>
+          <a:p>
+            <a:r>
+              <a:rPr lang="pt-PT" dirty="0"/>
+              <a:t>C++</a:t>
+            </a:r>
+          </a:p>
+          <a:p>
+            <a:endParaRPr lang="pt-PT" dirty="0"/>
+          </a:p>
+        </p:txBody>
+      </p:sp>
+    </p:spTree>
+    <p:extLst>
+      <p:ext uri="{BB962C8B-B14F-4D97-AF65-F5344CB8AC3E}">
+        <p14:creationId xmlns:p14="http://schemas.microsoft.com/office/powerpoint/2010/main" val="318390951"/>
+      </p:ext>
+    </p:extLst>
+  </p:cSld>
+  <p:clrMapOvr>
+    <a:masterClrMapping/>
+  </p:clrMapOvr>
+</p:sld>
+</file>
+
+<file path=ppt/slides/slide11.xml><?xml version="1.0" encoding="utf-8"?>
+<p:sld xmlns:a="http://schemas.openxmlformats.org/drawingml/2006/main" xmlns:r="http://schemas.openxmlformats.org/officeDocument/2006/relationships" xmlns:p="http://schemas.openxmlformats.org/presentationml/2006/main">
+  <p:cSld>
+    <p:spTree>
+      <p:nvGrpSpPr>
+        <p:cNvPr id="1" name=""/>
+        <p:cNvGrpSpPr/>
+        <p:nvPr/>
+      </p:nvGrpSpPr>
+      <p:grpSpPr>
+        <a:xfrm>
+          <a:off x="0" y="0"/>
+          <a:ext cx="0" cy="0"/>
+          <a:chOff x="0" y="0"/>
+          <a:chExt cx="0" cy="0"/>
+        </a:xfrm>
+      </p:grpSpPr>
+      <p:sp>
+        <p:nvSpPr>
+          <p:cNvPr id="2" name="Título 1">
+            <a:extLst>
+              <a:ext uri="{FF2B5EF4-FFF2-40B4-BE49-F238E27FC236}">
+                <a16:creationId xmlns:a16="http://schemas.microsoft.com/office/drawing/2014/main" id="{77A7EA16-54B4-45B7-9833-13E68AA7C974}"/>
+              </a:ext>
+            </a:extLst>
+          </p:cNvPr>
+          <p:cNvSpPr>
+            <a:spLocks noGrp="1"/>
+          </p:cNvSpPr>
+          <p:nvPr>
+            <p:ph type="title"/>
+          </p:nvPr>
+        </p:nvSpPr>
+        <p:spPr/>
+        <p:txBody>
+          <a:bodyPr/>
+          <a:lstStyle/>
+          <a:p>
+            <a:endParaRPr lang="pt-PT"/>
+          </a:p>
+        </p:txBody>
+      </p:sp>
+      <p:sp>
+        <p:nvSpPr>
+          <p:cNvPr id="3" name="Marcador de Posição de Conteúdo 2">
+            <a:extLst>
+              <a:ext uri="{FF2B5EF4-FFF2-40B4-BE49-F238E27FC236}">
+                <a16:creationId xmlns:a16="http://schemas.microsoft.com/office/drawing/2014/main" id="{704EF012-76B3-4849-A462-DABA9E4666A2}"/>
+              </a:ext>
+            </a:extLst>
+          </p:cNvPr>
+          <p:cNvSpPr>
+            <a:spLocks noGrp="1"/>
+          </p:cNvSpPr>
+          <p:nvPr>
+            <p:ph idx="1"/>
+          </p:nvPr>
+        </p:nvSpPr>
+        <p:spPr/>
+        <p:txBody>
+          <a:bodyPr/>
+          <a:lstStyle/>
+          <a:p>
+            <a:endParaRPr lang="pt-PT"/>
+          </a:p>
+        </p:txBody>
+      </p:sp>
+    </p:spTree>
+    <p:extLst>
+      <p:ext uri="{BB962C8B-B14F-4D97-AF65-F5344CB8AC3E}">
+        <p14:creationId xmlns:p14="http://schemas.microsoft.com/office/powerpoint/2010/main" val="2974894989"/>
+      </p:ext>
+    </p:extLst>
+  </p:cSld>
+  <p:clrMapOvr>
+    <a:masterClrMapping/>
+  </p:clrMapOvr>
+</p:sld>
+</file>
+
 <file path=ppt/slides/slide2.xml><?xml version="1.0" encoding="utf-8"?>
 <p:sld xmlns:a="http://schemas.openxmlformats.org/drawingml/2006/main" xmlns:r="http://schemas.openxmlformats.org/officeDocument/2006/relationships" xmlns:p="http://schemas.openxmlformats.org/presentationml/2006/main">
   <p:cSld>
@@ -3665,7 +3870,7 @@
                   </a:outerShdw>
                 </a:effectLst>
               </a:rPr>
-              <a:t>Problema – Os regeneradores</a:t>
+              <a:t>Problema – Os Regeneradores</a:t>
             </a:r>
             <a:endParaRPr lang="pt-PT" dirty="0"/>
           </a:p>
@@ -3698,32 +3903,80 @@
           <a:lstStyle/>
           <a:p>
             <a:r>
-              <a:rPr lang="pt-PT" dirty="0"/>
+              <a:rPr lang="pt-PT"/>
               <a:t>Deste modo, é necessário regenerar os sinais óticos periodicamente, utilizando </a:t>
             </a:r>
             <a:r>
-              <a:rPr lang="pt-PT" b="1" dirty="0"/>
+              <a:rPr lang="pt-PT" b="1"/>
               <a:t>regeneradores</a:t>
             </a:r>
           </a:p>
           <a:p>
             <a:r>
-              <a:rPr lang="pt-PT" dirty="0"/>
+              <a:rPr lang="pt-PT"/>
               <a:t>Estas máquinas servem para restaurar o sinal, aumentando a distancia que este consegue percorrer sem perder qualidade</a:t>
             </a:r>
           </a:p>
           <a:p>
             <a:r>
-              <a:rPr lang="pt-PT" dirty="0"/>
+              <a:rPr lang="pt-PT"/>
               <a:t>Têm um </a:t>
             </a:r>
             <a:r>
-              <a:rPr lang="pt-PT" b="1" dirty="0"/>
+              <a:rPr lang="pt-PT" b="1"/>
               <a:t>custo de instalação e manutenção bastante elevado</a:t>
             </a:r>
-          </a:p>
-        </p:txBody>
-      </p:sp>
+            <a:endParaRPr lang="pt-PT" b="1" dirty="0"/>
+          </a:p>
+        </p:txBody>
+      </p:sp>
+      <p:pic>
+        <p:nvPicPr>
+          <p:cNvPr id="2056" name="Picture 8" descr="I Canât Afford to Travel for Work, How Do I Tell My Boss?">
+            <a:extLst>
+              <a:ext uri="{FF2B5EF4-FFF2-40B4-BE49-F238E27FC236}">
+                <a16:creationId xmlns:a16="http://schemas.microsoft.com/office/drawing/2014/main" id="{83EE301B-D307-4E36-BC7E-EC981FD98CF2}"/>
+              </a:ext>
+            </a:extLst>
+          </p:cNvPr>
+          <p:cNvPicPr>
+            <a:picLocks noChangeAspect="1" noChangeArrowheads="1"/>
+          </p:cNvPicPr>
+          <p:nvPr/>
+        </p:nvPicPr>
+        <p:blipFill>
+          <a:blip r:embed="rId2">
+            <a:extLst>
+              <a:ext uri="{28A0092B-C50C-407E-A947-70E740481C1C}">
+                <a14:useLocalDpi xmlns:a14="http://schemas.microsoft.com/office/drawing/2010/main" val="0"/>
+              </a:ext>
+            </a:extLst>
+          </a:blip>
+          <a:srcRect/>
+          <a:stretch>
+            <a:fillRect/>
+          </a:stretch>
+        </p:blipFill>
+        <p:spPr bwMode="auto">
+          <a:xfrm>
+            <a:off x="3954712" y="4536695"/>
+            <a:ext cx="4296430" cy="2148216"/>
+          </a:xfrm>
+          <a:prstGeom prst="rect">
+            <a:avLst/>
+          </a:prstGeom>
+          <a:noFill/>
+          <a:extLst>
+            <a:ext uri="{909E8E84-426E-40DD-AFC4-6F175D3DCCD1}">
+              <a14:hiddenFill xmlns:a14="http://schemas.microsoft.com/office/drawing/2010/main">
+                <a:solidFill>
+                  <a:srgbClr val="FFFFFF"/>
+                </a:solidFill>
+              </a14:hiddenFill>
+            </a:ext>
+          </a:extLst>
+        </p:spPr>
+      </p:pic>
     </p:spTree>
     <p:extLst>
       <p:ext uri="{BB962C8B-B14F-4D97-AF65-F5344CB8AC3E}">
@@ -3785,7 +4038,7 @@
                   </a:outerShdw>
                 </a:effectLst>
               </a:rPr>
-              <a:t>Problema – O nosso objetivo</a:t>
+              <a:t>Problema – O nosso Objetivo</a:t>
             </a:r>
             <a:endParaRPr lang="pt-PT" dirty="0"/>
           </a:p>
@@ -3812,9 +4065,7 @@
           <a:bodyPr/>
           <a:lstStyle/>
           <a:p>
-            <a:pPr marL="0" indent="0" algn="just">
-              <a:buNone/>
-            </a:pPr>
+            <a:pPr algn="just"/>
             <a:r>
               <a:rPr lang="pt-PT" dirty="0"/>
               <a:t>Dada uma rede ótica, pretendemos encontrar o </a:t>
@@ -3961,7 +4212,18 @@
           <a:bodyPr/>
           <a:lstStyle/>
           <a:p>
-            <a:endParaRPr lang="pt-PT"/>
+            <a:r>
+              <a:rPr lang="pt-PT" dirty="0">
+                <a:effectLst>
+                  <a:outerShdw blurRad="38100" dist="38100" dir="2700000" algn="tl">
+                    <a:srgbClr val="000000">
+                      <a:alpha val="43137"/>
+                    </a:srgbClr>
+                  </a:outerShdw>
+                </a:effectLst>
+              </a:rPr>
+              <a:t>Como resolvemos o problema</a:t>
+            </a:r>
           </a:p>
         </p:txBody>
       </p:sp>
@@ -3986,7 +4248,37 @@
           <a:bodyPr/>
           <a:lstStyle/>
           <a:p>
-            <a:endParaRPr lang="pt-PT"/>
+            <a:r>
+              <a:rPr lang="pt-PT" dirty="0"/>
+              <a:t>Desenvolvimento de uma aplicação em C++ que vai achar a melhor solução para um problema especificado</a:t>
+            </a:r>
+          </a:p>
+          <a:p>
+            <a:r>
+              <a:rPr lang="pt-PT" dirty="0"/>
+              <a:t>Aplicação de vários algoritmos de inteligência artificial</a:t>
+            </a:r>
+          </a:p>
+          <a:p>
+            <a:pPr lvl="1"/>
+            <a:r>
+              <a:rPr lang="pt-PT" dirty="0"/>
+              <a:t>Algoritmos evolutivos</a:t>
+            </a:r>
+          </a:p>
+          <a:p>
+            <a:pPr lvl="1"/>
+            <a:r>
+              <a:rPr lang="pt-PT" dirty="0"/>
+              <a:t>Algoritmos de </a:t>
+            </a:r>
+            <a:r>
+              <a:rPr lang="pt-PT" i="1" dirty="0"/>
+              <a:t>Swarm Intelligence</a:t>
+            </a:r>
+          </a:p>
+          <a:p>
+            <a:endParaRPr lang="pt-PT" dirty="0"/>
           </a:p>
         </p:txBody>
       </p:sp>
@@ -3994,6 +4286,203 @@
     <p:extLst>
       <p:ext uri="{BB962C8B-B14F-4D97-AF65-F5344CB8AC3E}">
         <p14:creationId xmlns:p14="http://schemas.microsoft.com/office/powerpoint/2010/main" val="1150122626"/>
+      </p:ext>
+    </p:extLst>
+  </p:cSld>
+  <p:clrMapOvr>
+    <a:masterClrMapping/>
+  </p:clrMapOvr>
+</p:sld>
+</file>
+
+<file path=ppt/slides/slide8.xml><?xml version="1.0" encoding="utf-8"?>
+<p:sld xmlns:a="http://schemas.openxmlformats.org/drawingml/2006/main" xmlns:r="http://schemas.openxmlformats.org/officeDocument/2006/relationships" xmlns:p="http://schemas.openxmlformats.org/presentationml/2006/main">
+  <p:cSld>
+    <p:spTree>
+      <p:nvGrpSpPr>
+        <p:cNvPr id="1" name=""/>
+        <p:cNvGrpSpPr/>
+        <p:nvPr/>
+      </p:nvGrpSpPr>
+      <p:grpSpPr>
+        <a:xfrm>
+          <a:off x="0" y="0"/>
+          <a:ext cx="0" cy="0"/>
+          <a:chOff x="0" y="0"/>
+          <a:chExt cx="0" cy="0"/>
+        </a:xfrm>
+      </p:grpSpPr>
+      <p:sp>
+        <p:nvSpPr>
+          <p:cNvPr id="2" name="Título 1">
+            <a:extLst>
+              <a:ext uri="{FF2B5EF4-FFF2-40B4-BE49-F238E27FC236}">
+                <a16:creationId xmlns:a16="http://schemas.microsoft.com/office/drawing/2014/main" id="{2072B765-F0F2-4470-B5C8-BD2E4FF94FF0}"/>
+              </a:ext>
+            </a:extLst>
+          </p:cNvPr>
+          <p:cNvSpPr>
+            <a:spLocks noGrp="1"/>
+          </p:cNvSpPr>
+          <p:nvPr>
+            <p:ph type="title"/>
+          </p:nvPr>
+        </p:nvSpPr>
+        <p:spPr/>
+        <p:txBody>
+          <a:bodyPr/>
+          <a:lstStyle/>
+          <a:p>
+            <a:r>
+              <a:rPr lang="pt-PT" dirty="0">
+                <a:effectLst>
+                  <a:outerShdw blurRad="38100" dist="38100" dir="2700000" algn="tl">
+                    <a:srgbClr val="000000">
+                      <a:alpha val="43137"/>
+                    </a:srgbClr>
+                  </a:outerShdw>
+                </a:effectLst>
+              </a:rPr>
+              <a:t>Planeamento</a:t>
+            </a:r>
+          </a:p>
+        </p:txBody>
+      </p:sp>
+      <p:sp>
+        <p:nvSpPr>
+          <p:cNvPr id="3" name="Marcador de Posição de Conteúdo 2">
+            <a:extLst>
+              <a:ext uri="{FF2B5EF4-FFF2-40B4-BE49-F238E27FC236}">
+                <a16:creationId xmlns:a16="http://schemas.microsoft.com/office/drawing/2014/main" id="{5E9885A1-AF04-48B7-9AB3-B042617FEE80}"/>
+              </a:ext>
+            </a:extLst>
+          </p:cNvPr>
+          <p:cNvSpPr>
+            <a:spLocks noGrp="1"/>
+          </p:cNvSpPr>
+          <p:nvPr>
+            <p:ph idx="1"/>
+          </p:nvPr>
+        </p:nvSpPr>
+        <p:spPr/>
+        <p:txBody>
+          <a:bodyPr/>
+          <a:lstStyle/>
+          <a:p>
+            <a:r>
+              <a:rPr lang="pt-PT" dirty="0"/>
+              <a:t>Reuniões</a:t>
+            </a:r>
+          </a:p>
+          <a:p>
+            <a:r>
+              <a:rPr lang="pt-PT" dirty="0"/>
+              <a:t>Trabalhamos inicialmente com C# mudamos para C++</a:t>
+            </a:r>
+          </a:p>
+          <a:p>
+            <a:endParaRPr lang="pt-PT" dirty="0"/>
+          </a:p>
+        </p:txBody>
+      </p:sp>
+    </p:spTree>
+    <p:extLst>
+      <p:ext uri="{BB962C8B-B14F-4D97-AF65-F5344CB8AC3E}">
+        <p14:creationId xmlns:p14="http://schemas.microsoft.com/office/powerpoint/2010/main" val="3917199628"/>
+      </p:ext>
+    </p:extLst>
+  </p:cSld>
+  <p:clrMapOvr>
+    <a:masterClrMapping/>
+  </p:clrMapOvr>
+</p:sld>
+</file>
+
+<file path=ppt/slides/slide9.xml><?xml version="1.0" encoding="utf-8"?>
+<p:sld xmlns:a="http://schemas.openxmlformats.org/drawingml/2006/main" xmlns:r="http://schemas.openxmlformats.org/officeDocument/2006/relationships" xmlns:p="http://schemas.openxmlformats.org/presentationml/2006/main">
+  <p:cSld>
+    <p:spTree>
+      <p:nvGrpSpPr>
+        <p:cNvPr id="1" name=""/>
+        <p:cNvGrpSpPr/>
+        <p:nvPr/>
+      </p:nvGrpSpPr>
+      <p:grpSpPr>
+        <a:xfrm>
+          <a:off x="0" y="0"/>
+          <a:ext cx="0" cy="0"/>
+          <a:chOff x="0" y="0"/>
+          <a:chExt cx="0" cy="0"/>
+        </a:xfrm>
+      </p:grpSpPr>
+      <p:sp>
+        <p:nvSpPr>
+          <p:cNvPr id="2" name="Título 1">
+            <a:extLst>
+              <a:ext uri="{FF2B5EF4-FFF2-40B4-BE49-F238E27FC236}">
+                <a16:creationId xmlns:a16="http://schemas.microsoft.com/office/drawing/2014/main" id="{4B189320-92EB-4170-B80D-4E344F53A3AD}"/>
+              </a:ext>
+            </a:extLst>
+          </p:cNvPr>
+          <p:cNvSpPr>
+            <a:spLocks noGrp="1"/>
+          </p:cNvSpPr>
+          <p:nvPr>
+            <p:ph type="title"/>
+          </p:nvPr>
+        </p:nvSpPr>
+        <p:spPr/>
+        <p:txBody>
+          <a:bodyPr/>
+          <a:lstStyle/>
+          <a:p>
+            <a:r>
+              <a:rPr lang="pt-PT" dirty="0">
+                <a:effectLst>
+                  <a:outerShdw blurRad="38100" dist="38100" dir="2700000" algn="tl">
+                    <a:srgbClr val="000000">
+                      <a:alpha val="43137"/>
+                    </a:srgbClr>
+                  </a:outerShdw>
+                </a:effectLst>
+              </a:rPr>
+              <a:t>Metodologia</a:t>
+            </a:r>
+          </a:p>
+        </p:txBody>
+      </p:sp>
+      <p:sp>
+        <p:nvSpPr>
+          <p:cNvPr id="3" name="Marcador de Posição de Conteúdo 2">
+            <a:extLst>
+              <a:ext uri="{FF2B5EF4-FFF2-40B4-BE49-F238E27FC236}">
+                <a16:creationId xmlns:a16="http://schemas.microsoft.com/office/drawing/2014/main" id="{5636A291-D2AB-4A74-9227-6B89BF7C334A}"/>
+              </a:ext>
+            </a:extLst>
+          </p:cNvPr>
+          <p:cNvSpPr>
+            <a:spLocks noGrp="1"/>
+          </p:cNvSpPr>
+          <p:nvPr>
+            <p:ph idx="1"/>
+          </p:nvPr>
+        </p:nvSpPr>
+        <p:spPr/>
+        <p:txBody>
+          <a:bodyPr/>
+          <a:lstStyle/>
+          <a:p>
+            <a:r>
+              <a:rPr lang="pt-PT" dirty="0"/>
+              <a:t>Desenvolvimento iterativo e incremental</a:t>
+            </a:r>
+          </a:p>
+        </p:txBody>
+      </p:sp>
+    </p:spTree>
+    <p:extLst>
+      <p:ext uri="{BB962C8B-B14F-4D97-AF65-F5344CB8AC3E}">
+        <p14:creationId xmlns:p14="http://schemas.microsoft.com/office/powerpoint/2010/main" val="2356200821"/>
       </p:ext>
     </p:extLst>
   </p:cSld>

--- a/powerpoint_defesa.pptx
+++ b/powerpoint_defesa.pptx
@@ -12,10 +12,11 @@
     <p:sldId id="261" r:id="rId6"/>
     <p:sldId id="262" r:id="rId7"/>
     <p:sldId id="263" r:id="rId8"/>
-    <p:sldId id="264" r:id="rId9"/>
-    <p:sldId id="265" r:id="rId10"/>
-    <p:sldId id="266" r:id="rId11"/>
-    <p:sldId id="267" r:id="rId12"/>
+    <p:sldId id="268" r:id="rId9"/>
+    <p:sldId id="264" r:id="rId10"/>
+    <p:sldId id="265" r:id="rId11"/>
+    <p:sldId id="266" r:id="rId12"/>
+    <p:sldId id="267" r:id="rId13"/>
   </p:sldIdLst>
   <p:sldSz cx="12192000" cy="6858000"/>
   <p:notesSz cx="6858000" cy="9144000"/>
@@ -122,8 +123,43 @@
 </p:presentation>
 </file>
 
+<file path=ppt/commentAuthors.xml><?xml version="1.0" encoding="utf-8"?>
+<p:cmAuthorLst xmlns:a="http://schemas.openxmlformats.org/drawingml/2006/main" xmlns:r="http://schemas.openxmlformats.org/officeDocument/2006/relationships" xmlns:p="http://schemas.openxmlformats.org/presentationml/2006/main">
+  <p:cmAuthor id="1" name="Rodrigo" initials="R" lastIdx="1" clrIdx="0">
+    <p:extLst>
+      <p:ext uri="{19B8F6BF-5375-455C-9EA6-DF929625EA0E}">
+        <p15:presenceInfo xmlns:p15="http://schemas.microsoft.com/office/powerpoint/2012/main" userId="Rodrigo" providerId="None"/>
+      </p:ext>
+    </p:extLst>
+  </p:cmAuthor>
+</p:cmAuthorLst>
+</file>
+
 <file path=ppt/revisionInfo.xml><?xml version="1.0" encoding="utf-8"?>
 <p1510:revInfo xmlns:a="http://schemas.openxmlformats.org/drawingml/2006/main" xmlns:r="http://schemas.openxmlformats.org/officeDocument/2006/relationships" xmlns:p1510="http://schemas.microsoft.com/office/powerpoint/2015/10/main"/>
+</file>
+
+<file path=ppt/comments/comment1.xml><?xml version="1.0" encoding="utf-8"?>
+<p:cmLst xmlns:a="http://schemas.openxmlformats.org/drawingml/2006/main" xmlns:r="http://schemas.openxmlformats.org/officeDocument/2006/relationships" xmlns:p="http://schemas.openxmlformats.org/presentationml/2006/main">
+  <p:cm authorId="1" dt="2018-06-30T12:34:10.643" idx="1">
+    <p:pos x="10" y="10"/>
+    <p:text>•	Leitura de problemas a partir de ficheiros de texto;
+•	Criação de um conjunto de soluções para o problema;
+•	Melhoraria das soluções propostas com um algoritmo evolutivo;
+•	Observação da evolução das soluções em tempo real;
+•	Desenvolvimento de outro algoritmo evolutivo;
+•	Desenvolvimento de dois algoritmos de SI;
+•	Otimização do funcionamento dos algoritmos;
+•	Obtenção de combinações ideais de parâmetros para os algoritmos;
+•	Resolução de múltiplos problemas em simultâneo;
+•	Registo de dados sobre as soluções para análise.</p:text>
+    <p:extLst>
+      <p:ext uri="{C676402C-5697-4E1C-873F-D02D1690AC5C}">
+        <p15:threadingInfo xmlns:p15="http://schemas.microsoft.com/office/powerpoint/2012/main" timeZoneBias="-60"/>
+      </p:ext>
+    </p:extLst>
+  </p:cm>
+</p:cmLst>
 </file>
 
 <file path=ppt/slideLayouts/slideLayout1.xml><?xml version="1.0" encoding="utf-8"?>
@@ -268,7 +304,7 @@
           <a:p>
             <a:fld id="{0DD9A11A-5CC8-44AE-B708-E4356D0648C7}" type="datetimeFigureOut">
               <a:rPr lang="pt-PT" smtClean="0"/>
-              <a:t>29/06/2018</a:t>
+              <a:t>30/06/2018</a:t>
             </a:fld>
             <a:endParaRPr lang="pt-PT"/>
           </a:p>
@@ -438,7 +474,7 @@
           <a:p>
             <a:fld id="{0DD9A11A-5CC8-44AE-B708-E4356D0648C7}" type="datetimeFigureOut">
               <a:rPr lang="pt-PT" smtClean="0"/>
-              <a:t>29/06/2018</a:t>
+              <a:t>30/06/2018</a:t>
             </a:fld>
             <a:endParaRPr lang="pt-PT"/>
           </a:p>
@@ -618,7 +654,7 @@
           <a:p>
             <a:fld id="{0DD9A11A-5CC8-44AE-B708-E4356D0648C7}" type="datetimeFigureOut">
               <a:rPr lang="pt-PT" smtClean="0"/>
-              <a:t>29/06/2018</a:t>
+              <a:t>30/06/2018</a:t>
             </a:fld>
             <a:endParaRPr lang="pt-PT"/>
           </a:p>
@@ -788,7 +824,7 @@
           <a:p>
             <a:fld id="{0DD9A11A-5CC8-44AE-B708-E4356D0648C7}" type="datetimeFigureOut">
               <a:rPr lang="pt-PT" smtClean="0"/>
-              <a:t>29/06/2018</a:t>
+              <a:t>30/06/2018</a:t>
             </a:fld>
             <a:endParaRPr lang="pt-PT"/>
           </a:p>
@@ -1039,7 +1075,7 @@
           <a:p>
             <a:fld id="{0DD9A11A-5CC8-44AE-B708-E4356D0648C7}" type="datetimeFigureOut">
               <a:rPr lang="pt-PT" smtClean="0"/>
-              <a:t>29/06/2018</a:t>
+              <a:t>30/06/2018</a:t>
             </a:fld>
             <a:endParaRPr lang="pt-PT"/>
           </a:p>
@@ -1271,7 +1307,7 @@
           <a:p>
             <a:fld id="{0DD9A11A-5CC8-44AE-B708-E4356D0648C7}" type="datetimeFigureOut">
               <a:rPr lang="pt-PT" smtClean="0"/>
-              <a:t>29/06/2018</a:t>
+              <a:t>30/06/2018</a:t>
             </a:fld>
             <a:endParaRPr lang="pt-PT"/>
           </a:p>
@@ -1618,7 +1654,7 @@
           <a:p>
             <a:fld id="{0DD9A11A-5CC8-44AE-B708-E4356D0648C7}" type="datetimeFigureOut">
               <a:rPr lang="pt-PT" smtClean="0"/>
-              <a:t>29/06/2018</a:t>
+              <a:t>30/06/2018</a:t>
             </a:fld>
             <a:endParaRPr lang="pt-PT"/>
           </a:p>
@@ -1736,7 +1772,7 @@
           <a:p>
             <a:fld id="{0DD9A11A-5CC8-44AE-B708-E4356D0648C7}" type="datetimeFigureOut">
               <a:rPr lang="pt-PT" smtClean="0"/>
-              <a:t>29/06/2018</a:t>
+              <a:t>30/06/2018</a:t>
             </a:fld>
             <a:endParaRPr lang="pt-PT"/>
           </a:p>
@@ -1854,7 +1890,7 @@
           <a:p>
             <a:fld id="{0DD9A11A-5CC8-44AE-B708-E4356D0648C7}" type="datetimeFigureOut">
               <a:rPr lang="pt-PT" smtClean="0"/>
-              <a:t>29/06/2018</a:t>
+              <a:t>30/06/2018</a:t>
             </a:fld>
             <a:endParaRPr lang="pt-PT"/>
           </a:p>
@@ -2138,7 +2174,7 @@
           <a:p>
             <a:fld id="{0DD9A11A-5CC8-44AE-B708-E4356D0648C7}" type="datetimeFigureOut">
               <a:rPr lang="pt-PT" smtClean="0"/>
-              <a:t>29/06/2018</a:t>
+              <a:t>30/06/2018</a:t>
             </a:fld>
             <a:endParaRPr lang="pt-PT"/>
           </a:p>
@@ -2402,7 +2438,7 @@
           <a:p>
             <a:fld id="{0DD9A11A-5CC8-44AE-B708-E4356D0648C7}" type="datetimeFigureOut">
               <a:rPr lang="pt-PT" smtClean="0"/>
-              <a:t>29/06/2018</a:t>
+              <a:t>30/06/2018</a:t>
             </a:fld>
             <a:endParaRPr lang="pt-PT"/>
           </a:p>
@@ -2616,7 +2652,7 @@
           <a:p>
             <a:fld id="{0DD9A11A-5CC8-44AE-B708-E4356D0648C7}" type="datetimeFigureOut">
               <a:rPr lang="pt-PT" smtClean="0"/>
-              <a:t>29/06/2018</a:t>
+              <a:t>30/06/2018</a:t>
             </a:fld>
             <a:endParaRPr lang="pt-PT"/>
           </a:p>
@@ -3224,7 +3260,7 @@
           <p:cNvPr id="2" name="Título 1">
             <a:extLst>
               <a:ext uri="{FF2B5EF4-FFF2-40B4-BE49-F238E27FC236}">
-                <a16:creationId xmlns:a16="http://schemas.microsoft.com/office/drawing/2014/main" id="{9D5AFAC0-1DB0-425A-8E90-02D5F1DF8949}"/>
+                <a16:creationId xmlns:a16="http://schemas.microsoft.com/office/drawing/2014/main" id="{4B189320-92EB-4170-B80D-4E344F53A3AD}"/>
               </a:ext>
             </a:extLst>
           </p:cNvPr>
@@ -3250,7 +3286,7 @@
                   </a:outerShdw>
                 </a:effectLst>
               </a:rPr>
-              <a:t>Tecnologia e Linguagens</a:t>
+              <a:t>Metodologia</a:t>
             </a:r>
           </a:p>
         </p:txBody>
@@ -3260,7 +3296,7 @@
           <p:cNvPr id="3" name="Marcador de Posição de Conteúdo 2">
             <a:extLst>
               <a:ext uri="{FF2B5EF4-FFF2-40B4-BE49-F238E27FC236}">
-                <a16:creationId xmlns:a16="http://schemas.microsoft.com/office/drawing/2014/main" id="{1A46A901-B9CC-42A0-A8BC-45BC3C90C855}"/>
+                <a16:creationId xmlns:a16="http://schemas.microsoft.com/office/drawing/2014/main" id="{5636A291-D2AB-4A74-9227-6B89BF7C334A}"/>
               </a:ext>
             </a:extLst>
           </p:cNvPr>
@@ -3277,34 +3313,57 @@
           <a:lstStyle/>
           <a:p>
             <a:r>
-              <a:rPr lang="pt-PT" dirty="0" err="1"/>
-              <a:t>Qt</a:t>
-            </a:r>
-            <a:r>
               <a:rPr lang="pt-PT" dirty="0"/>
-              <a:t> </a:t>
-            </a:r>
-            <a:r>
-              <a:rPr lang="pt-PT" dirty="0" err="1"/>
-              <a:t>creator</a:t>
-            </a:r>
+              <a:t>Durante o desenvolvimento deste projeto adotamos a metodologia de “</a:t>
+            </a:r>
+            <a:r>
+              <a:rPr lang="pt-PT" b="1" dirty="0"/>
+              <a:t>desenvolvimento iterativo e incremental”</a:t>
+            </a:r>
+          </a:p>
+          <a:p>
             <a:endParaRPr lang="pt-PT" dirty="0"/>
           </a:p>
-          <a:p>
-            <a:r>
-              <a:rPr lang="pt-PT" dirty="0"/>
-              <a:t>C++</a:t>
-            </a:r>
-          </a:p>
-          <a:p>
-            <a:endParaRPr lang="pt-PT" dirty="0"/>
-          </a:p>
-        </p:txBody>
-      </p:sp>
+        </p:txBody>
+      </p:sp>
+      <p:pic>
+        <p:nvPicPr>
+          <p:cNvPr id="4" name="Imagem 3">
+            <a:extLst>
+              <a:ext uri="{FF2B5EF4-FFF2-40B4-BE49-F238E27FC236}">
+                <a16:creationId xmlns:a16="http://schemas.microsoft.com/office/drawing/2014/main" id="{38A033A6-0C62-415E-BEC7-DFA0BEA63718}"/>
+              </a:ext>
+            </a:extLst>
+          </p:cNvPr>
+          <p:cNvPicPr/>
+          <p:nvPr/>
+        </p:nvPicPr>
+        <p:blipFill>
+          <a:blip r:embed="rId2">
+            <a:extLst>
+              <a:ext uri="{28A0092B-C50C-407E-A947-70E740481C1C}">
+                <a14:useLocalDpi xmlns:a14="http://schemas.microsoft.com/office/drawing/2010/main" val="0"/>
+              </a:ext>
+            </a:extLst>
+          </a:blip>
+          <a:stretch>
+            <a:fillRect/>
+          </a:stretch>
+        </p:blipFill>
+        <p:spPr>
+          <a:xfrm>
+            <a:off x="3341976" y="3271044"/>
+            <a:ext cx="5521902" cy="2909093"/>
+          </a:xfrm>
+          <a:prstGeom prst="rect">
+            <a:avLst/>
+          </a:prstGeom>
+        </p:spPr>
+      </p:pic>
     </p:spTree>
     <p:extLst>
       <p:ext uri="{BB962C8B-B14F-4D97-AF65-F5344CB8AC3E}">
-        <p14:creationId xmlns:p14="http://schemas.microsoft.com/office/powerpoint/2010/main" val="318390951"/>
+        <p14:creationId xmlns:p14="http://schemas.microsoft.com/office/powerpoint/2010/main" val="2356200821"/>
       </p:ext>
     </p:extLst>
   </p:cSld>
@@ -3336,6 +3395,315 @@
           <p:cNvPr id="2" name="Título 1">
             <a:extLst>
               <a:ext uri="{FF2B5EF4-FFF2-40B4-BE49-F238E27FC236}">
+                <a16:creationId xmlns:a16="http://schemas.microsoft.com/office/drawing/2014/main" id="{9D5AFAC0-1DB0-425A-8E90-02D5F1DF8949}"/>
+              </a:ext>
+            </a:extLst>
+          </p:cNvPr>
+          <p:cNvSpPr>
+            <a:spLocks noGrp="1"/>
+          </p:cNvSpPr>
+          <p:nvPr>
+            <p:ph type="title"/>
+          </p:nvPr>
+        </p:nvSpPr>
+        <p:spPr>
+          <a:xfrm>
+            <a:off x="845127" y="365760"/>
+            <a:ext cx="10515600" cy="1325562"/>
+          </a:xfrm>
+        </p:spPr>
+        <p:txBody>
+          <a:bodyPr/>
+          <a:lstStyle/>
+          <a:p>
+            <a:r>
+              <a:rPr lang="pt-PT">
+                <a:effectLst>
+                  <a:outerShdw blurRad="38100" dist="38100" dir="2700000" algn="tl">
+                    <a:srgbClr val="000000">
+                      <a:alpha val="43137"/>
+                    </a:srgbClr>
+                  </a:outerShdw>
+                </a:effectLst>
+              </a:rPr>
+              <a:t>Tecnologia e Linguagens</a:t>
+            </a:r>
+            <a:endParaRPr lang="pt-PT" dirty="0">
+              <a:effectLst>
+                <a:outerShdw blurRad="38100" dist="38100" dir="2700000" algn="tl">
+                  <a:srgbClr val="000000">
+                    <a:alpha val="43137"/>
+                  </a:srgbClr>
+                </a:outerShdw>
+              </a:effectLst>
+            </a:endParaRPr>
+          </a:p>
+        </p:txBody>
+      </p:sp>
+      <p:sp>
+        <p:nvSpPr>
+          <p:cNvPr id="3" name="Marcador de Posição de Conteúdo 2">
+            <a:extLst>
+              <a:ext uri="{FF2B5EF4-FFF2-40B4-BE49-F238E27FC236}">
+                <a16:creationId xmlns:a16="http://schemas.microsoft.com/office/drawing/2014/main" id="{1A46A901-B9CC-42A0-A8BC-45BC3C90C855}"/>
+              </a:ext>
+            </a:extLst>
+          </p:cNvPr>
+          <p:cNvSpPr>
+            <a:spLocks noGrp="1"/>
+          </p:cNvSpPr>
+          <p:nvPr>
+            <p:ph idx="1"/>
+          </p:nvPr>
+        </p:nvSpPr>
+        <p:spPr>
+          <a:xfrm>
+            <a:off x="845127" y="1828800"/>
+            <a:ext cx="10515600" cy="4351337"/>
+          </a:xfrm>
+        </p:spPr>
+        <p:txBody>
+          <a:bodyPr/>
+          <a:lstStyle/>
+          <a:p>
+            <a:r>
+              <a:rPr lang="pt-PT"/>
+              <a:t>Por ser um problema em que a rapidez de execução é importante, decidimos desenvolver a aplicação em </a:t>
+            </a:r>
+            <a:r>
+              <a:rPr lang="pt-PT" b="1" i="1"/>
+              <a:t>C++</a:t>
+            </a:r>
+          </a:p>
+          <a:p>
+            <a:r>
+              <a:rPr lang="pt-PT"/>
+              <a:t>Inicialmente em C++/CLI, mas abandonado devido a limitações</a:t>
+            </a:r>
+          </a:p>
+          <a:p>
+            <a:r>
+              <a:rPr lang="pt-PT"/>
+              <a:t>Optamos por desenvolver a aplicação na plataforma </a:t>
+            </a:r>
+            <a:r>
+              <a:rPr lang="pt-PT" b="1"/>
+              <a:t>Qt</a:t>
+            </a:r>
+          </a:p>
+          <a:p>
+            <a:r>
+              <a:rPr lang="pt-PT"/>
+              <a:t>Trabalhámos também com </a:t>
+            </a:r>
+            <a:r>
+              <a:rPr lang="pt-PT" i="1"/>
+              <a:t>Git</a:t>
+            </a:r>
+            <a:r>
+              <a:rPr lang="pt-PT"/>
+              <a:t>, </a:t>
+            </a:r>
+            <a:r>
+              <a:rPr lang="pt-PT" i="1"/>
+              <a:t>Github</a:t>
+            </a:r>
+            <a:r>
+              <a:rPr lang="pt-PT"/>
+              <a:t>, </a:t>
+            </a:r>
+            <a:r>
+              <a:rPr lang="pt-PT" i="1"/>
+              <a:t>RapidMiner</a:t>
+            </a:r>
+            <a:r>
+              <a:rPr lang="pt-PT"/>
+              <a:t> e </a:t>
+            </a:r>
+            <a:r>
+              <a:rPr lang="pt-PT" i="1"/>
+              <a:t>Excel</a:t>
+            </a:r>
+            <a:endParaRPr lang="pt-PT" i="1" dirty="0"/>
+          </a:p>
+        </p:txBody>
+      </p:sp>
+      <p:pic>
+        <p:nvPicPr>
+          <p:cNvPr id="3074" name="Picture 2" descr="Resultado de imagem para rapidminer">
+            <a:extLst>
+              <a:ext uri="{FF2B5EF4-FFF2-40B4-BE49-F238E27FC236}">
+                <a16:creationId xmlns:a16="http://schemas.microsoft.com/office/drawing/2014/main" id="{C655368A-88AF-4F10-928C-571D02253AA1}"/>
+              </a:ext>
+            </a:extLst>
+          </p:cNvPr>
+          <p:cNvPicPr>
+            <a:picLocks noChangeAspect="1" noChangeArrowheads="1"/>
+          </p:cNvPicPr>
+          <p:nvPr/>
+        </p:nvPicPr>
+        <p:blipFill>
+          <a:blip r:embed="rId2">
+            <a:extLst>
+              <a:ext uri="{28A0092B-C50C-407E-A947-70E740481C1C}">
+                <a14:useLocalDpi xmlns:a14="http://schemas.microsoft.com/office/drawing/2010/main" val="0"/>
+              </a:ext>
+            </a:extLst>
+          </a:blip>
+          <a:srcRect/>
+          <a:stretch>
+            <a:fillRect/>
+          </a:stretch>
+        </p:blipFill>
+        <p:spPr bwMode="auto">
+          <a:xfrm>
+            <a:off x="7465002" y="5004614"/>
+            <a:ext cx="3895725" cy="1390650"/>
+          </a:xfrm>
+          <a:prstGeom prst="rect">
+            <a:avLst/>
+          </a:prstGeom>
+          <a:noFill/>
+          <a:extLst>
+            <a:ext uri="{909E8E84-426E-40DD-AFC4-6F175D3DCCD1}">
+              <a14:hiddenFill xmlns:a14="http://schemas.microsoft.com/office/drawing/2010/main">
+                <a:solidFill>
+                  <a:srgbClr val="FFFFFF"/>
+                </a:solidFill>
+              </a14:hiddenFill>
+            </a:ext>
+          </a:extLst>
+        </p:spPr>
+      </p:pic>
+      <p:pic>
+        <p:nvPicPr>
+          <p:cNvPr id="3076" name="Picture 4" descr="Resultado de imagem para github logo">
+            <a:extLst>
+              <a:ext uri="{FF2B5EF4-FFF2-40B4-BE49-F238E27FC236}">
+                <a16:creationId xmlns:a16="http://schemas.microsoft.com/office/drawing/2014/main" id="{CBE65D8C-16A0-4D7E-8528-0D11D47DB2FE}"/>
+              </a:ext>
+            </a:extLst>
+          </p:cNvPr>
+          <p:cNvPicPr>
+            <a:picLocks noChangeAspect="1" noChangeArrowheads="1"/>
+          </p:cNvPicPr>
+          <p:nvPr/>
+        </p:nvPicPr>
+        <p:blipFill>
+          <a:blip r:embed="rId3">
+            <a:extLst>
+              <a:ext uri="{28A0092B-C50C-407E-A947-70E740481C1C}">
+                <a14:useLocalDpi xmlns:a14="http://schemas.microsoft.com/office/drawing/2010/main" val="0"/>
+              </a:ext>
+            </a:extLst>
+          </a:blip>
+          <a:srcRect/>
+          <a:stretch>
+            <a:fillRect/>
+          </a:stretch>
+        </p:blipFill>
+        <p:spPr bwMode="auto">
+          <a:xfrm>
+            <a:off x="3748212" y="5295939"/>
+            <a:ext cx="3092824" cy="808000"/>
+          </a:xfrm>
+          <a:prstGeom prst="rect">
+            <a:avLst/>
+          </a:prstGeom>
+          <a:noFill/>
+          <a:extLst>
+            <a:ext uri="{909E8E84-426E-40DD-AFC4-6F175D3DCCD1}">
+              <a14:hiddenFill xmlns:a14="http://schemas.microsoft.com/office/drawing/2010/main">
+                <a:solidFill>
+                  <a:srgbClr val="FFFFFF"/>
+                </a:solidFill>
+              </a14:hiddenFill>
+            </a:ext>
+          </a:extLst>
+        </p:spPr>
+      </p:pic>
+      <p:pic>
+        <p:nvPicPr>
+          <p:cNvPr id="3078" name="Picture 6" descr="Resultado de imagem para qt logo">
+            <a:extLst>
+              <a:ext uri="{FF2B5EF4-FFF2-40B4-BE49-F238E27FC236}">
+                <a16:creationId xmlns:a16="http://schemas.microsoft.com/office/drawing/2014/main" id="{FC83A7E2-B026-4AAF-A97D-2B22D0580A03}"/>
+              </a:ext>
+            </a:extLst>
+          </p:cNvPr>
+          <p:cNvPicPr>
+            <a:picLocks noChangeAspect="1" noChangeArrowheads="1"/>
+          </p:cNvPicPr>
+          <p:nvPr/>
+        </p:nvPicPr>
+        <p:blipFill>
+          <a:blip r:embed="rId4">
+            <a:extLst>
+              <a:ext uri="{28A0092B-C50C-407E-A947-70E740481C1C}">
+                <a14:useLocalDpi xmlns:a14="http://schemas.microsoft.com/office/drawing/2010/main" val="0"/>
+              </a:ext>
+            </a:extLst>
+          </a:blip>
+          <a:srcRect/>
+          <a:stretch>
+            <a:fillRect/>
+          </a:stretch>
+        </p:blipFill>
+        <p:spPr bwMode="auto">
+          <a:xfrm>
+            <a:off x="1206267" y="4996571"/>
+            <a:ext cx="1917979" cy="1406735"/>
+          </a:xfrm>
+          <a:prstGeom prst="rect">
+            <a:avLst/>
+          </a:prstGeom>
+          <a:noFill/>
+          <a:extLst>
+            <a:ext uri="{909E8E84-426E-40DD-AFC4-6F175D3DCCD1}">
+              <a14:hiddenFill xmlns:a14="http://schemas.microsoft.com/office/drawing/2010/main">
+                <a:solidFill>
+                  <a:srgbClr val="FFFFFF"/>
+                </a:solidFill>
+              </a14:hiddenFill>
+            </a:ext>
+          </a:extLst>
+        </p:spPr>
+      </p:pic>
+    </p:spTree>
+    <p:extLst>
+      <p:ext uri="{BB962C8B-B14F-4D97-AF65-F5344CB8AC3E}">
+        <p14:creationId xmlns:p14="http://schemas.microsoft.com/office/powerpoint/2010/main" val="318390951"/>
+      </p:ext>
+    </p:extLst>
+  </p:cSld>
+  <p:clrMapOvr>
+    <a:masterClrMapping/>
+  </p:clrMapOvr>
+</p:sld>
+</file>
+
+<file path=ppt/slides/slide12.xml><?xml version="1.0" encoding="utf-8"?>
+<p:sld xmlns:a="http://schemas.openxmlformats.org/drawingml/2006/main" xmlns:r="http://schemas.openxmlformats.org/officeDocument/2006/relationships" xmlns:p="http://schemas.openxmlformats.org/presentationml/2006/main">
+  <p:cSld>
+    <p:spTree>
+      <p:nvGrpSpPr>
+        <p:cNvPr id="1" name=""/>
+        <p:cNvGrpSpPr/>
+        <p:nvPr/>
+      </p:nvGrpSpPr>
+      <p:grpSpPr>
+        <a:xfrm>
+          <a:off x="0" y="0"/>
+          <a:ext cx="0" cy="0"/>
+          <a:chOff x="0" y="0"/>
+          <a:chExt cx="0" cy="0"/>
+        </a:xfrm>
+      </p:grpSpPr>
+      <p:sp>
+        <p:nvSpPr>
+          <p:cNvPr id="2" name="Título 1">
+            <a:extLst>
+              <a:ext uri="{FF2B5EF4-FFF2-40B4-BE49-F238E27FC236}">
                 <a16:creationId xmlns:a16="http://schemas.microsoft.com/office/drawing/2014/main" id="{77A7EA16-54B4-45B7-9833-13E68AA7C974}"/>
               </a:ext>
             </a:extLst>
@@ -3352,7 +3720,18 @@
           <a:bodyPr/>
           <a:lstStyle/>
           <a:p>
-            <a:endParaRPr lang="pt-PT"/>
+            <a:r>
+              <a:rPr lang="pt-PT" dirty="0">
+                <a:effectLst>
+                  <a:outerShdw blurRad="38100" dist="38100" dir="2700000" algn="tl">
+                    <a:srgbClr val="000000">
+                      <a:alpha val="43137"/>
+                    </a:srgbClr>
+                  </a:outerShdw>
+                </a:effectLst>
+              </a:rPr>
+              <a:t>Estrutura do Programa</a:t>
+            </a:r>
           </a:p>
         </p:txBody>
       </p:sp>
@@ -4282,6 +4661,147 @@
           </a:p>
         </p:txBody>
       </p:sp>
+      <p:pic>
+        <p:nvPicPr>
+          <p:cNvPr id="2050" name="Picture 2" descr="Resultado de imagem para genetic algorithm">
+            <a:extLst>
+              <a:ext uri="{FF2B5EF4-FFF2-40B4-BE49-F238E27FC236}">
+                <a16:creationId xmlns:a16="http://schemas.microsoft.com/office/drawing/2014/main" id="{28CE5B5E-56A2-4D55-8E84-B399E53CC07A}"/>
+              </a:ext>
+            </a:extLst>
+          </p:cNvPr>
+          <p:cNvPicPr>
+            <a:picLocks noChangeAspect="1" noChangeArrowheads="1"/>
+          </p:cNvPicPr>
+          <p:nvPr/>
+        </p:nvPicPr>
+        <p:blipFill>
+          <a:blip r:embed="rId2">
+            <a:extLst>
+              <a:ext uri="{28A0092B-C50C-407E-A947-70E740481C1C}">
+                <a14:useLocalDpi xmlns:a14="http://schemas.microsoft.com/office/drawing/2010/main" val="0"/>
+              </a:ext>
+            </a:extLst>
+          </a:blip>
+          <a:srcRect/>
+          <a:stretch>
+            <a:fillRect/>
+          </a:stretch>
+        </p:blipFill>
+        <p:spPr bwMode="auto">
+          <a:xfrm>
+            <a:off x="845127" y="4004468"/>
+            <a:ext cx="2483611" cy="2483611"/>
+          </a:xfrm>
+          <a:prstGeom prst="rect">
+            <a:avLst/>
+          </a:prstGeom>
+          <a:noFill/>
+          <a:extLst>
+            <a:ext uri="{909E8E84-426E-40DD-AFC4-6F175D3DCCD1}">
+              <a14:hiddenFill xmlns:a14="http://schemas.microsoft.com/office/drawing/2010/main">
+                <a:solidFill>
+                  <a:srgbClr val="FFFFFF"/>
+                </a:solidFill>
+              </a14:hiddenFill>
+            </a:ext>
+          </a:extLst>
+        </p:spPr>
+      </p:pic>
+      <p:pic>
+        <p:nvPicPr>
+          <p:cNvPr id="2052" name="Picture 4" descr="Resultado de imagem para ants png">
+            <a:extLst>
+              <a:ext uri="{FF2B5EF4-FFF2-40B4-BE49-F238E27FC236}">
+                <a16:creationId xmlns:a16="http://schemas.microsoft.com/office/drawing/2014/main" id="{2615AB17-7224-469D-99E4-41197EA8F940}"/>
+              </a:ext>
+            </a:extLst>
+          </p:cNvPr>
+          <p:cNvPicPr>
+            <a:picLocks noChangeAspect="1" noChangeArrowheads="1"/>
+          </p:cNvPicPr>
+          <p:nvPr/>
+        </p:nvPicPr>
+        <p:blipFill>
+          <a:blip r:embed="rId3">
+            <a:extLst>
+              <a:ext uri="{28A0092B-C50C-407E-A947-70E740481C1C}">
+                <a14:useLocalDpi xmlns:a14="http://schemas.microsoft.com/office/drawing/2010/main" val="0"/>
+              </a:ext>
+            </a:extLst>
+          </a:blip>
+          <a:srcRect/>
+          <a:stretch>
+            <a:fillRect/>
+          </a:stretch>
+        </p:blipFill>
+        <p:spPr bwMode="auto">
+          <a:xfrm>
+            <a:off x="4206586" y="4201710"/>
+            <a:ext cx="3792682" cy="2286369"/>
+          </a:xfrm>
+          <a:prstGeom prst="rect">
+            <a:avLst/>
+          </a:prstGeom>
+          <a:noFill/>
+          <a:extLst>
+            <a:ext uri="{909E8E84-426E-40DD-AFC4-6F175D3DCCD1}">
+              <a14:hiddenFill xmlns:a14="http://schemas.microsoft.com/office/drawing/2010/main">
+                <a:solidFill>
+                  <a:srgbClr val="FFFFFF"/>
+                </a:solidFill>
+              </a14:hiddenFill>
+            </a:ext>
+          </a:extLst>
+        </p:spPr>
+      </p:pic>
+      <p:pic>
+        <p:nvPicPr>
+          <p:cNvPr id="2056" name="Picture 8" descr="Resultado de imagem para bees png">
+            <a:extLst>
+              <a:ext uri="{FF2B5EF4-FFF2-40B4-BE49-F238E27FC236}">
+                <a16:creationId xmlns:a16="http://schemas.microsoft.com/office/drawing/2014/main" id="{69A85197-5AAC-4504-AFC2-5075F14EB22D}"/>
+              </a:ext>
+            </a:extLst>
+          </p:cNvPr>
+          <p:cNvPicPr>
+            <a:picLocks noChangeAspect="1" noChangeArrowheads="1"/>
+          </p:cNvPicPr>
+          <p:nvPr/>
+        </p:nvPicPr>
+        <p:blipFill>
+          <a:blip r:embed="rId4">
+            <a:extLst>
+              <a:ext uri="{28A0092B-C50C-407E-A947-70E740481C1C}">
+                <a14:useLocalDpi xmlns:a14="http://schemas.microsoft.com/office/drawing/2010/main" val="0"/>
+              </a:ext>
+            </a:extLst>
+          </a:blip>
+          <a:srcRect/>
+          <a:stretch>
+            <a:fillRect/>
+          </a:stretch>
+        </p:blipFill>
+        <p:spPr bwMode="auto">
+          <a:xfrm>
+            <a:off x="8526363" y="4004468"/>
+            <a:ext cx="2834363" cy="2483611"/>
+          </a:xfrm>
+          <a:prstGeom prst="rect">
+            <a:avLst/>
+          </a:prstGeom>
+          <a:noFill/>
+          <a:extLst>
+            <a:ext uri="{909E8E84-426E-40DD-AFC4-6F175D3DCCD1}">
+              <a14:hiddenFill xmlns:a14="http://schemas.microsoft.com/office/drawing/2010/main">
+                <a:solidFill>
+                  <a:srgbClr val="FFFFFF"/>
+                </a:solidFill>
+              </a14:hiddenFill>
+            </a:ext>
+          </a:extLst>
+        </p:spPr>
+      </p:pic>
     </p:spTree>
     <p:extLst>
       <p:ext uri="{BB962C8B-B14F-4D97-AF65-F5344CB8AC3E}">
@@ -4317,7 +4837,7 @@
           <p:cNvPr id="2" name="Título 1">
             <a:extLst>
               <a:ext uri="{FF2B5EF4-FFF2-40B4-BE49-F238E27FC236}">
-                <a16:creationId xmlns:a16="http://schemas.microsoft.com/office/drawing/2014/main" id="{2072B765-F0F2-4470-B5C8-BD2E4FF94FF0}"/>
+                <a16:creationId xmlns:a16="http://schemas.microsoft.com/office/drawing/2014/main" id="{2BE6B0DD-63C4-4A38-821B-2BC9EC00B96F}"/>
               </a:ext>
             </a:extLst>
           </p:cNvPr>
@@ -4343,7 +4863,7 @@
                   </a:outerShdw>
                 </a:effectLst>
               </a:rPr>
-              <a:t>Planeamento</a:t>
+              <a:t>Motivação</a:t>
             </a:r>
           </a:p>
         </p:txBody>
@@ -4353,7 +4873,7 @@
           <p:cNvPr id="3" name="Marcador de Posição de Conteúdo 2">
             <a:extLst>
               <a:ext uri="{FF2B5EF4-FFF2-40B4-BE49-F238E27FC236}">
-                <a16:creationId xmlns:a16="http://schemas.microsoft.com/office/drawing/2014/main" id="{5E9885A1-AF04-48B7-9AB3-B042617FEE80}"/>
+                <a16:creationId xmlns:a16="http://schemas.microsoft.com/office/drawing/2014/main" id="{537242E8-C4B1-4FDB-BBFB-FC117BC4BBC4}"/>
               </a:ext>
             </a:extLst>
           </p:cNvPr>
@@ -4371,14 +4891,32 @@
           <a:p>
             <a:r>
               <a:rPr lang="pt-PT" dirty="0"/>
-              <a:t>Reuniões</a:t>
-            </a:r>
-          </a:p>
-          <a:p>
+              <a:t>Escolhemos este problema pois:</a:t>
+            </a:r>
+          </a:p>
+          <a:p>
+            <a:pPr lvl="1"/>
             <a:r>
               <a:rPr lang="pt-PT" dirty="0"/>
-              <a:t>Trabalhamos inicialmente com C# mudamos para C++</a:t>
-            </a:r>
+              <a:t>O PLR é um problema atual no mundo real</a:t>
+            </a:r>
+          </a:p>
+          <a:p>
+            <a:pPr lvl="1"/>
+            <a:r>
+              <a:rPr lang="pt-PT" dirty="0"/>
+              <a:t>Surge a oportunidade e o desafio de trabalhar com Inteligência Artificial</a:t>
+            </a:r>
+          </a:p>
+          <a:p>
+            <a:pPr lvl="1"/>
+            <a:r>
+              <a:rPr lang="pt-PT" dirty="0"/>
+              <a:t>Requer trabalho de investigação e de pesquisa</a:t>
+            </a:r>
+          </a:p>
+          <a:p>
+            <a:endParaRPr lang="pt-PT" dirty="0"/>
           </a:p>
           <a:p>
             <a:endParaRPr lang="pt-PT" dirty="0"/>
@@ -4388,7 +4926,7 @@
     </p:spTree>
     <p:extLst>
       <p:ext uri="{BB962C8B-B14F-4D97-AF65-F5344CB8AC3E}">
-        <p14:creationId xmlns:p14="http://schemas.microsoft.com/office/powerpoint/2010/main" val="3917199628"/>
+        <p14:creationId xmlns:p14="http://schemas.microsoft.com/office/powerpoint/2010/main" val="90783187"/>
       </p:ext>
     </p:extLst>
   </p:cSld>
@@ -4420,7 +4958,7 @@
           <p:cNvPr id="2" name="Título 1">
             <a:extLst>
               <a:ext uri="{FF2B5EF4-FFF2-40B4-BE49-F238E27FC236}">
-                <a16:creationId xmlns:a16="http://schemas.microsoft.com/office/drawing/2014/main" id="{4B189320-92EB-4170-B80D-4E344F53A3AD}"/>
+                <a16:creationId xmlns:a16="http://schemas.microsoft.com/office/drawing/2014/main" id="{2072B765-F0F2-4470-B5C8-BD2E4FF94FF0}"/>
               </a:ext>
             </a:extLst>
           </p:cNvPr>
@@ -4446,7 +4984,7 @@
                   </a:outerShdw>
                 </a:effectLst>
               </a:rPr>
-              <a:t>Metodologia</a:t>
+              <a:t>Planeamento</a:t>
             </a:r>
           </a:p>
         </p:txBody>
@@ -4456,7 +4994,7 @@
           <p:cNvPr id="3" name="Marcador de Posição de Conteúdo 2">
             <a:extLst>
               <a:ext uri="{FF2B5EF4-FFF2-40B4-BE49-F238E27FC236}">
-                <a16:creationId xmlns:a16="http://schemas.microsoft.com/office/drawing/2014/main" id="{5636A291-D2AB-4A74-9227-6B89BF7C334A}"/>
+                <a16:creationId xmlns:a16="http://schemas.microsoft.com/office/drawing/2014/main" id="{5E9885A1-AF04-48B7-9AB3-B042617FEE80}"/>
               </a:ext>
             </a:extLst>
           </p:cNvPr>
@@ -4474,15 +5012,38 @@
           <a:p>
             <a:r>
               <a:rPr lang="pt-PT" dirty="0"/>
-              <a:t>Desenvolvimento iterativo e incremental</a:t>
-            </a:r>
+              <a:t>Durante todo o desenvolvimento, as tarefas a realizar foram determinadas com ajuda das orientadoras através de </a:t>
+            </a:r>
+            <a:r>
+              <a:rPr lang="pt-PT" b="1" dirty="0"/>
+              <a:t>reuniões</a:t>
+            </a:r>
+            <a:r>
+              <a:rPr lang="pt-PT" dirty="0"/>
+              <a:t> semanais e presenciais</a:t>
+            </a:r>
+          </a:p>
+          <a:p>
+            <a:r>
+              <a:rPr lang="pt-PT" dirty="0"/>
+              <a:t>Fomos determinando os nossos objetivos com base nas necessidades que iam surgindo</a:t>
+            </a:r>
+          </a:p>
+          <a:p>
+            <a:r>
+              <a:rPr lang="pt-PT" dirty="0"/>
+              <a:t>Tivemos sempre presentes desde o inicio os requisitos mínimos</a:t>
+            </a:r>
+          </a:p>
+          <a:p>
+            <a:endParaRPr lang="pt-PT" dirty="0"/>
           </a:p>
         </p:txBody>
       </p:sp>
     </p:spTree>
     <p:extLst>
       <p:ext uri="{BB962C8B-B14F-4D97-AF65-F5344CB8AC3E}">
-        <p14:creationId xmlns:p14="http://schemas.microsoft.com/office/powerpoint/2010/main" val="2356200821"/>
+        <p14:creationId xmlns:p14="http://schemas.microsoft.com/office/powerpoint/2010/main" val="3917199628"/>
       </p:ext>
     </p:extLst>
   </p:cSld>

--- a/powerpoint_defesa.pptx
+++ b/powerpoint_defesa.pptx
@@ -125,7 +125,7 @@
 
 <file path=ppt/commentAuthors.xml><?xml version="1.0" encoding="utf-8"?>
 <p:cmAuthorLst xmlns:a="http://schemas.openxmlformats.org/drawingml/2006/main" xmlns:r="http://schemas.openxmlformats.org/officeDocument/2006/relationships" xmlns:p="http://schemas.openxmlformats.org/presentationml/2006/main">
-  <p:cmAuthor id="1" name="Rodrigo" initials="R" lastIdx="1" clrIdx="0">
+  <p:cmAuthor id="1" name="Rodrigo" initials="R" lastIdx="6" clrIdx="0">
     <p:extLst>
       <p:ext uri="{19B8F6BF-5375-455C-9EA6-DF929625EA0E}">
         <p15:presenceInfo xmlns:p15="http://schemas.microsoft.com/office/powerpoint/2012/main" userId="Rodrigo" providerId="None"/>
@@ -141,6 +141,20 @@
 
 <file path=ppt/comments/comment1.xml><?xml version="1.0" encoding="utf-8"?>
 <p:cmLst xmlns:a="http://schemas.openxmlformats.org/drawingml/2006/main" xmlns:r="http://schemas.openxmlformats.org/officeDocument/2006/relationships" xmlns:p="http://schemas.openxmlformats.org/presentationml/2006/main">
+  <p:cm authorId="1" dt="2018-06-30T13:00:08.199" idx="2">
+    <p:pos x="10" y="10"/>
+    <p:text>Algoritmos inspirados na natureza</p:text>
+    <p:extLst>
+      <p:ext uri="{C676402C-5697-4E1C-873F-D02D1690AC5C}">
+        <p15:threadingInfo xmlns:p15="http://schemas.microsoft.com/office/powerpoint/2012/main" timeZoneBias="-60"/>
+      </p:ext>
+    </p:extLst>
+  </p:cm>
+</p:cmLst>
+</file>
+
+<file path=ppt/comments/comment2.xml><?xml version="1.0" encoding="utf-8"?>
+<p:cmLst xmlns:a="http://schemas.openxmlformats.org/drawingml/2006/main" xmlns:r="http://schemas.openxmlformats.org/officeDocument/2006/relationships" xmlns:p="http://schemas.openxmlformats.org/presentationml/2006/main">
   <p:cm authorId="1" dt="2018-06-30T12:34:10.643" idx="1">
     <p:pos x="10" y="10"/>
     <p:text>•	Leitura de problemas a partir de ficheiros de texto;
@@ -153,6 +167,47 @@
 •	Obtenção de combinações ideais de parâmetros para os algoritmos;
 •	Resolução de múltiplos problemas em simultâneo;
 •	Registo de dados sobre as soluções para análise.</p:text>
+    <p:extLst>
+      <p:ext uri="{C676402C-5697-4E1C-873F-D02D1690AC5C}">
+        <p15:threadingInfo xmlns:p15="http://schemas.microsoft.com/office/powerpoint/2012/main" timeZoneBias="-60"/>
+      </p:ext>
+    </p:extLst>
+  </p:cm>
+</p:cmLst>
+</file>
+
+<file path=ppt/comments/comment3.xml><?xml version="1.0" encoding="utf-8"?>
+<p:cmLst xmlns:a="http://schemas.openxmlformats.org/drawingml/2006/main" xmlns:r="http://schemas.openxmlformats.org/officeDocument/2006/relationships" xmlns:p="http://schemas.openxmlformats.org/presentationml/2006/main">
+  <p:cm authorId="1" dt="2018-06-30T13:00:28.965" idx="3">
+    <p:pos x="10" y="10"/>
+    <p:text>Foi necessario aprender C++ de proposito para este projeto, não trabalhamos nem com ele nem com a plataforma Qt durante a licenciatura</p:text>
+    <p:extLst>
+      <p:ext uri="{C676402C-5697-4E1C-873F-D02D1690AC5C}">
+        <p15:threadingInfo xmlns:p15="http://schemas.microsoft.com/office/powerpoint/2012/main" timeZoneBias="-60"/>
+      </p:ext>
+    </p:extLst>
+  </p:cm>
+  <p:cm authorId="1" dt="2018-06-30T13:01:25.189" idx="4">
+    <p:pos x="106" y="106"/>
+    <p:text>Falar nas vantagens do QT</p:text>
+    <p:extLst>
+      <p:ext uri="{C676402C-5697-4E1C-873F-D02D1690AC5C}">
+        <p15:threadingInfo xmlns:p15="http://schemas.microsoft.com/office/powerpoint/2012/main" timeZoneBias="-60"/>
+      </p:ext>
+    </p:extLst>
+  </p:cm>
+  <p:cm authorId="1" dt="2018-06-30T13:01:42.215" idx="5">
+    <p:pos x="202" y="202"/>
+    <p:text>Falar nas desvantagens do C++/CLI e no desenvolvimento em visual studio</p:text>
+    <p:extLst>
+      <p:ext uri="{C676402C-5697-4E1C-873F-D02D1690AC5C}">
+        <p15:threadingInfo xmlns:p15="http://schemas.microsoft.com/office/powerpoint/2012/main" timeZoneBias="-60"/>
+      </p:ext>
+    </p:extLst>
+  </p:cm>
+  <p:cm authorId="1" dt="2018-06-30T13:02:11.523" idx="6">
+    <p:pos x="298" y="298"/>
+    <p:text>Explicar brevemente para que foram utilizados os softwares</p:text>
     <p:extLst>
       <p:ext uri="{C676402C-5697-4E1C-873F-D02D1690AC5C}">
         <p15:threadingInfo xmlns:p15="http://schemas.microsoft.com/office/powerpoint/2012/main" timeZoneBias="-60"/>

--- a/powerpoint_defesa.pptx
+++ b/powerpoint_defesa.pptx
@@ -11,12 +11,17 @@
     <p:sldId id="260" r:id="rId5"/>
     <p:sldId id="261" r:id="rId6"/>
     <p:sldId id="262" r:id="rId7"/>
-    <p:sldId id="263" r:id="rId8"/>
-    <p:sldId id="268" r:id="rId9"/>
-    <p:sldId id="264" r:id="rId10"/>
-    <p:sldId id="265" r:id="rId11"/>
-    <p:sldId id="266" r:id="rId12"/>
-    <p:sldId id="267" r:id="rId13"/>
+    <p:sldId id="272" r:id="rId8"/>
+    <p:sldId id="263" r:id="rId9"/>
+    <p:sldId id="268" r:id="rId10"/>
+    <p:sldId id="264" r:id="rId11"/>
+    <p:sldId id="265" r:id="rId12"/>
+    <p:sldId id="266" r:id="rId13"/>
+    <p:sldId id="267" r:id="rId14"/>
+    <p:sldId id="269" r:id="rId15"/>
+    <p:sldId id="270" r:id="rId16"/>
+    <p:sldId id="271" r:id="rId17"/>
+    <p:sldId id="273" r:id="rId18"/>
   </p:sldIdLst>
   <p:sldSz cx="12192000" cy="6858000"/>
   <p:notesSz cx="6858000" cy="9144000"/>
@@ -125,7 +130,7 @@
 
 <file path=ppt/commentAuthors.xml><?xml version="1.0" encoding="utf-8"?>
 <p:cmAuthorLst xmlns:a="http://schemas.openxmlformats.org/drawingml/2006/main" xmlns:r="http://schemas.openxmlformats.org/officeDocument/2006/relationships" xmlns:p="http://schemas.openxmlformats.org/presentationml/2006/main">
-  <p:cmAuthor id="1" name="Rodrigo" initials="R" lastIdx="6" clrIdx="0">
+  <p:cmAuthor id="1" name="Rodrigo" initials="R" lastIdx="8" clrIdx="0">
     <p:extLst>
       <p:ext uri="{19B8F6BF-5375-455C-9EA6-DF929625EA0E}">
         <p15:presenceInfo xmlns:p15="http://schemas.microsoft.com/office/powerpoint/2012/main" userId="Rodrigo" providerId="None"/>
@@ -144,6 +149,15 @@
   <p:cm authorId="1" dt="2018-06-30T13:00:08.199" idx="2">
     <p:pos x="10" y="10"/>
     <p:text>Algoritmos inspirados na natureza</p:text>
+    <p:extLst>
+      <p:ext uri="{C676402C-5697-4E1C-873F-D02D1690AC5C}">
+        <p15:threadingInfo xmlns:p15="http://schemas.microsoft.com/office/powerpoint/2012/main" timeZoneBias="-60"/>
+      </p:ext>
+    </p:extLst>
+  </p:cm>
+  <p:cm authorId="1" dt="2018-06-30T17:02:50.268" idx="8">
+    <p:pos x="106" y="106"/>
+    <p:text>Durante a licenciatura não abordamos algoritmos de swarm intelligence</p:text>
     <p:extLst>
       <p:ext uri="{C676402C-5697-4E1C-873F-D02D1690AC5C}">
         <p15:threadingInfo xmlns:p15="http://schemas.microsoft.com/office/powerpoint/2012/main" timeZoneBias="-60"/>
@@ -208,6 +222,20 @@
   <p:cm authorId="1" dt="2018-06-30T13:02:11.523" idx="6">
     <p:pos x="298" y="298"/>
     <p:text>Explicar brevemente para que foram utilizados os softwares</p:text>
+    <p:extLst>
+      <p:ext uri="{C676402C-5697-4E1C-873F-D02D1690AC5C}">
+        <p15:threadingInfo xmlns:p15="http://schemas.microsoft.com/office/powerpoint/2012/main" timeZoneBias="-60"/>
+      </p:ext>
+    </p:extLst>
+  </p:cm>
+</p:cmLst>
+</file>
+
+<file path=ppt/comments/comment4.xml><?xml version="1.0" encoding="utf-8"?>
+<p:cmLst xmlns:a="http://schemas.openxmlformats.org/drawingml/2006/main" xmlns:r="http://schemas.openxmlformats.org/officeDocument/2006/relationships" xmlns:p="http://schemas.openxmlformats.org/presentationml/2006/main">
+  <p:cm authorId="1" dt="2018-06-30T16:43:51.117" idx="7">
+    <p:pos x="51" y="44"/>
+    <p:text>ND corresponde ao número de nós desligados, RU ao número de regeneradores utilizados e Wi corresponde ao peso do regenerador i</p:text>
     <p:extLst>
       <p:ext uri="{C676402C-5697-4E1C-873F-D02D1690AC5C}">
         <p15:threadingInfo xmlns:p15="http://schemas.microsoft.com/office/powerpoint/2012/main" timeZoneBias="-60"/>
@@ -3315,6 +3343,123 @@
           <p:cNvPr id="2" name="Título 1">
             <a:extLst>
               <a:ext uri="{FF2B5EF4-FFF2-40B4-BE49-F238E27FC236}">
+                <a16:creationId xmlns:a16="http://schemas.microsoft.com/office/drawing/2014/main" id="{2072B765-F0F2-4470-B5C8-BD2E4FF94FF0}"/>
+              </a:ext>
+            </a:extLst>
+          </p:cNvPr>
+          <p:cNvSpPr>
+            <a:spLocks noGrp="1"/>
+          </p:cNvSpPr>
+          <p:nvPr>
+            <p:ph type="title"/>
+          </p:nvPr>
+        </p:nvSpPr>
+        <p:spPr/>
+        <p:txBody>
+          <a:bodyPr/>
+          <a:lstStyle/>
+          <a:p>
+            <a:r>
+              <a:rPr lang="pt-PT" dirty="0">
+                <a:effectLst>
+                  <a:outerShdw blurRad="38100" dist="38100" dir="2700000" algn="tl">
+                    <a:srgbClr val="000000">
+                      <a:alpha val="43137"/>
+                    </a:srgbClr>
+                  </a:outerShdw>
+                </a:effectLst>
+              </a:rPr>
+              <a:t>Planeamento</a:t>
+            </a:r>
+          </a:p>
+        </p:txBody>
+      </p:sp>
+      <p:sp>
+        <p:nvSpPr>
+          <p:cNvPr id="3" name="Marcador de Posição de Conteúdo 2">
+            <a:extLst>
+              <a:ext uri="{FF2B5EF4-FFF2-40B4-BE49-F238E27FC236}">
+                <a16:creationId xmlns:a16="http://schemas.microsoft.com/office/drawing/2014/main" id="{5E9885A1-AF04-48B7-9AB3-B042617FEE80}"/>
+              </a:ext>
+            </a:extLst>
+          </p:cNvPr>
+          <p:cNvSpPr>
+            <a:spLocks noGrp="1"/>
+          </p:cNvSpPr>
+          <p:nvPr>
+            <p:ph idx="1"/>
+          </p:nvPr>
+        </p:nvSpPr>
+        <p:spPr/>
+        <p:txBody>
+          <a:bodyPr/>
+          <a:lstStyle/>
+          <a:p>
+            <a:r>
+              <a:rPr lang="pt-PT" dirty="0"/>
+              <a:t>Durante todo o desenvolvimento, as tarefas a realizar foram determinadas com ajuda das orientadoras através de </a:t>
+            </a:r>
+            <a:r>
+              <a:rPr lang="pt-PT" b="1" dirty="0"/>
+              <a:t>reuniões</a:t>
+            </a:r>
+            <a:r>
+              <a:rPr lang="pt-PT" dirty="0"/>
+              <a:t> semanais e presenciais</a:t>
+            </a:r>
+          </a:p>
+          <a:p>
+            <a:r>
+              <a:rPr lang="pt-PT" dirty="0"/>
+              <a:t>Fomos determinando os nossos objetivos com base nas necessidades que iam surgindo</a:t>
+            </a:r>
+          </a:p>
+          <a:p>
+            <a:r>
+              <a:rPr lang="pt-PT" dirty="0"/>
+              <a:t>Tivemos sempre presentes desde o inicio os requisitos mínimos</a:t>
+            </a:r>
+          </a:p>
+          <a:p>
+            <a:endParaRPr lang="pt-PT" dirty="0"/>
+          </a:p>
+        </p:txBody>
+      </p:sp>
+    </p:spTree>
+    <p:extLst>
+      <p:ext uri="{BB962C8B-B14F-4D97-AF65-F5344CB8AC3E}">
+        <p14:creationId xmlns:p14="http://schemas.microsoft.com/office/powerpoint/2010/main" val="3917199628"/>
+      </p:ext>
+    </p:extLst>
+  </p:cSld>
+  <p:clrMapOvr>
+    <a:masterClrMapping/>
+  </p:clrMapOvr>
+</p:sld>
+</file>
+
+<file path=ppt/slides/slide11.xml><?xml version="1.0" encoding="utf-8"?>
+<p:sld xmlns:a="http://schemas.openxmlformats.org/drawingml/2006/main" xmlns:r="http://schemas.openxmlformats.org/officeDocument/2006/relationships" xmlns:p="http://schemas.openxmlformats.org/presentationml/2006/main">
+  <p:cSld>
+    <p:spTree>
+      <p:nvGrpSpPr>
+        <p:cNvPr id="1" name=""/>
+        <p:cNvGrpSpPr/>
+        <p:nvPr/>
+      </p:nvGrpSpPr>
+      <p:grpSpPr>
+        <a:xfrm>
+          <a:off x="0" y="0"/>
+          <a:ext cx="0" cy="0"/>
+          <a:chOff x="0" y="0"/>
+          <a:chExt cx="0" cy="0"/>
+        </a:xfrm>
+      </p:grpSpPr>
+      <p:sp>
+        <p:nvSpPr>
+          <p:cNvPr id="2" name="Título 1">
+            <a:extLst>
+              <a:ext uri="{FF2B5EF4-FFF2-40B4-BE49-F238E27FC236}">
                 <a16:creationId xmlns:a16="http://schemas.microsoft.com/office/drawing/2014/main" id="{4B189320-92EB-4170-B80D-4E344F53A3AD}"/>
               </a:ext>
             </a:extLst>
@@ -3428,7 +3573,7 @@
 </p:sld>
 </file>
 
-<file path=ppt/slides/slide11.xml><?xml version="1.0" encoding="utf-8"?>
+<file path=ppt/slides/slide12.xml><?xml version="1.0" encoding="utf-8"?>
 <p:sld xmlns:a="http://schemas.openxmlformats.org/drawingml/2006/main" xmlns:r="http://schemas.openxmlformats.org/officeDocument/2006/relationships" xmlns:p="http://schemas.openxmlformats.org/presentationml/2006/main">
   <p:cSld>
     <p:spTree>
@@ -3737,7 +3882,7 @@
 </p:sld>
 </file>
 
-<file path=ppt/slides/slide12.xml><?xml version="1.0" encoding="utf-8"?>
+<file path=ppt/slides/slide13.xml><?xml version="1.0" encoding="utf-8"?>
 <p:sld xmlns:a="http://schemas.openxmlformats.org/drawingml/2006/main" xmlns:r="http://schemas.openxmlformats.org/officeDocument/2006/relationships" xmlns:p="http://schemas.openxmlformats.org/presentationml/2006/main">
   <p:cSld>
     <p:spTree>
@@ -3785,7 +3930,7 @@
                   </a:outerShdw>
                 </a:effectLst>
               </a:rPr>
-              <a:t>Estrutura do Programa</a:t>
+              <a:t>Estrutura do Programa - Problema</a:t>
             </a:r>
           </a:p>
         </p:txBody>
@@ -3811,7 +3956,22 @@
           <a:bodyPr/>
           <a:lstStyle/>
           <a:p>
-            <a:endParaRPr lang="pt-PT"/>
+            <a:r>
+              <a:rPr lang="pt-PT" dirty="0"/>
+              <a:t>Problemas obtidos sob o formato de  ficheiros de texto</a:t>
+            </a:r>
+          </a:p>
+          <a:p>
+            <a:r>
+              <a:rPr lang="pt-PT" dirty="0"/>
+              <a:t>Obtidos a partir do site do Centro de Computadores da Universidade de Viena</a:t>
+            </a:r>
+          </a:p>
+          <a:p>
+            <a:r>
+              <a:rPr lang="pt-PT" dirty="0"/>
+              <a:t>Estes ficheiros contem uma matriz que representa as ligações entre os diferentes nós, o número de nós, o número de ligações, e nos problemas em que se aplique, um vetor de pesos</a:t>
+            </a:r>
           </a:p>
         </p:txBody>
       </p:sp>
@@ -3819,6 +3979,1046 @@
     <p:extLst>
       <p:ext uri="{BB962C8B-B14F-4D97-AF65-F5344CB8AC3E}">
         <p14:creationId xmlns:p14="http://schemas.microsoft.com/office/powerpoint/2010/main" val="2974894989"/>
+      </p:ext>
+    </p:extLst>
+  </p:cSld>
+  <p:clrMapOvr>
+    <a:masterClrMapping/>
+  </p:clrMapOvr>
+</p:sld>
+</file>
+
+<file path=ppt/slides/slide14.xml><?xml version="1.0" encoding="utf-8"?>
+<p:sld xmlns:a="http://schemas.openxmlformats.org/drawingml/2006/main" xmlns:r="http://schemas.openxmlformats.org/officeDocument/2006/relationships" xmlns:p="http://schemas.openxmlformats.org/presentationml/2006/main">
+  <p:cSld>
+    <p:spTree>
+      <p:nvGrpSpPr>
+        <p:cNvPr id="1" name=""/>
+        <p:cNvGrpSpPr/>
+        <p:nvPr/>
+      </p:nvGrpSpPr>
+      <p:grpSpPr>
+        <a:xfrm>
+          <a:off x="0" y="0"/>
+          <a:ext cx="0" cy="0"/>
+          <a:chOff x="0" y="0"/>
+          <a:chExt cx="0" cy="0"/>
+        </a:xfrm>
+      </p:grpSpPr>
+      <p:sp>
+        <p:nvSpPr>
+          <p:cNvPr id="2" name="Título 1">
+            <a:extLst>
+              <a:ext uri="{FF2B5EF4-FFF2-40B4-BE49-F238E27FC236}">
+                <a16:creationId xmlns:a16="http://schemas.microsoft.com/office/drawing/2014/main" id="{D17850B0-8FBE-4A13-AAA5-2C548C40E66E}"/>
+              </a:ext>
+            </a:extLst>
+          </p:cNvPr>
+          <p:cNvSpPr>
+            <a:spLocks noGrp="1"/>
+          </p:cNvSpPr>
+          <p:nvPr>
+            <p:ph type="title"/>
+          </p:nvPr>
+        </p:nvSpPr>
+        <p:spPr>
+          <a:xfrm>
+            <a:off x="533619" y="0"/>
+            <a:ext cx="10515600" cy="1325562"/>
+          </a:xfrm>
+        </p:spPr>
+        <p:txBody>
+          <a:bodyPr/>
+          <a:lstStyle/>
+          <a:p>
+            <a:pPr algn="ctr"/>
+            <a:r>
+              <a:rPr lang="pt-PT" dirty="0">
+                <a:effectLst>
+                  <a:outerShdw blurRad="38100" dist="38100" dir="2700000" algn="tl">
+                    <a:srgbClr val="000000">
+                      <a:alpha val="43137"/>
+                    </a:srgbClr>
+                  </a:outerShdw>
+                </a:effectLst>
+              </a:rPr>
+              <a:t>Exemplo de problema  </a:t>
+            </a:r>
+          </a:p>
+        </p:txBody>
+      </p:sp>
+      <p:pic>
+        <p:nvPicPr>
+          <p:cNvPr id="4" name="Imagem 3">
+            <a:extLst>
+              <a:ext uri="{FF2B5EF4-FFF2-40B4-BE49-F238E27FC236}">
+                <a16:creationId xmlns:a16="http://schemas.microsoft.com/office/drawing/2014/main" id="{F3C9BA31-A0EE-4AFE-92A5-AC646CBBDE61}"/>
+              </a:ext>
+            </a:extLst>
+          </p:cNvPr>
+          <p:cNvPicPr/>
+          <p:nvPr/>
+        </p:nvPicPr>
+        <p:blipFill>
+          <a:blip r:embed="rId2">
+            <a:extLst>
+              <a:ext uri="{28A0092B-C50C-407E-A947-70E740481C1C}">
+                <a14:useLocalDpi xmlns:a14="http://schemas.microsoft.com/office/drawing/2010/main" val="0"/>
+              </a:ext>
+            </a:extLst>
+          </a:blip>
+          <a:stretch>
+            <a:fillRect/>
+          </a:stretch>
+        </p:blipFill>
+        <p:spPr>
+          <a:xfrm>
+            <a:off x="731177" y="1522192"/>
+            <a:ext cx="2714819" cy="2393900"/>
+          </a:xfrm>
+          <a:prstGeom prst="rect">
+            <a:avLst/>
+          </a:prstGeom>
+          <a:solidFill>
+            <a:srgbClr val="FFFFFF">
+              <a:shade val="85000"/>
+            </a:srgbClr>
+          </a:solidFill>
+          <a:ln w="190500" cap="rnd">
+            <a:solidFill>
+              <a:srgbClr val="FFFFFF"/>
+            </a:solidFill>
+          </a:ln>
+          <a:effectLst>
+            <a:outerShdw blurRad="50000" algn="tl" rotWithShape="0">
+              <a:srgbClr val="000000">
+                <a:alpha val="41000"/>
+              </a:srgbClr>
+            </a:outerShdw>
+          </a:effectLst>
+          <a:scene3d>
+            <a:camera prst="orthographicFront"/>
+            <a:lightRig rig="twoPt" dir="t">
+              <a:rot lat="0" lon="0" rev="7800000"/>
+            </a:lightRig>
+          </a:scene3d>
+          <a:sp3d contourW="6350">
+            <a:bevelT w="50800" h="16510"/>
+            <a:contourClr>
+              <a:srgbClr val="C0C0C0"/>
+            </a:contourClr>
+          </a:sp3d>
+        </p:spPr>
+      </p:pic>
+      <p:pic>
+        <p:nvPicPr>
+          <p:cNvPr id="8" name="Imagem 7">
+            <a:extLst>
+              <a:ext uri="{FF2B5EF4-FFF2-40B4-BE49-F238E27FC236}">
+                <a16:creationId xmlns:a16="http://schemas.microsoft.com/office/drawing/2014/main" id="{79197868-B79A-4ADB-87C8-FD6055333870}"/>
+              </a:ext>
+            </a:extLst>
+          </p:cNvPr>
+          <p:cNvPicPr>
+            <a:picLocks noChangeAspect="1"/>
+          </p:cNvPicPr>
+          <p:nvPr/>
+        </p:nvPicPr>
+        <p:blipFill>
+          <a:blip r:embed="rId3"/>
+          <a:stretch>
+            <a:fillRect/>
+          </a:stretch>
+        </p:blipFill>
+        <p:spPr>
+          <a:xfrm>
+            <a:off x="533619" y="5447196"/>
+            <a:ext cx="3581400" cy="514350"/>
+          </a:xfrm>
+          <a:prstGeom prst="rect">
+            <a:avLst/>
+          </a:prstGeom>
+        </p:spPr>
+      </p:pic>
+      <p:sp>
+        <p:nvSpPr>
+          <p:cNvPr id="11" name="CaixaDeTexto 10">
+            <a:extLst>
+              <a:ext uri="{FF2B5EF4-FFF2-40B4-BE49-F238E27FC236}">
+                <a16:creationId xmlns:a16="http://schemas.microsoft.com/office/drawing/2014/main" id="{56F912C7-E11F-4097-9B47-FAF3F92717D2}"/>
+              </a:ext>
+            </a:extLst>
+          </p:cNvPr>
+          <p:cNvSpPr txBox="1"/>
+          <p:nvPr/>
+        </p:nvSpPr>
+        <p:spPr>
+          <a:xfrm>
+            <a:off x="533619" y="4003830"/>
+            <a:ext cx="2846524" cy="338554"/>
+          </a:xfrm>
+          <a:prstGeom prst="rect">
+            <a:avLst/>
+          </a:prstGeom>
+          <a:noFill/>
+        </p:spPr>
+        <p:txBody>
+          <a:bodyPr wrap="square" rtlCol="0">
+            <a:spAutoFit/>
+          </a:bodyPr>
+          <a:lstStyle/>
+          <a:p>
+            <a:r>
+              <a:rPr lang="pt-PT" sz="1600" dirty="0"/>
+              <a:t>Problema com 7 nós</a:t>
+            </a:r>
+          </a:p>
+        </p:txBody>
+      </p:sp>
+      <p:grpSp>
+        <p:nvGrpSpPr>
+          <p:cNvPr id="14" name="Grupo 13">
+            <a:extLst>
+              <a:ext uri="{FF2B5EF4-FFF2-40B4-BE49-F238E27FC236}">
+                <a16:creationId xmlns:a16="http://schemas.microsoft.com/office/drawing/2014/main" id="{4A4FB2A1-77C2-4D38-9379-FEEF88391088}"/>
+              </a:ext>
+            </a:extLst>
+          </p:cNvPr>
+          <p:cNvGrpSpPr/>
+          <p:nvPr/>
+        </p:nvGrpSpPr>
+        <p:grpSpPr>
+          <a:xfrm>
+            <a:off x="4660777" y="1414713"/>
+            <a:ext cx="7261933" cy="5002758"/>
+            <a:chOff x="4758431" y="1402673"/>
+            <a:chExt cx="7261933" cy="5002758"/>
+          </a:xfrm>
+        </p:grpSpPr>
+        <p:sp>
+          <p:nvSpPr>
+            <p:cNvPr id="10" name="Retângulo 9">
+              <a:extLst>
+                <a:ext uri="{FF2B5EF4-FFF2-40B4-BE49-F238E27FC236}">
+                  <a16:creationId xmlns:a16="http://schemas.microsoft.com/office/drawing/2014/main" id="{5688CE5D-6274-4E13-944A-3DEDEC5963C2}"/>
+                </a:ext>
+              </a:extLst>
+            </p:cNvPr>
+            <p:cNvSpPr/>
+            <p:nvPr/>
+          </p:nvSpPr>
+          <p:spPr>
+            <a:xfrm>
+              <a:off x="4758431" y="1402673"/>
+              <a:ext cx="7261933" cy="5002758"/>
+            </a:xfrm>
+            <a:prstGeom prst="rect">
+              <a:avLst/>
+            </a:prstGeom>
+            <a:solidFill>
+              <a:schemeClr val="bg1">
+                <a:lumMod val="95000"/>
+              </a:schemeClr>
+            </a:solidFill>
+          </p:spPr>
+          <p:style>
+            <a:lnRef idx="2">
+              <a:schemeClr val="accent1">
+                <a:shade val="50000"/>
+              </a:schemeClr>
+            </a:lnRef>
+            <a:fillRef idx="1">
+              <a:schemeClr val="accent1"/>
+            </a:fillRef>
+            <a:effectRef idx="0">
+              <a:schemeClr val="accent1"/>
+            </a:effectRef>
+            <a:fontRef idx="minor">
+              <a:schemeClr val="lt1"/>
+            </a:fontRef>
+          </p:style>
+          <p:txBody>
+            <a:bodyPr rtlCol="0" anchor="ctr"/>
+            <a:lstStyle/>
+            <a:p>
+              <a:pPr algn="ctr"/>
+              <a:endParaRPr lang="pt-PT" dirty="0"/>
+            </a:p>
+          </p:txBody>
+        </p:sp>
+        <p:pic>
+          <p:nvPicPr>
+            <p:cNvPr id="5" name="Imagem 4">
+              <a:extLst>
+                <a:ext uri="{FF2B5EF4-FFF2-40B4-BE49-F238E27FC236}">
+                  <a16:creationId xmlns:a16="http://schemas.microsoft.com/office/drawing/2014/main" id="{5DBB5D90-18BE-4D4E-9C9B-7AEA1940D62E}"/>
+                </a:ext>
+              </a:extLst>
+            </p:cNvPr>
+            <p:cNvPicPr>
+              <a:picLocks noChangeAspect="1"/>
+            </p:cNvPicPr>
+            <p:nvPr/>
+          </p:nvPicPr>
+          <p:blipFill>
+            <a:blip r:embed="rId4"/>
+            <a:stretch>
+              <a:fillRect/>
+            </a:stretch>
+          </p:blipFill>
+          <p:spPr>
+            <a:xfrm>
+              <a:off x="4849038" y="1521246"/>
+              <a:ext cx="3340270" cy="3340270"/>
+            </a:xfrm>
+            <a:prstGeom prst="rect">
+              <a:avLst/>
+            </a:prstGeom>
+          </p:spPr>
+        </p:pic>
+        <p:pic>
+          <p:nvPicPr>
+            <p:cNvPr id="6" name="Imagem 5">
+              <a:extLst>
+                <a:ext uri="{FF2B5EF4-FFF2-40B4-BE49-F238E27FC236}">
+                  <a16:creationId xmlns:a16="http://schemas.microsoft.com/office/drawing/2014/main" id="{E6AE5F1C-075D-4B67-8EC7-1322653CA227}"/>
+                </a:ext>
+              </a:extLst>
+            </p:cNvPr>
+            <p:cNvPicPr>
+              <a:picLocks noChangeAspect="1"/>
+            </p:cNvPicPr>
+            <p:nvPr/>
+          </p:nvPicPr>
+          <p:blipFill>
+            <a:blip r:embed="rId5"/>
+            <a:stretch>
+              <a:fillRect/>
+            </a:stretch>
+          </p:blipFill>
+          <p:spPr>
+            <a:xfrm>
+              <a:off x="8280574" y="1521246"/>
+              <a:ext cx="3659892" cy="4789692"/>
+            </a:xfrm>
+            <a:prstGeom prst="rect">
+              <a:avLst/>
+            </a:prstGeom>
+          </p:spPr>
+        </p:pic>
+        <p:sp>
+          <p:nvSpPr>
+            <p:cNvPr id="12" name="CaixaDeTexto 11">
+              <a:extLst>
+                <a:ext uri="{FF2B5EF4-FFF2-40B4-BE49-F238E27FC236}">
+                  <a16:creationId xmlns:a16="http://schemas.microsoft.com/office/drawing/2014/main" id="{FDFB3E39-C10D-4832-B158-ADE997440158}"/>
+                </a:ext>
+              </a:extLst>
+            </p:cNvPr>
+            <p:cNvSpPr txBox="1"/>
+            <p:nvPr/>
+          </p:nvSpPr>
+          <p:spPr>
+            <a:xfrm>
+              <a:off x="5123603" y="5447196"/>
+              <a:ext cx="3065705" cy="338554"/>
+            </a:xfrm>
+            <a:prstGeom prst="rect">
+              <a:avLst/>
+            </a:prstGeom>
+            <a:noFill/>
+          </p:spPr>
+          <p:txBody>
+            <a:bodyPr wrap="square" rtlCol="0">
+              <a:spAutoFit/>
+            </a:bodyPr>
+            <a:lstStyle/>
+            <a:p>
+              <a:r>
+                <a:rPr lang="pt-PT" sz="1600" dirty="0"/>
+                <a:t>Ficheiro texto do problema</a:t>
+              </a:r>
+            </a:p>
+          </p:txBody>
+        </p:sp>
+      </p:grpSp>
+      <p:sp>
+        <p:nvSpPr>
+          <p:cNvPr id="13" name="CaixaDeTexto 12">
+            <a:extLst>
+              <a:ext uri="{FF2B5EF4-FFF2-40B4-BE49-F238E27FC236}">
+                <a16:creationId xmlns:a16="http://schemas.microsoft.com/office/drawing/2014/main" id="{90661420-07BE-419F-B1F2-7EC2F4E8931C}"/>
+              </a:ext>
+            </a:extLst>
+          </p:cNvPr>
+          <p:cNvSpPr txBox="1"/>
+          <p:nvPr/>
+        </p:nvSpPr>
+        <p:spPr>
+          <a:xfrm>
+            <a:off x="533619" y="5961546"/>
+            <a:ext cx="2535694" cy="338554"/>
+          </a:xfrm>
+          <a:prstGeom prst="rect">
+            <a:avLst/>
+          </a:prstGeom>
+          <a:noFill/>
+        </p:spPr>
+        <p:txBody>
+          <a:bodyPr wrap="none" rtlCol="0">
+            <a:spAutoFit/>
+          </a:bodyPr>
+          <a:lstStyle/>
+          <a:p>
+            <a:r>
+              <a:rPr lang="pt-PT" sz="1600" dirty="0"/>
+              <a:t>Vetor de pesos do problema</a:t>
+            </a:r>
+          </a:p>
+        </p:txBody>
+      </p:sp>
+    </p:spTree>
+    <p:extLst>
+      <p:ext uri="{BB962C8B-B14F-4D97-AF65-F5344CB8AC3E}">
+        <p14:creationId xmlns:p14="http://schemas.microsoft.com/office/powerpoint/2010/main" val="4116966257"/>
+      </p:ext>
+    </p:extLst>
+  </p:cSld>
+  <p:clrMapOvr>
+    <a:masterClrMapping/>
+  </p:clrMapOvr>
+</p:sld>
+</file>
+
+<file path=ppt/slides/slide15.xml><?xml version="1.0" encoding="utf-8"?>
+<p:sld xmlns:a="http://schemas.openxmlformats.org/drawingml/2006/main" xmlns:r="http://schemas.openxmlformats.org/officeDocument/2006/relationships" xmlns:p="http://schemas.openxmlformats.org/presentationml/2006/main">
+  <p:cSld>
+    <p:spTree>
+      <p:nvGrpSpPr>
+        <p:cNvPr id="1" name=""/>
+        <p:cNvGrpSpPr/>
+        <p:nvPr/>
+      </p:nvGrpSpPr>
+      <p:grpSpPr>
+        <a:xfrm>
+          <a:off x="0" y="0"/>
+          <a:ext cx="0" cy="0"/>
+          <a:chOff x="0" y="0"/>
+          <a:chExt cx="0" cy="0"/>
+        </a:xfrm>
+      </p:grpSpPr>
+      <p:sp>
+        <p:nvSpPr>
+          <p:cNvPr id="2" name="Título 1">
+            <a:extLst>
+              <a:ext uri="{FF2B5EF4-FFF2-40B4-BE49-F238E27FC236}">
+                <a16:creationId xmlns:a16="http://schemas.microsoft.com/office/drawing/2014/main" id="{254158C6-0903-42E6-884F-90C1903D20FC}"/>
+              </a:ext>
+            </a:extLst>
+          </p:cNvPr>
+          <p:cNvSpPr>
+            <a:spLocks noGrp="1"/>
+          </p:cNvSpPr>
+          <p:nvPr>
+            <p:ph type="title"/>
+          </p:nvPr>
+        </p:nvSpPr>
+        <p:spPr>
+          <a:xfrm>
+            <a:off x="543287" y="0"/>
+            <a:ext cx="10515600" cy="1325562"/>
+          </a:xfrm>
+        </p:spPr>
+        <p:txBody>
+          <a:bodyPr/>
+          <a:lstStyle/>
+          <a:p>
+            <a:pPr algn="ctr"/>
+            <a:r>
+              <a:rPr lang="pt-PT" dirty="0">
+                <a:effectLst>
+                  <a:outerShdw blurRad="38100" dist="38100" dir="2700000" algn="tl">
+                    <a:srgbClr val="000000">
+                      <a:alpha val="43137"/>
+                    </a:srgbClr>
+                  </a:outerShdw>
+                </a:effectLst>
+              </a:rPr>
+              <a:t>Exemplo de problema</a:t>
+            </a:r>
+          </a:p>
+        </p:txBody>
+      </p:sp>
+      <p:pic>
+        <p:nvPicPr>
+          <p:cNvPr id="9" name="Marcador de Posição de Conteúdo 8" descr="C:\Users\Rodrigo\Desktop\ACO_IMAGES\unknown.png">
+            <a:extLst>
+              <a:ext uri="{FF2B5EF4-FFF2-40B4-BE49-F238E27FC236}">
+                <a16:creationId xmlns:a16="http://schemas.microsoft.com/office/drawing/2014/main" id="{F12EE38D-13CA-488B-80A9-B9643729EC34}"/>
+              </a:ext>
+            </a:extLst>
+          </p:cNvPr>
+          <p:cNvPicPr>
+            <a:picLocks noGrp="1"/>
+          </p:cNvPicPr>
+          <p:nvPr>
+            <p:ph idx="1"/>
+          </p:nvPr>
+        </p:nvPicPr>
+        <p:blipFill>
+          <a:blip r:embed="rId2" cstate="print">
+            <a:extLst>
+              <a:ext uri="{28A0092B-C50C-407E-A947-70E740481C1C}">
+                <a14:useLocalDpi xmlns:a14="http://schemas.microsoft.com/office/drawing/2010/main" val="0"/>
+              </a:ext>
+            </a:extLst>
+          </a:blip>
+          <a:srcRect/>
+          <a:stretch>
+            <a:fillRect/>
+          </a:stretch>
+        </p:blipFill>
+        <p:spPr bwMode="auto">
+          <a:xfrm>
+            <a:off x="1323160" y="2827687"/>
+            <a:ext cx="2554754" cy="2274851"/>
+          </a:xfrm>
+          <a:prstGeom prst="rect">
+            <a:avLst/>
+          </a:prstGeom>
+          <a:noFill/>
+          <a:ln>
+            <a:noFill/>
+          </a:ln>
+        </p:spPr>
+      </p:pic>
+      <p:sp>
+        <p:nvSpPr>
+          <p:cNvPr id="12" name="CaixaDeTexto 11">
+            <a:extLst>
+              <a:ext uri="{FF2B5EF4-FFF2-40B4-BE49-F238E27FC236}">
+                <a16:creationId xmlns:a16="http://schemas.microsoft.com/office/drawing/2014/main" id="{A4B94FED-98AA-412B-BE40-FC1CA12EBB41}"/>
+              </a:ext>
+            </a:extLst>
+          </p:cNvPr>
+          <p:cNvSpPr txBox="1"/>
+          <p:nvPr/>
+        </p:nvSpPr>
+        <p:spPr>
+          <a:xfrm>
+            <a:off x="858612" y="1199132"/>
+            <a:ext cx="9884950" cy="1754326"/>
+          </a:xfrm>
+          <a:prstGeom prst="rect">
+            <a:avLst/>
+          </a:prstGeom>
+          <a:noFill/>
+        </p:spPr>
+        <p:txBody>
+          <a:bodyPr wrap="none" rtlCol="0">
+            <a:spAutoFit/>
+          </a:bodyPr>
+          <a:lstStyle/>
+          <a:p>
+            <a:r>
+              <a:rPr lang="pt-PT" dirty="0"/>
+              <a:t>Para calcular a qualidade de uma solução, é calculado um valor de fitness utilizando a seguinte formula:</a:t>
+            </a:r>
+          </a:p>
+          <a:p>
+            <a:endParaRPr lang="pt-PT" dirty="0"/>
+          </a:p>
+          <a:p>
+            <a:pPr algn="ctr"/>
+            <a:r>
+              <a:rPr lang="pt-PT" b="1" i="1" dirty="0"/>
+              <a:t>fitness = ND * 500 + ∑</a:t>
+            </a:r>
+            <a:r>
+              <a:rPr lang="pt-PT" b="1" i="1" baseline="-25000" dirty="0"/>
+              <a:t>RU </a:t>
+            </a:r>
+            <a:r>
+              <a:rPr lang="pt-PT" b="1" i="1" dirty="0"/>
+              <a:t>W</a:t>
+            </a:r>
+            <a:r>
+              <a:rPr lang="pt-PT" b="1" i="1" baseline="-25000" dirty="0"/>
+              <a:t>i</a:t>
+            </a:r>
+            <a:r>
+              <a:rPr lang="pt-PT" b="1" i="1" dirty="0"/>
+              <a:t> * 100</a:t>
+            </a:r>
+            <a:endParaRPr lang="en-US" b="1" dirty="0"/>
+          </a:p>
+          <a:p>
+            <a:endParaRPr lang="pt-PT" dirty="0"/>
+          </a:p>
+          <a:p>
+            <a:endParaRPr lang="pt-PT" dirty="0"/>
+          </a:p>
+          <a:p>
+            <a:endParaRPr lang="pt-PT" dirty="0"/>
+          </a:p>
+        </p:txBody>
+      </p:sp>
+      <p:pic>
+        <p:nvPicPr>
+          <p:cNvPr id="13" name="Imagem 12">
+            <a:extLst>
+              <a:ext uri="{FF2B5EF4-FFF2-40B4-BE49-F238E27FC236}">
+                <a16:creationId xmlns:a16="http://schemas.microsoft.com/office/drawing/2014/main" id="{F7986C26-6059-4F44-8E1A-3B8EA73A0286}"/>
+              </a:ext>
+            </a:extLst>
+          </p:cNvPr>
+          <p:cNvPicPr>
+            <a:picLocks noChangeAspect="1"/>
+          </p:cNvPicPr>
+          <p:nvPr/>
+        </p:nvPicPr>
+        <p:blipFill>
+          <a:blip r:embed="rId3"/>
+          <a:stretch>
+            <a:fillRect/>
+          </a:stretch>
+        </p:blipFill>
+        <p:spPr>
+          <a:xfrm>
+            <a:off x="392367" y="5222597"/>
+            <a:ext cx="3997473" cy="1245268"/>
+          </a:xfrm>
+          <a:prstGeom prst="rect">
+            <a:avLst/>
+          </a:prstGeom>
+        </p:spPr>
+      </p:pic>
+      <p:pic>
+        <p:nvPicPr>
+          <p:cNvPr id="14" name="Imagem 13">
+            <a:extLst>
+              <a:ext uri="{FF2B5EF4-FFF2-40B4-BE49-F238E27FC236}">
+                <a16:creationId xmlns:a16="http://schemas.microsoft.com/office/drawing/2014/main" id="{6F0593CA-20CE-49FB-91D7-4028006A202A}"/>
+              </a:ext>
+            </a:extLst>
+          </p:cNvPr>
+          <p:cNvPicPr/>
+          <p:nvPr/>
+        </p:nvPicPr>
+        <p:blipFill>
+          <a:blip r:embed="rId4">
+            <a:extLst>
+              <a:ext uri="{28A0092B-C50C-407E-A947-70E740481C1C}">
+                <a14:useLocalDpi xmlns:a14="http://schemas.microsoft.com/office/drawing/2010/main" val="0"/>
+              </a:ext>
+            </a:extLst>
+          </a:blip>
+          <a:stretch>
+            <a:fillRect/>
+          </a:stretch>
+        </p:blipFill>
+        <p:spPr>
+          <a:xfrm>
+            <a:off x="5436712" y="2825682"/>
+            <a:ext cx="2551176" cy="2276856"/>
+          </a:xfrm>
+          <a:prstGeom prst="rect">
+            <a:avLst/>
+          </a:prstGeom>
+        </p:spPr>
+      </p:pic>
+      <p:pic>
+        <p:nvPicPr>
+          <p:cNvPr id="15" name="Imagem 14">
+            <a:extLst>
+              <a:ext uri="{FF2B5EF4-FFF2-40B4-BE49-F238E27FC236}">
+                <a16:creationId xmlns:a16="http://schemas.microsoft.com/office/drawing/2014/main" id="{A5E89325-C642-4142-95BE-65563A79D392}"/>
+              </a:ext>
+            </a:extLst>
+          </p:cNvPr>
+          <p:cNvPicPr>
+            <a:picLocks noChangeAspect="1"/>
+          </p:cNvPicPr>
+          <p:nvPr/>
+        </p:nvPicPr>
+        <p:blipFill>
+          <a:blip r:embed="rId5"/>
+          <a:stretch>
+            <a:fillRect/>
+          </a:stretch>
+        </p:blipFill>
+        <p:spPr>
+          <a:xfrm>
+            <a:off x="4567376" y="5117271"/>
+            <a:ext cx="3783534" cy="1485387"/>
+          </a:xfrm>
+          <a:prstGeom prst="rect">
+            <a:avLst/>
+          </a:prstGeom>
+        </p:spPr>
+      </p:pic>
+      <p:pic>
+        <p:nvPicPr>
+          <p:cNvPr id="16" name="Imagem 15">
+            <a:extLst>
+              <a:ext uri="{FF2B5EF4-FFF2-40B4-BE49-F238E27FC236}">
+                <a16:creationId xmlns:a16="http://schemas.microsoft.com/office/drawing/2014/main" id="{417A4923-58AB-4A6A-A4AE-1D9C1AA734D8}"/>
+              </a:ext>
+            </a:extLst>
+          </p:cNvPr>
+          <p:cNvPicPr/>
+          <p:nvPr/>
+        </p:nvPicPr>
+        <p:blipFill>
+          <a:blip r:embed="rId6">
+            <a:extLst>
+              <a:ext uri="{28A0092B-C50C-407E-A947-70E740481C1C}">
+                <a14:useLocalDpi xmlns:a14="http://schemas.microsoft.com/office/drawing/2010/main" val="0"/>
+              </a:ext>
+            </a:extLst>
+          </a:blip>
+          <a:stretch>
+            <a:fillRect/>
+          </a:stretch>
+        </p:blipFill>
+        <p:spPr>
+          <a:xfrm>
+            <a:off x="9244558" y="2825682"/>
+            <a:ext cx="2551176" cy="2276856"/>
+          </a:xfrm>
+          <a:prstGeom prst="rect">
+            <a:avLst/>
+          </a:prstGeom>
+        </p:spPr>
+      </p:pic>
+      <p:pic>
+        <p:nvPicPr>
+          <p:cNvPr id="17" name="Imagem 16">
+            <a:extLst>
+              <a:ext uri="{FF2B5EF4-FFF2-40B4-BE49-F238E27FC236}">
+                <a16:creationId xmlns:a16="http://schemas.microsoft.com/office/drawing/2014/main" id="{B2FE9C9B-8BFE-42B7-9623-22A6CD4EE888}"/>
+              </a:ext>
+            </a:extLst>
+          </p:cNvPr>
+          <p:cNvPicPr>
+            <a:picLocks noChangeAspect="1"/>
+          </p:cNvPicPr>
+          <p:nvPr/>
+        </p:nvPicPr>
+        <p:blipFill>
+          <a:blip r:embed="rId7"/>
+          <a:stretch>
+            <a:fillRect/>
+          </a:stretch>
+        </p:blipFill>
+        <p:spPr>
+          <a:xfrm>
+            <a:off x="8528446" y="5195926"/>
+            <a:ext cx="3512077" cy="1298610"/>
+          </a:xfrm>
+          <a:prstGeom prst="rect">
+            <a:avLst/>
+          </a:prstGeom>
+        </p:spPr>
+      </p:pic>
+      <p:sp>
+        <p:nvSpPr>
+          <p:cNvPr id="18" name="CaixaDeTexto 17">
+            <a:extLst>
+              <a:ext uri="{FF2B5EF4-FFF2-40B4-BE49-F238E27FC236}">
+                <a16:creationId xmlns:a16="http://schemas.microsoft.com/office/drawing/2014/main" id="{40230DE5-48AA-4347-9501-20F235BF8889}"/>
+              </a:ext>
+            </a:extLst>
+          </p:cNvPr>
+          <p:cNvSpPr txBox="1"/>
+          <p:nvPr/>
+        </p:nvSpPr>
+        <p:spPr>
+          <a:xfrm>
+            <a:off x="1554495" y="2522962"/>
+            <a:ext cx="1673215" cy="369332"/>
+          </a:xfrm>
+          <a:prstGeom prst="rect">
+            <a:avLst/>
+          </a:prstGeom>
+          <a:noFill/>
+        </p:spPr>
+        <p:txBody>
+          <a:bodyPr wrap="none" rtlCol="0">
+            <a:spAutoFit/>
+          </a:bodyPr>
+          <a:lstStyle/>
+          <a:p>
+            <a:r>
+              <a:rPr lang="pt-PT" u="sng" dirty="0"/>
+              <a:t>Solução inviável</a:t>
+            </a:r>
+          </a:p>
+        </p:txBody>
+      </p:sp>
+      <p:sp>
+        <p:nvSpPr>
+          <p:cNvPr id="20" name="CaixaDeTexto 19">
+            <a:extLst>
+              <a:ext uri="{FF2B5EF4-FFF2-40B4-BE49-F238E27FC236}">
+                <a16:creationId xmlns:a16="http://schemas.microsoft.com/office/drawing/2014/main" id="{1934840D-43AD-4AE0-9B76-4F5700F368F1}"/>
+              </a:ext>
+            </a:extLst>
+          </p:cNvPr>
+          <p:cNvSpPr txBox="1"/>
+          <p:nvPr/>
+        </p:nvSpPr>
+        <p:spPr>
+          <a:xfrm>
+            <a:off x="5311713" y="2456350"/>
+            <a:ext cx="2294859" cy="369332"/>
+          </a:xfrm>
+          <a:prstGeom prst="rect">
+            <a:avLst/>
+          </a:prstGeom>
+          <a:noFill/>
+        </p:spPr>
+        <p:txBody>
+          <a:bodyPr wrap="none" rtlCol="0">
+            <a:spAutoFit/>
+          </a:bodyPr>
+          <a:lstStyle/>
+          <a:p>
+            <a:r>
+              <a:rPr lang="pt-PT" u="sng" dirty="0"/>
+              <a:t>Solução não otimizada</a:t>
+            </a:r>
+          </a:p>
+        </p:txBody>
+      </p:sp>
+      <p:sp>
+        <p:nvSpPr>
+          <p:cNvPr id="21" name="CaixaDeTexto 20">
+            <a:extLst>
+              <a:ext uri="{FF2B5EF4-FFF2-40B4-BE49-F238E27FC236}">
+                <a16:creationId xmlns:a16="http://schemas.microsoft.com/office/drawing/2014/main" id="{A63BC750-EFF2-4E8B-B262-F3441DB4869F}"/>
+              </a:ext>
+            </a:extLst>
+          </p:cNvPr>
+          <p:cNvSpPr txBox="1"/>
+          <p:nvPr/>
+        </p:nvSpPr>
+        <p:spPr>
+          <a:xfrm>
+            <a:off x="9573552" y="2456350"/>
+            <a:ext cx="1421864" cy="369332"/>
+          </a:xfrm>
+          <a:prstGeom prst="rect">
+            <a:avLst/>
+          </a:prstGeom>
+          <a:noFill/>
+        </p:spPr>
+        <p:txBody>
+          <a:bodyPr wrap="none" rtlCol="0">
+            <a:spAutoFit/>
+          </a:bodyPr>
+          <a:lstStyle/>
+          <a:p>
+            <a:r>
+              <a:rPr lang="pt-PT" u="sng" dirty="0"/>
+              <a:t>Solução ideal</a:t>
+            </a:r>
+          </a:p>
+        </p:txBody>
+      </p:sp>
+    </p:spTree>
+    <p:extLst>
+      <p:ext uri="{BB962C8B-B14F-4D97-AF65-F5344CB8AC3E}">
+        <p14:creationId xmlns:p14="http://schemas.microsoft.com/office/powerpoint/2010/main" val="1097835415"/>
+      </p:ext>
+    </p:extLst>
+  </p:cSld>
+  <p:clrMapOvr>
+    <a:masterClrMapping/>
+  </p:clrMapOvr>
+</p:sld>
+</file>
+
+<file path=ppt/slides/slide16.xml><?xml version="1.0" encoding="utf-8"?>
+<p:sld xmlns:a="http://schemas.openxmlformats.org/drawingml/2006/main" xmlns:r="http://schemas.openxmlformats.org/officeDocument/2006/relationships" xmlns:p="http://schemas.openxmlformats.org/presentationml/2006/main">
+  <p:cSld>
+    <p:spTree>
+      <p:nvGrpSpPr>
+        <p:cNvPr id="1" name=""/>
+        <p:cNvGrpSpPr/>
+        <p:nvPr/>
+      </p:nvGrpSpPr>
+      <p:grpSpPr>
+        <a:xfrm>
+          <a:off x="0" y="0"/>
+          <a:ext cx="0" cy="0"/>
+          <a:chOff x="0" y="0"/>
+          <a:chExt cx="0" cy="0"/>
+        </a:xfrm>
+      </p:grpSpPr>
+      <p:sp>
+        <p:nvSpPr>
+          <p:cNvPr id="2" name="Título 1">
+            <a:extLst>
+              <a:ext uri="{FF2B5EF4-FFF2-40B4-BE49-F238E27FC236}">
+                <a16:creationId xmlns:a16="http://schemas.microsoft.com/office/drawing/2014/main" id="{8168C8F0-9038-446E-91CF-F6235AA3D6CE}"/>
+              </a:ext>
+            </a:extLst>
+          </p:cNvPr>
+          <p:cNvSpPr>
+            <a:spLocks noGrp="1"/>
+          </p:cNvSpPr>
+          <p:nvPr>
+            <p:ph type="title"/>
+          </p:nvPr>
+        </p:nvSpPr>
+        <p:spPr/>
+        <p:txBody>
+          <a:bodyPr/>
+          <a:lstStyle/>
+          <a:p>
+            <a:r>
+              <a:rPr lang="pt-PT" dirty="0">
+                <a:effectLst>
+                  <a:outerShdw blurRad="38100" dist="38100" dir="2700000" algn="tl">
+                    <a:srgbClr val="000000">
+                      <a:alpha val="43137"/>
+                    </a:srgbClr>
+                  </a:outerShdw>
+                </a:effectLst>
+              </a:rPr>
+              <a:t>Estrutura do Programa - Aplicação</a:t>
+            </a:r>
+          </a:p>
+        </p:txBody>
+      </p:sp>
+      <p:sp>
+        <p:nvSpPr>
+          <p:cNvPr id="3" name="Marcador de Posição de Conteúdo 2">
+            <a:extLst>
+              <a:ext uri="{FF2B5EF4-FFF2-40B4-BE49-F238E27FC236}">
+                <a16:creationId xmlns:a16="http://schemas.microsoft.com/office/drawing/2014/main" id="{09441EBF-50A9-4CD3-9F9C-BBC6F09F138D}"/>
+              </a:ext>
+            </a:extLst>
+          </p:cNvPr>
+          <p:cNvSpPr>
+            <a:spLocks noGrp="1"/>
+          </p:cNvSpPr>
+          <p:nvPr>
+            <p:ph idx="1"/>
+          </p:nvPr>
+        </p:nvSpPr>
+        <p:spPr/>
+        <p:txBody>
+          <a:bodyPr/>
+          <a:lstStyle/>
+          <a:p>
+            <a:r>
+              <a:rPr lang="pt-PT" dirty="0"/>
+              <a:t>Menu inicial</a:t>
+            </a:r>
+          </a:p>
+        </p:txBody>
+      </p:sp>
+    </p:spTree>
+    <p:extLst>
+      <p:ext uri="{BB962C8B-B14F-4D97-AF65-F5344CB8AC3E}">
+        <p14:creationId xmlns:p14="http://schemas.microsoft.com/office/powerpoint/2010/main" val="1311674856"/>
+      </p:ext>
+    </p:extLst>
+  </p:cSld>
+  <p:clrMapOvr>
+    <a:masterClrMapping/>
+  </p:clrMapOvr>
+</p:sld>
+</file>
+
+<file path=ppt/slides/slide17.xml><?xml version="1.0" encoding="utf-8"?>
+<p:sld xmlns:a="http://schemas.openxmlformats.org/drawingml/2006/main" xmlns:r="http://schemas.openxmlformats.org/officeDocument/2006/relationships" xmlns:p="http://schemas.openxmlformats.org/presentationml/2006/main">
+  <p:cSld>
+    <p:spTree>
+      <p:nvGrpSpPr>
+        <p:cNvPr id="1" name=""/>
+        <p:cNvGrpSpPr/>
+        <p:nvPr/>
+      </p:nvGrpSpPr>
+      <p:grpSpPr>
+        <a:xfrm>
+          <a:off x="0" y="0"/>
+          <a:ext cx="0" cy="0"/>
+          <a:chOff x="0" y="0"/>
+          <a:chExt cx="0" cy="0"/>
+        </a:xfrm>
+      </p:grpSpPr>
+      <p:sp>
+        <p:nvSpPr>
+          <p:cNvPr id="2" name="Título 1">
+            <a:extLst>
+              <a:ext uri="{FF2B5EF4-FFF2-40B4-BE49-F238E27FC236}">
+                <a16:creationId xmlns:a16="http://schemas.microsoft.com/office/drawing/2014/main" id="{32E5A1E3-300C-4743-A714-6FE649D29B0D}"/>
+              </a:ext>
+            </a:extLst>
+          </p:cNvPr>
+          <p:cNvSpPr>
+            <a:spLocks noGrp="1"/>
+          </p:cNvSpPr>
+          <p:nvPr>
+            <p:ph type="title"/>
+          </p:nvPr>
+        </p:nvSpPr>
+        <p:spPr/>
+        <p:txBody>
+          <a:bodyPr/>
+          <a:lstStyle/>
+          <a:p>
+            <a:r>
+              <a:rPr lang="pt-PT" dirty="0">
+                <a:effectLst>
+                  <a:outerShdw blurRad="38100" dist="38100" dir="2700000" algn="tl">
+                    <a:srgbClr val="000000">
+                      <a:alpha val="43137"/>
+                    </a:srgbClr>
+                  </a:outerShdw>
+                </a:effectLst>
+              </a:rPr>
+              <a:t>Estrutura do Programa - Aplicação</a:t>
+            </a:r>
+            <a:endParaRPr lang="pt-PT" dirty="0"/>
+          </a:p>
+        </p:txBody>
+      </p:sp>
+      <p:sp>
+        <p:nvSpPr>
+          <p:cNvPr id="3" name="Marcador de Posição de Conteúdo 2">
+            <a:extLst>
+              <a:ext uri="{FF2B5EF4-FFF2-40B4-BE49-F238E27FC236}">
+                <a16:creationId xmlns:a16="http://schemas.microsoft.com/office/drawing/2014/main" id="{531D4F16-8C40-4FB2-A29C-D0A42A9A1403}"/>
+              </a:ext>
+            </a:extLst>
+          </p:cNvPr>
+          <p:cNvSpPr>
+            <a:spLocks noGrp="1"/>
+          </p:cNvSpPr>
+          <p:nvPr>
+            <p:ph idx="1"/>
+          </p:nvPr>
+        </p:nvSpPr>
+        <p:spPr/>
+        <p:txBody>
+          <a:bodyPr/>
+          <a:lstStyle/>
+          <a:p>
+            <a:r>
+              <a:rPr lang="pt-PT" dirty="0"/>
+              <a:t>UI de cada problema, funcionalidades, etc.</a:t>
+            </a:r>
+          </a:p>
+        </p:txBody>
+      </p:sp>
+    </p:spTree>
+    <p:extLst>
+      <p:ext uri="{BB962C8B-B14F-4D97-AF65-F5344CB8AC3E}">
+        <p14:creationId xmlns:p14="http://schemas.microsoft.com/office/powerpoint/2010/main" val="2528071103"/>
       </p:ext>
     </p:extLst>
   </p:cSld>
@@ -4630,6 +5830,124 @@
           <p:cNvPr id="2" name="Título 1">
             <a:extLst>
               <a:ext uri="{FF2B5EF4-FFF2-40B4-BE49-F238E27FC236}">
+                <a16:creationId xmlns:a16="http://schemas.microsoft.com/office/drawing/2014/main" id="{050D98BC-7FAB-41F3-B31F-AC30613B6B7C}"/>
+              </a:ext>
+            </a:extLst>
+          </p:cNvPr>
+          <p:cNvSpPr>
+            <a:spLocks noGrp="1"/>
+          </p:cNvSpPr>
+          <p:nvPr>
+            <p:ph type="title"/>
+          </p:nvPr>
+        </p:nvSpPr>
+        <p:spPr/>
+        <p:txBody>
+          <a:bodyPr/>
+          <a:lstStyle/>
+          <a:p>
+            <a:r>
+              <a:rPr lang="pt-PT" dirty="0">
+                <a:effectLst>
+                  <a:outerShdw blurRad="38100" dist="38100" dir="2700000" algn="tl">
+                    <a:srgbClr val="000000">
+                      <a:alpha val="43137"/>
+                    </a:srgbClr>
+                  </a:outerShdw>
+                </a:effectLst>
+              </a:rPr>
+              <a:t>Problema </a:t>
+            </a:r>
+            <a:r>
+              <a:rPr lang="pt-PT" dirty="0" err="1">
+                <a:effectLst>
+                  <a:outerShdw blurRad="38100" dist="38100" dir="2700000" algn="tl">
+                    <a:srgbClr val="000000">
+                      <a:alpha val="43137"/>
+                    </a:srgbClr>
+                  </a:outerShdw>
+                </a:effectLst>
+              </a:rPr>
+              <a:t>Np</a:t>
+            </a:r>
+            <a:r>
+              <a:rPr lang="pt-PT" dirty="0">
+                <a:effectLst>
+                  <a:outerShdw blurRad="38100" dist="38100" dir="2700000" algn="tl">
+                    <a:srgbClr val="000000">
+                      <a:alpha val="43137"/>
+                    </a:srgbClr>
+                  </a:outerShdw>
+                </a:effectLst>
+              </a:rPr>
+              <a:t>-Complete</a:t>
+            </a:r>
+          </a:p>
+        </p:txBody>
+      </p:sp>
+      <p:sp>
+        <p:nvSpPr>
+          <p:cNvPr id="3" name="Marcador de Posição de Conteúdo 2">
+            <a:extLst>
+              <a:ext uri="{FF2B5EF4-FFF2-40B4-BE49-F238E27FC236}">
+                <a16:creationId xmlns:a16="http://schemas.microsoft.com/office/drawing/2014/main" id="{D932BAB5-8E63-4C95-A516-89CC55643045}"/>
+              </a:ext>
+            </a:extLst>
+          </p:cNvPr>
+          <p:cNvSpPr>
+            <a:spLocks noGrp="1"/>
+          </p:cNvSpPr>
+          <p:nvPr>
+            <p:ph idx="1"/>
+          </p:nvPr>
+        </p:nvSpPr>
+        <p:spPr/>
+        <p:txBody>
+          <a:bodyPr/>
+          <a:lstStyle/>
+          <a:p>
+            <a:r>
+              <a:rPr lang="pt-PT" dirty="0"/>
+              <a:t>Falar sobre isto?</a:t>
+            </a:r>
+          </a:p>
+        </p:txBody>
+      </p:sp>
+    </p:spTree>
+    <p:extLst>
+      <p:ext uri="{BB962C8B-B14F-4D97-AF65-F5344CB8AC3E}">
+        <p14:creationId xmlns:p14="http://schemas.microsoft.com/office/powerpoint/2010/main" val="1751846742"/>
+      </p:ext>
+    </p:extLst>
+  </p:cSld>
+  <p:clrMapOvr>
+    <a:masterClrMapping/>
+  </p:clrMapOvr>
+</p:sld>
+</file>
+
+<file path=ppt/slides/slide8.xml><?xml version="1.0" encoding="utf-8"?>
+<p:sld xmlns:a="http://schemas.openxmlformats.org/drawingml/2006/main" xmlns:r="http://schemas.openxmlformats.org/officeDocument/2006/relationships" xmlns:p="http://schemas.openxmlformats.org/presentationml/2006/main">
+  <p:cSld>
+    <p:spTree>
+      <p:nvGrpSpPr>
+        <p:cNvPr id="1" name=""/>
+        <p:cNvGrpSpPr/>
+        <p:nvPr/>
+      </p:nvGrpSpPr>
+      <p:grpSpPr>
+        <a:xfrm>
+          <a:off x="0" y="0"/>
+          <a:ext cx="0" cy="0"/>
+          <a:chOff x="0" y="0"/>
+          <a:chExt cx="0" cy="0"/>
+        </a:xfrm>
+      </p:grpSpPr>
+      <p:sp>
+        <p:nvSpPr>
+          <p:cNvPr id="2" name="Título 1">
+            <a:extLst>
+              <a:ext uri="{FF2B5EF4-FFF2-40B4-BE49-F238E27FC236}">
                 <a16:creationId xmlns:a16="http://schemas.microsoft.com/office/drawing/2014/main" id="{8D30E8C2-6263-4986-81E5-D7AACE36286D}"/>
               </a:ext>
             </a:extLst>
@@ -4870,127 +6188,6 @@
 </p:sld>
 </file>
 
-<file path=ppt/slides/slide8.xml><?xml version="1.0" encoding="utf-8"?>
-<p:sld xmlns:a="http://schemas.openxmlformats.org/drawingml/2006/main" xmlns:r="http://schemas.openxmlformats.org/officeDocument/2006/relationships" xmlns:p="http://schemas.openxmlformats.org/presentationml/2006/main">
-  <p:cSld>
-    <p:spTree>
-      <p:nvGrpSpPr>
-        <p:cNvPr id="1" name=""/>
-        <p:cNvGrpSpPr/>
-        <p:nvPr/>
-      </p:nvGrpSpPr>
-      <p:grpSpPr>
-        <a:xfrm>
-          <a:off x="0" y="0"/>
-          <a:ext cx="0" cy="0"/>
-          <a:chOff x="0" y="0"/>
-          <a:chExt cx="0" cy="0"/>
-        </a:xfrm>
-      </p:grpSpPr>
-      <p:sp>
-        <p:nvSpPr>
-          <p:cNvPr id="2" name="Título 1">
-            <a:extLst>
-              <a:ext uri="{FF2B5EF4-FFF2-40B4-BE49-F238E27FC236}">
-                <a16:creationId xmlns:a16="http://schemas.microsoft.com/office/drawing/2014/main" id="{2BE6B0DD-63C4-4A38-821B-2BC9EC00B96F}"/>
-              </a:ext>
-            </a:extLst>
-          </p:cNvPr>
-          <p:cNvSpPr>
-            <a:spLocks noGrp="1"/>
-          </p:cNvSpPr>
-          <p:nvPr>
-            <p:ph type="title"/>
-          </p:nvPr>
-        </p:nvSpPr>
-        <p:spPr/>
-        <p:txBody>
-          <a:bodyPr/>
-          <a:lstStyle/>
-          <a:p>
-            <a:r>
-              <a:rPr lang="pt-PT" dirty="0">
-                <a:effectLst>
-                  <a:outerShdw blurRad="38100" dist="38100" dir="2700000" algn="tl">
-                    <a:srgbClr val="000000">
-                      <a:alpha val="43137"/>
-                    </a:srgbClr>
-                  </a:outerShdw>
-                </a:effectLst>
-              </a:rPr>
-              <a:t>Motivação</a:t>
-            </a:r>
-          </a:p>
-        </p:txBody>
-      </p:sp>
-      <p:sp>
-        <p:nvSpPr>
-          <p:cNvPr id="3" name="Marcador de Posição de Conteúdo 2">
-            <a:extLst>
-              <a:ext uri="{FF2B5EF4-FFF2-40B4-BE49-F238E27FC236}">
-                <a16:creationId xmlns:a16="http://schemas.microsoft.com/office/drawing/2014/main" id="{537242E8-C4B1-4FDB-BBFB-FC117BC4BBC4}"/>
-              </a:ext>
-            </a:extLst>
-          </p:cNvPr>
-          <p:cNvSpPr>
-            <a:spLocks noGrp="1"/>
-          </p:cNvSpPr>
-          <p:nvPr>
-            <p:ph idx="1"/>
-          </p:nvPr>
-        </p:nvSpPr>
-        <p:spPr/>
-        <p:txBody>
-          <a:bodyPr/>
-          <a:lstStyle/>
-          <a:p>
-            <a:r>
-              <a:rPr lang="pt-PT" dirty="0"/>
-              <a:t>Escolhemos este problema pois:</a:t>
-            </a:r>
-          </a:p>
-          <a:p>
-            <a:pPr lvl="1"/>
-            <a:r>
-              <a:rPr lang="pt-PT" dirty="0"/>
-              <a:t>O PLR é um problema atual no mundo real</a:t>
-            </a:r>
-          </a:p>
-          <a:p>
-            <a:pPr lvl="1"/>
-            <a:r>
-              <a:rPr lang="pt-PT" dirty="0"/>
-              <a:t>Surge a oportunidade e o desafio de trabalhar com Inteligência Artificial</a:t>
-            </a:r>
-          </a:p>
-          <a:p>
-            <a:pPr lvl="1"/>
-            <a:r>
-              <a:rPr lang="pt-PT" dirty="0"/>
-              <a:t>Requer trabalho de investigação e de pesquisa</a:t>
-            </a:r>
-          </a:p>
-          <a:p>
-            <a:endParaRPr lang="pt-PT" dirty="0"/>
-          </a:p>
-          <a:p>
-            <a:endParaRPr lang="pt-PT" dirty="0"/>
-          </a:p>
-        </p:txBody>
-      </p:sp>
-    </p:spTree>
-    <p:extLst>
-      <p:ext uri="{BB962C8B-B14F-4D97-AF65-F5344CB8AC3E}">
-        <p14:creationId xmlns:p14="http://schemas.microsoft.com/office/powerpoint/2010/main" val="90783187"/>
-      </p:ext>
-    </p:extLst>
-  </p:cSld>
-  <p:clrMapOvr>
-    <a:masterClrMapping/>
-  </p:clrMapOvr>
-</p:sld>
-</file>
-
 <file path=ppt/slides/slide9.xml><?xml version="1.0" encoding="utf-8"?>
 <p:sld xmlns:a="http://schemas.openxmlformats.org/drawingml/2006/main" xmlns:r="http://schemas.openxmlformats.org/officeDocument/2006/relationships" xmlns:p="http://schemas.openxmlformats.org/presentationml/2006/main">
   <p:cSld>
@@ -5013,7 +6210,7 @@
           <p:cNvPr id="2" name="Título 1">
             <a:extLst>
               <a:ext uri="{FF2B5EF4-FFF2-40B4-BE49-F238E27FC236}">
-                <a16:creationId xmlns:a16="http://schemas.microsoft.com/office/drawing/2014/main" id="{2072B765-F0F2-4470-B5C8-BD2E4FF94FF0}"/>
+                <a16:creationId xmlns:a16="http://schemas.microsoft.com/office/drawing/2014/main" id="{2BE6B0DD-63C4-4A38-821B-2BC9EC00B96F}"/>
               </a:ext>
             </a:extLst>
           </p:cNvPr>
@@ -5039,7 +6236,7 @@
                   </a:outerShdw>
                 </a:effectLst>
               </a:rPr>
-              <a:t>Planeamento</a:t>
+              <a:t>Motivação</a:t>
             </a:r>
           </a:p>
         </p:txBody>
@@ -5049,7 +6246,7 @@
           <p:cNvPr id="3" name="Marcador de Posição de Conteúdo 2">
             <a:extLst>
               <a:ext uri="{FF2B5EF4-FFF2-40B4-BE49-F238E27FC236}">
-                <a16:creationId xmlns:a16="http://schemas.microsoft.com/office/drawing/2014/main" id="{5E9885A1-AF04-48B7-9AB3-B042617FEE80}"/>
+                <a16:creationId xmlns:a16="http://schemas.microsoft.com/office/drawing/2014/main" id="{537242E8-C4B1-4FDB-BBFB-FC117BC4BBC4}"/>
               </a:ext>
             </a:extLst>
           </p:cNvPr>
@@ -5067,28 +6264,32 @@
           <a:p>
             <a:r>
               <a:rPr lang="pt-PT" dirty="0"/>
-              <a:t>Durante todo o desenvolvimento, as tarefas a realizar foram determinadas com ajuda das orientadoras através de </a:t>
-            </a:r>
-            <a:r>
-              <a:rPr lang="pt-PT" b="1" dirty="0"/>
-              <a:t>reuniões</a:t>
-            </a:r>
+              <a:t>Escolhemos este problema pois:</a:t>
+            </a:r>
+          </a:p>
+          <a:p>
+            <a:pPr lvl="1"/>
             <a:r>
               <a:rPr lang="pt-PT" dirty="0"/>
-              <a:t> semanais e presenciais</a:t>
-            </a:r>
-          </a:p>
-          <a:p>
+              <a:t>O PLR é um problema atual no mundo real</a:t>
+            </a:r>
+          </a:p>
+          <a:p>
+            <a:pPr lvl="1"/>
             <a:r>
               <a:rPr lang="pt-PT" dirty="0"/>
-              <a:t>Fomos determinando os nossos objetivos com base nas necessidades que iam surgindo</a:t>
-            </a:r>
-          </a:p>
-          <a:p>
+              <a:t>Surge a oportunidade e o desafio de trabalhar com Inteligência Artificial</a:t>
+            </a:r>
+          </a:p>
+          <a:p>
+            <a:pPr lvl="1"/>
             <a:r>
               <a:rPr lang="pt-PT" dirty="0"/>
-              <a:t>Tivemos sempre presentes desde o inicio os requisitos mínimos</a:t>
-            </a:r>
+              <a:t>Requer trabalho de investigação e de pesquisa</a:t>
+            </a:r>
+          </a:p>
+          <a:p>
+            <a:endParaRPr lang="pt-PT" dirty="0"/>
           </a:p>
           <a:p>
             <a:endParaRPr lang="pt-PT" dirty="0"/>
@@ -5098,7 +6299,7 @@
     </p:spTree>
     <p:extLst>
       <p:ext uri="{BB962C8B-B14F-4D97-AF65-F5344CB8AC3E}">
-        <p14:creationId xmlns:p14="http://schemas.microsoft.com/office/powerpoint/2010/main" val="3917199628"/>
+        <p14:creationId xmlns:p14="http://schemas.microsoft.com/office/powerpoint/2010/main" val="90783187"/>
       </p:ext>
     </p:extLst>
   </p:cSld>

--- a/powerpoint_defesa.pptx
+++ b/powerpoint_defesa.pptx
@@ -22,6 +22,10 @@
     <p:sldId id="270" r:id="rId16"/>
     <p:sldId id="271" r:id="rId17"/>
     <p:sldId id="273" r:id="rId18"/>
+    <p:sldId id="274" r:id="rId19"/>
+    <p:sldId id="275" r:id="rId20"/>
+    <p:sldId id="276" r:id="rId21"/>
+    <p:sldId id="277" r:id="rId22"/>
   </p:sldIdLst>
   <p:sldSz cx="12192000" cy="6858000"/>
   <p:notesSz cx="6858000" cy="9144000"/>
@@ -130,7 +134,7 @@
 
 <file path=ppt/commentAuthors.xml><?xml version="1.0" encoding="utf-8"?>
 <p:cmAuthorLst xmlns:a="http://schemas.openxmlformats.org/drawingml/2006/main" xmlns:r="http://schemas.openxmlformats.org/officeDocument/2006/relationships" xmlns:p="http://schemas.openxmlformats.org/presentationml/2006/main">
-  <p:cmAuthor id="1" name="Rodrigo" initials="R" lastIdx="8" clrIdx="0">
+  <p:cmAuthor id="1" name="Rodrigo" initials="R" lastIdx="11" clrIdx="0">
     <p:extLst>
       <p:ext uri="{19B8F6BF-5375-455C-9EA6-DF929625EA0E}">
         <p15:presenceInfo xmlns:p15="http://schemas.microsoft.com/office/powerpoint/2012/main" userId="Rodrigo" providerId="None"/>
@@ -233,9 +237,51 @@
 
 <file path=ppt/comments/comment4.xml><?xml version="1.0" encoding="utf-8"?>
 <p:cmLst xmlns:a="http://schemas.openxmlformats.org/drawingml/2006/main" xmlns:r="http://schemas.openxmlformats.org/officeDocument/2006/relationships" xmlns:p="http://schemas.openxmlformats.org/presentationml/2006/main">
+  <p:cm authorId="1" dt="2018-07-01T12:37:42.067" idx="9">
+    <p:pos x="10" y="10"/>
+    <p:text>mencionar que o PLR já foi abordado previamente</p:text>
+    <p:extLst>
+      <p:ext uri="{C676402C-5697-4E1C-873F-D02D1690AC5C}">
+        <p15:threadingInfo xmlns:p15="http://schemas.microsoft.com/office/powerpoint/2012/main" timeZoneBias="-60"/>
+      </p:ext>
+    </p:extLst>
+  </p:cm>
+</p:cmLst>
+</file>
+
+<file path=ppt/comments/comment5.xml><?xml version="1.0" encoding="utf-8"?>
+<p:cmLst xmlns:a="http://schemas.openxmlformats.org/drawingml/2006/main" xmlns:r="http://schemas.openxmlformats.org/officeDocument/2006/relationships" xmlns:p="http://schemas.openxmlformats.org/presentationml/2006/main">
   <p:cm authorId="1" dt="2018-06-30T16:43:51.117" idx="7">
     <p:pos x="51" y="44"/>
     <p:text>ND corresponde ao número de nós desligados, RU ao número de regeneradores utilizados e Wi corresponde ao peso do regenerador i</p:text>
+    <p:extLst>
+      <p:ext uri="{C676402C-5697-4E1C-873F-D02D1690AC5C}">
+        <p15:threadingInfo xmlns:p15="http://schemas.microsoft.com/office/powerpoint/2012/main" timeZoneBias="-60"/>
+      </p:ext>
+    </p:extLst>
+  </p:cm>
+</p:cmLst>
+</file>
+
+<file path=ppt/comments/comment6.xml><?xml version="1.0" encoding="utf-8"?>
+<p:cmLst xmlns:a="http://schemas.openxmlformats.org/drawingml/2006/main" xmlns:r="http://schemas.openxmlformats.org/officeDocument/2006/relationships" xmlns:p="http://schemas.openxmlformats.org/presentationml/2006/main">
+  <p:cm authorId="1" dt="2018-07-01T13:07:45.138" idx="10">
+    <p:pos x="10" y="10"/>
+    <p:text>aqui temos os diferentes algoritmos que iremos explicar mais à frente</p:text>
+    <p:extLst>
+      <p:ext uri="{C676402C-5697-4E1C-873F-D02D1690AC5C}">
+        <p15:threadingInfo xmlns:p15="http://schemas.microsoft.com/office/powerpoint/2012/main" timeZoneBias="-60"/>
+      </p:ext>
+    </p:extLst>
+  </p:cm>
+</p:cmLst>
+</file>
+
+<file path=ppt/comments/comment7.xml><?xml version="1.0" encoding="utf-8"?>
+<p:cmLst xmlns:a="http://schemas.openxmlformats.org/drawingml/2006/main" xmlns:r="http://schemas.openxmlformats.org/officeDocument/2006/relationships" xmlns:p="http://schemas.openxmlformats.org/presentationml/2006/main">
+  <p:cm authorId="1" dt="2018-07-01T13:08:02.922" idx="11">
+    <p:pos x="10" y="10"/>
+    <p:text>explicar cada uma das funcionalidades</p:text>
     <p:extLst>
       <p:ext uri="{C676402C-5697-4E1C-873F-D02D1690AC5C}">
         <p15:threadingInfo xmlns:p15="http://schemas.microsoft.com/office/powerpoint/2012/main" timeZoneBias="-60"/>
@@ -387,7 +433,7 @@
           <a:p>
             <a:fld id="{0DD9A11A-5CC8-44AE-B708-E4356D0648C7}" type="datetimeFigureOut">
               <a:rPr lang="pt-PT" smtClean="0"/>
-              <a:t>30/06/2018</a:t>
+              <a:t>01/07/2018</a:t>
             </a:fld>
             <a:endParaRPr lang="pt-PT"/>
           </a:p>
@@ -557,7 +603,7 @@
           <a:p>
             <a:fld id="{0DD9A11A-5CC8-44AE-B708-E4356D0648C7}" type="datetimeFigureOut">
               <a:rPr lang="pt-PT" smtClean="0"/>
-              <a:t>30/06/2018</a:t>
+              <a:t>01/07/2018</a:t>
             </a:fld>
             <a:endParaRPr lang="pt-PT"/>
           </a:p>
@@ -737,7 +783,7 @@
           <a:p>
             <a:fld id="{0DD9A11A-5CC8-44AE-B708-E4356D0648C7}" type="datetimeFigureOut">
               <a:rPr lang="pt-PT" smtClean="0"/>
-              <a:t>30/06/2018</a:t>
+              <a:t>01/07/2018</a:t>
             </a:fld>
             <a:endParaRPr lang="pt-PT"/>
           </a:p>
@@ -907,7 +953,7 @@
           <a:p>
             <a:fld id="{0DD9A11A-5CC8-44AE-B708-E4356D0648C7}" type="datetimeFigureOut">
               <a:rPr lang="pt-PT" smtClean="0"/>
-              <a:t>30/06/2018</a:t>
+              <a:t>01/07/2018</a:t>
             </a:fld>
             <a:endParaRPr lang="pt-PT"/>
           </a:p>
@@ -1158,7 +1204,7 @@
           <a:p>
             <a:fld id="{0DD9A11A-5CC8-44AE-B708-E4356D0648C7}" type="datetimeFigureOut">
               <a:rPr lang="pt-PT" smtClean="0"/>
-              <a:t>30/06/2018</a:t>
+              <a:t>01/07/2018</a:t>
             </a:fld>
             <a:endParaRPr lang="pt-PT"/>
           </a:p>
@@ -1390,7 +1436,7 @@
           <a:p>
             <a:fld id="{0DD9A11A-5CC8-44AE-B708-E4356D0648C7}" type="datetimeFigureOut">
               <a:rPr lang="pt-PT" smtClean="0"/>
-              <a:t>30/06/2018</a:t>
+              <a:t>01/07/2018</a:t>
             </a:fld>
             <a:endParaRPr lang="pt-PT"/>
           </a:p>
@@ -1737,7 +1783,7 @@
           <a:p>
             <a:fld id="{0DD9A11A-5CC8-44AE-B708-E4356D0648C7}" type="datetimeFigureOut">
               <a:rPr lang="pt-PT" smtClean="0"/>
-              <a:t>30/06/2018</a:t>
+              <a:t>01/07/2018</a:t>
             </a:fld>
             <a:endParaRPr lang="pt-PT"/>
           </a:p>
@@ -1855,7 +1901,7 @@
           <a:p>
             <a:fld id="{0DD9A11A-5CC8-44AE-B708-E4356D0648C7}" type="datetimeFigureOut">
               <a:rPr lang="pt-PT" smtClean="0"/>
-              <a:t>30/06/2018</a:t>
+              <a:t>01/07/2018</a:t>
             </a:fld>
             <a:endParaRPr lang="pt-PT"/>
           </a:p>
@@ -1973,7 +2019,7 @@
           <a:p>
             <a:fld id="{0DD9A11A-5CC8-44AE-B708-E4356D0648C7}" type="datetimeFigureOut">
               <a:rPr lang="pt-PT" smtClean="0"/>
-              <a:t>30/06/2018</a:t>
+              <a:t>01/07/2018</a:t>
             </a:fld>
             <a:endParaRPr lang="pt-PT"/>
           </a:p>
@@ -2257,7 +2303,7 @@
           <a:p>
             <a:fld id="{0DD9A11A-5CC8-44AE-B708-E4356D0648C7}" type="datetimeFigureOut">
               <a:rPr lang="pt-PT" smtClean="0"/>
-              <a:t>30/06/2018</a:t>
+              <a:t>01/07/2018</a:t>
             </a:fld>
             <a:endParaRPr lang="pt-PT"/>
           </a:p>
@@ -2521,7 +2567,7 @@
           <a:p>
             <a:fld id="{0DD9A11A-5CC8-44AE-B708-E4356D0648C7}" type="datetimeFigureOut">
               <a:rPr lang="pt-PT" smtClean="0"/>
-              <a:t>30/06/2018</a:t>
+              <a:t>01/07/2018</a:t>
             </a:fld>
             <a:endParaRPr lang="pt-PT"/>
           </a:p>
@@ -2735,7 +2781,7 @@
           <a:p>
             <a:fld id="{0DD9A11A-5CC8-44AE-B708-E4356D0648C7}" type="datetimeFigureOut">
               <a:rPr lang="pt-PT" smtClean="0"/>
-              <a:t>30/06/2018</a:t>
+              <a:t>01/07/2018</a:t>
             </a:fld>
             <a:endParaRPr lang="pt-PT"/>
           </a:p>
@@ -4872,11 +4918,17 @@
             <p:ph type="title"/>
           </p:nvPr>
         </p:nvSpPr>
-        <p:spPr/>
-        <p:txBody>
-          <a:bodyPr/>
-          <a:lstStyle/>
-          <a:p>
+        <p:spPr>
+          <a:xfrm>
+            <a:off x="845126" y="0"/>
+            <a:ext cx="10515600" cy="1325562"/>
+          </a:xfrm>
+        </p:spPr>
+        <p:txBody>
+          <a:bodyPr/>
+          <a:lstStyle/>
+          <a:p>
+            <a:pPr algn="ctr"/>
             <a:r>
               <a:rPr lang="pt-PT" dirty="0">
                 <a:effectLst>
@@ -4887,7 +4939,7 @@
                   </a:outerShdw>
                 </a:effectLst>
               </a:rPr>
-              <a:t>Estrutura do Programa - Aplicação</a:t>
+              <a:t>Estrutura do Programa – Menu Principal</a:t>
             </a:r>
           </a:p>
         </p:txBody>
@@ -4913,13 +4965,49 @@
           <a:bodyPr/>
           <a:lstStyle/>
           <a:p>
-            <a:r>
-              <a:rPr lang="pt-PT" dirty="0"/>
-              <a:t>Menu inicial</a:t>
-            </a:r>
-          </a:p>
-        </p:txBody>
-      </p:sp>
+            <a:endParaRPr lang="pt-PT" dirty="0"/>
+          </a:p>
+          <a:p>
+            <a:endParaRPr lang="pt-PT" dirty="0"/>
+          </a:p>
+        </p:txBody>
+      </p:sp>
+      <p:pic>
+        <p:nvPicPr>
+          <p:cNvPr id="8" name="Imagem 7">
+            <a:extLst>
+              <a:ext uri="{FF2B5EF4-FFF2-40B4-BE49-F238E27FC236}">
+                <a16:creationId xmlns:a16="http://schemas.microsoft.com/office/drawing/2014/main" id="{CA6E19E4-4523-4A0E-B79B-83889FEC99E3}"/>
+              </a:ext>
+            </a:extLst>
+          </p:cNvPr>
+          <p:cNvPicPr>
+            <a:picLocks noChangeAspect="1"/>
+          </p:cNvPicPr>
+          <p:nvPr/>
+        </p:nvPicPr>
+        <p:blipFill>
+          <a:blip r:embed="rId2">
+            <a:extLst>
+              <a:ext uri="{28A0092B-C50C-407E-A947-70E740481C1C}">
+                <a14:useLocalDpi xmlns:a14="http://schemas.microsoft.com/office/drawing/2010/main" val="0"/>
+              </a:ext>
+            </a:extLst>
+          </a:blip>
+          <a:stretch>
+            <a:fillRect/>
+          </a:stretch>
+        </p:blipFill>
+        <p:spPr>
+          <a:xfrm>
+            <a:off x="4147458" y="2717016"/>
+            <a:ext cx="3910936" cy="2574903"/>
+          </a:xfrm>
+          <a:prstGeom prst="rect">
+            <a:avLst/>
+          </a:prstGeom>
+        </p:spPr>
+      </p:pic>
     </p:spTree>
     <p:extLst>
       <p:ext uri="{BB962C8B-B14F-4D97-AF65-F5344CB8AC3E}">
@@ -4966,11 +5054,17 @@
             <p:ph type="title"/>
           </p:nvPr>
         </p:nvSpPr>
-        <p:spPr/>
-        <p:txBody>
-          <a:bodyPr/>
-          <a:lstStyle/>
-          <a:p>
+        <p:spPr>
+          <a:xfrm>
+            <a:off x="845127" y="0"/>
+            <a:ext cx="10515600" cy="1325562"/>
+          </a:xfrm>
+        </p:spPr>
+        <p:txBody>
+          <a:bodyPr/>
+          <a:lstStyle/>
+          <a:p>
+            <a:pPr algn="ctr"/>
             <a:r>
               <a:rPr lang="pt-PT" dirty="0">
                 <a:effectLst>
@@ -4981,37 +5075,155 @@
                   </a:outerShdw>
                 </a:effectLst>
               </a:rPr>
-              <a:t>Estrutura do Programa - Aplicação</a:t>
+              <a:t>Estrutura do Programa – UI do algoritmo</a:t>
             </a:r>
             <a:endParaRPr lang="pt-PT" dirty="0"/>
           </a:p>
         </p:txBody>
       </p:sp>
-      <p:sp>
-        <p:nvSpPr>
-          <p:cNvPr id="3" name="Marcador de Posição de Conteúdo 2">
-            <a:extLst>
-              <a:ext uri="{FF2B5EF4-FFF2-40B4-BE49-F238E27FC236}">
-                <a16:creationId xmlns:a16="http://schemas.microsoft.com/office/drawing/2014/main" id="{531D4F16-8C40-4FB2-A29C-D0A42A9A1403}"/>
-              </a:ext>
-            </a:extLst>
-          </p:cNvPr>
-          <p:cNvSpPr>
-            <a:spLocks noGrp="1"/>
-          </p:cNvSpPr>
+      <p:pic>
+        <p:nvPicPr>
+          <p:cNvPr id="9" name="Marcador de Posição de Conteúdo 8">
+            <a:extLst>
+              <a:ext uri="{FF2B5EF4-FFF2-40B4-BE49-F238E27FC236}">
+                <a16:creationId xmlns:a16="http://schemas.microsoft.com/office/drawing/2014/main" id="{3433B91B-E5A6-4CA5-9E66-B9350928FAFA}"/>
+              </a:ext>
+            </a:extLst>
+          </p:cNvPr>
+          <p:cNvPicPr>
+            <a:picLocks noGrp="1" noChangeAspect="1"/>
+          </p:cNvPicPr>
           <p:nvPr>
             <p:ph idx="1"/>
           </p:nvPr>
-        </p:nvSpPr>
-        <p:spPr/>
-        <p:txBody>
-          <a:bodyPr/>
-          <a:lstStyle/>
-          <a:p>
-            <a:r>
-              <a:rPr lang="pt-PT" dirty="0"/>
-              <a:t>UI de cada problema, funcionalidades, etc.</a:t>
-            </a:r>
+        </p:nvPicPr>
+        <p:blipFill>
+          <a:blip r:embed="rId2">
+            <a:extLst>
+              <a:ext uri="{28A0092B-C50C-407E-A947-70E740481C1C}">
+                <a14:useLocalDpi xmlns:a14="http://schemas.microsoft.com/office/drawing/2010/main" val="0"/>
+              </a:ext>
+            </a:extLst>
+          </a:blip>
+          <a:stretch>
+            <a:fillRect/>
+          </a:stretch>
+        </p:blipFill>
+        <p:spPr>
+          <a:xfrm>
+            <a:off x="356892" y="1796078"/>
+            <a:ext cx="5510762" cy="4009723"/>
+          </a:xfrm>
+        </p:spPr>
+      </p:pic>
+      <p:pic>
+        <p:nvPicPr>
+          <p:cNvPr id="11" name="Imagem 10">
+            <a:extLst>
+              <a:ext uri="{FF2B5EF4-FFF2-40B4-BE49-F238E27FC236}">
+                <a16:creationId xmlns:a16="http://schemas.microsoft.com/office/drawing/2014/main" id="{B1ACE442-9389-4792-B0D3-E100937C6BE3}"/>
+              </a:ext>
+            </a:extLst>
+          </p:cNvPr>
+          <p:cNvPicPr>
+            <a:picLocks noChangeAspect="1"/>
+          </p:cNvPicPr>
+          <p:nvPr/>
+        </p:nvPicPr>
+        <p:blipFill>
+          <a:blip r:embed="rId3">
+            <a:extLst>
+              <a:ext uri="{28A0092B-C50C-407E-A947-70E740481C1C}">
+                <a14:useLocalDpi xmlns:a14="http://schemas.microsoft.com/office/drawing/2010/main" val="0"/>
+              </a:ext>
+            </a:extLst>
+          </a:blip>
+          <a:stretch>
+            <a:fillRect/>
+          </a:stretch>
+        </p:blipFill>
+        <p:spPr>
+          <a:xfrm>
+            <a:off x="5867654" y="1796078"/>
+            <a:ext cx="6131147" cy="4009723"/>
+          </a:xfrm>
+          <a:prstGeom prst="rect">
+            <a:avLst/>
+          </a:prstGeom>
+        </p:spPr>
+      </p:pic>
+      <p:sp>
+        <p:nvSpPr>
+          <p:cNvPr id="12" name="CaixaDeTexto 11">
+            <a:extLst>
+              <a:ext uri="{FF2B5EF4-FFF2-40B4-BE49-F238E27FC236}">
+                <a16:creationId xmlns:a16="http://schemas.microsoft.com/office/drawing/2014/main" id="{034627D0-C06B-4392-8759-8AFC3AD50223}"/>
+              </a:ext>
+            </a:extLst>
+          </p:cNvPr>
+          <p:cNvSpPr txBox="1"/>
+          <p:nvPr/>
+        </p:nvSpPr>
+        <p:spPr>
+          <a:xfrm>
+            <a:off x="356892" y="5726097"/>
+            <a:ext cx="2246577" cy="338554"/>
+          </a:xfrm>
+          <a:prstGeom prst="rect">
+            <a:avLst/>
+          </a:prstGeom>
+          <a:noFill/>
+        </p:spPr>
+        <p:txBody>
+          <a:bodyPr wrap="none" rtlCol="0">
+            <a:spAutoFit/>
+          </a:bodyPr>
+          <a:lstStyle/>
+          <a:p>
+            <a:r>
+              <a:rPr lang="pt-PT" sz="1600" dirty="0"/>
+              <a:t>UI do algoritmo genético</a:t>
+            </a:r>
+          </a:p>
+        </p:txBody>
+      </p:sp>
+      <p:sp>
+        <p:nvSpPr>
+          <p:cNvPr id="13" name="CaixaDeTexto 12">
+            <a:extLst>
+              <a:ext uri="{FF2B5EF4-FFF2-40B4-BE49-F238E27FC236}">
+                <a16:creationId xmlns:a16="http://schemas.microsoft.com/office/drawing/2014/main" id="{185E484E-48E0-4D7A-8053-B9CBAC1FB0C0}"/>
+              </a:ext>
+            </a:extLst>
+          </p:cNvPr>
+          <p:cNvSpPr txBox="1"/>
+          <p:nvPr/>
+        </p:nvSpPr>
+        <p:spPr>
+          <a:xfrm>
+            <a:off x="5867654" y="5726097"/>
+            <a:ext cx="2156552" cy="338554"/>
+          </a:xfrm>
+          <a:prstGeom prst="rect">
+            <a:avLst/>
+          </a:prstGeom>
+          <a:noFill/>
+        </p:spPr>
+        <p:txBody>
+          <a:bodyPr wrap="none" rtlCol="0">
+            <a:spAutoFit/>
+          </a:bodyPr>
+          <a:lstStyle/>
+          <a:p>
+            <a:r>
+              <a:rPr lang="pt-PT" sz="1600" dirty="0"/>
+              <a:t>UI do algoritmo </a:t>
+            </a:r>
+            <a:r>
+              <a:rPr lang="pt-PT" sz="1600" i="1" dirty="0" err="1"/>
+              <a:t>Custom</a:t>
+            </a:r>
+            <a:endParaRPr lang="pt-PT" sz="1600" i="1" dirty="0"/>
           </a:p>
         </p:txBody>
       </p:sp>
@@ -5019,6 +5231,391 @@
     <p:extLst>
       <p:ext uri="{BB962C8B-B14F-4D97-AF65-F5344CB8AC3E}">
         <p14:creationId xmlns:p14="http://schemas.microsoft.com/office/powerpoint/2010/main" val="2528071103"/>
+      </p:ext>
+    </p:extLst>
+  </p:cSld>
+  <p:clrMapOvr>
+    <a:masterClrMapping/>
+  </p:clrMapOvr>
+</p:sld>
+</file>
+
+<file path=ppt/slides/slide18.xml><?xml version="1.0" encoding="utf-8"?>
+<p:sld xmlns:a="http://schemas.openxmlformats.org/drawingml/2006/main" xmlns:r="http://schemas.openxmlformats.org/officeDocument/2006/relationships" xmlns:p="http://schemas.openxmlformats.org/presentationml/2006/main">
+  <p:cSld>
+    <p:spTree>
+      <p:nvGrpSpPr>
+        <p:cNvPr id="1" name=""/>
+        <p:cNvGrpSpPr/>
+        <p:nvPr/>
+      </p:nvGrpSpPr>
+      <p:grpSpPr>
+        <a:xfrm>
+          <a:off x="0" y="0"/>
+          <a:ext cx="0" cy="0"/>
+          <a:chOff x="0" y="0"/>
+          <a:chExt cx="0" cy="0"/>
+        </a:xfrm>
+      </p:grpSpPr>
+      <p:sp>
+        <p:nvSpPr>
+          <p:cNvPr id="2" name="Título 1">
+            <a:extLst>
+              <a:ext uri="{FF2B5EF4-FFF2-40B4-BE49-F238E27FC236}">
+                <a16:creationId xmlns:a16="http://schemas.microsoft.com/office/drawing/2014/main" id="{DC4BA44B-1576-44C4-8F85-BE3483F99F10}"/>
+              </a:ext>
+            </a:extLst>
+          </p:cNvPr>
+          <p:cNvSpPr>
+            <a:spLocks noGrp="1"/>
+          </p:cNvSpPr>
+          <p:nvPr>
+            <p:ph type="title"/>
+          </p:nvPr>
+        </p:nvSpPr>
+        <p:spPr>
+          <a:xfrm>
+            <a:off x="845127" y="0"/>
+            <a:ext cx="10515600" cy="1325562"/>
+          </a:xfrm>
+        </p:spPr>
+        <p:txBody>
+          <a:bodyPr/>
+          <a:lstStyle/>
+          <a:p>
+            <a:pPr algn="ctr"/>
+            <a:r>
+              <a:rPr lang="pt-PT" dirty="0">
+                <a:effectLst>
+                  <a:outerShdw blurRad="38100" dist="38100" dir="2700000" algn="tl">
+                    <a:srgbClr val="000000">
+                      <a:alpha val="43137"/>
+                    </a:srgbClr>
+                  </a:outerShdw>
+                </a:effectLst>
+              </a:rPr>
+              <a:t>Estrutura do Programa – Escolha do problema</a:t>
+            </a:r>
+          </a:p>
+        </p:txBody>
+      </p:sp>
+      <p:pic>
+        <p:nvPicPr>
+          <p:cNvPr id="5" name="Imagem 4">
+            <a:extLst>
+              <a:ext uri="{FF2B5EF4-FFF2-40B4-BE49-F238E27FC236}">
+                <a16:creationId xmlns:a16="http://schemas.microsoft.com/office/drawing/2014/main" id="{2DE18B71-034C-4C09-963F-2BFB7E7E9F75}"/>
+              </a:ext>
+            </a:extLst>
+          </p:cNvPr>
+          <p:cNvPicPr>
+            <a:picLocks noChangeAspect="1"/>
+          </p:cNvPicPr>
+          <p:nvPr/>
+        </p:nvPicPr>
+        <p:blipFill>
+          <a:blip r:embed="rId2">
+            <a:extLst>
+              <a:ext uri="{28A0092B-C50C-407E-A947-70E740481C1C}">
+                <a14:useLocalDpi xmlns:a14="http://schemas.microsoft.com/office/drawing/2010/main" val="0"/>
+              </a:ext>
+            </a:extLst>
+          </a:blip>
+          <a:stretch>
+            <a:fillRect/>
+          </a:stretch>
+        </p:blipFill>
+        <p:spPr>
+          <a:xfrm>
+            <a:off x="219849" y="1894632"/>
+            <a:ext cx="5780779" cy="3625815"/>
+          </a:xfrm>
+          <a:prstGeom prst="rect">
+            <a:avLst/>
+          </a:prstGeom>
+          <a:ln>
+            <a:solidFill>
+              <a:schemeClr val="accent1"/>
+            </a:solidFill>
+          </a:ln>
+        </p:spPr>
+      </p:pic>
+      <p:pic>
+        <p:nvPicPr>
+          <p:cNvPr id="7" name="Imagem 6">
+            <a:extLst>
+              <a:ext uri="{FF2B5EF4-FFF2-40B4-BE49-F238E27FC236}">
+                <a16:creationId xmlns:a16="http://schemas.microsoft.com/office/drawing/2014/main" id="{0CA62D8E-F953-4AEB-8A76-A5362A5E4344}"/>
+              </a:ext>
+            </a:extLst>
+          </p:cNvPr>
+          <p:cNvPicPr>
+            <a:picLocks noChangeAspect="1"/>
+          </p:cNvPicPr>
+          <p:nvPr/>
+        </p:nvPicPr>
+        <p:blipFill>
+          <a:blip r:embed="rId3">
+            <a:extLst>
+              <a:ext uri="{28A0092B-C50C-407E-A947-70E740481C1C}">
+                <a14:useLocalDpi xmlns:a14="http://schemas.microsoft.com/office/drawing/2010/main" val="0"/>
+              </a:ext>
+            </a:extLst>
+          </a:blip>
+          <a:stretch>
+            <a:fillRect/>
+          </a:stretch>
+        </p:blipFill>
+        <p:spPr>
+          <a:xfrm>
+            <a:off x="6196613" y="1892529"/>
+            <a:ext cx="5751576" cy="3627918"/>
+          </a:xfrm>
+          <a:prstGeom prst="rect">
+            <a:avLst/>
+          </a:prstGeom>
+          <a:ln>
+            <a:solidFill>
+              <a:schemeClr val="accent1"/>
+            </a:solidFill>
+          </a:ln>
+        </p:spPr>
+      </p:pic>
+    </p:spTree>
+    <p:extLst>
+      <p:ext uri="{BB962C8B-B14F-4D97-AF65-F5344CB8AC3E}">
+        <p14:creationId xmlns:p14="http://schemas.microsoft.com/office/powerpoint/2010/main" val="3060770890"/>
+      </p:ext>
+    </p:extLst>
+  </p:cSld>
+  <p:clrMapOvr>
+    <a:masterClrMapping/>
+  </p:clrMapOvr>
+</p:sld>
+</file>
+
+<file path=ppt/slides/slide19.xml><?xml version="1.0" encoding="utf-8"?>
+<p:sld xmlns:a="http://schemas.openxmlformats.org/drawingml/2006/main" xmlns:r="http://schemas.openxmlformats.org/officeDocument/2006/relationships" xmlns:p="http://schemas.openxmlformats.org/presentationml/2006/main">
+  <p:cSld>
+    <p:spTree>
+      <p:nvGrpSpPr>
+        <p:cNvPr id="1" name=""/>
+        <p:cNvGrpSpPr/>
+        <p:nvPr/>
+      </p:nvGrpSpPr>
+      <p:grpSpPr>
+        <a:xfrm>
+          <a:off x="0" y="0"/>
+          <a:ext cx="0" cy="0"/>
+          <a:chOff x="0" y="0"/>
+          <a:chExt cx="0" cy="0"/>
+        </a:xfrm>
+      </p:grpSpPr>
+      <p:sp>
+        <p:nvSpPr>
+          <p:cNvPr id="2" name="Título 1">
+            <a:extLst>
+              <a:ext uri="{FF2B5EF4-FFF2-40B4-BE49-F238E27FC236}">
+                <a16:creationId xmlns:a16="http://schemas.microsoft.com/office/drawing/2014/main" id="{2A8134F6-2E37-477A-A155-37F8F1EA1EAD}"/>
+              </a:ext>
+            </a:extLst>
+          </p:cNvPr>
+          <p:cNvSpPr>
+            <a:spLocks noGrp="1"/>
+          </p:cNvSpPr>
+          <p:nvPr>
+            <p:ph type="title"/>
+          </p:nvPr>
+        </p:nvSpPr>
+        <p:spPr>
+          <a:xfrm>
+            <a:off x="845127" y="0"/>
+            <a:ext cx="10515600" cy="1325562"/>
+          </a:xfrm>
+        </p:spPr>
+        <p:txBody>
+          <a:bodyPr/>
+          <a:lstStyle/>
+          <a:p>
+            <a:pPr algn="ctr"/>
+            <a:r>
+              <a:rPr lang="pt-PT" dirty="0">
+                <a:effectLst>
+                  <a:outerShdw blurRad="38100" dist="38100" dir="2700000" algn="tl">
+                    <a:srgbClr val="000000">
+                      <a:alpha val="43137"/>
+                    </a:srgbClr>
+                  </a:outerShdw>
+                </a:effectLst>
+              </a:rPr>
+              <a:t>Estrutura do Programa - Resolução</a:t>
+            </a:r>
+          </a:p>
+        </p:txBody>
+      </p:sp>
+      <p:pic>
+        <p:nvPicPr>
+          <p:cNvPr id="5" name="Imagem 4">
+            <a:extLst>
+              <a:ext uri="{FF2B5EF4-FFF2-40B4-BE49-F238E27FC236}">
+                <a16:creationId xmlns:a16="http://schemas.microsoft.com/office/drawing/2014/main" id="{A185BF8A-A6CB-486A-A000-A483D904B7E9}"/>
+              </a:ext>
+            </a:extLst>
+          </p:cNvPr>
+          <p:cNvPicPr>
+            <a:picLocks noChangeAspect="1"/>
+          </p:cNvPicPr>
+          <p:nvPr/>
+        </p:nvPicPr>
+        <p:blipFill>
+          <a:blip r:embed="rId2">
+            <a:extLst>
+              <a:ext uri="{28A0092B-C50C-407E-A947-70E740481C1C}">
+                <a14:useLocalDpi xmlns:a14="http://schemas.microsoft.com/office/drawing/2010/main" val="0"/>
+              </a:ext>
+            </a:extLst>
+          </a:blip>
+          <a:stretch>
+            <a:fillRect/>
+          </a:stretch>
+        </p:blipFill>
+        <p:spPr>
+          <a:xfrm>
+            <a:off x="80207" y="2123230"/>
+            <a:ext cx="5950943" cy="3900179"/>
+          </a:xfrm>
+          <a:prstGeom prst="rect">
+            <a:avLst/>
+          </a:prstGeom>
+        </p:spPr>
+      </p:pic>
+      <p:pic>
+        <p:nvPicPr>
+          <p:cNvPr id="7" name="Imagem 6">
+            <a:extLst>
+              <a:ext uri="{FF2B5EF4-FFF2-40B4-BE49-F238E27FC236}">
+                <a16:creationId xmlns:a16="http://schemas.microsoft.com/office/drawing/2014/main" id="{EC58EF56-E22C-4F73-A789-6781594438AE}"/>
+              </a:ext>
+            </a:extLst>
+          </p:cNvPr>
+          <p:cNvPicPr>
+            <a:picLocks noChangeAspect="1"/>
+          </p:cNvPicPr>
+          <p:nvPr/>
+        </p:nvPicPr>
+        <p:blipFill>
+          <a:blip r:embed="rId3">
+            <a:extLst>
+              <a:ext uri="{28A0092B-C50C-407E-A947-70E740481C1C}">
+                <a14:useLocalDpi xmlns:a14="http://schemas.microsoft.com/office/drawing/2010/main" val="0"/>
+              </a:ext>
+            </a:extLst>
+          </a:blip>
+          <a:stretch>
+            <a:fillRect/>
+          </a:stretch>
+        </p:blipFill>
+        <p:spPr>
+          <a:xfrm>
+            <a:off x="6031150" y="2123229"/>
+            <a:ext cx="5913656" cy="3900179"/>
+          </a:xfrm>
+          <a:prstGeom prst="rect">
+            <a:avLst/>
+          </a:prstGeom>
+        </p:spPr>
+      </p:pic>
+      <p:sp>
+        <p:nvSpPr>
+          <p:cNvPr id="8" name="CaixaDeTexto 7">
+            <a:extLst>
+              <a:ext uri="{FF2B5EF4-FFF2-40B4-BE49-F238E27FC236}">
+                <a16:creationId xmlns:a16="http://schemas.microsoft.com/office/drawing/2014/main" id="{ECFA6828-F84F-4C0B-BB9E-66B3C9A54FDC}"/>
+              </a:ext>
+            </a:extLst>
+          </p:cNvPr>
+          <p:cNvSpPr txBox="1"/>
+          <p:nvPr/>
+        </p:nvSpPr>
+        <p:spPr>
+          <a:xfrm>
+            <a:off x="80207" y="5930285"/>
+            <a:ext cx="1271117" cy="338554"/>
+          </a:xfrm>
+          <a:prstGeom prst="rect">
+            <a:avLst/>
+          </a:prstGeom>
+          <a:noFill/>
+        </p:spPr>
+        <p:txBody>
+          <a:bodyPr wrap="none" rtlCol="0">
+            <a:spAutoFit/>
+          </a:bodyPr>
+          <a:lstStyle/>
+          <a:p>
+            <a:r>
+              <a:rPr lang="pt-PT" sz="1600" i="1" dirty="0"/>
+              <a:t>Solve</a:t>
+            </a:r>
+            <a:r>
+              <a:rPr lang="pt-PT" sz="1600" dirty="0"/>
+              <a:t> normal</a:t>
+            </a:r>
+          </a:p>
+        </p:txBody>
+      </p:sp>
+      <p:sp>
+        <p:nvSpPr>
+          <p:cNvPr id="9" name="CaixaDeTexto 8">
+            <a:extLst>
+              <a:ext uri="{FF2B5EF4-FFF2-40B4-BE49-F238E27FC236}">
+                <a16:creationId xmlns:a16="http://schemas.microsoft.com/office/drawing/2014/main" id="{3CCCB944-4062-4FB8-9B75-0E4F1C416EB2}"/>
+              </a:ext>
+            </a:extLst>
+          </p:cNvPr>
+          <p:cNvSpPr txBox="1"/>
+          <p:nvPr/>
+        </p:nvSpPr>
+        <p:spPr>
+          <a:xfrm>
+            <a:off x="6031150" y="5930285"/>
+            <a:ext cx="2363917" cy="338554"/>
+          </a:xfrm>
+          <a:prstGeom prst="rect">
+            <a:avLst/>
+          </a:prstGeom>
+          <a:noFill/>
+        </p:spPr>
+        <p:txBody>
+          <a:bodyPr wrap="none" rtlCol="0">
+            <a:spAutoFit/>
+          </a:bodyPr>
+          <a:lstStyle/>
+          <a:p>
+            <a:r>
+              <a:rPr lang="pt-PT" sz="1600" i="1" dirty="0" err="1"/>
+              <a:t>Batch</a:t>
+            </a:r>
+            <a:r>
+              <a:rPr lang="pt-PT" sz="1600" i="1" dirty="0"/>
+              <a:t> solve </a:t>
+            </a:r>
+            <a:r>
+              <a:rPr lang="pt-PT" sz="1600" dirty="0"/>
+              <a:t>com 7 </a:t>
+            </a:r>
+            <a:r>
+              <a:rPr lang="pt-PT" sz="1600" i="1" dirty="0" err="1"/>
+              <a:t>threads</a:t>
+            </a:r>
+            <a:endParaRPr lang="pt-PT" sz="1600" i="1" dirty="0"/>
+          </a:p>
+        </p:txBody>
+      </p:sp>
+    </p:spTree>
+    <p:extLst>
+      <p:ext uri="{BB962C8B-B14F-4D97-AF65-F5344CB8AC3E}">
+        <p14:creationId xmlns:p14="http://schemas.microsoft.com/office/powerpoint/2010/main" val="1362336868"/>
       </p:ext>
     </p:extLst>
   </p:cSld>
@@ -5102,6 +5699,233 @@
     <p:extLst>
       <p:ext uri="{BB962C8B-B14F-4D97-AF65-F5344CB8AC3E}">
         <p14:creationId xmlns:p14="http://schemas.microsoft.com/office/powerpoint/2010/main" val="3621832478"/>
+      </p:ext>
+    </p:extLst>
+  </p:cSld>
+  <p:clrMapOvr>
+    <a:masterClrMapping/>
+  </p:clrMapOvr>
+</p:sld>
+</file>
+
+<file path=ppt/slides/slide20.xml><?xml version="1.0" encoding="utf-8"?>
+<p:sld xmlns:a="http://schemas.openxmlformats.org/drawingml/2006/main" xmlns:r="http://schemas.openxmlformats.org/officeDocument/2006/relationships" xmlns:p="http://schemas.openxmlformats.org/presentationml/2006/main">
+  <p:cSld>
+    <p:spTree>
+      <p:nvGrpSpPr>
+        <p:cNvPr id="1" name=""/>
+        <p:cNvGrpSpPr/>
+        <p:nvPr/>
+      </p:nvGrpSpPr>
+      <p:grpSpPr>
+        <a:xfrm>
+          <a:off x="0" y="0"/>
+          <a:ext cx="0" cy="0"/>
+          <a:chOff x="0" y="0"/>
+          <a:chExt cx="0" cy="0"/>
+        </a:xfrm>
+      </p:grpSpPr>
+      <p:sp>
+        <p:nvSpPr>
+          <p:cNvPr id="2" name="Título 1">
+            <a:extLst>
+              <a:ext uri="{FF2B5EF4-FFF2-40B4-BE49-F238E27FC236}">
+                <a16:creationId xmlns:a16="http://schemas.microsoft.com/office/drawing/2014/main" id="{0A742466-E1E9-44B7-826A-05420504FC8C}"/>
+              </a:ext>
+            </a:extLst>
+          </p:cNvPr>
+          <p:cNvSpPr>
+            <a:spLocks noGrp="1"/>
+          </p:cNvSpPr>
+          <p:nvPr>
+            <p:ph type="title"/>
+          </p:nvPr>
+        </p:nvSpPr>
+        <p:spPr>
+          <a:xfrm>
+            <a:off x="845127" y="0"/>
+            <a:ext cx="10515600" cy="1325562"/>
+          </a:xfrm>
+        </p:spPr>
+        <p:txBody>
+          <a:bodyPr/>
+          <a:lstStyle/>
+          <a:p>
+            <a:pPr algn="ctr"/>
+            <a:r>
+              <a:rPr lang="pt-PT" dirty="0">
+                <a:effectLst>
+                  <a:outerShdw blurRad="38100" dist="38100" dir="2700000" algn="tl">
+                    <a:srgbClr val="000000">
+                      <a:alpha val="43137"/>
+                    </a:srgbClr>
+                  </a:outerShdw>
+                </a:effectLst>
+              </a:rPr>
+              <a:t>Estrutura do Programa - Testes</a:t>
+            </a:r>
+          </a:p>
+        </p:txBody>
+      </p:sp>
+      <p:pic>
+        <p:nvPicPr>
+          <p:cNvPr id="5" name="Marcador de Posição de Conteúdo 4">
+            <a:extLst>
+              <a:ext uri="{FF2B5EF4-FFF2-40B4-BE49-F238E27FC236}">
+                <a16:creationId xmlns:a16="http://schemas.microsoft.com/office/drawing/2014/main" id="{A5B2B1E8-45D9-4C94-B476-ACB224879E5B}"/>
+              </a:ext>
+            </a:extLst>
+          </p:cNvPr>
+          <p:cNvPicPr>
+            <a:picLocks noGrp="1" noChangeAspect="1"/>
+          </p:cNvPicPr>
+          <p:nvPr>
+            <p:ph idx="1"/>
+          </p:nvPr>
+        </p:nvPicPr>
+        <p:blipFill>
+          <a:blip r:embed="rId2">
+            <a:extLst>
+              <a:ext uri="{28A0092B-C50C-407E-A947-70E740481C1C}">
+                <a14:useLocalDpi xmlns:a14="http://schemas.microsoft.com/office/drawing/2010/main" val="0"/>
+              </a:ext>
+            </a:extLst>
+          </a:blip>
+          <a:stretch>
+            <a:fillRect/>
+          </a:stretch>
+        </p:blipFill>
+        <p:spPr>
+          <a:xfrm>
+            <a:off x="2553321" y="1498060"/>
+            <a:ext cx="7099211" cy="4682078"/>
+          </a:xfrm>
+          <a:ln>
+            <a:solidFill>
+              <a:schemeClr val="accent5">
+                <a:lumMod val="60000"/>
+                <a:lumOff val="40000"/>
+              </a:schemeClr>
+            </a:solidFill>
+          </a:ln>
+        </p:spPr>
+      </p:pic>
+    </p:spTree>
+    <p:extLst>
+      <p:ext uri="{BB962C8B-B14F-4D97-AF65-F5344CB8AC3E}">
+        <p14:creationId xmlns:p14="http://schemas.microsoft.com/office/powerpoint/2010/main" val="202231511"/>
+      </p:ext>
+    </p:extLst>
+  </p:cSld>
+  <p:clrMapOvr>
+    <a:masterClrMapping/>
+  </p:clrMapOvr>
+</p:sld>
+</file>
+
+<file path=ppt/slides/slide21.xml><?xml version="1.0" encoding="utf-8"?>
+<p:sld xmlns:a="http://schemas.openxmlformats.org/drawingml/2006/main" xmlns:r="http://schemas.openxmlformats.org/officeDocument/2006/relationships" xmlns:p="http://schemas.openxmlformats.org/presentationml/2006/main">
+  <p:cSld>
+    <p:spTree>
+      <p:nvGrpSpPr>
+        <p:cNvPr id="1" name=""/>
+        <p:cNvGrpSpPr/>
+        <p:nvPr/>
+      </p:nvGrpSpPr>
+      <p:grpSpPr>
+        <a:xfrm>
+          <a:off x="0" y="0"/>
+          <a:ext cx="0" cy="0"/>
+          <a:chOff x="0" y="0"/>
+          <a:chExt cx="0" cy="0"/>
+        </a:xfrm>
+      </p:grpSpPr>
+      <p:sp>
+        <p:nvSpPr>
+          <p:cNvPr id="2" name="Título 1">
+            <a:extLst>
+              <a:ext uri="{FF2B5EF4-FFF2-40B4-BE49-F238E27FC236}">
+                <a16:creationId xmlns:a16="http://schemas.microsoft.com/office/drawing/2014/main" id="{56335BB0-B33B-4B6B-9C74-D608B30872AC}"/>
+              </a:ext>
+            </a:extLst>
+          </p:cNvPr>
+          <p:cNvSpPr>
+            <a:spLocks noGrp="1"/>
+          </p:cNvSpPr>
+          <p:nvPr>
+            <p:ph type="title"/>
+          </p:nvPr>
+        </p:nvSpPr>
+        <p:spPr>
+          <a:xfrm>
+            <a:off x="845127" y="0"/>
+            <a:ext cx="10515600" cy="1325562"/>
+          </a:xfrm>
+        </p:spPr>
+        <p:txBody>
+          <a:bodyPr/>
+          <a:lstStyle/>
+          <a:p>
+            <a:pPr algn="ctr"/>
+            <a:r>
+              <a:rPr lang="pt-PT" dirty="0">
+                <a:effectLst>
+                  <a:outerShdw blurRad="38100" dist="38100" dir="2700000" algn="tl">
+                    <a:srgbClr val="000000">
+                      <a:alpha val="43137"/>
+                    </a:srgbClr>
+                  </a:outerShdw>
+                </a:effectLst>
+              </a:rPr>
+              <a:t>Estrutura do Programa - Resultados</a:t>
+            </a:r>
+          </a:p>
+        </p:txBody>
+      </p:sp>
+      <p:pic>
+        <p:nvPicPr>
+          <p:cNvPr id="5" name="Marcador de Posição de Conteúdo 4">
+            <a:extLst>
+              <a:ext uri="{FF2B5EF4-FFF2-40B4-BE49-F238E27FC236}">
+                <a16:creationId xmlns:a16="http://schemas.microsoft.com/office/drawing/2014/main" id="{538A7779-D041-4BB0-B8DD-AAA0A62ED6E1}"/>
+              </a:ext>
+            </a:extLst>
+          </p:cNvPr>
+          <p:cNvPicPr>
+            <a:picLocks noGrp="1" noChangeAspect="1"/>
+          </p:cNvPicPr>
+          <p:nvPr>
+            <p:ph idx="1"/>
+          </p:nvPr>
+        </p:nvPicPr>
+        <p:blipFill>
+          <a:blip r:embed="rId2">
+            <a:extLst>
+              <a:ext uri="{28A0092B-C50C-407E-A947-70E740481C1C}">
+                <a14:useLocalDpi xmlns:a14="http://schemas.microsoft.com/office/drawing/2010/main" val="0"/>
+              </a:ext>
+            </a:extLst>
+          </a:blip>
+          <a:stretch>
+            <a:fillRect/>
+          </a:stretch>
+        </p:blipFill>
+        <p:spPr>
+          <a:xfrm>
+            <a:off x="2471537" y="1325562"/>
+            <a:ext cx="7262779" cy="5344572"/>
+          </a:xfrm>
+          <a:ln>
+            <a:solidFill>
+              <a:schemeClr val="accent1"/>
+            </a:solidFill>
+          </a:ln>
+        </p:spPr>
+      </p:pic>
+    </p:spTree>
+    <p:extLst>
+      <p:ext uri="{BB962C8B-B14F-4D97-AF65-F5344CB8AC3E}">
+        <p14:creationId xmlns:p14="http://schemas.microsoft.com/office/powerpoint/2010/main" val="197739886"/>
       </p:ext>
     </p:extLst>
   </p:cSld>

--- a/powerpoint_defesa.pptx
+++ b/powerpoint_defesa.pptx
@@ -26,6 +26,11 @@
     <p:sldId id="275" r:id="rId20"/>
     <p:sldId id="276" r:id="rId21"/>
     <p:sldId id="277" r:id="rId22"/>
+    <p:sldId id="278" r:id="rId23"/>
+    <p:sldId id="279" r:id="rId24"/>
+    <p:sldId id="280" r:id="rId25"/>
+    <p:sldId id="281" r:id="rId26"/>
+    <p:sldId id="282" r:id="rId27"/>
   </p:sldIdLst>
   <p:sldSz cx="12192000" cy="6858000"/>
   <p:notesSz cx="6858000" cy="9144000"/>
@@ -5935,6 +5940,695 @@
 </p:sld>
 </file>
 
+<file path=ppt/slides/slide22.xml><?xml version="1.0" encoding="utf-8"?>
+<p:sld xmlns:a="http://schemas.openxmlformats.org/drawingml/2006/main" xmlns:r="http://schemas.openxmlformats.org/officeDocument/2006/relationships" xmlns:p="http://schemas.openxmlformats.org/presentationml/2006/main">
+  <p:cSld>
+    <p:spTree>
+      <p:nvGrpSpPr>
+        <p:cNvPr id="1" name=""/>
+        <p:cNvGrpSpPr/>
+        <p:nvPr/>
+      </p:nvGrpSpPr>
+      <p:grpSpPr>
+        <a:xfrm>
+          <a:off x="0" y="0"/>
+          <a:ext cx="0" cy="0"/>
+          <a:chOff x="0" y="0"/>
+          <a:chExt cx="0" cy="0"/>
+        </a:xfrm>
+      </p:grpSpPr>
+      <p:sp>
+        <p:nvSpPr>
+          <p:cNvPr id="2" name="Título 1">
+            <a:extLst>
+              <a:ext uri="{FF2B5EF4-FFF2-40B4-BE49-F238E27FC236}">
+                <a16:creationId xmlns:a16="http://schemas.microsoft.com/office/drawing/2014/main" id="{FD523A5F-B9B8-49B4-9EC9-CCC79BAB94C3}"/>
+              </a:ext>
+            </a:extLst>
+          </p:cNvPr>
+          <p:cNvSpPr>
+            <a:spLocks noGrp="1"/>
+          </p:cNvSpPr>
+          <p:nvPr>
+            <p:ph type="title"/>
+          </p:nvPr>
+        </p:nvSpPr>
+        <p:spPr/>
+        <p:txBody>
+          <a:bodyPr/>
+          <a:lstStyle/>
+          <a:p>
+            <a:r>
+              <a:rPr lang="pt-PT" dirty="0">
+                <a:effectLst>
+                  <a:outerShdw blurRad="38100" dist="38100" dir="2700000" algn="tl">
+                    <a:srgbClr val="000000">
+                      <a:alpha val="43137"/>
+                    </a:srgbClr>
+                  </a:outerShdw>
+                </a:effectLst>
+              </a:rPr>
+              <a:t>Algoritmos Implementados - </a:t>
+            </a:r>
+            <a:r>
+              <a:rPr lang="pt-PT" i="1" dirty="0" err="1">
+                <a:effectLst>
+                  <a:outerShdw blurRad="38100" dist="38100" dir="2700000" algn="tl">
+                    <a:srgbClr val="000000">
+                      <a:alpha val="43137"/>
+                    </a:srgbClr>
+                  </a:outerShdw>
+                </a:effectLst>
+              </a:rPr>
+              <a:t>Custom</a:t>
+            </a:r>
+            <a:endParaRPr lang="pt-PT" i="1" dirty="0">
+              <a:effectLst>
+                <a:outerShdw blurRad="38100" dist="38100" dir="2700000" algn="tl">
+                  <a:srgbClr val="000000">
+                    <a:alpha val="43137"/>
+                  </a:srgbClr>
+                </a:outerShdw>
+              </a:effectLst>
+            </a:endParaRPr>
+          </a:p>
+        </p:txBody>
+      </p:sp>
+      <p:sp>
+        <p:nvSpPr>
+          <p:cNvPr id="3" name="Marcador de Posição de Conteúdo 2">
+            <a:extLst>
+              <a:ext uri="{FF2B5EF4-FFF2-40B4-BE49-F238E27FC236}">
+                <a16:creationId xmlns:a16="http://schemas.microsoft.com/office/drawing/2014/main" id="{DB6A9AC0-929C-4124-9AC2-5561428A2882}"/>
+              </a:ext>
+            </a:extLst>
+          </p:cNvPr>
+          <p:cNvSpPr>
+            <a:spLocks noGrp="1"/>
+          </p:cNvSpPr>
+          <p:nvPr>
+            <p:ph idx="1"/>
+          </p:nvPr>
+        </p:nvSpPr>
+        <p:spPr/>
+        <p:txBody>
+          <a:bodyPr/>
+          <a:lstStyle/>
+          <a:p>
+            <a:r>
+              <a:rPr lang="pt-PT" dirty="0"/>
+              <a:t>Algoritmo evolutivo</a:t>
+            </a:r>
+          </a:p>
+          <a:p>
+            <a:r>
+              <a:rPr lang="pt-PT" dirty="0"/>
+              <a:t>Criado especificamente para este projeto</a:t>
+            </a:r>
+          </a:p>
+        </p:txBody>
+      </p:sp>
+      <p:pic>
+        <p:nvPicPr>
+          <p:cNvPr id="4" name="Imagem 3">
+            <a:extLst>
+              <a:ext uri="{FF2B5EF4-FFF2-40B4-BE49-F238E27FC236}">
+                <a16:creationId xmlns:a16="http://schemas.microsoft.com/office/drawing/2014/main" id="{52A248DB-A0C5-40B2-B751-E533B8704165}"/>
+              </a:ext>
+            </a:extLst>
+          </p:cNvPr>
+          <p:cNvPicPr>
+            <a:picLocks noChangeAspect="1"/>
+          </p:cNvPicPr>
+          <p:nvPr/>
+        </p:nvPicPr>
+        <p:blipFill>
+          <a:blip r:embed="rId2"/>
+          <a:stretch>
+            <a:fillRect/>
+          </a:stretch>
+        </p:blipFill>
+        <p:spPr>
+          <a:xfrm>
+            <a:off x="3180719" y="3374592"/>
+            <a:ext cx="5844416" cy="2195945"/>
+          </a:xfrm>
+          <a:prstGeom prst="rect">
+            <a:avLst/>
+          </a:prstGeom>
+        </p:spPr>
+      </p:pic>
+    </p:spTree>
+    <p:extLst>
+      <p:ext uri="{BB962C8B-B14F-4D97-AF65-F5344CB8AC3E}">
+        <p14:creationId xmlns:p14="http://schemas.microsoft.com/office/powerpoint/2010/main" val="2715175615"/>
+      </p:ext>
+    </p:extLst>
+  </p:cSld>
+  <p:clrMapOvr>
+    <a:masterClrMapping/>
+  </p:clrMapOvr>
+</p:sld>
+</file>
+
+<file path=ppt/slides/slide23.xml><?xml version="1.0" encoding="utf-8"?>
+<p:sld xmlns:a="http://schemas.openxmlformats.org/drawingml/2006/main" xmlns:r="http://schemas.openxmlformats.org/officeDocument/2006/relationships" xmlns:p="http://schemas.openxmlformats.org/presentationml/2006/main">
+  <p:cSld>
+    <p:spTree>
+      <p:nvGrpSpPr>
+        <p:cNvPr id="1" name=""/>
+        <p:cNvGrpSpPr/>
+        <p:nvPr/>
+      </p:nvGrpSpPr>
+      <p:grpSpPr>
+        <a:xfrm>
+          <a:off x="0" y="0"/>
+          <a:ext cx="0" cy="0"/>
+          <a:chOff x="0" y="0"/>
+          <a:chExt cx="0" cy="0"/>
+        </a:xfrm>
+      </p:grpSpPr>
+      <p:sp>
+        <p:nvSpPr>
+          <p:cNvPr id="2" name="Título 1">
+            <a:extLst>
+              <a:ext uri="{FF2B5EF4-FFF2-40B4-BE49-F238E27FC236}">
+                <a16:creationId xmlns:a16="http://schemas.microsoft.com/office/drawing/2014/main" id="{CF1194E3-0B74-4776-A5AE-DD6907BF6649}"/>
+              </a:ext>
+            </a:extLst>
+          </p:cNvPr>
+          <p:cNvSpPr>
+            <a:spLocks noGrp="1"/>
+          </p:cNvSpPr>
+          <p:nvPr>
+            <p:ph type="title"/>
+          </p:nvPr>
+        </p:nvSpPr>
+        <p:spPr/>
+        <p:txBody>
+          <a:bodyPr/>
+          <a:lstStyle/>
+          <a:p>
+            <a:r>
+              <a:rPr lang="pt-PT" dirty="0">
+                <a:effectLst>
+                  <a:outerShdw blurRad="38100" dist="38100" dir="2700000" algn="tl">
+                    <a:srgbClr val="000000">
+                      <a:alpha val="43137"/>
+                    </a:srgbClr>
+                  </a:outerShdw>
+                </a:effectLst>
+              </a:rPr>
+              <a:t>Algoritmos Implementados - </a:t>
+            </a:r>
+            <a:r>
+              <a:rPr lang="pt-PT" i="1" dirty="0" err="1">
+                <a:effectLst>
+                  <a:outerShdw blurRad="38100" dist="38100" dir="2700000" algn="tl">
+                    <a:srgbClr val="000000">
+                      <a:alpha val="43137"/>
+                    </a:srgbClr>
+                  </a:outerShdw>
+                </a:effectLst>
+              </a:rPr>
+              <a:t>Genetic</a:t>
+            </a:r>
+            <a:endParaRPr lang="pt-PT" i="1" dirty="0"/>
+          </a:p>
+        </p:txBody>
+      </p:sp>
+      <p:sp>
+        <p:nvSpPr>
+          <p:cNvPr id="3" name="Marcador de Posição de Conteúdo 2">
+            <a:extLst>
+              <a:ext uri="{FF2B5EF4-FFF2-40B4-BE49-F238E27FC236}">
+                <a16:creationId xmlns:a16="http://schemas.microsoft.com/office/drawing/2014/main" id="{A426034A-4DF2-4904-9A41-432367FF98B4}"/>
+              </a:ext>
+            </a:extLst>
+          </p:cNvPr>
+          <p:cNvSpPr>
+            <a:spLocks noGrp="1"/>
+          </p:cNvSpPr>
+          <p:nvPr>
+            <p:ph idx="1"/>
+          </p:nvPr>
+        </p:nvSpPr>
+        <p:spPr/>
+        <p:txBody>
+          <a:bodyPr/>
+          <a:lstStyle/>
+          <a:p>
+            <a:r>
+              <a:rPr lang="pt-PT" dirty="0"/>
+              <a:t>Algoritmo evolutivo</a:t>
+            </a:r>
+          </a:p>
+          <a:p>
+            <a:r>
+              <a:rPr lang="pt-PT" dirty="0"/>
+              <a:t>Baseado na teoria da evolução biológica</a:t>
+            </a:r>
+          </a:p>
+          <a:p>
+            <a:endParaRPr lang="pt-PT" dirty="0"/>
+          </a:p>
+        </p:txBody>
+      </p:sp>
+      <p:pic>
+        <p:nvPicPr>
+          <p:cNvPr id="4" name="Imagem 3">
+            <a:extLst>
+              <a:ext uri="{FF2B5EF4-FFF2-40B4-BE49-F238E27FC236}">
+                <a16:creationId xmlns:a16="http://schemas.microsoft.com/office/drawing/2014/main" id="{4BEEDE14-D743-4DCD-85B5-3624B5E75902}"/>
+              </a:ext>
+            </a:extLst>
+          </p:cNvPr>
+          <p:cNvPicPr>
+            <a:picLocks noChangeAspect="1"/>
+          </p:cNvPicPr>
+          <p:nvPr/>
+        </p:nvPicPr>
+        <p:blipFill>
+          <a:blip r:embed="rId2"/>
+          <a:stretch>
+            <a:fillRect/>
+          </a:stretch>
+        </p:blipFill>
+        <p:spPr>
+          <a:xfrm>
+            <a:off x="3333493" y="3124040"/>
+            <a:ext cx="5538868" cy="2945765"/>
+          </a:xfrm>
+          <a:prstGeom prst="rect">
+            <a:avLst/>
+          </a:prstGeom>
+        </p:spPr>
+      </p:pic>
+    </p:spTree>
+    <p:extLst>
+      <p:ext uri="{BB962C8B-B14F-4D97-AF65-F5344CB8AC3E}">
+        <p14:creationId xmlns:p14="http://schemas.microsoft.com/office/powerpoint/2010/main" val="221240015"/>
+      </p:ext>
+    </p:extLst>
+  </p:cSld>
+  <p:clrMapOvr>
+    <a:masterClrMapping/>
+  </p:clrMapOvr>
+</p:sld>
+</file>
+
+<file path=ppt/slides/slide24.xml><?xml version="1.0" encoding="utf-8"?>
+<p:sld xmlns:a="http://schemas.openxmlformats.org/drawingml/2006/main" xmlns:r="http://schemas.openxmlformats.org/officeDocument/2006/relationships" xmlns:p="http://schemas.openxmlformats.org/presentationml/2006/main">
+  <p:cSld>
+    <p:spTree>
+      <p:nvGrpSpPr>
+        <p:cNvPr id="1" name=""/>
+        <p:cNvGrpSpPr/>
+        <p:nvPr/>
+      </p:nvGrpSpPr>
+      <p:grpSpPr>
+        <a:xfrm>
+          <a:off x="0" y="0"/>
+          <a:ext cx="0" cy="0"/>
+          <a:chOff x="0" y="0"/>
+          <a:chExt cx="0" cy="0"/>
+        </a:xfrm>
+      </p:grpSpPr>
+      <p:sp>
+        <p:nvSpPr>
+          <p:cNvPr id="2" name="Título 1">
+            <a:extLst>
+              <a:ext uri="{FF2B5EF4-FFF2-40B4-BE49-F238E27FC236}">
+                <a16:creationId xmlns:a16="http://schemas.microsoft.com/office/drawing/2014/main" id="{78A78184-5A79-4440-A339-DCDEA0ECC37D}"/>
+              </a:ext>
+            </a:extLst>
+          </p:cNvPr>
+          <p:cNvSpPr>
+            <a:spLocks noGrp="1"/>
+          </p:cNvSpPr>
+          <p:nvPr>
+            <p:ph type="title"/>
+          </p:nvPr>
+        </p:nvSpPr>
+        <p:spPr/>
+        <p:txBody>
+          <a:bodyPr/>
+          <a:lstStyle/>
+          <a:p>
+            <a:r>
+              <a:rPr lang="pt-PT" dirty="0">
+                <a:effectLst>
+                  <a:outerShdw blurRad="38100" dist="38100" dir="2700000" algn="tl">
+                    <a:srgbClr val="000000">
+                      <a:alpha val="43137"/>
+                    </a:srgbClr>
+                  </a:outerShdw>
+                </a:effectLst>
+              </a:rPr>
+              <a:t>Algoritmos Implementados – </a:t>
+            </a:r>
+            <a:r>
+              <a:rPr lang="pt-PT" i="1" dirty="0">
+                <a:effectLst>
+                  <a:outerShdw blurRad="38100" dist="38100" dir="2700000" algn="tl">
+                    <a:srgbClr val="000000">
+                      <a:alpha val="43137"/>
+                    </a:srgbClr>
+                  </a:outerShdw>
+                </a:effectLst>
+              </a:rPr>
+              <a:t>BCO</a:t>
+            </a:r>
+            <a:endParaRPr lang="pt-PT" dirty="0"/>
+          </a:p>
+        </p:txBody>
+      </p:sp>
+      <p:sp>
+        <p:nvSpPr>
+          <p:cNvPr id="3" name="Marcador de Posição de Conteúdo 2">
+            <a:extLst>
+              <a:ext uri="{FF2B5EF4-FFF2-40B4-BE49-F238E27FC236}">
+                <a16:creationId xmlns:a16="http://schemas.microsoft.com/office/drawing/2014/main" id="{D86FE8E9-6185-436F-8191-2E3B1862EAA8}"/>
+              </a:ext>
+            </a:extLst>
+          </p:cNvPr>
+          <p:cNvSpPr>
+            <a:spLocks noGrp="1"/>
+          </p:cNvSpPr>
+          <p:nvPr>
+            <p:ph idx="1"/>
+          </p:nvPr>
+        </p:nvSpPr>
+        <p:spPr/>
+        <p:txBody>
+          <a:bodyPr/>
+          <a:lstStyle/>
+          <a:p>
+            <a:r>
+              <a:rPr lang="pt-PT" dirty="0"/>
+              <a:t>Algoritmo de </a:t>
+            </a:r>
+            <a:r>
+              <a:rPr lang="pt-PT" i="1" dirty="0" err="1"/>
+              <a:t>Swarm</a:t>
+            </a:r>
+            <a:r>
+              <a:rPr lang="pt-PT" i="1" dirty="0"/>
+              <a:t> </a:t>
+            </a:r>
+            <a:r>
+              <a:rPr lang="pt-PT" i="1" dirty="0" err="1"/>
+              <a:t>Intelligence</a:t>
+            </a:r>
+            <a:endParaRPr lang="pt-PT" i="1" dirty="0"/>
+          </a:p>
+          <a:p>
+            <a:r>
+              <a:rPr lang="pt-PT" dirty="0"/>
+              <a:t>Baseado no comportamento das abelhas produtoras de mel</a:t>
+            </a:r>
+          </a:p>
+        </p:txBody>
+      </p:sp>
+      <p:pic>
+        <p:nvPicPr>
+          <p:cNvPr id="4" name="Imagem 3">
+            <a:extLst>
+              <a:ext uri="{FF2B5EF4-FFF2-40B4-BE49-F238E27FC236}">
+                <a16:creationId xmlns:a16="http://schemas.microsoft.com/office/drawing/2014/main" id="{828C83DC-0E45-4EB3-817A-510EB20E1CBA}"/>
+              </a:ext>
+            </a:extLst>
+          </p:cNvPr>
+          <p:cNvPicPr>
+            <a:picLocks noChangeAspect="1"/>
+          </p:cNvPicPr>
+          <p:nvPr/>
+        </p:nvPicPr>
+        <p:blipFill>
+          <a:blip r:embed="rId2"/>
+          <a:stretch>
+            <a:fillRect/>
+          </a:stretch>
+        </p:blipFill>
+        <p:spPr>
+          <a:xfrm>
+            <a:off x="3349324" y="3482502"/>
+            <a:ext cx="5507205" cy="2697635"/>
+          </a:xfrm>
+          <a:prstGeom prst="rect">
+            <a:avLst/>
+          </a:prstGeom>
+        </p:spPr>
+      </p:pic>
+    </p:spTree>
+    <p:extLst>
+      <p:ext uri="{BB962C8B-B14F-4D97-AF65-F5344CB8AC3E}">
+        <p14:creationId xmlns:p14="http://schemas.microsoft.com/office/powerpoint/2010/main" val="4110684481"/>
+      </p:ext>
+    </p:extLst>
+  </p:cSld>
+  <p:clrMapOvr>
+    <a:masterClrMapping/>
+  </p:clrMapOvr>
+</p:sld>
+</file>
+
+<file path=ppt/slides/slide25.xml><?xml version="1.0" encoding="utf-8"?>
+<p:sld xmlns:a="http://schemas.openxmlformats.org/drawingml/2006/main" xmlns:r="http://schemas.openxmlformats.org/officeDocument/2006/relationships" xmlns:p="http://schemas.openxmlformats.org/presentationml/2006/main">
+  <p:cSld>
+    <p:spTree>
+      <p:nvGrpSpPr>
+        <p:cNvPr id="1" name=""/>
+        <p:cNvGrpSpPr/>
+        <p:nvPr/>
+      </p:nvGrpSpPr>
+      <p:grpSpPr>
+        <a:xfrm>
+          <a:off x="0" y="0"/>
+          <a:ext cx="0" cy="0"/>
+          <a:chOff x="0" y="0"/>
+          <a:chExt cx="0" cy="0"/>
+        </a:xfrm>
+      </p:grpSpPr>
+      <p:sp>
+        <p:nvSpPr>
+          <p:cNvPr id="2" name="Título 1">
+            <a:extLst>
+              <a:ext uri="{FF2B5EF4-FFF2-40B4-BE49-F238E27FC236}">
+                <a16:creationId xmlns:a16="http://schemas.microsoft.com/office/drawing/2014/main" id="{35C5EEAA-1178-41EA-A5C3-7DC2EACDE15B}"/>
+              </a:ext>
+            </a:extLst>
+          </p:cNvPr>
+          <p:cNvSpPr>
+            <a:spLocks noGrp="1"/>
+          </p:cNvSpPr>
+          <p:nvPr>
+            <p:ph type="title"/>
+          </p:nvPr>
+        </p:nvSpPr>
+        <p:spPr/>
+        <p:txBody>
+          <a:bodyPr/>
+          <a:lstStyle/>
+          <a:p>
+            <a:r>
+              <a:rPr lang="pt-PT" dirty="0">
+                <a:effectLst>
+                  <a:outerShdw blurRad="38100" dist="38100" dir="2700000" algn="tl">
+                    <a:srgbClr val="000000">
+                      <a:alpha val="43137"/>
+                    </a:srgbClr>
+                  </a:outerShdw>
+                </a:effectLst>
+              </a:rPr>
+              <a:t>Algoritmos Implementados - </a:t>
+            </a:r>
+            <a:r>
+              <a:rPr lang="pt-PT" i="1" dirty="0">
+                <a:effectLst>
+                  <a:outerShdw blurRad="38100" dist="38100" dir="2700000" algn="tl">
+                    <a:srgbClr val="000000">
+                      <a:alpha val="43137"/>
+                    </a:srgbClr>
+                  </a:outerShdw>
+                </a:effectLst>
+              </a:rPr>
+              <a:t>ACO</a:t>
+            </a:r>
+            <a:endParaRPr lang="pt-PT" dirty="0"/>
+          </a:p>
+        </p:txBody>
+      </p:sp>
+      <p:sp>
+        <p:nvSpPr>
+          <p:cNvPr id="3" name="Marcador de Posição de Conteúdo 2">
+            <a:extLst>
+              <a:ext uri="{FF2B5EF4-FFF2-40B4-BE49-F238E27FC236}">
+                <a16:creationId xmlns:a16="http://schemas.microsoft.com/office/drawing/2014/main" id="{F2D7F09C-C71A-4ED7-A636-0203991777B7}"/>
+              </a:ext>
+            </a:extLst>
+          </p:cNvPr>
+          <p:cNvSpPr>
+            <a:spLocks noGrp="1"/>
+          </p:cNvSpPr>
+          <p:nvPr>
+            <p:ph idx="1"/>
+          </p:nvPr>
+        </p:nvSpPr>
+        <p:spPr/>
+        <p:txBody>
+          <a:bodyPr/>
+          <a:lstStyle/>
+          <a:p>
+            <a:r>
+              <a:rPr lang="pt-PT" dirty="0"/>
+              <a:t>Algoritmo de </a:t>
+            </a:r>
+            <a:r>
+              <a:rPr lang="pt-PT" i="1" dirty="0" err="1"/>
+              <a:t>Swarm</a:t>
+            </a:r>
+            <a:r>
+              <a:rPr lang="pt-PT" i="1" dirty="0"/>
+              <a:t> </a:t>
+            </a:r>
+            <a:r>
+              <a:rPr lang="pt-PT" i="1" dirty="0" err="1"/>
+              <a:t>Intelligence</a:t>
+            </a:r>
+            <a:endParaRPr lang="pt-PT" i="1" dirty="0"/>
+          </a:p>
+          <a:p>
+            <a:r>
+              <a:rPr lang="pt-PT" dirty="0"/>
+              <a:t>Baseado na forma como as formigas procuram alimento</a:t>
+            </a:r>
+          </a:p>
+        </p:txBody>
+      </p:sp>
+      <p:pic>
+        <p:nvPicPr>
+          <p:cNvPr id="4" name="Imagem 3">
+            <a:extLst>
+              <a:ext uri="{FF2B5EF4-FFF2-40B4-BE49-F238E27FC236}">
+                <a16:creationId xmlns:a16="http://schemas.microsoft.com/office/drawing/2014/main" id="{985D9F53-04C5-4995-9621-DFB239DE7FB2}"/>
+              </a:ext>
+            </a:extLst>
+          </p:cNvPr>
+          <p:cNvPicPr>
+            <a:picLocks noChangeAspect="1"/>
+          </p:cNvPicPr>
+          <p:nvPr/>
+        </p:nvPicPr>
+        <p:blipFill>
+          <a:blip r:embed="rId2"/>
+          <a:stretch>
+            <a:fillRect/>
+          </a:stretch>
+        </p:blipFill>
+        <p:spPr>
+          <a:xfrm>
+            <a:off x="3097379" y="3105150"/>
+            <a:ext cx="6011096" cy="3469640"/>
+          </a:xfrm>
+          <a:prstGeom prst="rect">
+            <a:avLst/>
+          </a:prstGeom>
+        </p:spPr>
+      </p:pic>
+    </p:spTree>
+    <p:extLst>
+      <p:ext uri="{BB962C8B-B14F-4D97-AF65-F5344CB8AC3E}">
+        <p14:creationId xmlns:p14="http://schemas.microsoft.com/office/powerpoint/2010/main" val="1526069406"/>
+      </p:ext>
+    </p:extLst>
+  </p:cSld>
+  <p:clrMapOvr>
+    <a:masterClrMapping/>
+  </p:clrMapOvr>
+</p:sld>
+</file>
+
+<file path=ppt/slides/slide26.xml><?xml version="1.0" encoding="utf-8"?>
+<p:sld xmlns:a="http://schemas.openxmlformats.org/drawingml/2006/main" xmlns:r="http://schemas.openxmlformats.org/officeDocument/2006/relationships" xmlns:p="http://schemas.openxmlformats.org/presentationml/2006/main">
+  <p:cSld>
+    <p:spTree>
+      <p:nvGrpSpPr>
+        <p:cNvPr id="1" name=""/>
+        <p:cNvGrpSpPr/>
+        <p:nvPr/>
+      </p:nvGrpSpPr>
+      <p:grpSpPr>
+        <a:xfrm>
+          <a:off x="0" y="0"/>
+          <a:ext cx="0" cy="0"/>
+          <a:chOff x="0" y="0"/>
+          <a:chExt cx="0" cy="0"/>
+        </a:xfrm>
+      </p:grpSpPr>
+      <p:sp>
+        <p:nvSpPr>
+          <p:cNvPr id="2" name="Título 1">
+            <a:extLst>
+              <a:ext uri="{FF2B5EF4-FFF2-40B4-BE49-F238E27FC236}">
+                <a16:creationId xmlns:a16="http://schemas.microsoft.com/office/drawing/2014/main" id="{F1EF85FA-4B69-40CD-894B-3693DF92A4F5}"/>
+              </a:ext>
+            </a:extLst>
+          </p:cNvPr>
+          <p:cNvSpPr>
+            <a:spLocks noGrp="1"/>
+          </p:cNvSpPr>
+          <p:nvPr>
+            <p:ph type="title"/>
+          </p:nvPr>
+        </p:nvSpPr>
+        <p:spPr/>
+        <p:txBody>
+          <a:bodyPr/>
+          <a:lstStyle/>
+          <a:p>
+            <a:endParaRPr lang="pt-PT"/>
+          </a:p>
+        </p:txBody>
+      </p:sp>
+      <p:sp>
+        <p:nvSpPr>
+          <p:cNvPr id="3" name="Marcador de Posição de Conteúdo 2">
+            <a:extLst>
+              <a:ext uri="{FF2B5EF4-FFF2-40B4-BE49-F238E27FC236}">
+                <a16:creationId xmlns:a16="http://schemas.microsoft.com/office/drawing/2014/main" id="{B1AAA60D-A658-48C0-A137-06DF2475A74E}"/>
+              </a:ext>
+            </a:extLst>
+          </p:cNvPr>
+          <p:cNvSpPr>
+            <a:spLocks noGrp="1"/>
+          </p:cNvSpPr>
+          <p:nvPr>
+            <p:ph idx="1"/>
+          </p:nvPr>
+        </p:nvSpPr>
+        <p:spPr/>
+        <p:txBody>
+          <a:bodyPr/>
+          <a:lstStyle/>
+          <a:p>
+            <a:endParaRPr lang="pt-PT"/>
+          </a:p>
+        </p:txBody>
+      </p:sp>
+    </p:spTree>
+    <p:extLst>
+      <p:ext uri="{BB962C8B-B14F-4D97-AF65-F5344CB8AC3E}">
+        <p14:creationId xmlns:p14="http://schemas.microsoft.com/office/powerpoint/2010/main" val="1844823814"/>
+      </p:ext>
+    </p:extLst>
+  </p:cSld>
+  <p:clrMapOvr>
+    <a:masterClrMapping/>
+  </p:clrMapOvr>
+</p:sld>
+</file>
+
 <file path=ppt/slides/slide3.xml><?xml version="1.0" encoding="utf-8"?>
 <p:sld xmlns:a="http://schemas.openxmlformats.org/drawingml/2006/main" xmlns:r="http://schemas.openxmlformats.org/officeDocument/2006/relationships" xmlns:p="http://schemas.openxmlformats.org/presentationml/2006/main">
   <p:cSld>

--- a/powerpoint_defesa.pptx
+++ b/powerpoint_defesa.pptx
@@ -31,6 +31,14 @@
     <p:sldId id="280" r:id="rId25"/>
     <p:sldId id="281" r:id="rId26"/>
     <p:sldId id="282" r:id="rId27"/>
+    <p:sldId id="283" r:id="rId28"/>
+    <p:sldId id="284" r:id="rId29"/>
+    <p:sldId id="285" r:id="rId30"/>
+    <p:sldId id="286" r:id="rId31"/>
+    <p:sldId id="287" r:id="rId32"/>
+    <p:sldId id="288" r:id="rId33"/>
+    <p:sldId id="289" r:id="rId34"/>
+    <p:sldId id="290" r:id="rId35"/>
   </p:sldIdLst>
   <p:sldSz cx="12192000" cy="6858000"/>
   <p:notesSz cx="6858000" cy="9144000"/>
@@ -139,7 +147,7 @@
 
 <file path=ppt/commentAuthors.xml><?xml version="1.0" encoding="utf-8"?>
 <p:cmAuthorLst xmlns:a="http://schemas.openxmlformats.org/drawingml/2006/main" xmlns:r="http://schemas.openxmlformats.org/officeDocument/2006/relationships" xmlns:p="http://schemas.openxmlformats.org/presentationml/2006/main">
-  <p:cmAuthor id="1" name="Rodrigo" initials="R" lastIdx="11" clrIdx="0">
+  <p:cmAuthor id="1" name="Rodrigo" initials="R" lastIdx="15" clrIdx="0">
     <p:extLst>
       <p:ext uri="{19B8F6BF-5375-455C-9EA6-DF929625EA0E}">
         <p15:presenceInfo xmlns:p15="http://schemas.microsoft.com/office/powerpoint/2012/main" userId="Rodrigo" providerId="None"/>
@@ -167,6 +175,20 @@
   <p:cm authorId="1" dt="2018-06-30T17:02:50.268" idx="8">
     <p:pos x="106" y="106"/>
     <p:text>Durante a licenciatura não abordamos algoritmos de swarm intelligence</p:text>
+    <p:extLst>
+      <p:ext uri="{C676402C-5697-4E1C-873F-D02D1690AC5C}">
+        <p15:threadingInfo xmlns:p15="http://schemas.microsoft.com/office/powerpoint/2012/main" timeZoneBias="-60"/>
+      </p:ext>
+    </p:extLst>
+  </p:cm>
+</p:cmLst>
+</file>
+
+<file path=ppt/comments/comment10.xml><?xml version="1.0" encoding="utf-8"?>
+<p:cmLst xmlns:a="http://schemas.openxmlformats.org/drawingml/2006/main" xmlns:r="http://schemas.openxmlformats.org/officeDocument/2006/relationships" xmlns:p="http://schemas.openxmlformats.org/presentationml/2006/main">
+  <p:cm authorId="1" dt="2018-07-01T16:56:21.007" idx="15">
+    <p:pos x="10" y="10"/>
+    <p:text>Podemos con</p:text>
     <p:extLst>
       <p:ext uri="{C676402C-5697-4E1C-873F-D02D1690AC5C}">
         <p15:threadingInfo xmlns:p15="http://schemas.microsoft.com/office/powerpoint/2012/main" timeZoneBias="-60"/>
@@ -287,6 +309,46 @@
   <p:cm authorId="1" dt="2018-07-01T13:08:02.922" idx="11">
     <p:pos x="10" y="10"/>
     <p:text>explicar cada uma das funcionalidades</p:text>
+    <p:extLst>
+      <p:ext uri="{C676402C-5697-4E1C-873F-D02D1690AC5C}">
+        <p15:threadingInfo xmlns:p15="http://schemas.microsoft.com/office/powerpoint/2012/main" timeZoneBias="-60"/>
+      </p:ext>
+    </p:extLst>
+  </p:cm>
+</p:cmLst>
+</file>
+
+<file path=ppt/comments/comment8.xml><?xml version="1.0" encoding="utf-8"?>
+<p:cmLst xmlns:a="http://schemas.openxmlformats.org/drawingml/2006/main" xmlns:r="http://schemas.openxmlformats.org/officeDocument/2006/relationships" xmlns:p="http://schemas.openxmlformats.org/presentationml/2006/main">
+  <p:cm authorId="1" dt="2018-07-01T16:45:31.888" idx="14">
+    <p:pos x="10" y="10"/>
+    <p:text>explicar os diferentes tipos de problemas que temos. 
+Por exemplo o que é cada pasta, e dentro de cada pasta ha os 40, 60, 80, 100</p:text>
+    <p:extLst>
+      <p:ext uri="{C676402C-5697-4E1C-873F-D02D1690AC5C}">
+        <p15:threadingInfo xmlns:p15="http://schemas.microsoft.com/office/powerpoint/2012/main" timeZoneBias="-60"/>
+      </p:ext>
+    </p:extLst>
+  </p:cm>
+</p:cmLst>
+</file>
+
+<file path=ppt/comments/comment9.xml><?xml version="1.0" encoding="utf-8"?>
+<p:cmLst xmlns:a="http://schemas.openxmlformats.org/drawingml/2006/main" xmlns:r="http://schemas.openxmlformats.org/officeDocument/2006/relationships" xmlns:p="http://schemas.openxmlformats.org/presentationml/2006/main">
+  <p:cm authorId="1" dt="2018-07-01T16:40:04.348" idx="12">
+    <p:pos x="10" y="10"/>
+    <p:text>Após a importação dos dados para a ferramenta RapidMiner, foi aplicada a função de agregação, em que os dados são agrupados pelos diferentes atributos que foram variados durante os testes, sendo calculadas as médias dos atributos, tempo, gerações, regeneradores e nós desligados. As médias obtidas são ordenadas por nós desligados de forma crescente, número de regeneradores de forma crescente e tempo de forma crescente.
+A primeira linha do dataset obtido contém a melhor combinação de atributos para o algoritmo testado.</p:text>
+    <p:extLst>
+      <p:ext uri="{C676402C-5697-4E1C-873F-D02D1690AC5C}">
+        <p15:threadingInfo xmlns:p15="http://schemas.microsoft.com/office/powerpoint/2012/main" timeZoneBias="-60"/>
+      </p:ext>
+    </p:extLst>
+  </p:cm>
+  <p:cm authorId="1" dt="2018-07-01T16:40:35.628" idx="13">
+    <p:pos x="106" y="106"/>
+    <p:text>Após a importação dos dados para a ferramenta RapidMiner, foi aplicada a função de agregação, em que os dados são agrupados pelos atributos número do problema e tamanho do problema, são filtradas as entradas em que o problema não ficou resolvido (entradas com nós desligados) e são calculadas as médias dos atributos, tempo, gerações, fitness, regeneradores e nós desligados.
+Assim, os dados dos diferentes seeds e das diferentes instâncias de cada problema ficam agrupados, de forma a obter um sumário da execução do algoritmo para cada um dos problemas.</p:text>
     <p:extLst>
       <p:ext uri="{C676402C-5697-4E1C-873F-D02D1690AC5C}">
         <p15:threadingInfo xmlns:p15="http://schemas.microsoft.com/office/powerpoint/2012/main" timeZoneBias="-60"/>
@@ -5669,34 +5731,144 @@
           <a:lstStyle/>
           <a:p>
             <a:r>
+              <a:rPr lang="pt-PT" dirty="0">
+                <a:effectLst>
+                  <a:outerShdw blurRad="38100" dist="38100" dir="2700000" algn="tl">
+                    <a:srgbClr val="000000">
+                      <a:alpha val="43137"/>
+                    </a:srgbClr>
+                  </a:outerShdw>
+                </a:effectLst>
+              </a:rPr>
+              <a:t>Índice</a:t>
+            </a:r>
+          </a:p>
+        </p:txBody>
+      </p:sp>
+      <p:sp>
+        <p:nvSpPr>
+          <p:cNvPr id="3" name="Marcador de Posição de Conteúdo 2">
+            <a:extLst>
+              <a:ext uri="{FF2B5EF4-FFF2-40B4-BE49-F238E27FC236}">
+                <a16:creationId xmlns:a16="http://schemas.microsoft.com/office/drawing/2014/main" id="{53B2AF34-A28B-48F6-AC95-E240A8929277}"/>
+              </a:ext>
+            </a:extLst>
+          </p:cNvPr>
+          <p:cNvSpPr>
+            <a:spLocks noGrp="1"/>
+          </p:cNvSpPr>
+          <p:nvPr>
+            <p:ph idx="1"/>
+          </p:nvPr>
+        </p:nvSpPr>
+        <p:spPr>
+          <a:xfrm>
+            <a:off x="845127" y="1500554"/>
+            <a:ext cx="10515600" cy="5164137"/>
+          </a:xfrm>
+        </p:spPr>
+        <p:txBody>
+          <a:bodyPr>
+            <a:normAutofit fontScale="70000" lnSpcReduction="20000"/>
+          </a:bodyPr>
+          <a:lstStyle/>
+          <a:p>
+            <a:r>
               <a:rPr lang="pt-PT" dirty="0"/>
-              <a:t>Índice</a:t>
-            </a:r>
-          </a:p>
-        </p:txBody>
-      </p:sp>
-      <p:sp>
-        <p:nvSpPr>
-          <p:cNvPr id="3" name="Marcador de Posição de Conteúdo 2">
-            <a:extLst>
-              <a:ext uri="{FF2B5EF4-FFF2-40B4-BE49-F238E27FC236}">
-                <a16:creationId xmlns:a16="http://schemas.microsoft.com/office/drawing/2014/main" id="{53B2AF34-A28B-48F6-AC95-E240A8929277}"/>
-              </a:ext>
-            </a:extLst>
-          </p:cNvPr>
-          <p:cNvSpPr>
-            <a:spLocks noGrp="1"/>
-          </p:cNvSpPr>
-          <p:nvPr>
-            <p:ph idx="1"/>
-          </p:nvPr>
-        </p:nvSpPr>
-        <p:spPr/>
-        <p:txBody>
-          <a:bodyPr/>
-          <a:lstStyle/>
-          <a:p>
-            <a:endParaRPr lang="pt-PT"/>
+              <a:t>Básicos</a:t>
+            </a:r>
+          </a:p>
+          <a:p>
+            <a:r>
+              <a:rPr lang="pt-PT" dirty="0"/>
+              <a:t>O Problema </a:t>
+            </a:r>
+          </a:p>
+          <a:p>
+            <a:r>
+              <a:rPr lang="pt-PT" dirty="0"/>
+              <a:t>Problemas </a:t>
+            </a:r>
+            <a:r>
+              <a:rPr lang="pt-PT" i="1" dirty="0" err="1"/>
+              <a:t>Np</a:t>
+            </a:r>
+            <a:r>
+              <a:rPr lang="pt-PT" i="1" dirty="0"/>
+              <a:t>-Complete</a:t>
+            </a:r>
+          </a:p>
+          <a:p>
+            <a:r>
+              <a:rPr lang="pt-PT" dirty="0"/>
+              <a:t>Como resolvemos o problema</a:t>
+            </a:r>
+          </a:p>
+          <a:p>
+            <a:r>
+              <a:rPr lang="pt-PT" dirty="0"/>
+              <a:t>Motivação</a:t>
+            </a:r>
+          </a:p>
+          <a:p>
+            <a:r>
+              <a:rPr lang="pt-PT" dirty="0"/>
+              <a:t>Planeamento</a:t>
+            </a:r>
+          </a:p>
+          <a:p>
+            <a:r>
+              <a:rPr lang="pt-PT" dirty="0"/>
+              <a:t>Metodologia</a:t>
+            </a:r>
+          </a:p>
+          <a:p>
+            <a:r>
+              <a:rPr lang="pt-PT" dirty="0"/>
+              <a:t>Tecnologias e Linguagens</a:t>
+            </a:r>
+          </a:p>
+          <a:p>
+            <a:r>
+              <a:rPr lang="pt-PT" dirty="0"/>
+              <a:t>Estrutura do programa</a:t>
+            </a:r>
+          </a:p>
+          <a:p>
+            <a:r>
+              <a:rPr lang="pt-PT" dirty="0"/>
+              <a:t>Algoritmos Implementados</a:t>
+            </a:r>
+          </a:p>
+          <a:p>
+            <a:r>
+              <a:rPr lang="pt-PT" dirty="0"/>
+              <a:t>Resultados</a:t>
+            </a:r>
+          </a:p>
+          <a:p>
+            <a:r>
+              <a:rPr lang="pt-PT" dirty="0"/>
+              <a:t>Conclusões acerca dos algoritmos</a:t>
+            </a:r>
+          </a:p>
+          <a:p>
+            <a:r>
+              <a:rPr lang="pt-PT" dirty="0"/>
+              <a:t>Considerações finais</a:t>
+            </a:r>
+          </a:p>
+          <a:p>
+            <a:r>
+              <a:rPr lang="pt-PT" dirty="0"/>
+              <a:t>Trabalho futuro</a:t>
+            </a:r>
+          </a:p>
+          <a:p>
+            <a:r>
+              <a:rPr lang="pt-PT" dirty="0"/>
+              <a:t>Conclusão</a:t>
+            </a:r>
           </a:p>
         </p:txBody>
       </p:sp>
@@ -6587,39 +6759,619 @@
           <a:bodyPr/>
           <a:lstStyle/>
           <a:p>
-            <a:endParaRPr lang="pt-PT"/>
-          </a:p>
-        </p:txBody>
-      </p:sp>
-      <p:sp>
-        <p:nvSpPr>
-          <p:cNvPr id="3" name="Marcador de Posição de Conteúdo 2">
-            <a:extLst>
-              <a:ext uri="{FF2B5EF4-FFF2-40B4-BE49-F238E27FC236}">
-                <a16:creationId xmlns:a16="http://schemas.microsoft.com/office/drawing/2014/main" id="{B1AAA60D-A658-48C0-A137-06DF2475A74E}"/>
-              </a:ext>
-            </a:extLst>
-          </p:cNvPr>
-          <p:cNvSpPr>
-            <a:spLocks noGrp="1"/>
-          </p:cNvSpPr>
-          <p:nvPr>
-            <p:ph idx="1"/>
-          </p:nvPr>
-        </p:nvSpPr>
-        <p:spPr/>
-        <p:txBody>
-          <a:bodyPr/>
-          <a:lstStyle/>
-          <a:p>
-            <a:endParaRPr lang="pt-PT"/>
-          </a:p>
-        </p:txBody>
-      </p:sp>
+            <a:r>
+              <a:rPr lang="pt-PT" dirty="0">
+                <a:effectLst>
+                  <a:outerShdw blurRad="38100" dist="38100" dir="2700000" algn="tl">
+                    <a:srgbClr val="000000">
+                      <a:alpha val="43137"/>
+                    </a:srgbClr>
+                  </a:outerShdw>
+                </a:effectLst>
+              </a:rPr>
+              <a:t>Tratamento dos dados</a:t>
+            </a:r>
+          </a:p>
+        </p:txBody>
+      </p:sp>
+      <p:pic>
+        <p:nvPicPr>
+          <p:cNvPr id="4" name="Imagem 3">
+            <a:extLst>
+              <a:ext uri="{FF2B5EF4-FFF2-40B4-BE49-F238E27FC236}">
+                <a16:creationId xmlns:a16="http://schemas.microsoft.com/office/drawing/2014/main" id="{A00E6555-C85B-435E-B3CE-B6BBC028BCE0}"/>
+              </a:ext>
+            </a:extLst>
+          </p:cNvPr>
+          <p:cNvPicPr>
+            <a:picLocks noChangeAspect="1"/>
+          </p:cNvPicPr>
+          <p:nvPr/>
+        </p:nvPicPr>
+        <p:blipFill>
+          <a:blip r:embed="rId2"/>
+          <a:stretch>
+            <a:fillRect/>
+          </a:stretch>
+        </p:blipFill>
+        <p:spPr>
+          <a:xfrm>
+            <a:off x="1612157" y="1691322"/>
+            <a:ext cx="8981540" cy="4818222"/>
+          </a:xfrm>
+          <a:prstGeom prst="rect">
+            <a:avLst/>
+          </a:prstGeom>
+          <a:ln>
+            <a:solidFill>
+              <a:schemeClr val="accent1"/>
+            </a:solidFill>
+          </a:ln>
+        </p:spPr>
+      </p:pic>
     </p:spTree>
     <p:extLst>
       <p:ext uri="{BB962C8B-B14F-4D97-AF65-F5344CB8AC3E}">
         <p14:creationId xmlns:p14="http://schemas.microsoft.com/office/powerpoint/2010/main" val="1844823814"/>
+      </p:ext>
+    </p:extLst>
+  </p:cSld>
+  <p:clrMapOvr>
+    <a:masterClrMapping/>
+  </p:clrMapOvr>
+</p:sld>
+</file>
+
+<file path=ppt/slides/slide27.xml><?xml version="1.0" encoding="utf-8"?>
+<p:sld xmlns:a="http://schemas.openxmlformats.org/drawingml/2006/main" xmlns:r="http://schemas.openxmlformats.org/officeDocument/2006/relationships" xmlns:p="http://schemas.openxmlformats.org/presentationml/2006/main">
+  <p:cSld>
+    <p:spTree>
+      <p:nvGrpSpPr>
+        <p:cNvPr id="1" name=""/>
+        <p:cNvGrpSpPr/>
+        <p:nvPr/>
+      </p:nvGrpSpPr>
+      <p:grpSpPr>
+        <a:xfrm>
+          <a:off x="0" y="0"/>
+          <a:ext cx="0" cy="0"/>
+          <a:chOff x="0" y="0"/>
+          <a:chExt cx="0" cy="0"/>
+        </a:xfrm>
+      </p:grpSpPr>
+      <p:sp>
+        <p:nvSpPr>
+          <p:cNvPr id="2" name="Título 1">
+            <a:extLst>
+              <a:ext uri="{FF2B5EF4-FFF2-40B4-BE49-F238E27FC236}">
+                <a16:creationId xmlns:a16="http://schemas.microsoft.com/office/drawing/2014/main" id="{7745C8AD-B1D6-4850-AEAD-BF1A2CE4C955}"/>
+              </a:ext>
+            </a:extLst>
+          </p:cNvPr>
+          <p:cNvSpPr>
+            <a:spLocks noGrp="1"/>
+          </p:cNvSpPr>
+          <p:nvPr>
+            <p:ph type="title"/>
+          </p:nvPr>
+        </p:nvSpPr>
+        <p:spPr/>
+        <p:txBody>
+          <a:bodyPr/>
+          <a:lstStyle/>
+          <a:p>
+            <a:r>
+              <a:rPr lang="pt-PT" dirty="0">
+                <a:effectLst>
+                  <a:outerShdw blurRad="38100" dist="38100" dir="2700000" algn="tl">
+                    <a:srgbClr val="000000">
+                      <a:alpha val="43137"/>
+                    </a:srgbClr>
+                  </a:outerShdw>
+                </a:effectLst>
+              </a:rPr>
+              <a:t>Resultados dos testes</a:t>
+            </a:r>
+          </a:p>
+        </p:txBody>
+      </p:sp>
+      <p:sp>
+        <p:nvSpPr>
+          <p:cNvPr id="3" name="Marcador de Posição de Conteúdo 2">
+            <a:extLst>
+              <a:ext uri="{FF2B5EF4-FFF2-40B4-BE49-F238E27FC236}">
+                <a16:creationId xmlns:a16="http://schemas.microsoft.com/office/drawing/2014/main" id="{E5BC450F-3F9B-4CB6-8C5E-3E802029615E}"/>
+              </a:ext>
+            </a:extLst>
+          </p:cNvPr>
+          <p:cNvSpPr>
+            <a:spLocks noGrp="1"/>
+          </p:cNvSpPr>
+          <p:nvPr>
+            <p:ph idx="1"/>
+          </p:nvPr>
+        </p:nvSpPr>
+        <p:spPr/>
+        <p:txBody>
+          <a:bodyPr/>
+          <a:lstStyle/>
+          <a:p>
+            <a:r>
+              <a:rPr lang="pt-PT" dirty="0"/>
+              <a:t>Os testes foram utilizados para:</a:t>
+            </a:r>
+          </a:p>
+          <a:p>
+            <a:pPr lvl="1"/>
+            <a:r>
+              <a:rPr lang="pt-PT" dirty="0"/>
+              <a:t>Determinar os </a:t>
+            </a:r>
+            <a:r>
+              <a:rPr lang="pt-PT" b="1" dirty="0"/>
+              <a:t>melhores parâmetros</a:t>
+            </a:r>
+            <a:r>
+              <a:rPr lang="pt-PT" dirty="0"/>
+              <a:t> para cada algoritmo</a:t>
+            </a:r>
+          </a:p>
+          <a:p>
+            <a:pPr lvl="1"/>
+            <a:r>
+              <a:rPr lang="pt-PT" dirty="0"/>
+              <a:t>Determinar o </a:t>
+            </a:r>
+            <a:r>
+              <a:rPr lang="pt-PT" b="1" dirty="0"/>
+              <a:t>melhor algoritmo </a:t>
+            </a:r>
+            <a:r>
+              <a:rPr lang="pt-PT" dirty="0"/>
+              <a:t>para resolver problemas normais e com pesos</a:t>
+            </a:r>
+          </a:p>
+          <a:p>
+            <a:r>
+              <a:rPr lang="pt-PT" dirty="0"/>
+              <a:t>Os resultados dos diferentes algoritmos para os diferentes tamanhos de problema:</a:t>
+            </a:r>
+          </a:p>
+        </p:txBody>
+      </p:sp>
+      <p:pic>
+        <p:nvPicPr>
+          <p:cNvPr id="4" name="Imagem 3">
+            <a:extLst>
+              <a:ext uri="{FF2B5EF4-FFF2-40B4-BE49-F238E27FC236}">
+                <a16:creationId xmlns:a16="http://schemas.microsoft.com/office/drawing/2014/main" id="{A2708D44-45CF-4C01-85C6-B588CCBF4668}"/>
+              </a:ext>
+            </a:extLst>
+          </p:cNvPr>
+          <p:cNvPicPr>
+            <a:picLocks noChangeAspect="1"/>
+          </p:cNvPicPr>
+          <p:nvPr/>
+        </p:nvPicPr>
+        <p:blipFill>
+          <a:blip r:embed="rId2"/>
+          <a:stretch>
+            <a:fillRect/>
+          </a:stretch>
+        </p:blipFill>
+        <p:spPr>
+          <a:xfrm>
+            <a:off x="1632384" y="4347411"/>
+            <a:ext cx="8941085" cy="1832726"/>
+          </a:xfrm>
+          <a:prstGeom prst="rect">
+            <a:avLst/>
+          </a:prstGeom>
+        </p:spPr>
+      </p:pic>
+    </p:spTree>
+    <p:extLst>
+      <p:ext uri="{BB962C8B-B14F-4D97-AF65-F5344CB8AC3E}">
+        <p14:creationId xmlns:p14="http://schemas.microsoft.com/office/powerpoint/2010/main" val="3750542188"/>
+      </p:ext>
+    </p:extLst>
+  </p:cSld>
+  <p:clrMapOvr>
+    <a:masterClrMapping/>
+  </p:clrMapOvr>
+</p:sld>
+</file>
+
+<file path=ppt/slides/slide28.xml><?xml version="1.0" encoding="utf-8"?>
+<p:sld xmlns:a="http://schemas.openxmlformats.org/drawingml/2006/main" xmlns:r="http://schemas.openxmlformats.org/officeDocument/2006/relationships" xmlns:p="http://schemas.openxmlformats.org/presentationml/2006/main">
+  <p:cSld>
+    <p:spTree>
+      <p:nvGrpSpPr>
+        <p:cNvPr id="1" name=""/>
+        <p:cNvGrpSpPr/>
+        <p:nvPr/>
+      </p:nvGrpSpPr>
+      <p:grpSpPr>
+        <a:xfrm>
+          <a:off x="0" y="0"/>
+          <a:ext cx="0" cy="0"/>
+          <a:chOff x="0" y="0"/>
+          <a:chExt cx="0" cy="0"/>
+        </a:xfrm>
+      </p:grpSpPr>
+      <p:sp>
+        <p:nvSpPr>
+          <p:cNvPr id="2" name="Título 1">
+            <a:extLst>
+              <a:ext uri="{FF2B5EF4-FFF2-40B4-BE49-F238E27FC236}">
+                <a16:creationId xmlns:a16="http://schemas.microsoft.com/office/drawing/2014/main" id="{A040F568-0057-46D0-BD87-D90991D176FB}"/>
+              </a:ext>
+            </a:extLst>
+          </p:cNvPr>
+          <p:cNvSpPr>
+            <a:spLocks noGrp="1"/>
+          </p:cNvSpPr>
+          <p:nvPr>
+            <p:ph type="title"/>
+          </p:nvPr>
+        </p:nvSpPr>
+        <p:spPr/>
+        <p:txBody>
+          <a:bodyPr/>
+          <a:lstStyle/>
+          <a:p>
+            <a:r>
+              <a:rPr lang="pt-PT" dirty="0">
+                <a:effectLst>
+                  <a:outerShdw blurRad="38100" dist="38100" dir="2700000" algn="tl">
+                    <a:srgbClr val="000000">
+                      <a:alpha val="43137"/>
+                    </a:srgbClr>
+                  </a:outerShdw>
+                </a:effectLst>
+              </a:rPr>
+              <a:t>Resultados dos testes</a:t>
+            </a:r>
+            <a:endParaRPr lang="pt-PT" dirty="0"/>
+          </a:p>
+        </p:txBody>
+      </p:sp>
+      <p:sp>
+        <p:nvSpPr>
+          <p:cNvPr id="3" name="Marcador de Posição de Conteúdo 2">
+            <a:extLst>
+              <a:ext uri="{FF2B5EF4-FFF2-40B4-BE49-F238E27FC236}">
+                <a16:creationId xmlns:a16="http://schemas.microsoft.com/office/drawing/2014/main" id="{D2C58F14-1A8E-45DE-AF7A-B4DE9532E9D9}"/>
+              </a:ext>
+            </a:extLst>
+          </p:cNvPr>
+          <p:cNvSpPr>
+            <a:spLocks noGrp="1"/>
+          </p:cNvSpPr>
+          <p:nvPr>
+            <p:ph idx="1"/>
+          </p:nvPr>
+        </p:nvSpPr>
+        <p:spPr/>
+        <p:txBody>
+          <a:bodyPr/>
+          <a:lstStyle/>
+          <a:p>
+            <a:r>
+              <a:rPr lang="pt-PT" dirty="0"/>
+              <a:t>As </a:t>
+            </a:r>
+            <a:r>
+              <a:rPr lang="pt-PT" b="1" dirty="0"/>
+              <a:t>médias</a:t>
+            </a:r>
+            <a:r>
+              <a:rPr lang="pt-PT" dirty="0"/>
+              <a:t> dos resultados dos diferentes algoritmos são:</a:t>
+            </a:r>
+          </a:p>
+          <a:p>
+            <a:endParaRPr lang="pt-PT" dirty="0"/>
+          </a:p>
+          <a:p>
+            <a:endParaRPr lang="pt-PT" dirty="0"/>
+          </a:p>
+          <a:p>
+            <a:endParaRPr lang="pt-PT" dirty="0"/>
+          </a:p>
+          <a:p>
+            <a:r>
+              <a:rPr lang="pt-PT" dirty="0"/>
+              <a:t>Relação </a:t>
+            </a:r>
+            <a:r>
+              <a:rPr lang="pt-PT" b="1" dirty="0"/>
+              <a:t>tempo*</a:t>
+            </a:r>
+            <a:r>
+              <a:rPr lang="pt-PT" b="1" i="1" dirty="0"/>
+              <a:t>fitness</a:t>
+            </a:r>
+          </a:p>
+        </p:txBody>
+      </p:sp>
+      <p:pic>
+        <p:nvPicPr>
+          <p:cNvPr id="4" name="Imagem 3">
+            <a:extLst>
+              <a:ext uri="{FF2B5EF4-FFF2-40B4-BE49-F238E27FC236}">
+                <a16:creationId xmlns:a16="http://schemas.microsoft.com/office/drawing/2014/main" id="{E6016569-0A1D-4436-9C65-DAF749678317}"/>
+              </a:ext>
+            </a:extLst>
+          </p:cNvPr>
+          <p:cNvPicPr>
+            <a:picLocks noChangeAspect="1"/>
+          </p:cNvPicPr>
+          <p:nvPr/>
+        </p:nvPicPr>
+        <p:blipFill>
+          <a:blip r:embed="rId2"/>
+          <a:stretch>
+            <a:fillRect/>
+          </a:stretch>
+        </p:blipFill>
+        <p:spPr>
+          <a:xfrm>
+            <a:off x="3104751" y="2343151"/>
+            <a:ext cx="5996352" cy="1414462"/>
+          </a:xfrm>
+          <a:prstGeom prst="rect">
+            <a:avLst/>
+          </a:prstGeom>
+        </p:spPr>
+      </p:pic>
+      <p:pic>
+        <p:nvPicPr>
+          <p:cNvPr id="5" name="Imagem 4">
+            <a:extLst>
+              <a:ext uri="{FF2B5EF4-FFF2-40B4-BE49-F238E27FC236}">
+                <a16:creationId xmlns:a16="http://schemas.microsoft.com/office/drawing/2014/main" id="{7C86638E-9ED9-4FDA-822B-7D0D79AED0EA}"/>
+              </a:ext>
+            </a:extLst>
+          </p:cNvPr>
+          <p:cNvPicPr>
+            <a:picLocks noChangeAspect="1"/>
+          </p:cNvPicPr>
+          <p:nvPr/>
+        </p:nvPicPr>
+        <p:blipFill>
+          <a:blip r:embed="rId3"/>
+          <a:stretch>
+            <a:fillRect/>
+          </a:stretch>
+        </p:blipFill>
+        <p:spPr>
+          <a:xfrm>
+            <a:off x="4022165" y="4271964"/>
+            <a:ext cx="4161523" cy="1643061"/>
+          </a:xfrm>
+          <a:prstGeom prst="rect">
+            <a:avLst/>
+          </a:prstGeom>
+        </p:spPr>
+      </p:pic>
+    </p:spTree>
+    <p:extLst>
+      <p:ext uri="{BB962C8B-B14F-4D97-AF65-F5344CB8AC3E}">
+        <p14:creationId xmlns:p14="http://schemas.microsoft.com/office/powerpoint/2010/main" val="2695045475"/>
+      </p:ext>
+    </p:extLst>
+  </p:cSld>
+  <p:clrMapOvr>
+    <a:masterClrMapping/>
+  </p:clrMapOvr>
+</p:sld>
+</file>
+
+<file path=ppt/slides/slide29.xml><?xml version="1.0" encoding="utf-8"?>
+<p:sld xmlns:a="http://schemas.openxmlformats.org/drawingml/2006/main" xmlns:r="http://schemas.openxmlformats.org/officeDocument/2006/relationships" xmlns:p="http://schemas.openxmlformats.org/presentationml/2006/main">
+  <p:cSld>
+    <p:spTree>
+      <p:nvGrpSpPr>
+        <p:cNvPr id="1" name=""/>
+        <p:cNvGrpSpPr/>
+        <p:nvPr/>
+      </p:nvGrpSpPr>
+      <p:grpSpPr>
+        <a:xfrm>
+          <a:off x="0" y="0"/>
+          <a:ext cx="0" cy="0"/>
+          <a:chOff x="0" y="0"/>
+          <a:chExt cx="0" cy="0"/>
+        </a:xfrm>
+      </p:grpSpPr>
+      <p:sp>
+        <p:nvSpPr>
+          <p:cNvPr id="2" name="Título 1">
+            <a:extLst>
+              <a:ext uri="{FF2B5EF4-FFF2-40B4-BE49-F238E27FC236}">
+                <a16:creationId xmlns:a16="http://schemas.microsoft.com/office/drawing/2014/main" id="{68904D96-FC94-4449-ADD1-DB6999508353}"/>
+              </a:ext>
+            </a:extLst>
+          </p:cNvPr>
+          <p:cNvSpPr>
+            <a:spLocks noGrp="1"/>
+          </p:cNvSpPr>
+          <p:nvPr>
+            <p:ph type="title"/>
+          </p:nvPr>
+        </p:nvSpPr>
+        <p:spPr/>
+        <p:txBody>
+          <a:bodyPr/>
+          <a:lstStyle/>
+          <a:p>
+            <a:r>
+              <a:rPr lang="pt-PT" dirty="0">
+                <a:effectLst>
+                  <a:outerShdw blurRad="38100" dist="38100" dir="2700000" algn="tl">
+                    <a:srgbClr val="000000">
+                      <a:alpha val="43137"/>
+                    </a:srgbClr>
+                  </a:outerShdw>
+                </a:effectLst>
+              </a:rPr>
+              <a:t>Conclusões relativas aos algoritmos</a:t>
+            </a:r>
+          </a:p>
+        </p:txBody>
+      </p:sp>
+      <p:sp>
+        <p:nvSpPr>
+          <p:cNvPr id="3" name="Marcador de Posição de Conteúdo 2">
+            <a:extLst>
+              <a:ext uri="{FF2B5EF4-FFF2-40B4-BE49-F238E27FC236}">
+                <a16:creationId xmlns:a16="http://schemas.microsoft.com/office/drawing/2014/main" id="{E99BF987-4D34-4F59-B77A-9D8822EB0AD4}"/>
+              </a:ext>
+            </a:extLst>
+          </p:cNvPr>
+          <p:cNvSpPr>
+            <a:spLocks noGrp="1"/>
+          </p:cNvSpPr>
+          <p:nvPr>
+            <p:ph idx="1"/>
+          </p:nvPr>
+        </p:nvSpPr>
+        <p:spPr/>
+        <p:txBody>
+          <a:bodyPr/>
+          <a:lstStyle/>
+          <a:p>
+            <a:r>
+              <a:rPr lang="pt-PT" dirty="0"/>
+              <a:t>O algoritmo que apresenta os melhores resultados é o </a:t>
+            </a:r>
+            <a:r>
+              <a:rPr lang="pt-PT" b="1" i="1" dirty="0" err="1"/>
+              <a:t>Bee</a:t>
+            </a:r>
+            <a:r>
+              <a:rPr lang="pt-PT" b="1" i="1" dirty="0"/>
+              <a:t> </a:t>
+            </a:r>
+            <a:r>
+              <a:rPr lang="pt-PT" b="1" i="1" dirty="0" err="1"/>
+              <a:t>Colony</a:t>
+            </a:r>
+            <a:r>
+              <a:rPr lang="pt-PT" b="1" i="1" dirty="0"/>
+              <a:t> </a:t>
+            </a:r>
+            <a:r>
+              <a:rPr lang="pt-PT" b="1" i="1" dirty="0" err="1"/>
+              <a:t>Optimization</a:t>
+            </a:r>
+            <a:endParaRPr lang="pt-PT" b="1" i="1" dirty="0"/>
+          </a:p>
+          <a:p>
+            <a:r>
+              <a:rPr lang="pt-PT" dirty="0"/>
+              <a:t>O algoritmo que apresenta resultados no menor tempo é o </a:t>
+            </a:r>
+            <a:r>
+              <a:rPr lang="pt-PT" b="1" i="1" dirty="0" err="1"/>
+              <a:t>Custom</a:t>
+            </a:r>
+            <a:r>
+              <a:rPr lang="pt-PT" b="1" i="1" dirty="0"/>
+              <a:t> </a:t>
+            </a:r>
+            <a:r>
+              <a:rPr lang="pt-PT" b="1" i="1" dirty="0" err="1"/>
+              <a:t>Algorithm</a:t>
+            </a:r>
+            <a:endParaRPr lang="pt-PT" b="1" i="1" dirty="0"/>
+          </a:p>
+          <a:p>
+            <a:pPr algn="just"/>
+            <a:r>
+              <a:rPr lang="pt-PT" dirty="0"/>
+              <a:t>O algoritmo que apresenta a melhor relação tempo*</a:t>
+            </a:r>
+            <a:r>
+              <a:rPr lang="pt-PT" i="1" dirty="0"/>
+              <a:t>fitness </a:t>
+            </a:r>
+            <a:r>
+              <a:rPr lang="pt-PT" dirty="0"/>
+              <a:t>é o </a:t>
+            </a:r>
+            <a:r>
+              <a:rPr lang="pt-PT" b="1" i="1" dirty="0" err="1"/>
+              <a:t>Custom</a:t>
+            </a:r>
+            <a:r>
+              <a:rPr lang="pt-PT" b="1" i="1" dirty="0"/>
+              <a:t> </a:t>
+            </a:r>
+            <a:r>
+              <a:rPr lang="pt-PT" b="1" i="1" dirty="0" err="1"/>
+              <a:t>Agorithm</a:t>
+            </a:r>
+            <a:endParaRPr lang="pt-PT" dirty="0"/>
+          </a:p>
+          <a:p>
+            <a:pPr algn="just"/>
+            <a:endParaRPr lang="pt-PT" i="1" dirty="0"/>
+          </a:p>
+        </p:txBody>
+      </p:sp>
+      <p:pic>
+        <p:nvPicPr>
+          <p:cNvPr id="1026" name="Picture 2" descr="Resultado de imagem para bee trophy">
+            <a:extLst>
+              <a:ext uri="{FF2B5EF4-FFF2-40B4-BE49-F238E27FC236}">
+                <a16:creationId xmlns:a16="http://schemas.microsoft.com/office/drawing/2014/main" id="{C40002A6-21F3-4891-94A4-08D0FAB79EF2}"/>
+              </a:ext>
+            </a:extLst>
+          </p:cNvPr>
+          <p:cNvPicPr>
+            <a:picLocks noChangeAspect="1" noChangeArrowheads="1"/>
+          </p:cNvPicPr>
+          <p:nvPr/>
+        </p:nvPicPr>
+        <p:blipFill>
+          <a:blip r:embed="rId2">
+            <a:extLst>
+              <a:ext uri="{28A0092B-C50C-407E-A947-70E740481C1C}">
+                <a14:useLocalDpi xmlns:a14="http://schemas.microsoft.com/office/drawing/2010/main" val="0"/>
+              </a:ext>
+            </a:extLst>
+          </a:blip>
+          <a:srcRect/>
+          <a:stretch>
+            <a:fillRect/>
+          </a:stretch>
+        </p:blipFill>
+        <p:spPr bwMode="auto">
+          <a:xfrm>
+            <a:off x="4928754" y="4439316"/>
+            <a:ext cx="2348345" cy="2348345"/>
+          </a:xfrm>
+          <a:prstGeom prst="rect">
+            <a:avLst/>
+          </a:prstGeom>
+          <a:noFill/>
+          <a:extLst>
+            <a:ext uri="{909E8E84-426E-40DD-AFC4-6F175D3DCCD1}">
+              <a14:hiddenFill xmlns:a14="http://schemas.microsoft.com/office/drawing/2010/main">
+                <a:solidFill>
+                  <a:srgbClr val="FFFFFF"/>
+                </a:solidFill>
+              </a14:hiddenFill>
+            </a:ext>
+          </a:extLst>
+        </p:spPr>
+      </p:pic>
+    </p:spTree>
+    <p:extLst>
+      <p:ext uri="{BB962C8B-B14F-4D97-AF65-F5344CB8AC3E}">
+        <p14:creationId xmlns:p14="http://schemas.microsoft.com/office/powerpoint/2010/main" val="122127937"/>
       </p:ext>
     </p:extLst>
   </p:cSld>
@@ -6768,6 +7520,716 @@
     <p:extLst>
       <p:ext uri="{BB962C8B-B14F-4D97-AF65-F5344CB8AC3E}">
         <p14:creationId xmlns:p14="http://schemas.microsoft.com/office/powerpoint/2010/main" val="3884710539"/>
+      </p:ext>
+    </p:extLst>
+  </p:cSld>
+  <p:clrMapOvr>
+    <a:masterClrMapping/>
+  </p:clrMapOvr>
+</p:sld>
+</file>
+
+<file path=ppt/slides/slide30.xml><?xml version="1.0" encoding="utf-8"?>
+<p:sld xmlns:a="http://schemas.openxmlformats.org/drawingml/2006/main" xmlns:r="http://schemas.openxmlformats.org/officeDocument/2006/relationships" xmlns:p="http://schemas.openxmlformats.org/presentationml/2006/main">
+  <p:cSld>
+    <p:spTree>
+      <p:nvGrpSpPr>
+        <p:cNvPr id="1" name=""/>
+        <p:cNvGrpSpPr/>
+        <p:nvPr/>
+      </p:nvGrpSpPr>
+      <p:grpSpPr>
+        <a:xfrm>
+          <a:off x="0" y="0"/>
+          <a:ext cx="0" cy="0"/>
+          <a:chOff x="0" y="0"/>
+          <a:chExt cx="0" cy="0"/>
+        </a:xfrm>
+      </p:grpSpPr>
+      <p:sp>
+        <p:nvSpPr>
+          <p:cNvPr id="2" name="Título 1">
+            <a:extLst>
+              <a:ext uri="{FF2B5EF4-FFF2-40B4-BE49-F238E27FC236}">
+                <a16:creationId xmlns:a16="http://schemas.microsoft.com/office/drawing/2014/main" id="{EF481813-1193-471F-8C2A-3A9FEC475E20}"/>
+              </a:ext>
+            </a:extLst>
+          </p:cNvPr>
+          <p:cNvSpPr>
+            <a:spLocks noGrp="1"/>
+          </p:cNvSpPr>
+          <p:nvPr>
+            <p:ph type="title"/>
+          </p:nvPr>
+        </p:nvSpPr>
+        <p:spPr/>
+        <p:txBody>
+          <a:bodyPr/>
+          <a:lstStyle/>
+          <a:p>
+            <a:r>
+              <a:rPr lang="pt-PT" dirty="0">
+                <a:effectLst>
+                  <a:outerShdw blurRad="38100" dist="38100" dir="2700000" algn="tl">
+                    <a:srgbClr val="000000">
+                      <a:alpha val="43137"/>
+                    </a:srgbClr>
+                  </a:outerShdw>
+                </a:effectLst>
+              </a:rPr>
+              <a:t>Acerca dos resultados</a:t>
+            </a:r>
+          </a:p>
+        </p:txBody>
+      </p:sp>
+      <p:sp>
+        <p:nvSpPr>
+          <p:cNvPr id="3" name="Marcador de Posição de Conteúdo 2">
+            <a:extLst>
+              <a:ext uri="{FF2B5EF4-FFF2-40B4-BE49-F238E27FC236}">
+                <a16:creationId xmlns:a16="http://schemas.microsoft.com/office/drawing/2014/main" id="{2894F18C-7864-492C-88D2-2E74E27FCD1B}"/>
+              </a:ext>
+            </a:extLst>
+          </p:cNvPr>
+          <p:cNvSpPr>
+            <a:spLocks noGrp="1"/>
+          </p:cNvSpPr>
+          <p:nvPr>
+            <p:ph idx="1"/>
+          </p:nvPr>
+        </p:nvSpPr>
+        <p:spPr/>
+        <p:txBody>
+          <a:bodyPr/>
+          <a:lstStyle/>
+          <a:p>
+            <a:r>
+              <a:rPr lang="pt-PT" dirty="0"/>
+              <a:t>Apesar de o BCO apresentar os melhores resultados, </a:t>
+            </a:r>
+            <a:r>
+              <a:rPr lang="pt-PT" b="1" dirty="0"/>
+              <a:t>para problemas de grande dimensão é aconselhado o uso do CA</a:t>
+            </a:r>
+          </a:p>
+          <a:p>
+            <a:r>
+              <a:rPr lang="pt-PT" dirty="0"/>
+              <a:t>Com mais otimização será possível melhorar os resultados obtidos e  reduzir o tempo de execução</a:t>
+            </a:r>
+          </a:p>
+          <a:p>
+            <a:r>
+              <a:rPr lang="pt-PT" dirty="0"/>
+              <a:t>Com mais iterações será também possível obter melhores soluções (pois nem sempre é encontrada a solução ideal)</a:t>
+            </a:r>
+          </a:p>
+        </p:txBody>
+      </p:sp>
+      <p:sp>
+        <p:nvSpPr>
+          <p:cNvPr id="4" name="AutoShape 2" descr="Resultado de imagem para consider png">
+            <a:extLst>
+              <a:ext uri="{FF2B5EF4-FFF2-40B4-BE49-F238E27FC236}">
+                <a16:creationId xmlns:a16="http://schemas.microsoft.com/office/drawing/2014/main" id="{C65988C5-E59E-48C4-862F-532B82B6D418}"/>
+              </a:ext>
+            </a:extLst>
+          </p:cNvPr>
+          <p:cNvSpPr>
+            <a:spLocks noChangeAspect="1" noChangeArrowheads="1"/>
+          </p:cNvSpPr>
+          <p:nvPr/>
+        </p:nvSpPr>
+        <p:spPr bwMode="auto">
+          <a:xfrm>
+            <a:off x="5943600" y="3276600"/>
+            <a:ext cx="304800" cy="304800"/>
+          </a:xfrm>
+          <a:prstGeom prst="rect">
+            <a:avLst/>
+          </a:prstGeom>
+          <a:noFill/>
+          <a:extLst>
+            <a:ext uri="{909E8E84-426E-40DD-AFC4-6F175D3DCCD1}">
+              <a14:hiddenFill xmlns:a14="http://schemas.microsoft.com/office/drawing/2010/main">
+                <a:solidFill>
+                  <a:srgbClr val="FFFFFF"/>
+                </a:solidFill>
+              </a14:hiddenFill>
+            </a:ext>
+          </a:extLst>
+        </p:spPr>
+        <p:txBody>
+          <a:bodyPr vert="horz" wrap="square" lIns="91440" tIns="45720" rIns="91440" bIns="45720" numCol="1" anchor="t" anchorCtr="0" compatLnSpc="1">
+            <a:prstTxWarp prst="textNoShape">
+              <a:avLst/>
+            </a:prstTxWarp>
+          </a:bodyPr>
+          <a:lstStyle/>
+          <a:p>
+            <a:endParaRPr lang="pt-PT"/>
+          </a:p>
+        </p:txBody>
+      </p:sp>
+      <p:pic>
+        <p:nvPicPr>
+          <p:cNvPr id="3076" name="Picture 4" descr="Resultado de imagem para conclusions png">
+            <a:extLst>
+              <a:ext uri="{FF2B5EF4-FFF2-40B4-BE49-F238E27FC236}">
+                <a16:creationId xmlns:a16="http://schemas.microsoft.com/office/drawing/2014/main" id="{5B1C03F0-ED3F-49F6-82DC-172767743EB1}"/>
+              </a:ext>
+            </a:extLst>
+          </p:cNvPr>
+          <p:cNvPicPr>
+            <a:picLocks noChangeAspect="1" noChangeArrowheads="1"/>
+          </p:cNvPicPr>
+          <p:nvPr/>
+        </p:nvPicPr>
+        <p:blipFill>
+          <a:blip r:embed="rId2">
+            <a:extLst>
+              <a:ext uri="{28A0092B-C50C-407E-A947-70E740481C1C}">
+                <a14:useLocalDpi xmlns:a14="http://schemas.microsoft.com/office/drawing/2010/main" val="0"/>
+              </a:ext>
+            </a:extLst>
+          </a:blip>
+          <a:srcRect/>
+          <a:stretch>
+            <a:fillRect/>
+          </a:stretch>
+        </p:blipFill>
+        <p:spPr bwMode="auto">
+          <a:xfrm>
+            <a:off x="4905172" y="4340157"/>
+            <a:ext cx="2381655" cy="2381655"/>
+          </a:xfrm>
+          <a:prstGeom prst="rect">
+            <a:avLst/>
+          </a:prstGeom>
+          <a:noFill/>
+          <a:extLst>
+            <a:ext uri="{909E8E84-426E-40DD-AFC4-6F175D3DCCD1}">
+              <a14:hiddenFill xmlns:a14="http://schemas.microsoft.com/office/drawing/2010/main">
+                <a:solidFill>
+                  <a:srgbClr val="FFFFFF"/>
+                </a:solidFill>
+              </a14:hiddenFill>
+            </a:ext>
+          </a:extLst>
+        </p:spPr>
+      </p:pic>
+    </p:spTree>
+    <p:extLst>
+      <p:ext uri="{BB962C8B-B14F-4D97-AF65-F5344CB8AC3E}">
+        <p14:creationId xmlns:p14="http://schemas.microsoft.com/office/powerpoint/2010/main" val="146071313"/>
+      </p:ext>
+    </p:extLst>
+  </p:cSld>
+  <p:clrMapOvr>
+    <a:masterClrMapping/>
+  </p:clrMapOvr>
+</p:sld>
+</file>
+
+<file path=ppt/slides/slide31.xml><?xml version="1.0" encoding="utf-8"?>
+<p:sld xmlns:a="http://schemas.openxmlformats.org/drawingml/2006/main" xmlns:r="http://schemas.openxmlformats.org/officeDocument/2006/relationships" xmlns:p="http://schemas.openxmlformats.org/presentationml/2006/main">
+  <p:cSld>
+    <p:spTree>
+      <p:nvGrpSpPr>
+        <p:cNvPr id="1" name=""/>
+        <p:cNvGrpSpPr/>
+        <p:nvPr/>
+      </p:nvGrpSpPr>
+      <p:grpSpPr>
+        <a:xfrm>
+          <a:off x="0" y="0"/>
+          <a:ext cx="0" cy="0"/>
+          <a:chOff x="0" y="0"/>
+          <a:chExt cx="0" cy="0"/>
+        </a:xfrm>
+      </p:grpSpPr>
+      <p:sp>
+        <p:nvSpPr>
+          <p:cNvPr id="2" name="Título 1">
+            <a:extLst>
+              <a:ext uri="{FF2B5EF4-FFF2-40B4-BE49-F238E27FC236}">
+                <a16:creationId xmlns:a16="http://schemas.microsoft.com/office/drawing/2014/main" id="{2E4BB341-78E0-47EC-980C-FD72F0C76246}"/>
+              </a:ext>
+            </a:extLst>
+          </p:cNvPr>
+          <p:cNvSpPr>
+            <a:spLocks noGrp="1"/>
+          </p:cNvSpPr>
+          <p:nvPr>
+            <p:ph type="title"/>
+          </p:nvPr>
+        </p:nvSpPr>
+        <p:spPr/>
+        <p:txBody>
+          <a:bodyPr/>
+          <a:lstStyle/>
+          <a:p>
+            <a:r>
+              <a:rPr lang="pt-PT" dirty="0">
+                <a:effectLst>
+                  <a:outerShdw blurRad="38100" dist="38100" dir="2700000" algn="tl">
+                    <a:srgbClr val="000000">
+                      <a:alpha val="43137"/>
+                    </a:srgbClr>
+                  </a:outerShdw>
+                </a:effectLst>
+              </a:rPr>
+              <a:t>Considerações finais</a:t>
+            </a:r>
+          </a:p>
+        </p:txBody>
+      </p:sp>
+      <p:sp>
+        <p:nvSpPr>
+          <p:cNvPr id="3" name="Marcador de Posição de Conteúdo 2">
+            <a:extLst>
+              <a:ext uri="{FF2B5EF4-FFF2-40B4-BE49-F238E27FC236}">
+                <a16:creationId xmlns:a16="http://schemas.microsoft.com/office/drawing/2014/main" id="{7992E204-0D2A-4D07-9CE8-914529886868}"/>
+              </a:ext>
+            </a:extLst>
+          </p:cNvPr>
+          <p:cNvSpPr>
+            <a:spLocks noGrp="1"/>
+          </p:cNvSpPr>
+          <p:nvPr>
+            <p:ph idx="1"/>
+          </p:nvPr>
+        </p:nvSpPr>
+        <p:spPr/>
+        <p:txBody>
+          <a:bodyPr/>
+          <a:lstStyle/>
+          <a:p>
+            <a:r>
+              <a:rPr lang="pt-PT" dirty="0"/>
+              <a:t>Este projeto foi um desafio para nós, pois durante a nossa licenciatura em Engenharia Informática não tinha ainda surgido a oportunidade de lidarmos com determinados aspetos importantes para este projeto</a:t>
+            </a:r>
+          </a:p>
+          <a:p>
+            <a:r>
+              <a:rPr lang="pt-PT" dirty="0"/>
+              <a:t>Este foi o nosso primeiro contacto com algoritmos do tipo </a:t>
+            </a:r>
+            <a:r>
+              <a:rPr lang="pt-PT" i="1" dirty="0" err="1"/>
+              <a:t>Swarm</a:t>
+            </a:r>
+            <a:r>
+              <a:rPr lang="pt-PT" i="1" dirty="0"/>
+              <a:t> </a:t>
+            </a:r>
+            <a:r>
+              <a:rPr lang="pt-PT" i="1" dirty="0" err="1"/>
+              <a:t>Intelligence</a:t>
+            </a:r>
+            <a:endParaRPr lang="pt-PT" dirty="0"/>
+          </a:p>
+          <a:p>
+            <a:r>
+              <a:rPr lang="pt-PT" dirty="0"/>
+              <a:t>Ao longo do nosso percurso académico não tínhamos ainda abordado </a:t>
+            </a:r>
+            <a:r>
+              <a:rPr lang="pt-PT" i="1" dirty="0"/>
+              <a:t>C++,</a:t>
+            </a:r>
+            <a:r>
+              <a:rPr lang="pt-PT" dirty="0"/>
+              <a:t> pelo que tivemos de aprender propositadamente a linguagem para este projeto</a:t>
+            </a:r>
+          </a:p>
+          <a:p>
+            <a:r>
+              <a:rPr lang="pt-PT" dirty="0"/>
+              <a:t>Tivemos de nos adaptar à plataforma </a:t>
+            </a:r>
+            <a:r>
+              <a:rPr lang="pt-PT" i="1" dirty="0" err="1"/>
+              <a:t>Qt</a:t>
+            </a:r>
+            <a:endParaRPr lang="pt-PT" i="1" dirty="0"/>
+          </a:p>
+        </p:txBody>
+      </p:sp>
+    </p:spTree>
+    <p:extLst>
+      <p:ext uri="{BB962C8B-B14F-4D97-AF65-F5344CB8AC3E}">
+        <p14:creationId xmlns:p14="http://schemas.microsoft.com/office/powerpoint/2010/main" val="147091254"/>
+      </p:ext>
+    </p:extLst>
+  </p:cSld>
+  <p:clrMapOvr>
+    <a:masterClrMapping/>
+  </p:clrMapOvr>
+</p:sld>
+</file>
+
+<file path=ppt/slides/slide32.xml><?xml version="1.0" encoding="utf-8"?>
+<p:sld xmlns:a="http://schemas.openxmlformats.org/drawingml/2006/main" xmlns:r="http://schemas.openxmlformats.org/officeDocument/2006/relationships" xmlns:p="http://schemas.openxmlformats.org/presentationml/2006/main">
+  <p:cSld>
+    <p:spTree>
+      <p:nvGrpSpPr>
+        <p:cNvPr id="1" name=""/>
+        <p:cNvGrpSpPr/>
+        <p:nvPr/>
+      </p:nvGrpSpPr>
+      <p:grpSpPr>
+        <a:xfrm>
+          <a:off x="0" y="0"/>
+          <a:ext cx="0" cy="0"/>
+          <a:chOff x="0" y="0"/>
+          <a:chExt cx="0" cy="0"/>
+        </a:xfrm>
+      </p:grpSpPr>
+      <p:sp>
+        <p:nvSpPr>
+          <p:cNvPr id="2" name="Título 1">
+            <a:extLst>
+              <a:ext uri="{FF2B5EF4-FFF2-40B4-BE49-F238E27FC236}">
+                <a16:creationId xmlns:a16="http://schemas.microsoft.com/office/drawing/2014/main" id="{E447C308-79E6-4D3F-A411-4CF152C4676F}"/>
+              </a:ext>
+            </a:extLst>
+          </p:cNvPr>
+          <p:cNvSpPr>
+            <a:spLocks noGrp="1"/>
+          </p:cNvSpPr>
+          <p:nvPr>
+            <p:ph type="title"/>
+          </p:nvPr>
+        </p:nvSpPr>
+        <p:spPr/>
+        <p:txBody>
+          <a:bodyPr/>
+          <a:lstStyle/>
+          <a:p>
+            <a:r>
+              <a:rPr lang="pt-PT" dirty="0">
+                <a:effectLst>
+                  <a:outerShdw blurRad="38100" dist="38100" dir="2700000" algn="tl">
+                    <a:srgbClr val="000000">
+                      <a:alpha val="43137"/>
+                    </a:srgbClr>
+                  </a:outerShdw>
+                </a:effectLst>
+              </a:rPr>
+              <a:t>Trabalho futuro</a:t>
+            </a:r>
+          </a:p>
+        </p:txBody>
+      </p:sp>
+      <p:sp>
+        <p:nvSpPr>
+          <p:cNvPr id="3" name="Marcador de Posição de Conteúdo 2">
+            <a:extLst>
+              <a:ext uri="{FF2B5EF4-FFF2-40B4-BE49-F238E27FC236}">
+                <a16:creationId xmlns:a16="http://schemas.microsoft.com/office/drawing/2014/main" id="{903CBED9-D5C4-4B1C-BDC2-5F433300E82F}"/>
+              </a:ext>
+            </a:extLst>
+          </p:cNvPr>
+          <p:cNvSpPr>
+            <a:spLocks noGrp="1"/>
+          </p:cNvSpPr>
+          <p:nvPr>
+            <p:ph idx="1"/>
+          </p:nvPr>
+        </p:nvSpPr>
+        <p:spPr/>
+        <p:txBody>
+          <a:bodyPr/>
+          <a:lstStyle/>
+          <a:p>
+            <a:r>
+              <a:rPr lang="pt-PT" dirty="0"/>
+              <a:t>Criação de uma aplicação que mapeasse redes de fibra ótica do mundo real para o formato aceite pela nossa aplicação</a:t>
+            </a:r>
+          </a:p>
+          <a:p>
+            <a:r>
+              <a:rPr lang="pt-PT" dirty="0"/>
+              <a:t>Evolução da nossa aplicação para que se torne apta a resolver mais problemas, em menos tempo, com mais algoritmos, com a obtenção do </a:t>
+            </a:r>
+            <a:r>
+              <a:rPr lang="pt-PT" i="1" dirty="0"/>
+              <a:t>hardware</a:t>
+            </a:r>
+            <a:r>
+              <a:rPr lang="pt-PT" dirty="0"/>
+              <a:t> necessário</a:t>
+            </a:r>
+          </a:p>
+          <a:p>
+            <a:r>
+              <a:rPr lang="pt-PT" dirty="0"/>
+              <a:t>Realização de estudos comparativos com resoluções do PLR já existentes na literatura</a:t>
+            </a:r>
+          </a:p>
+        </p:txBody>
+      </p:sp>
+      <p:pic>
+        <p:nvPicPr>
+          <p:cNvPr id="6146" name="Picture 2" descr="Imagem relacionada">
+            <a:extLst>
+              <a:ext uri="{FF2B5EF4-FFF2-40B4-BE49-F238E27FC236}">
+                <a16:creationId xmlns:a16="http://schemas.microsoft.com/office/drawing/2014/main" id="{DB43E0CD-AE83-4386-9B23-89548E7F96EB}"/>
+              </a:ext>
+            </a:extLst>
+          </p:cNvPr>
+          <p:cNvPicPr>
+            <a:picLocks noChangeAspect="1" noChangeArrowheads="1"/>
+          </p:cNvPicPr>
+          <p:nvPr/>
+        </p:nvPicPr>
+        <p:blipFill>
+          <a:blip r:embed="rId2">
+            <a:extLst>
+              <a:ext uri="{28A0092B-C50C-407E-A947-70E740481C1C}">
+                <a14:useLocalDpi xmlns:a14="http://schemas.microsoft.com/office/drawing/2010/main" val="0"/>
+              </a:ext>
+            </a:extLst>
+          </a:blip>
+          <a:srcRect/>
+          <a:stretch>
+            <a:fillRect/>
+          </a:stretch>
+        </p:blipFill>
+        <p:spPr bwMode="auto">
+          <a:xfrm>
+            <a:off x="5171293" y="4941652"/>
+            <a:ext cx="1863268" cy="1782088"/>
+          </a:xfrm>
+          <a:prstGeom prst="rect">
+            <a:avLst/>
+          </a:prstGeom>
+          <a:noFill/>
+          <a:extLst>
+            <a:ext uri="{909E8E84-426E-40DD-AFC4-6F175D3DCCD1}">
+              <a14:hiddenFill xmlns:a14="http://schemas.microsoft.com/office/drawing/2010/main">
+                <a:solidFill>
+                  <a:srgbClr val="FFFFFF"/>
+                </a:solidFill>
+              </a14:hiddenFill>
+            </a:ext>
+          </a:extLst>
+        </p:spPr>
+      </p:pic>
+    </p:spTree>
+    <p:extLst>
+      <p:ext uri="{BB962C8B-B14F-4D97-AF65-F5344CB8AC3E}">
+        <p14:creationId xmlns:p14="http://schemas.microsoft.com/office/powerpoint/2010/main" val="1944226664"/>
+      </p:ext>
+    </p:extLst>
+  </p:cSld>
+  <p:clrMapOvr>
+    <a:masterClrMapping/>
+  </p:clrMapOvr>
+</p:sld>
+</file>
+
+<file path=ppt/slides/slide33.xml><?xml version="1.0" encoding="utf-8"?>
+<p:sld xmlns:a="http://schemas.openxmlformats.org/drawingml/2006/main" xmlns:r="http://schemas.openxmlformats.org/officeDocument/2006/relationships" xmlns:p="http://schemas.openxmlformats.org/presentationml/2006/main">
+  <p:cSld>
+    <p:spTree>
+      <p:nvGrpSpPr>
+        <p:cNvPr id="1" name=""/>
+        <p:cNvGrpSpPr/>
+        <p:nvPr/>
+      </p:nvGrpSpPr>
+      <p:grpSpPr>
+        <a:xfrm>
+          <a:off x="0" y="0"/>
+          <a:ext cx="0" cy="0"/>
+          <a:chOff x="0" y="0"/>
+          <a:chExt cx="0" cy="0"/>
+        </a:xfrm>
+      </p:grpSpPr>
+      <p:sp>
+        <p:nvSpPr>
+          <p:cNvPr id="2" name="Título 1">
+            <a:extLst>
+              <a:ext uri="{FF2B5EF4-FFF2-40B4-BE49-F238E27FC236}">
+                <a16:creationId xmlns:a16="http://schemas.microsoft.com/office/drawing/2014/main" id="{AB7F07F5-1DD7-4C3A-A681-39CC72966479}"/>
+              </a:ext>
+            </a:extLst>
+          </p:cNvPr>
+          <p:cNvSpPr>
+            <a:spLocks noGrp="1"/>
+          </p:cNvSpPr>
+          <p:nvPr>
+            <p:ph type="title"/>
+          </p:nvPr>
+        </p:nvSpPr>
+        <p:spPr/>
+        <p:txBody>
+          <a:bodyPr/>
+          <a:lstStyle/>
+          <a:p>
+            <a:r>
+              <a:rPr lang="pt-PT" dirty="0">
+                <a:effectLst>
+                  <a:outerShdw blurRad="38100" dist="38100" dir="2700000" algn="tl">
+                    <a:srgbClr val="000000">
+                      <a:alpha val="43137"/>
+                    </a:srgbClr>
+                  </a:outerShdw>
+                </a:effectLst>
+              </a:rPr>
+              <a:t>Conclusão</a:t>
+            </a:r>
+          </a:p>
+        </p:txBody>
+      </p:sp>
+      <p:sp>
+        <p:nvSpPr>
+          <p:cNvPr id="3" name="Marcador de Posição de Conteúdo 2">
+            <a:extLst>
+              <a:ext uri="{FF2B5EF4-FFF2-40B4-BE49-F238E27FC236}">
+                <a16:creationId xmlns:a16="http://schemas.microsoft.com/office/drawing/2014/main" id="{71375932-4CA0-492E-8B53-8CBD40207136}"/>
+              </a:ext>
+            </a:extLst>
+          </p:cNvPr>
+          <p:cNvSpPr>
+            <a:spLocks noGrp="1"/>
+          </p:cNvSpPr>
+          <p:nvPr>
+            <p:ph idx="1"/>
+          </p:nvPr>
+        </p:nvSpPr>
+        <p:spPr/>
+        <p:txBody>
+          <a:bodyPr/>
+          <a:lstStyle/>
+          <a:p>
+            <a:r>
+              <a:rPr lang="pt-PT" dirty="0"/>
+              <a:t>Apesar dos constrangimentos mencionados, </a:t>
+            </a:r>
+            <a:r>
+              <a:rPr lang="pt-PT" b="1" dirty="0"/>
+              <a:t>o projeto foi um êxito</a:t>
+            </a:r>
+          </a:p>
+          <a:p>
+            <a:r>
+              <a:rPr lang="pt-PT" dirty="0"/>
+              <a:t>Fomos capazes de cumprir todos os requisitos, obtendo boas soluções e implementando com sucesso os vários algoritmos de inteligência artificial</a:t>
+            </a:r>
+          </a:p>
+          <a:p>
+            <a:r>
+              <a:rPr lang="pt-PT" dirty="0"/>
+              <a:t>Foi importante para este projeto a aplicação de conhecimentos previamente adquiridos, bem como a aprendizagem de novos conhecimentos teóricos e práticos, e o desenvolvimento de competências de gestão de projeto e colaboração em equipa</a:t>
+            </a:r>
+          </a:p>
+          <a:p>
+            <a:endParaRPr lang="pt-PT" dirty="0"/>
+          </a:p>
+          <a:p>
+            <a:endParaRPr lang="pt-PT" dirty="0"/>
+          </a:p>
+        </p:txBody>
+      </p:sp>
+    </p:spTree>
+    <p:extLst>
+      <p:ext uri="{BB962C8B-B14F-4D97-AF65-F5344CB8AC3E}">
+        <p14:creationId xmlns:p14="http://schemas.microsoft.com/office/powerpoint/2010/main" val="2092607990"/>
+      </p:ext>
+    </p:extLst>
+  </p:cSld>
+  <p:clrMapOvr>
+    <a:masterClrMapping/>
+  </p:clrMapOvr>
+</p:sld>
+</file>
+
+<file path=ppt/slides/slide34.xml><?xml version="1.0" encoding="utf-8"?>
+<p:sld xmlns:a="http://schemas.openxmlformats.org/drawingml/2006/main" xmlns:r="http://schemas.openxmlformats.org/officeDocument/2006/relationships" xmlns:p="http://schemas.openxmlformats.org/presentationml/2006/main">
+  <p:cSld>
+    <p:spTree>
+      <p:nvGrpSpPr>
+        <p:cNvPr id="1" name=""/>
+        <p:cNvGrpSpPr/>
+        <p:nvPr/>
+      </p:nvGrpSpPr>
+      <p:grpSpPr>
+        <a:xfrm>
+          <a:off x="0" y="0"/>
+          <a:ext cx="0" cy="0"/>
+          <a:chOff x="0" y="0"/>
+          <a:chExt cx="0" cy="0"/>
+        </a:xfrm>
+      </p:grpSpPr>
+      <p:sp>
+        <p:nvSpPr>
+          <p:cNvPr id="2" name="Título 1">
+            <a:extLst>
+              <a:ext uri="{FF2B5EF4-FFF2-40B4-BE49-F238E27FC236}">
+                <a16:creationId xmlns:a16="http://schemas.microsoft.com/office/drawing/2014/main" id="{FE981001-225B-4AB9-A05E-61BAC09277E2}"/>
+              </a:ext>
+            </a:extLst>
+          </p:cNvPr>
+          <p:cNvSpPr>
+            <a:spLocks noGrp="1"/>
+          </p:cNvSpPr>
+          <p:nvPr>
+            <p:ph type="ctrTitle"/>
+          </p:nvPr>
+        </p:nvSpPr>
+        <p:spPr/>
+        <p:txBody>
+          <a:bodyPr>
+            <a:normAutofit/>
+          </a:bodyPr>
+          <a:lstStyle/>
+          <a:p>
+            <a:r>
+              <a:rPr lang="pt-PT" sz="5400" b="1" dirty="0">
+                <a:effectLst>
+                  <a:outerShdw blurRad="38100" dist="38100" dir="2700000" algn="tl">
+                    <a:srgbClr val="000000">
+                      <a:alpha val="43137"/>
+                    </a:srgbClr>
+                  </a:outerShdw>
+                </a:effectLst>
+              </a:rPr>
+              <a:t>Fim</a:t>
+            </a:r>
+          </a:p>
+        </p:txBody>
+      </p:sp>
+      <p:sp>
+        <p:nvSpPr>
+          <p:cNvPr id="3" name="Subtítulo 2">
+            <a:extLst>
+              <a:ext uri="{FF2B5EF4-FFF2-40B4-BE49-F238E27FC236}">
+                <a16:creationId xmlns:a16="http://schemas.microsoft.com/office/drawing/2014/main" id="{C6961669-0652-4627-A354-9AA765C740E3}"/>
+              </a:ext>
+            </a:extLst>
+          </p:cNvPr>
+          <p:cNvSpPr>
+            <a:spLocks noGrp="1"/>
+          </p:cNvSpPr>
+          <p:nvPr>
+            <p:ph type="subTitle" idx="1"/>
+          </p:nvPr>
+        </p:nvSpPr>
+        <p:spPr/>
+        <p:txBody>
+          <a:bodyPr/>
+          <a:lstStyle/>
+          <a:p>
+            <a:endParaRPr lang="pt-PT" dirty="0"/>
+          </a:p>
+        </p:txBody>
+      </p:sp>
+    </p:spTree>
+    <p:extLst>
+      <p:ext uri="{BB962C8B-B14F-4D97-AF65-F5344CB8AC3E}">
+        <p14:creationId xmlns:p14="http://schemas.microsoft.com/office/powerpoint/2010/main" val="582623958"/>
       </p:ext>
     </p:extLst>
   </p:cSld>
@@ -7374,10 +8836,10 @@
                   </a:outerShdw>
                 </a:effectLst>
               </a:rPr>
-              <a:t>Problema </a:t>
-            </a:r>
-            <a:r>
-              <a:rPr lang="pt-PT" dirty="0" err="1">
+              <a:t>Problemas </a:t>
+            </a:r>
+            <a:r>
+              <a:rPr lang="pt-PT" i="1" dirty="0">
                 <a:effectLst>
                   <a:outerShdw blurRad="38100" dist="38100" dir="2700000" algn="tl">
                     <a:srgbClr val="000000">
@@ -7386,19 +8848,7 @@
                   </a:outerShdw>
                 </a:effectLst>
               </a:rPr>
-              <a:t>Np</a:t>
-            </a:r>
-            <a:r>
-              <a:rPr lang="pt-PT" dirty="0">
-                <a:effectLst>
-                  <a:outerShdw blurRad="38100" dist="38100" dir="2700000" algn="tl">
-                    <a:srgbClr val="000000">
-                      <a:alpha val="43137"/>
-                    </a:srgbClr>
-                  </a:outerShdw>
-                </a:effectLst>
-              </a:rPr>
-              <a:t>-Complete</a:t>
+              <a:t>NP-Complete</a:t>
             </a:r>
           </a:p>
         </p:txBody>
@@ -7426,11 +8876,103 @@
           <a:p>
             <a:r>
               <a:rPr lang="pt-PT" dirty="0"/>
-              <a:t>Falar sobre isto?</a:t>
-            </a:r>
-          </a:p>
-        </p:txBody>
-      </p:sp>
+              <a:t>O PLR é considerado um problema </a:t>
+            </a:r>
+            <a:r>
+              <a:rPr lang="pt-PT" b="1" i="1" dirty="0"/>
+              <a:t>NP-Complete</a:t>
+            </a:r>
+          </a:p>
+          <a:p>
+            <a:r>
+              <a:rPr lang="pt-PT" dirty="0"/>
+              <a:t>Um problema é classificado </a:t>
+            </a:r>
+            <a:r>
+              <a:rPr lang="pt-PT" i="1" dirty="0"/>
+              <a:t>NP-Complete</a:t>
+            </a:r>
+            <a:r>
+              <a:rPr lang="pt-PT" dirty="0"/>
+              <a:t> se for considerado </a:t>
+            </a:r>
+            <a:r>
+              <a:rPr lang="pt-PT" b="1" i="1" dirty="0"/>
+              <a:t>NP-Hard</a:t>
+            </a:r>
+          </a:p>
+          <a:p>
+            <a:r>
+              <a:rPr lang="pt-PT" dirty="0"/>
+              <a:t>Qualquer algoritmo utilizado para resolver um problema do tipo </a:t>
+            </a:r>
+            <a:r>
+              <a:rPr lang="pt-PT" i="1" dirty="0"/>
+              <a:t>NP-Hard</a:t>
+            </a:r>
+            <a:r>
+              <a:rPr lang="pt-PT" dirty="0"/>
+              <a:t> em tempo polinomial pode ser posteriormente traduzido para resolver qualquer problema também </a:t>
+            </a:r>
+            <a:r>
+              <a:rPr lang="pt-PT" i="1" dirty="0"/>
+              <a:t>NP-Hard</a:t>
+            </a:r>
+            <a:r>
+              <a:rPr lang="pt-PT" dirty="0"/>
+              <a:t>.</a:t>
+            </a:r>
+            <a:endParaRPr lang="pt-PT" i="1" dirty="0"/>
+          </a:p>
+        </p:txBody>
+      </p:sp>
+      <p:pic>
+        <p:nvPicPr>
+          <p:cNvPr id="7170" name="Picture 2" descr="Resultado de imagem para gears png">
+            <a:extLst>
+              <a:ext uri="{FF2B5EF4-FFF2-40B4-BE49-F238E27FC236}">
+                <a16:creationId xmlns:a16="http://schemas.microsoft.com/office/drawing/2014/main" id="{2FD2D23E-C4A0-4605-BB38-D6076567B06F}"/>
+              </a:ext>
+            </a:extLst>
+          </p:cNvPr>
+          <p:cNvPicPr>
+            <a:picLocks noChangeAspect="1" noChangeArrowheads="1"/>
+          </p:cNvPicPr>
+          <p:nvPr/>
+        </p:nvPicPr>
+        <p:blipFill>
+          <a:blip r:embed="rId2">
+            <a:extLst>
+              <a:ext uri="{28A0092B-C50C-407E-A947-70E740481C1C}">
+                <a14:useLocalDpi xmlns:a14="http://schemas.microsoft.com/office/drawing/2010/main" val="0"/>
+              </a:ext>
+            </a:extLst>
+          </a:blip>
+          <a:srcRect/>
+          <a:stretch>
+            <a:fillRect/>
+          </a:stretch>
+        </p:blipFill>
+        <p:spPr bwMode="auto">
+          <a:xfrm>
+            <a:off x="4795576" y="4513634"/>
+            <a:ext cx="2614701" cy="2012264"/>
+          </a:xfrm>
+          <a:prstGeom prst="rect">
+            <a:avLst/>
+          </a:prstGeom>
+          <a:noFill/>
+          <a:extLst>
+            <a:ext uri="{909E8E84-426E-40DD-AFC4-6F175D3DCCD1}">
+              <a14:hiddenFill xmlns:a14="http://schemas.microsoft.com/office/drawing/2010/main">
+                <a:solidFill>
+                  <a:srgbClr val="FFFFFF"/>
+                </a:solidFill>
+              </a14:hiddenFill>
+            </a:ext>
+          </a:extLst>
+        </p:spPr>
+      </p:pic>
     </p:spTree>
     <p:extLst>
       <p:ext uri="{BB962C8B-B14F-4D97-AF65-F5344CB8AC3E}">
@@ -7814,6 +9356,53 @@
           </a:p>
         </p:txBody>
       </p:sp>
+      <p:pic>
+        <p:nvPicPr>
+          <p:cNvPr id="2050" name="Picture 2" descr="Resultado de imagem para motivation png">
+            <a:extLst>
+              <a:ext uri="{FF2B5EF4-FFF2-40B4-BE49-F238E27FC236}">
+                <a16:creationId xmlns:a16="http://schemas.microsoft.com/office/drawing/2014/main" id="{D196CF21-F2CB-4F45-B0A7-CF1D2DEE3411}"/>
+              </a:ext>
+            </a:extLst>
+          </p:cNvPr>
+          <p:cNvPicPr>
+            <a:picLocks noChangeAspect="1" noChangeArrowheads="1"/>
+          </p:cNvPicPr>
+          <p:nvPr/>
+        </p:nvPicPr>
+        <p:blipFill>
+          <a:blip r:embed="rId2">
+            <a:extLst>
+              <a:ext uri="{28A0092B-C50C-407E-A947-70E740481C1C}">
+                <a14:useLocalDpi xmlns:a14="http://schemas.microsoft.com/office/drawing/2010/main" val="0"/>
+              </a:ext>
+            </a:extLst>
+          </a:blip>
+          <a:srcRect/>
+          <a:stretch>
+            <a:fillRect/>
+          </a:stretch>
+        </p:blipFill>
+        <p:spPr bwMode="auto">
+          <a:xfrm>
+            <a:off x="4841616" y="4004468"/>
+            <a:ext cx="2522621" cy="2522621"/>
+          </a:xfrm>
+          <a:prstGeom prst="rect">
+            <a:avLst/>
+          </a:prstGeom>
+          <a:noFill/>
+          <a:extLst>
+            <a:ext uri="{909E8E84-426E-40DD-AFC4-6F175D3DCCD1}">
+              <a14:hiddenFill xmlns:a14="http://schemas.microsoft.com/office/drawing/2010/main">
+                <a:solidFill>
+                  <a:srgbClr val="FFFFFF"/>
+                </a:solidFill>
+              </a14:hiddenFill>
+            </a:ext>
+          </a:extLst>
+        </p:spPr>
+      </p:pic>
     </p:spTree>
     <p:extLst>
       <p:ext uri="{BB962C8B-B14F-4D97-AF65-F5344CB8AC3E}">

--- a/powerpoint_defesa.pptx
+++ b/powerpoint_defesa.pptx
@@ -1,44 +1,45 @@
 
 <file path=ppt/presentation.xml><?xml version="1.0" encoding="utf-8"?>
-<p:presentation xmlns:a="http://schemas.openxmlformats.org/drawingml/2006/main" xmlns:r="http://schemas.openxmlformats.org/officeDocument/2006/relationships" xmlns:p="http://schemas.openxmlformats.org/presentationml/2006/main" saveSubsetFonts="1">
+<p:presentation xmlns:a="http://schemas.openxmlformats.org/drawingml/2006/main" xmlns:r="http://schemas.openxmlformats.org/officeDocument/2006/relationships" xmlns:p="http://schemas.openxmlformats.org/presentationml/2006/main" showSpecialPlsOnTitleSld="0" saveSubsetFonts="1">
   <p:sldMasterIdLst>
     <p:sldMasterId id="2147483735" r:id="rId1"/>
   </p:sldMasterIdLst>
+  <p:notesMasterIdLst>
+    <p:notesMasterId r:id="rId34"/>
+  </p:notesMasterIdLst>
   <p:sldIdLst>
     <p:sldId id="256" r:id="rId2"/>
     <p:sldId id="259" r:id="rId3"/>
-    <p:sldId id="258" r:id="rId4"/>
-    <p:sldId id="260" r:id="rId5"/>
-    <p:sldId id="261" r:id="rId6"/>
-    <p:sldId id="262" r:id="rId7"/>
-    <p:sldId id="272" r:id="rId8"/>
-    <p:sldId id="263" r:id="rId9"/>
-    <p:sldId id="268" r:id="rId10"/>
-    <p:sldId id="264" r:id="rId11"/>
-    <p:sldId id="265" r:id="rId12"/>
-    <p:sldId id="266" r:id="rId13"/>
-    <p:sldId id="267" r:id="rId14"/>
-    <p:sldId id="269" r:id="rId15"/>
-    <p:sldId id="270" r:id="rId16"/>
-    <p:sldId id="271" r:id="rId17"/>
-    <p:sldId id="273" r:id="rId18"/>
-    <p:sldId id="274" r:id="rId19"/>
-    <p:sldId id="275" r:id="rId20"/>
-    <p:sldId id="276" r:id="rId21"/>
-    <p:sldId id="277" r:id="rId22"/>
-    <p:sldId id="278" r:id="rId23"/>
-    <p:sldId id="279" r:id="rId24"/>
-    <p:sldId id="280" r:id="rId25"/>
-    <p:sldId id="281" r:id="rId26"/>
-    <p:sldId id="282" r:id="rId27"/>
-    <p:sldId id="283" r:id="rId28"/>
-    <p:sldId id="284" r:id="rId29"/>
-    <p:sldId id="285" r:id="rId30"/>
-    <p:sldId id="286" r:id="rId31"/>
-    <p:sldId id="287" r:id="rId32"/>
-    <p:sldId id="288" r:id="rId33"/>
-    <p:sldId id="289" r:id="rId34"/>
-    <p:sldId id="290" r:id="rId35"/>
+    <p:sldId id="260" r:id="rId4"/>
+    <p:sldId id="261" r:id="rId5"/>
+    <p:sldId id="262" r:id="rId6"/>
+    <p:sldId id="263" r:id="rId7"/>
+    <p:sldId id="268" r:id="rId8"/>
+    <p:sldId id="264" r:id="rId9"/>
+    <p:sldId id="265" r:id="rId10"/>
+    <p:sldId id="266" r:id="rId11"/>
+    <p:sldId id="267" r:id="rId12"/>
+    <p:sldId id="269" r:id="rId13"/>
+    <p:sldId id="270" r:id="rId14"/>
+    <p:sldId id="271" r:id="rId15"/>
+    <p:sldId id="273" r:id="rId16"/>
+    <p:sldId id="274" r:id="rId17"/>
+    <p:sldId id="275" r:id="rId18"/>
+    <p:sldId id="276" r:id="rId19"/>
+    <p:sldId id="277" r:id="rId20"/>
+    <p:sldId id="278" r:id="rId21"/>
+    <p:sldId id="279" r:id="rId22"/>
+    <p:sldId id="280" r:id="rId23"/>
+    <p:sldId id="281" r:id="rId24"/>
+    <p:sldId id="282" r:id="rId25"/>
+    <p:sldId id="283" r:id="rId26"/>
+    <p:sldId id="284" r:id="rId27"/>
+    <p:sldId id="285" r:id="rId28"/>
+    <p:sldId id="286" r:id="rId29"/>
+    <p:sldId id="287" r:id="rId30"/>
+    <p:sldId id="288" r:id="rId31"/>
+    <p:sldId id="289" r:id="rId32"/>
+    <p:sldId id="290" r:id="rId33"/>
   </p:sldIdLst>
   <p:sldSz cx="12192000" cy="6858000"/>
   <p:notesSz cx="6858000" cy="9144000"/>
@@ -358,6 +359,355 @@
 </p:cmLst>
 </file>
 
+<file path=ppt/notesMasters/notesMaster1.xml><?xml version="1.0" encoding="utf-8"?>
+<p:notesMaster xmlns:a="http://schemas.openxmlformats.org/drawingml/2006/main" xmlns:r="http://schemas.openxmlformats.org/officeDocument/2006/relationships" xmlns:p="http://schemas.openxmlformats.org/presentationml/2006/main">
+  <p:cSld>
+    <p:bg>
+      <p:bgRef idx="1001">
+        <a:schemeClr val="bg1"/>
+      </p:bgRef>
+    </p:bg>
+    <p:spTree>
+      <p:nvGrpSpPr>
+        <p:cNvPr id="1" name=""/>
+        <p:cNvGrpSpPr/>
+        <p:nvPr/>
+      </p:nvGrpSpPr>
+      <p:grpSpPr>
+        <a:xfrm>
+          <a:off x="0" y="0"/>
+          <a:ext cx="0" cy="0"/>
+          <a:chOff x="0" y="0"/>
+          <a:chExt cx="0" cy="0"/>
+        </a:xfrm>
+      </p:grpSpPr>
+      <p:sp>
+        <p:nvSpPr>
+          <p:cNvPr id="2" name="Marcador de Posição do Cabeçalho 1"/>
+          <p:cNvSpPr>
+            <a:spLocks noGrp="1"/>
+          </p:cNvSpPr>
+          <p:nvPr>
+            <p:ph type="hdr" sz="quarter"/>
+          </p:nvPr>
+        </p:nvSpPr>
+        <p:spPr>
+          <a:xfrm>
+            <a:off x="0" y="0"/>
+            <a:ext cx="2971800" cy="458788"/>
+          </a:xfrm>
+          <a:prstGeom prst="rect">
+            <a:avLst/>
+          </a:prstGeom>
+        </p:spPr>
+        <p:txBody>
+          <a:bodyPr vert="horz" lIns="91440" tIns="45720" rIns="91440" bIns="45720" rtlCol="0"/>
+          <a:lstStyle>
+            <a:lvl1pPr algn="l">
+              <a:defRPr sz="1200"/>
+            </a:lvl1pPr>
+          </a:lstStyle>
+          <a:p>
+            <a:endParaRPr lang="pt-PT"/>
+          </a:p>
+        </p:txBody>
+      </p:sp>
+      <p:sp>
+        <p:nvSpPr>
+          <p:cNvPr id="3" name="Marcador de Posição da Data 2"/>
+          <p:cNvSpPr>
+            <a:spLocks noGrp="1"/>
+          </p:cNvSpPr>
+          <p:nvPr>
+            <p:ph type="dt" idx="1"/>
+          </p:nvPr>
+        </p:nvSpPr>
+        <p:spPr>
+          <a:xfrm>
+            <a:off x="3884613" y="0"/>
+            <a:ext cx="2971800" cy="458788"/>
+          </a:xfrm>
+          <a:prstGeom prst="rect">
+            <a:avLst/>
+          </a:prstGeom>
+        </p:spPr>
+        <p:txBody>
+          <a:bodyPr vert="horz" lIns="91440" tIns="45720" rIns="91440" bIns="45720" rtlCol="0"/>
+          <a:lstStyle>
+            <a:lvl1pPr algn="r">
+              <a:defRPr sz="1200"/>
+            </a:lvl1pPr>
+          </a:lstStyle>
+          <a:p>
+            <a:fld id="{F03AFCCD-5701-44A0-BE5C-FC2701F296FB}" type="datetimeFigureOut">
+              <a:rPr lang="pt-PT" smtClean="0"/>
+              <a:t>02/07/2018</a:t>
+            </a:fld>
+            <a:endParaRPr lang="pt-PT"/>
+          </a:p>
+        </p:txBody>
+      </p:sp>
+      <p:sp>
+        <p:nvSpPr>
+          <p:cNvPr id="4" name="Marcador de Posição da Imagem do Diapositivo 3"/>
+          <p:cNvSpPr>
+            <a:spLocks noGrp="1" noRot="1" noChangeAspect="1"/>
+          </p:cNvSpPr>
+          <p:nvPr>
+            <p:ph type="sldImg" idx="2"/>
+          </p:nvPr>
+        </p:nvSpPr>
+        <p:spPr>
+          <a:xfrm>
+            <a:off x="685800" y="1143000"/>
+            <a:ext cx="5486400" cy="3086100"/>
+          </a:xfrm>
+          <a:prstGeom prst="rect">
+            <a:avLst/>
+          </a:prstGeom>
+          <a:noFill/>
+          <a:ln w="12700">
+            <a:solidFill>
+              <a:prstClr val="black"/>
+            </a:solidFill>
+          </a:ln>
+        </p:spPr>
+        <p:txBody>
+          <a:bodyPr vert="horz" lIns="91440" tIns="45720" rIns="91440" bIns="45720" rtlCol="0" anchor="ctr"/>
+          <a:lstStyle/>
+          <a:p>
+            <a:endParaRPr lang="pt-PT"/>
+          </a:p>
+        </p:txBody>
+      </p:sp>
+      <p:sp>
+        <p:nvSpPr>
+          <p:cNvPr id="5" name="Marcador de Posição de Notas 4"/>
+          <p:cNvSpPr>
+            <a:spLocks noGrp="1"/>
+          </p:cNvSpPr>
+          <p:nvPr>
+            <p:ph type="body" sz="quarter" idx="3"/>
+          </p:nvPr>
+        </p:nvSpPr>
+        <p:spPr>
+          <a:xfrm>
+            <a:off x="685800" y="4400550"/>
+            <a:ext cx="5486400" cy="3600450"/>
+          </a:xfrm>
+          <a:prstGeom prst="rect">
+            <a:avLst/>
+          </a:prstGeom>
+        </p:spPr>
+        <p:txBody>
+          <a:bodyPr vert="horz" lIns="91440" tIns="45720" rIns="91440" bIns="45720" rtlCol="0"/>
+          <a:lstStyle/>
+          <a:p>
+            <a:pPr lvl="0"/>
+            <a:r>
+              <a:rPr lang="pt-PT"/>
+              <a:t>Editar os estilos de texto do Modelo Global</a:t>
+            </a:r>
+          </a:p>
+          <a:p>
+            <a:pPr lvl="1"/>
+            <a:r>
+              <a:rPr lang="pt-PT"/>
+              <a:t>Segundo nível</a:t>
+            </a:r>
+          </a:p>
+          <a:p>
+            <a:pPr lvl="2"/>
+            <a:r>
+              <a:rPr lang="pt-PT"/>
+              <a:t>Terceiro nível</a:t>
+            </a:r>
+          </a:p>
+          <a:p>
+            <a:pPr lvl="3"/>
+            <a:r>
+              <a:rPr lang="pt-PT"/>
+              <a:t>Quarto nível</a:t>
+            </a:r>
+          </a:p>
+          <a:p>
+            <a:pPr lvl="4"/>
+            <a:r>
+              <a:rPr lang="pt-PT"/>
+              <a:t>Quinto nível</a:t>
+            </a:r>
+          </a:p>
+        </p:txBody>
+      </p:sp>
+      <p:sp>
+        <p:nvSpPr>
+          <p:cNvPr id="6" name="Marcador de Posição do Rodapé 5"/>
+          <p:cNvSpPr>
+            <a:spLocks noGrp="1"/>
+          </p:cNvSpPr>
+          <p:nvPr>
+            <p:ph type="ftr" sz="quarter" idx="4"/>
+          </p:nvPr>
+        </p:nvSpPr>
+        <p:spPr>
+          <a:xfrm>
+            <a:off x="0" y="8685213"/>
+            <a:ext cx="2971800" cy="458787"/>
+          </a:xfrm>
+          <a:prstGeom prst="rect">
+            <a:avLst/>
+          </a:prstGeom>
+        </p:spPr>
+        <p:txBody>
+          <a:bodyPr vert="horz" lIns="91440" tIns="45720" rIns="91440" bIns="45720" rtlCol="0" anchor="b"/>
+          <a:lstStyle>
+            <a:lvl1pPr algn="l">
+              <a:defRPr sz="1200"/>
+            </a:lvl1pPr>
+          </a:lstStyle>
+          <a:p>
+            <a:endParaRPr lang="pt-PT"/>
+          </a:p>
+        </p:txBody>
+      </p:sp>
+      <p:sp>
+        <p:nvSpPr>
+          <p:cNvPr id="7" name="Marcador de Posição do Número do Diapositivo 6"/>
+          <p:cNvSpPr>
+            <a:spLocks noGrp="1"/>
+          </p:cNvSpPr>
+          <p:nvPr>
+            <p:ph type="sldNum" sz="quarter" idx="5"/>
+          </p:nvPr>
+        </p:nvSpPr>
+        <p:spPr>
+          <a:xfrm>
+            <a:off x="3884613" y="8685213"/>
+            <a:ext cx="2971800" cy="458787"/>
+          </a:xfrm>
+          <a:prstGeom prst="rect">
+            <a:avLst/>
+          </a:prstGeom>
+        </p:spPr>
+        <p:txBody>
+          <a:bodyPr vert="horz" lIns="91440" tIns="45720" rIns="91440" bIns="45720" rtlCol="0" anchor="b"/>
+          <a:lstStyle>
+            <a:lvl1pPr algn="r">
+              <a:defRPr sz="1200"/>
+            </a:lvl1pPr>
+          </a:lstStyle>
+          <a:p>
+            <a:fld id="{A0ACE316-2081-41FE-AA9B-0699E7AFC844}" type="slidenum">
+              <a:rPr lang="pt-PT" smtClean="0"/>
+              <a:t>‹nº›</a:t>
+            </a:fld>
+            <a:endParaRPr lang="pt-PT"/>
+          </a:p>
+        </p:txBody>
+      </p:sp>
+    </p:spTree>
+    <p:extLst>
+      <p:ext uri="{BB962C8B-B14F-4D97-AF65-F5344CB8AC3E}">
+        <p14:creationId xmlns:p14="http://schemas.microsoft.com/office/powerpoint/2010/main" val="2883909257"/>
+      </p:ext>
+    </p:extLst>
+  </p:cSld>
+  <p:clrMap bg1="lt1" tx1="dk1" bg2="lt2" tx2="dk2" accent1="accent1" accent2="accent2" accent3="accent3" accent4="accent4" accent5="accent5" accent6="accent6" hlink="hlink" folHlink="folHlink"/>
+  <p:notesStyle>
+    <a:lvl1pPr marL="0" algn="l" defTabSz="914400" rtl="0" eaLnBrk="1" latinLnBrk="0" hangingPunct="1">
+      <a:defRPr sz="1200" kern="1200">
+        <a:solidFill>
+          <a:schemeClr val="tx1"/>
+        </a:solidFill>
+        <a:latin typeface="+mn-lt"/>
+        <a:ea typeface="+mn-ea"/>
+        <a:cs typeface="+mn-cs"/>
+      </a:defRPr>
+    </a:lvl1pPr>
+    <a:lvl2pPr marL="457200" algn="l" defTabSz="914400" rtl="0" eaLnBrk="1" latinLnBrk="0" hangingPunct="1">
+      <a:defRPr sz="1200" kern="1200">
+        <a:solidFill>
+          <a:schemeClr val="tx1"/>
+        </a:solidFill>
+        <a:latin typeface="+mn-lt"/>
+        <a:ea typeface="+mn-ea"/>
+        <a:cs typeface="+mn-cs"/>
+      </a:defRPr>
+    </a:lvl2pPr>
+    <a:lvl3pPr marL="914400" algn="l" defTabSz="914400" rtl="0" eaLnBrk="1" latinLnBrk="0" hangingPunct="1">
+      <a:defRPr sz="1200" kern="1200">
+        <a:solidFill>
+          <a:schemeClr val="tx1"/>
+        </a:solidFill>
+        <a:latin typeface="+mn-lt"/>
+        <a:ea typeface="+mn-ea"/>
+        <a:cs typeface="+mn-cs"/>
+      </a:defRPr>
+    </a:lvl3pPr>
+    <a:lvl4pPr marL="1371600" algn="l" defTabSz="914400" rtl="0" eaLnBrk="1" latinLnBrk="0" hangingPunct="1">
+      <a:defRPr sz="1200" kern="1200">
+        <a:solidFill>
+          <a:schemeClr val="tx1"/>
+        </a:solidFill>
+        <a:latin typeface="+mn-lt"/>
+        <a:ea typeface="+mn-ea"/>
+        <a:cs typeface="+mn-cs"/>
+      </a:defRPr>
+    </a:lvl4pPr>
+    <a:lvl5pPr marL="1828800" algn="l" defTabSz="914400" rtl="0" eaLnBrk="1" latinLnBrk="0" hangingPunct="1">
+      <a:defRPr sz="1200" kern="1200">
+        <a:solidFill>
+          <a:schemeClr val="tx1"/>
+        </a:solidFill>
+        <a:latin typeface="+mn-lt"/>
+        <a:ea typeface="+mn-ea"/>
+        <a:cs typeface="+mn-cs"/>
+      </a:defRPr>
+    </a:lvl5pPr>
+    <a:lvl6pPr marL="2286000" algn="l" defTabSz="914400" rtl="0" eaLnBrk="1" latinLnBrk="0" hangingPunct="1">
+      <a:defRPr sz="1200" kern="1200">
+        <a:solidFill>
+          <a:schemeClr val="tx1"/>
+        </a:solidFill>
+        <a:latin typeface="+mn-lt"/>
+        <a:ea typeface="+mn-ea"/>
+        <a:cs typeface="+mn-cs"/>
+      </a:defRPr>
+    </a:lvl6pPr>
+    <a:lvl7pPr marL="2743200" algn="l" defTabSz="914400" rtl="0" eaLnBrk="1" latinLnBrk="0" hangingPunct="1">
+      <a:defRPr sz="1200" kern="1200">
+        <a:solidFill>
+          <a:schemeClr val="tx1"/>
+        </a:solidFill>
+        <a:latin typeface="+mn-lt"/>
+        <a:ea typeface="+mn-ea"/>
+        <a:cs typeface="+mn-cs"/>
+      </a:defRPr>
+    </a:lvl7pPr>
+    <a:lvl8pPr marL="3200400" algn="l" defTabSz="914400" rtl="0" eaLnBrk="1" latinLnBrk="0" hangingPunct="1">
+      <a:defRPr sz="1200" kern="1200">
+        <a:solidFill>
+          <a:schemeClr val="tx1"/>
+        </a:solidFill>
+        <a:latin typeface="+mn-lt"/>
+        <a:ea typeface="+mn-ea"/>
+        <a:cs typeface="+mn-cs"/>
+      </a:defRPr>
+    </a:lvl8pPr>
+    <a:lvl9pPr marL="3657600" algn="l" defTabSz="914400" rtl="0" eaLnBrk="1" latinLnBrk="0" hangingPunct="1">
+      <a:defRPr sz="1200" kern="1200">
+        <a:solidFill>
+          <a:schemeClr val="tx1"/>
+        </a:solidFill>
+        <a:latin typeface="+mn-lt"/>
+        <a:ea typeface="+mn-ea"/>
+        <a:cs typeface="+mn-cs"/>
+      </a:defRPr>
+    </a:lvl9pPr>
+  </p:notesStyle>
+</p:notesMaster>
+</file>
+
 <file path=ppt/slideLayouts/slideLayout1.xml><?xml version="1.0" encoding="utf-8"?>
 <p:sldLayout xmlns:a="http://schemas.openxmlformats.org/drawingml/2006/main" xmlns:r="http://schemas.openxmlformats.org/officeDocument/2006/relationships" xmlns:p="http://schemas.openxmlformats.org/presentationml/2006/main" type="title" preserve="1">
   <p:cSld name="Diapositivo de Título">
@@ -498,9 +848,9 @@
           <a:bodyPr/>
           <a:lstStyle/>
           <a:p>
-            <a:fld id="{0DD9A11A-5CC8-44AE-B708-E4356D0648C7}" type="datetimeFigureOut">
+            <a:fld id="{55B359FA-F11C-493A-BC16-D8286EBA4ABA}" type="datetime1">
               <a:rPr lang="pt-PT" smtClean="0"/>
-              <a:t>01/07/2018</a:t>
+              <a:t>02/07/2018</a:t>
             </a:fld>
             <a:endParaRPr lang="pt-PT"/>
           </a:p>
@@ -668,9 +1018,9 @@
           <a:bodyPr/>
           <a:lstStyle/>
           <a:p>
-            <a:fld id="{0DD9A11A-5CC8-44AE-B708-E4356D0648C7}" type="datetimeFigureOut">
+            <a:fld id="{69E39573-3416-4EBF-B308-9E5BDBAC4BF2}" type="datetime1">
               <a:rPr lang="pt-PT" smtClean="0"/>
-              <a:t>01/07/2018</a:t>
+              <a:t>02/07/2018</a:t>
             </a:fld>
             <a:endParaRPr lang="pt-PT"/>
           </a:p>
@@ -848,9 +1198,9 @@
           <a:bodyPr/>
           <a:lstStyle/>
           <a:p>
-            <a:fld id="{0DD9A11A-5CC8-44AE-B708-E4356D0648C7}" type="datetimeFigureOut">
+            <a:fld id="{99144E59-F33A-446B-847E-3E2479E2C2E8}" type="datetime1">
               <a:rPr lang="pt-PT" smtClean="0"/>
-              <a:t>01/07/2018</a:t>
+              <a:t>02/07/2018</a:t>
             </a:fld>
             <a:endParaRPr lang="pt-PT"/>
           </a:p>
@@ -1018,9 +1368,9 @@
           <a:bodyPr/>
           <a:lstStyle/>
           <a:p>
-            <a:fld id="{0DD9A11A-5CC8-44AE-B708-E4356D0648C7}" type="datetimeFigureOut">
+            <a:fld id="{DA79E15A-296D-4645-AE0C-A8D0BB1F2A95}" type="datetime1">
               <a:rPr lang="pt-PT" smtClean="0"/>
-              <a:t>01/07/2018</a:t>
+              <a:t>02/07/2018</a:t>
             </a:fld>
             <a:endParaRPr lang="pt-PT"/>
           </a:p>
@@ -1269,9 +1619,9 @@
           <a:bodyPr/>
           <a:lstStyle/>
           <a:p>
-            <a:fld id="{0DD9A11A-5CC8-44AE-B708-E4356D0648C7}" type="datetimeFigureOut">
+            <a:fld id="{775CB936-4A6B-4735-AA30-8D20B634AE79}" type="datetime1">
               <a:rPr lang="pt-PT" smtClean="0"/>
-              <a:t>01/07/2018</a:t>
+              <a:t>02/07/2018</a:t>
             </a:fld>
             <a:endParaRPr lang="pt-PT"/>
           </a:p>
@@ -1501,9 +1851,9 @@
           <a:bodyPr/>
           <a:lstStyle/>
           <a:p>
-            <a:fld id="{0DD9A11A-5CC8-44AE-B708-E4356D0648C7}" type="datetimeFigureOut">
+            <a:fld id="{04E794B7-2CC8-460A-9DA5-6DCFF73330A8}" type="datetime1">
               <a:rPr lang="pt-PT" smtClean="0"/>
-              <a:t>01/07/2018</a:t>
+              <a:t>02/07/2018</a:t>
             </a:fld>
             <a:endParaRPr lang="pt-PT"/>
           </a:p>
@@ -1848,9 +2198,9 @@
           <a:bodyPr/>
           <a:lstStyle/>
           <a:p>
-            <a:fld id="{0DD9A11A-5CC8-44AE-B708-E4356D0648C7}" type="datetimeFigureOut">
+            <a:fld id="{C16029F9-BE83-4354-B8B2-70DA4A567778}" type="datetime1">
               <a:rPr lang="pt-PT" smtClean="0"/>
-              <a:t>01/07/2018</a:t>
+              <a:t>02/07/2018</a:t>
             </a:fld>
             <a:endParaRPr lang="pt-PT"/>
           </a:p>
@@ -1966,9 +2316,9 @@
           <a:bodyPr/>
           <a:lstStyle/>
           <a:p>
-            <a:fld id="{0DD9A11A-5CC8-44AE-B708-E4356D0648C7}" type="datetimeFigureOut">
+            <a:fld id="{22919498-1FD5-45D5-83CC-1B71F56E8AF5}" type="datetime1">
               <a:rPr lang="pt-PT" smtClean="0"/>
-              <a:t>01/07/2018</a:t>
+              <a:t>02/07/2018</a:t>
             </a:fld>
             <a:endParaRPr lang="pt-PT"/>
           </a:p>
@@ -2084,9 +2434,9 @@
           <a:bodyPr/>
           <a:lstStyle/>
           <a:p>
-            <a:fld id="{0DD9A11A-5CC8-44AE-B708-E4356D0648C7}" type="datetimeFigureOut">
+            <a:fld id="{EE15091D-DE8F-476E-A035-7DAC05529222}" type="datetime1">
               <a:rPr lang="pt-PT" smtClean="0"/>
-              <a:t>01/07/2018</a:t>
+              <a:t>02/07/2018</a:t>
             </a:fld>
             <a:endParaRPr lang="pt-PT"/>
           </a:p>
@@ -2368,9 +2718,9 @@
           <a:bodyPr/>
           <a:lstStyle/>
           <a:p>
-            <a:fld id="{0DD9A11A-5CC8-44AE-B708-E4356D0648C7}" type="datetimeFigureOut">
+            <a:fld id="{E219A963-ED2D-44D0-86FE-A7ACF141634D}" type="datetime1">
               <a:rPr lang="pt-PT" smtClean="0"/>
-              <a:t>01/07/2018</a:t>
+              <a:t>02/07/2018</a:t>
             </a:fld>
             <a:endParaRPr lang="pt-PT"/>
           </a:p>
@@ -2632,9 +2982,9 @@
           <a:bodyPr/>
           <a:lstStyle/>
           <a:p>
-            <a:fld id="{0DD9A11A-5CC8-44AE-B708-E4356D0648C7}" type="datetimeFigureOut">
+            <a:fld id="{E716F7A9-A960-4ECD-85DD-EC5BE26534F7}" type="datetime1">
               <a:rPr lang="pt-PT" smtClean="0"/>
-              <a:t>01/07/2018</a:t>
+              <a:t>02/07/2018</a:t>
             </a:fld>
             <a:endParaRPr lang="pt-PT"/>
           </a:p>
@@ -2846,9 +3196,9 @@
             </a:lvl1pPr>
           </a:lstStyle>
           <a:p>
-            <a:fld id="{0DD9A11A-5CC8-44AE-B708-E4356D0648C7}" type="datetimeFigureOut">
+            <a:fld id="{70A6E104-864C-4D7E-A366-A1B1D1D490CB}" type="datetime1">
               <a:rPr lang="pt-PT" smtClean="0"/>
-              <a:t>01/07/2018</a:t>
+              <a:t>02/07/2018</a:t>
             </a:fld>
             <a:endParaRPr lang="pt-PT"/>
           </a:p>
@@ -2954,6 +3304,7 @@
     <p:sldLayoutId id="2147483745" r:id="rId10"/>
     <p:sldLayoutId id="2147483746" r:id="rId11"/>
   </p:sldLayoutIdLst>
+  <p:hf hdr="0" ftr="0" dt="0"/>
   <p:txStyles>
     <p:titleStyle>
       <a:lvl1pPr algn="l" defTabSz="914400" rtl="0" eaLnBrk="1" latinLnBrk="0" hangingPunct="1">
@@ -3378,8 +3729,8 @@
         </p:nvSpPr>
         <p:spPr>
           <a:xfrm>
-            <a:off x="166539" y="6089650"/>
-            <a:ext cx="5592577" cy="646331"/>
+            <a:off x="166539" y="5798144"/>
+            <a:ext cx="5592577" cy="1200329"/>
           </a:xfrm>
           <a:prstGeom prst="rect">
             <a:avLst/>
@@ -3418,6 +3769,60 @@
               </a:rPr>
               <a:t>Rodrigo Pessoa (2150662@my.ipleiria.pt)</a:t>
             </a:r>
+          </a:p>
+          <a:p>
+            <a:r>
+              <a:rPr lang="pt-PT" dirty="0">
+                <a:effectLst>
+                  <a:outerShdw blurRad="38100" dist="38100" dir="2700000" algn="tl">
+                    <a:srgbClr val="000000">
+                      <a:alpha val="43137"/>
+                    </a:srgbClr>
+                  </a:outerShdw>
+                </a:effectLst>
+              </a:rPr>
+              <a:t>Orientação:  Anabela Bernardino e Eugénia Bernardino</a:t>
+            </a:r>
+          </a:p>
+          <a:p>
+            <a:endParaRPr lang="pt-PT" dirty="0">
+              <a:effectLst>
+                <a:outerShdw blurRad="38100" dist="38100" dir="2700000" algn="tl">
+                  <a:srgbClr val="000000">
+                    <a:alpha val="43137"/>
+                  </a:srgbClr>
+                </a:outerShdw>
+              </a:effectLst>
+            </a:endParaRPr>
+          </a:p>
+        </p:txBody>
+      </p:sp>
+      <p:sp>
+        <p:nvSpPr>
+          <p:cNvPr id="6" name="Marcador de Posição do Número do Diapositivo 5">
+            <a:extLst>
+              <a:ext uri="{FF2B5EF4-FFF2-40B4-BE49-F238E27FC236}">
+                <a16:creationId xmlns:a16="http://schemas.microsoft.com/office/drawing/2014/main" id="{ABF8F58E-0930-41B6-80BA-F8C6585C62FF}"/>
+              </a:ext>
+            </a:extLst>
+          </p:cNvPr>
+          <p:cNvSpPr>
+            <a:spLocks noGrp="1"/>
+          </p:cNvSpPr>
+          <p:nvPr>
+            <p:ph type="sldNum" sz="quarter" idx="12"/>
+          </p:nvPr>
+        </p:nvSpPr>
+        <p:spPr/>
+        <p:txBody>
+          <a:bodyPr/>
+          <a:lstStyle/>
+          <a:p>
+            <a:fld id="{5AD5E5FD-F30B-4922-B20C-055EB5011373}" type="slidenum">
+              <a:rPr lang="pt-PT" smtClean="0"/>
+              <a:t>1</a:t>
+            </a:fld>
+            <a:endParaRPr lang="pt-PT"/>
           </a:p>
         </p:txBody>
       </p:sp>
@@ -3456,258 +3861,6 @@
           <p:cNvPr id="2" name="Título 1">
             <a:extLst>
               <a:ext uri="{FF2B5EF4-FFF2-40B4-BE49-F238E27FC236}">
-                <a16:creationId xmlns:a16="http://schemas.microsoft.com/office/drawing/2014/main" id="{2072B765-F0F2-4470-B5C8-BD2E4FF94FF0}"/>
-              </a:ext>
-            </a:extLst>
-          </p:cNvPr>
-          <p:cNvSpPr>
-            <a:spLocks noGrp="1"/>
-          </p:cNvSpPr>
-          <p:nvPr>
-            <p:ph type="title"/>
-          </p:nvPr>
-        </p:nvSpPr>
-        <p:spPr/>
-        <p:txBody>
-          <a:bodyPr/>
-          <a:lstStyle/>
-          <a:p>
-            <a:r>
-              <a:rPr lang="pt-PT" dirty="0">
-                <a:effectLst>
-                  <a:outerShdw blurRad="38100" dist="38100" dir="2700000" algn="tl">
-                    <a:srgbClr val="000000">
-                      <a:alpha val="43137"/>
-                    </a:srgbClr>
-                  </a:outerShdw>
-                </a:effectLst>
-              </a:rPr>
-              <a:t>Planeamento</a:t>
-            </a:r>
-          </a:p>
-        </p:txBody>
-      </p:sp>
-      <p:sp>
-        <p:nvSpPr>
-          <p:cNvPr id="3" name="Marcador de Posição de Conteúdo 2">
-            <a:extLst>
-              <a:ext uri="{FF2B5EF4-FFF2-40B4-BE49-F238E27FC236}">
-                <a16:creationId xmlns:a16="http://schemas.microsoft.com/office/drawing/2014/main" id="{5E9885A1-AF04-48B7-9AB3-B042617FEE80}"/>
-              </a:ext>
-            </a:extLst>
-          </p:cNvPr>
-          <p:cNvSpPr>
-            <a:spLocks noGrp="1"/>
-          </p:cNvSpPr>
-          <p:nvPr>
-            <p:ph idx="1"/>
-          </p:nvPr>
-        </p:nvSpPr>
-        <p:spPr/>
-        <p:txBody>
-          <a:bodyPr/>
-          <a:lstStyle/>
-          <a:p>
-            <a:r>
-              <a:rPr lang="pt-PT" dirty="0"/>
-              <a:t>Durante todo o desenvolvimento, as tarefas a realizar foram determinadas com ajuda das orientadoras através de </a:t>
-            </a:r>
-            <a:r>
-              <a:rPr lang="pt-PT" b="1" dirty="0"/>
-              <a:t>reuniões</a:t>
-            </a:r>
-            <a:r>
-              <a:rPr lang="pt-PT" dirty="0"/>
-              <a:t> semanais e presenciais</a:t>
-            </a:r>
-          </a:p>
-          <a:p>
-            <a:r>
-              <a:rPr lang="pt-PT" dirty="0"/>
-              <a:t>Fomos determinando os nossos objetivos com base nas necessidades que iam surgindo</a:t>
-            </a:r>
-          </a:p>
-          <a:p>
-            <a:r>
-              <a:rPr lang="pt-PT" dirty="0"/>
-              <a:t>Tivemos sempre presentes desde o inicio os requisitos mínimos</a:t>
-            </a:r>
-          </a:p>
-          <a:p>
-            <a:endParaRPr lang="pt-PT" dirty="0"/>
-          </a:p>
-        </p:txBody>
-      </p:sp>
-    </p:spTree>
-    <p:extLst>
-      <p:ext uri="{BB962C8B-B14F-4D97-AF65-F5344CB8AC3E}">
-        <p14:creationId xmlns:p14="http://schemas.microsoft.com/office/powerpoint/2010/main" val="3917199628"/>
-      </p:ext>
-    </p:extLst>
-  </p:cSld>
-  <p:clrMapOvr>
-    <a:masterClrMapping/>
-  </p:clrMapOvr>
-</p:sld>
-</file>
-
-<file path=ppt/slides/slide11.xml><?xml version="1.0" encoding="utf-8"?>
-<p:sld xmlns:a="http://schemas.openxmlformats.org/drawingml/2006/main" xmlns:r="http://schemas.openxmlformats.org/officeDocument/2006/relationships" xmlns:p="http://schemas.openxmlformats.org/presentationml/2006/main">
-  <p:cSld>
-    <p:spTree>
-      <p:nvGrpSpPr>
-        <p:cNvPr id="1" name=""/>
-        <p:cNvGrpSpPr/>
-        <p:nvPr/>
-      </p:nvGrpSpPr>
-      <p:grpSpPr>
-        <a:xfrm>
-          <a:off x="0" y="0"/>
-          <a:ext cx="0" cy="0"/>
-          <a:chOff x="0" y="0"/>
-          <a:chExt cx="0" cy="0"/>
-        </a:xfrm>
-      </p:grpSpPr>
-      <p:sp>
-        <p:nvSpPr>
-          <p:cNvPr id="2" name="Título 1">
-            <a:extLst>
-              <a:ext uri="{FF2B5EF4-FFF2-40B4-BE49-F238E27FC236}">
-                <a16:creationId xmlns:a16="http://schemas.microsoft.com/office/drawing/2014/main" id="{4B189320-92EB-4170-B80D-4E344F53A3AD}"/>
-              </a:ext>
-            </a:extLst>
-          </p:cNvPr>
-          <p:cNvSpPr>
-            <a:spLocks noGrp="1"/>
-          </p:cNvSpPr>
-          <p:nvPr>
-            <p:ph type="title"/>
-          </p:nvPr>
-        </p:nvSpPr>
-        <p:spPr/>
-        <p:txBody>
-          <a:bodyPr/>
-          <a:lstStyle/>
-          <a:p>
-            <a:r>
-              <a:rPr lang="pt-PT" dirty="0">
-                <a:effectLst>
-                  <a:outerShdw blurRad="38100" dist="38100" dir="2700000" algn="tl">
-                    <a:srgbClr val="000000">
-                      <a:alpha val="43137"/>
-                    </a:srgbClr>
-                  </a:outerShdw>
-                </a:effectLst>
-              </a:rPr>
-              <a:t>Metodologia</a:t>
-            </a:r>
-          </a:p>
-        </p:txBody>
-      </p:sp>
-      <p:sp>
-        <p:nvSpPr>
-          <p:cNvPr id="3" name="Marcador de Posição de Conteúdo 2">
-            <a:extLst>
-              <a:ext uri="{FF2B5EF4-FFF2-40B4-BE49-F238E27FC236}">
-                <a16:creationId xmlns:a16="http://schemas.microsoft.com/office/drawing/2014/main" id="{5636A291-D2AB-4A74-9227-6B89BF7C334A}"/>
-              </a:ext>
-            </a:extLst>
-          </p:cNvPr>
-          <p:cNvSpPr>
-            <a:spLocks noGrp="1"/>
-          </p:cNvSpPr>
-          <p:nvPr>
-            <p:ph idx="1"/>
-          </p:nvPr>
-        </p:nvSpPr>
-        <p:spPr/>
-        <p:txBody>
-          <a:bodyPr/>
-          <a:lstStyle/>
-          <a:p>
-            <a:r>
-              <a:rPr lang="pt-PT" dirty="0"/>
-              <a:t>Durante o desenvolvimento deste projeto adotamos a metodologia de “</a:t>
-            </a:r>
-            <a:r>
-              <a:rPr lang="pt-PT" b="1" dirty="0"/>
-              <a:t>desenvolvimento iterativo e incremental”</a:t>
-            </a:r>
-          </a:p>
-          <a:p>
-            <a:endParaRPr lang="pt-PT" dirty="0"/>
-          </a:p>
-        </p:txBody>
-      </p:sp>
-      <p:pic>
-        <p:nvPicPr>
-          <p:cNvPr id="4" name="Imagem 3">
-            <a:extLst>
-              <a:ext uri="{FF2B5EF4-FFF2-40B4-BE49-F238E27FC236}">
-                <a16:creationId xmlns:a16="http://schemas.microsoft.com/office/drawing/2014/main" id="{38A033A6-0C62-415E-BEC7-DFA0BEA63718}"/>
-              </a:ext>
-            </a:extLst>
-          </p:cNvPr>
-          <p:cNvPicPr/>
-          <p:nvPr/>
-        </p:nvPicPr>
-        <p:blipFill>
-          <a:blip r:embed="rId2">
-            <a:extLst>
-              <a:ext uri="{28A0092B-C50C-407E-A947-70E740481C1C}">
-                <a14:useLocalDpi xmlns:a14="http://schemas.microsoft.com/office/drawing/2010/main" val="0"/>
-              </a:ext>
-            </a:extLst>
-          </a:blip>
-          <a:stretch>
-            <a:fillRect/>
-          </a:stretch>
-        </p:blipFill>
-        <p:spPr>
-          <a:xfrm>
-            <a:off x="3341976" y="3271044"/>
-            <a:ext cx="5521902" cy="2909093"/>
-          </a:xfrm>
-          <a:prstGeom prst="rect">
-            <a:avLst/>
-          </a:prstGeom>
-        </p:spPr>
-      </p:pic>
-    </p:spTree>
-    <p:extLst>
-      <p:ext uri="{BB962C8B-B14F-4D97-AF65-F5344CB8AC3E}">
-        <p14:creationId xmlns:p14="http://schemas.microsoft.com/office/powerpoint/2010/main" val="2356200821"/>
-      </p:ext>
-    </p:extLst>
-  </p:cSld>
-  <p:clrMapOvr>
-    <a:masterClrMapping/>
-  </p:clrMapOvr>
-</p:sld>
-</file>
-
-<file path=ppt/slides/slide12.xml><?xml version="1.0" encoding="utf-8"?>
-<p:sld xmlns:a="http://schemas.openxmlformats.org/drawingml/2006/main" xmlns:r="http://schemas.openxmlformats.org/officeDocument/2006/relationships" xmlns:p="http://schemas.openxmlformats.org/presentationml/2006/main">
-  <p:cSld>
-    <p:spTree>
-      <p:nvGrpSpPr>
-        <p:cNvPr id="1" name=""/>
-        <p:cNvGrpSpPr/>
-        <p:nvPr/>
-      </p:nvGrpSpPr>
-      <p:grpSpPr>
-        <a:xfrm>
-          <a:off x="0" y="0"/>
-          <a:ext cx="0" cy="0"/>
-          <a:chOff x="0" y="0"/>
-          <a:chExt cx="0" cy="0"/>
-        </a:xfrm>
-      </p:grpSpPr>
-      <p:sp>
-        <p:nvSpPr>
-          <p:cNvPr id="2" name="Título 1">
-            <a:extLst>
-              <a:ext uri="{FF2B5EF4-FFF2-40B4-BE49-F238E27FC236}">
                 <a16:creationId xmlns:a16="http://schemas.microsoft.com/office/drawing/2014/main" id="{9D5AFAC0-1DB0-425A-8E90-02D5F1DF8949}"/>
               </a:ext>
             </a:extLst>
@@ -3982,6 +4135,35 @@
           </a:extLst>
         </p:spPr>
       </p:pic>
+      <p:sp>
+        <p:nvSpPr>
+          <p:cNvPr id="4" name="Marcador de Posição do Número do Diapositivo 3">
+            <a:extLst>
+              <a:ext uri="{FF2B5EF4-FFF2-40B4-BE49-F238E27FC236}">
+                <a16:creationId xmlns:a16="http://schemas.microsoft.com/office/drawing/2014/main" id="{F13A8194-CD34-4E98-BB93-F23F6A914158}"/>
+              </a:ext>
+            </a:extLst>
+          </p:cNvPr>
+          <p:cNvSpPr>
+            <a:spLocks noGrp="1"/>
+          </p:cNvSpPr>
+          <p:nvPr>
+            <p:ph type="sldNum" sz="quarter" idx="12"/>
+          </p:nvPr>
+        </p:nvSpPr>
+        <p:spPr/>
+        <p:txBody>
+          <a:bodyPr/>
+          <a:lstStyle/>
+          <a:p>
+            <a:fld id="{5AD5E5FD-F30B-4922-B20C-055EB5011373}" type="slidenum">
+              <a:rPr lang="pt-PT" smtClean="0"/>
+              <a:t>10</a:t>
+            </a:fld>
+            <a:endParaRPr lang="pt-PT"/>
+          </a:p>
+        </p:txBody>
+      </p:sp>
     </p:spTree>
     <p:extLst>
       <p:ext uri="{BB962C8B-B14F-4D97-AF65-F5344CB8AC3E}">
@@ -3995,7 +4177,7 @@
 </p:sld>
 </file>
 
-<file path=ppt/slides/slide13.xml><?xml version="1.0" encoding="utf-8"?>
+<file path=ppt/slides/slide11.xml><?xml version="1.0" encoding="utf-8"?>
 <p:sld xmlns:a="http://schemas.openxmlformats.org/drawingml/2006/main" xmlns:r="http://schemas.openxmlformats.org/officeDocument/2006/relationships" xmlns:p="http://schemas.openxmlformats.org/presentationml/2006/main">
   <p:cSld>
     <p:spTree>
@@ -4071,7 +4253,7 @@
           <a:p>
             <a:r>
               <a:rPr lang="pt-PT" dirty="0"/>
-              <a:t>Problemas obtidos sob o formato de  ficheiros de texto</a:t>
+              <a:t>Problemas obtidos sob o formato de ficheiros de texto (480 instâncias)</a:t>
             </a:r>
           </a:p>
           <a:p>
@@ -4085,6 +4267,35 @@
               <a:rPr lang="pt-PT" dirty="0"/>
               <a:t>Estes ficheiros contem uma matriz que representa as ligações entre os diferentes nós, o número de nós, o número de ligações, e nos problemas em que se aplique, um vetor de pesos</a:t>
             </a:r>
+          </a:p>
+        </p:txBody>
+      </p:sp>
+      <p:sp>
+        <p:nvSpPr>
+          <p:cNvPr id="4" name="Marcador de Posição do Número do Diapositivo 3">
+            <a:extLst>
+              <a:ext uri="{FF2B5EF4-FFF2-40B4-BE49-F238E27FC236}">
+                <a16:creationId xmlns:a16="http://schemas.microsoft.com/office/drawing/2014/main" id="{DC8D4DE7-5982-44E3-9967-FC6CFDBEFCA0}"/>
+              </a:ext>
+            </a:extLst>
+          </p:cNvPr>
+          <p:cNvSpPr>
+            <a:spLocks noGrp="1"/>
+          </p:cNvSpPr>
+          <p:nvPr>
+            <p:ph type="sldNum" sz="quarter" idx="12"/>
+          </p:nvPr>
+        </p:nvSpPr>
+        <p:spPr/>
+        <p:txBody>
+          <a:bodyPr/>
+          <a:lstStyle/>
+          <a:p>
+            <a:fld id="{5AD5E5FD-F30B-4922-B20C-055EB5011373}" type="slidenum">
+              <a:rPr lang="pt-PT" smtClean="0"/>
+              <a:t>11</a:t>
+            </a:fld>
+            <a:endParaRPr lang="pt-PT"/>
           </a:p>
         </p:txBody>
       </p:sp>
@@ -4101,7 +4312,7 @@
 </p:sld>
 </file>
 
-<file path=ppt/slides/slide14.xml><?xml version="1.0" encoding="utf-8"?>
+<file path=ppt/slides/slide12.xml><?xml version="1.0" encoding="utf-8"?>
 <p:sld xmlns:a="http://schemas.openxmlformats.org/drawingml/2006/main" xmlns:r="http://schemas.openxmlformats.org/officeDocument/2006/relationships" xmlns:p="http://schemas.openxmlformats.org/presentationml/2006/main">
   <p:cSld>
     <p:spTree>
@@ -4490,10 +4701,682 @@
           </a:p>
         </p:txBody>
       </p:sp>
+      <p:sp>
+        <p:nvSpPr>
+          <p:cNvPr id="3" name="Marcador de Posição do Número do Diapositivo 2">
+            <a:extLst>
+              <a:ext uri="{FF2B5EF4-FFF2-40B4-BE49-F238E27FC236}">
+                <a16:creationId xmlns:a16="http://schemas.microsoft.com/office/drawing/2014/main" id="{781713D8-CBD4-46F5-8CE7-FD3D2F3A25A1}"/>
+              </a:ext>
+            </a:extLst>
+          </p:cNvPr>
+          <p:cNvSpPr>
+            <a:spLocks noGrp="1"/>
+          </p:cNvSpPr>
+          <p:nvPr>
+            <p:ph type="sldNum" sz="quarter" idx="12"/>
+          </p:nvPr>
+        </p:nvSpPr>
+        <p:spPr/>
+        <p:txBody>
+          <a:bodyPr/>
+          <a:lstStyle/>
+          <a:p>
+            <a:fld id="{5AD5E5FD-F30B-4922-B20C-055EB5011373}" type="slidenum">
+              <a:rPr lang="pt-PT" smtClean="0"/>
+              <a:t>12</a:t>
+            </a:fld>
+            <a:endParaRPr lang="pt-PT"/>
+          </a:p>
+        </p:txBody>
+      </p:sp>
     </p:spTree>
     <p:extLst>
       <p:ext uri="{BB962C8B-B14F-4D97-AF65-F5344CB8AC3E}">
         <p14:creationId xmlns:p14="http://schemas.microsoft.com/office/powerpoint/2010/main" val="4116966257"/>
+      </p:ext>
+    </p:extLst>
+  </p:cSld>
+  <p:clrMapOvr>
+    <a:masterClrMapping/>
+  </p:clrMapOvr>
+</p:sld>
+</file>
+
+<file path=ppt/slides/slide13.xml><?xml version="1.0" encoding="utf-8"?>
+<p:sld xmlns:a="http://schemas.openxmlformats.org/drawingml/2006/main" xmlns:r="http://schemas.openxmlformats.org/officeDocument/2006/relationships" xmlns:p="http://schemas.openxmlformats.org/presentationml/2006/main">
+  <p:cSld>
+    <p:spTree>
+      <p:nvGrpSpPr>
+        <p:cNvPr id="1" name=""/>
+        <p:cNvGrpSpPr/>
+        <p:nvPr/>
+      </p:nvGrpSpPr>
+      <p:grpSpPr>
+        <a:xfrm>
+          <a:off x="0" y="0"/>
+          <a:ext cx="0" cy="0"/>
+          <a:chOff x="0" y="0"/>
+          <a:chExt cx="0" cy="0"/>
+        </a:xfrm>
+      </p:grpSpPr>
+      <p:sp>
+        <p:nvSpPr>
+          <p:cNvPr id="2" name="Título 1">
+            <a:extLst>
+              <a:ext uri="{FF2B5EF4-FFF2-40B4-BE49-F238E27FC236}">
+                <a16:creationId xmlns:a16="http://schemas.microsoft.com/office/drawing/2014/main" id="{254158C6-0903-42E6-884F-90C1903D20FC}"/>
+              </a:ext>
+            </a:extLst>
+          </p:cNvPr>
+          <p:cNvSpPr>
+            <a:spLocks noGrp="1"/>
+          </p:cNvSpPr>
+          <p:nvPr>
+            <p:ph type="title"/>
+          </p:nvPr>
+        </p:nvSpPr>
+        <p:spPr>
+          <a:xfrm>
+            <a:off x="543287" y="0"/>
+            <a:ext cx="10515600" cy="1325562"/>
+          </a:xfrm>
+        </p:spPr>
+        <p:txBody>
+          <a:bodyPr/>
+          <a:lstStyle/>
+          <a:p>
+            <a:pPr algn="ctr"/>
+            <a:r>
+              <a:rPr lang="pt-PT" dirty="0">
+                <a:effectLst>
+                  <a:outerShdw blurRad="38100" dist="38100" dir="2700000" algn="tl">
+                    <a:srgbClr val="000000">
+                      <a:alpha val="43137"/>
+                    </a:srgbClr>
+                  </a:outerShdw>
+                </a:effectLst>
+              </a:rPr>
+              <a:t>Exemplo de problema</a:t>
+            </a:r>
+          </a:p>
+        </p:txBody>
+      </p:sp>
+      <p:pic>
+        <p:nvPicPr>
+          <p:cNvPr id="9" name="Marcador de Posição de Conteúdo 8" descr="C:\Users\Rodrigo\Desktop\ACO_IMAGES\unknown.png">
+            <a:extLst>
+              <a:ext uri="{FF2B5EF4-FFF2-40B4-BE49-F238E27FC236}">
+                <a16:creationId xmlns:a16="http://schemas.microsoft.com/office/drawing/2014/main" id="{F12EE38D-13CA-488B-80A9-B9643729EC34}"/>
+              </a:ext>
+            </a:extLst>
+          </p:cNvPr>
+          <p:cNvPicPr>
+            <a:picLocks noGrp="1"/>
+          </p:cNvPicPr>
+          <p:nvPr>
+            <p:ph idx="1"/>
+          </p:nvPr>
+        </p:nvPicPr>
+        <p:blipFill>
+          <a:blip r:embed="rId2" cstate="print">
+            <a:extLst>
+              <a:ext uri="{28A0092B-C50C-407E-A947-70E740481C1C}">
+                <a14:useLocalDpi xmlns:a14="http://schemas.microsoft.com/office/drawing/2010/main" val="0"/>
+              </a:ext>
+            </a:extLst>
+          </a:blip>
+          <a:srcRect/>
+          <a:stretch>
+            <a:fillRect/>
+          </a:stretch>
+        </p:blipFill>
+        <p:spPr bwMode="auto">
+          <a:xfrm>
+            <a:off x="1323160" y="2827687"/>
+            <a:ext cx="2554754" cy="2274851"/>
+          </a:xfrm>
+          <a:prstGeom prst="rect">
+            <a:avLst/>
+          </a:prstGeom>
+          <a:noFill/>
+          <a:ln>
+            <a:noFill/>
+          </a:ln>
+        </p:spPr>
+      </p:pic>
+      <p:sp>
+        <p:nvSpPr>
+          <p:cNvPr id="12" name="CaixaDeTexto 11">
+            <a:extLst>
+              <a:ext uri="{FF2B5EF4-FFF2-40B4-BE49-F238E27FC236}">
+                <a16:creationId xmlns:a16="http://schemas.microsoft.com/office/drawing/2014/main" id="{A4B94FED-98AA-412B-BE40-FC1CA12EBB41}"/>
+              </a:ext>
+            </a:extLst>
+          </p:cNvPr>
+          <p:cNvSpPr txBox="1"/>
+          <p:nvPr/>
+        </p:nvSpPr>
+        <p:spPr>
+          <a:xfrm>
+            <a:off x="858612" y="1199132"/>
+            <a:ext cx="9884950" cy="1754326"/>
+          </a:xfrm>
+          <a:prstGeom prst="rect">
+            <a:avLst/>
+          </a:prstGeom>
+          <a:noFill/>
+        </p:spPr>
+        <p:txBody>
+          <a:bodyPr wrap="none" rtlCol="0">
+            <a:spAutoFit/>
+          </a:bodyPr>
+          <a:lstStyle/>
+          <a:p>
+            <a:r>
+              <a:rPr lang="pt-PT" dirty="0"/>
+              <a:t>Para calcular a qualidade de uma solução, é calculado um valor de fitness utilizando a seguinte formula:</a:t>
+            </a:r>
+          </a:p>
+          <a:p>
+            <a:endParaRPr lang="pt-PT" dirty="0"/>
+          </a:p>
+          <a:p>
+            <a:pPr algn="ctr"/>
+            <a:r>
+              <a:rPr lang="pt-PT" b="1" i="1" dirty="0"/>
+              <a:t>fitness = ND * 500 + ∑</a:t>
+            </a:r>
+            <a:r>
+              <a:rPr lang="pt-PT" b="1" i="1" baseline="-25000" dirty="0"/>
+              <a:t>RU </a:t>
+            </a:r>
+            <a:r>
+              <a:rPr lang="pt-PT" b="1" i="1" dirty="0"/>
+              <a:t>W</a:t>
+            </a:r>
+            <a:r>
+              <a:rPr lang="pt-PT" b="1" i="1" baseline="-25000" dirty="0"/>
+              <a:t>i</a:t>
+            </a:r>
+            <a:r>
+              <a:rPr lang="pt-PT" b="1" i="1" dirty="0"/>
+              <a:t> * 100</a:t>
+            </a:r>
+            <a:endParaRPr lang="en-US" b="1" dirty="0"/>
+          </a:p>
+          <a:p>
+            <a:endParaRPr lang="pt-PT" dirty="0"/>
+          </a:p>
+          <a:p>
+            <a:endParaRPr lang="pt-PT" dirty="0"/>
+          </a:p>
+          <a:p>
+            <a:endParaRPr lang="pt-PT" dirty="0"/>
+          </a:p>
+        </p:txBody>
+      </p:sp>
+      <p:pic>
+        <p:nvPicPr>
+          <p:cNvPr id="13" name="Imagem 12">
+            <a:extLst>
+              <a:ext uri="{FF2B5EF4-FFF2-40B4-BE49-F238E27FC236}">
+                <a16:creationId xmlns:a16="http://schemas.microsoft.com/office/drawing/2014/main" id="{F7986C26-6059-4F44-8E1A-3B8EA73A0286}"/>
+              </a:ext>
+            </a:extLst>
+          </p:cNvPr>
+          <p:cNvPicPr>
+            <a:picLocks noChangeAspect="1"/>
+          </p:cNvPicPr>
+          <p:nvPr/>
+        </p:nvPicPr>
+        <p:blipFill>
+          <a:blip r:embed="rId3"/>
+          <a:stretch>
+            <a:fillRect/>
+          </a:stretch>
+        </p:blipFill>
+        <p:spPr>
+          <a:xfrm>
+            <a:off x="392367" y="5222597"/>
+            <a:ext cx="3997473" cy="1245268"/>
+          </a:xfrm>
+          <a:prstGeom prst="rect">
+            <a:avLst/>
+          </a:prstGeom>
+        </p:spPr>
+      </p:pic>
+      <p:pic>
+        <p:nvPicPr>
+          <p:cNvPr id="14" name="Imagem 13">
+            <a:extLst>
+              <a:ext uri="{FF2B5EF4-FFF2-40B4-BE49-F238E27FC236}">
+                <a16:creationId xmlns:a16="http://schemas.microsoft.com/office/drawing/2014/main" id="{6F0593CA-20CE-49FB-91D7-4028006A202A}"/>
+              </a:ext>
+            </a:extLst>
+          </p:cNvPr>
+          <p:cNvPicPr/>
+          <p:nvPr/>
+        </p:nvPicPr>
+        <p:blipFill>
+          <a:blip r:embed="rId4">
+            <a:extLst>
+              <a:ext uri="{28A0092B-C50C-407E-A947-70E740481C1C}">
+                <a14:useLocalDpi xmlns:a14="http://schemas.microsoft.com/office/drawing/2010/main" val="0"/>
+              </a:ext>
+            </a:extLst>
+          </a:blip>
+          <a:stretch>
+            <a:fillRect/>
+          </a:stretch>
+        </p:blipFill>
+        <p:spPr>
+          <a:xfrm>
+            <a:off x="5436712" y="2825682"/>
+            <a:ext cx="2551176" cy="2276856"/>
+          </a:xfrm>
+          <a:prstGeom prst="rect">
+            <a:avLst/>
+          </a:prstGeom>
+        </p:spPr>
+      </p:pic>
+      <p:pic>
+        <p:nvPicPr>
+          <p:cNvPr id="15" name="Imagem 14">
+            <a:extLst>
+              <a:ext uri="{FF2B5EF4-FFF2-40B4-BE49-F238E27FC236}">
+                <a16:creationId xmlns:a16="http://schemas.microsoft.com/office/drawing/2014/main" id="{A5E89325-C642-4142-95BE-65563A79D392}"/>
+              </a:ext>
+            </a:extLst>
+          </p:cNvPr>
+          <p:cNvPicPr>
+            <a:picLocks noChangeAspect="1"/>
+          </p:cNvPicPr>
+          <p:nvPr/>
+        </p:nvPicPr>
+        <p:blipFill>
+          <a:blip r:embed="rId5"/>
+          <a:stretch>
+            <a:fillRect/>
+          </a:stretch>
+        </p:blipFill>
+        <p:spPr>
+          <a:xfrm>
+            <a:off x="4567376" y="5117271"/>
+            <a:ext cx="3783534" cy="1485387"/>
+          </a:xfrm>
+          <a:prstGeom prst="rect">
+            <a:avLst/>
+          </a:prstGeom>
+        </p:spPr>
+      </p:pic>
+      <p:pic>
+        <p:nvPicPr>
+          <p:cNvPr id="16" name="Imagem 15">
+            <a:extLst>
+              <a:ext uri="{FF2B5EF4-FFF2-40B4-BE49-F238E27FC236}">
+                <a16:creationId xmlns:a16="http://schemas.microsoft.com/office/drawing/2014/main" id="{417A4923-58AB-4A6A-A4AE-1D9C1AA734D8}"/>
+              </a:ext>
+            </a:extLst>
+          </p:cNvPr>
+          <p:cNvPicPr/>
+          <p:nvPr/>
+        </p:nvPicPr>
+        <p:blipFill>
+          <a:blip r:embed="rId6">
+            <a:extLst>
+              <a:ext uri="{28A0092B-C50C-407E-A947-70E740481C1C}">
+                <a14:useLocalDpi xmlns:a14="http://schemas.microsoft.com/office/drawing/2010/main" val="0"/>
+              </a:ext>
+            </a:extLst>
+          </a:blip>
+          <a:stretch>
+            <a:fillRect/>
+          </a:stretch>
+        </p:blipFill>
+        <p:spPr>
+          <a:xfrm>
+            <a:off x="9244558" y="2825682"/>
+            <a:ext cx="2551176" cy="2276856"/>
+          </a:xfrm>
+          <a:prstGeom prst="rect">
+            <a:avLst/>
+          </a:prstGeom>
+        </p:spPr>
+      </p:pic>
+      <p:pic>
+        <p:nvPicPr>
+          <p:cNvPr id="17" name="Imagem 16">
+            <a:extLst>
+              <a:ext uri="{FF2B5EF4-FFF2-40B4-BE49-F238E27FC236}">
+                <a16:creationId xmlns:a16="http://schemas.microsoft.com/office/drawing/2014/main" id="{B2FE9C9B-8BFE-42B7-9623-22A6CD4EE888}"/>
+              </a:ext>
+            </a:extLst>
+          </p:cNvPr>
+          <p:cNvPicPr>
+            <a:picLocks noChangeAspect="1"/>
+          </p:cNvPicPr>
+          <p:nvPr/>
+        </p:nvPicPr>
+        <p:blipFill>
+          <a:blip r:embed="rId7"/>
+          <a:stretch>
+            <a:fillRect/>
+          </a:stretch>
+        </p:blipFill>
+        <p:spPr>
+          <a:xfrm>
+            <a:off x="8528446" y="5195926"/>
+            <a:ext cx="3512077" cy="1298610"/>
+          </a:xfrm>
+          <a:prstGeom prst="rect">
+            <a:avLst/>
+          </a:prstGeom>
+        </p:spPr>
+      </p:pic>
+      <p:sp>
+        <p:nvSpPr>
+          <p:cNvPr id="18" name="CaixaDeTexto 17">
+            <a:extLst>
+              <a:ext uri="{FF2B5EF4-FFF2-40B4-BE49-F238E27FC236}">
+                <a16:creationId xmlns:a16="http://schemas.microsoft.com/office/drawing/2014/main" id="{40230DE5-48AA-4347-9501-20F235BF8889}"/>
+              </a:ext>
+            </a:extLst>
+          </p:cNvPr>
+          <p:cNvSpPr txBox="1"/>
+          <p:nvPr/>
+        </p:nvSpPr>
+        <p:spPr>
+          <a:xfrm>
+            <a:off x="1554495" y="2522962"/>
+            <a:ext cx="1673215" cy="369332"/>
+          </a:xfrm>
+          <a:prstGeom prst="rect">
+            <a:avLst/>
+          </a:prstGeom>
+          <a:noFill/>
+        </p:spPr>
+        <p:txBody>
+          <a:bodyPr wrap="none" rtlCol="0">
+            <a:spAutoFit/>
+          </a:bodyPr>
+          <a:lstStyle/>
+          <a:p>
+            <a:r>
+              <a:rPr lang="pt-PT" u="sng" dirty="0"/>
+              <a:t>Solução inviável</a:t>
+            </a:r>
+          </a:p>
+        </p:txBody>
+      </p:sp>
+      <p:sp>
+        <p:nvSpPr>
+          <p:cNvPr id="20" name="CaixaDeTexto 19">
+            <a:extLst>
+              <a:ext uri="{FF2B5EF4-FFF2-40B4-BE49-F238E27FC236}">
+                <a16:creationId xmlns:a16="http://schemas.microsoft.com/office/drawing/2014/main" id="{1934840D-43AD-4AE0-9B76-4F5700F368F1}"/>
+              </a:ext>
+            </a:extLst>
+          </p:cNvPr>
+          <p:cNvSpPr txBox="1"/>
+          <p:nvPr/>
+        </p:nvSpPr>
+        <p:spPr>
+          <a:xfrm>
+            <a:off x="5311713" y="2456350"/>
+            <a:ext cx="2294859" cy="369332"/>
+          </a:xfrm>
+          <a:prstGeom prst="rect">
+            <a:avLst/>
+          </a:prstGeom>
+          <a:noFill/>
+        </p:spPr>
+        <p:txBody>
+          <a:bodyPr wrap="none" rtlCol="0">
+            <a:spAutoFit/>
+          </a:bodyPr>
+          <a:lstStyle/>
+          <a:p>
+            <a:r>
+              <a:rPr lang="pt-PT" u="sng" dirty="0"/>
+              <a:t>Solução não otimizada</a:t>
+            </a:r>
+          </a:p>
+        </p:txBody>
+      </p:sp>
+      <p:sp>
+        <p:nvSpPr>
+          <p:cNvPr id="21" name="CaixaDeTexto 20">
+            <a:extLst>
+              <a:ext uri="{FF2B5EF4-FFF2-40B4-BE49-F238E27FC236}">
+                <a16:creationId xmlns:a16="http://schemas.microsoft.com/office/drawing/2014/main" id="{A63BC750-EFF2-4E8B-B262-F3441DB4869F}"/>
+              </a:ext>
+            </a:extLst>
+          </p:cNvPr>
+          <p:cNvSpPr txBox="1"/>
+          <p:nvPr/>
+        </p:nvSpPr>
+        <p:spPr>
+          <a:xfrm>
+            <a:off x="9573552" y="2456350"/>
+            <a:ext cx="1421864" cy="369332"/>
+          </a:xfrm>
+          <a:prstGeom prst="rect">
+            <a:avLst/>
+          </a:prstGeom>
+          <a:noFill/>
+        </p:spPr>
+        <p:txBody>
+          <a:bodyPr wrap="none" rtlCol="0">
+            <a:spAutoFit/>
+          </a:bodyPr>
+          <a:lstStyle/>
+          <a:p>
+            <a:r>
+              <a:rPr lang="pt-PT" u="sng" dirty="0"/>
+              <a:t>Solução ideal</a:t>
+            </a:r>
+          </a:p>
+        </p:txBody>
+      </p:sp>
+      <p:sp>
+        <p:nvSpPr>
+          <p:cNvPr id="3" name="Marcador de Posição do Número do Diapositivo 2">
+            <a:extLst>
+              <a:ext uri="{FF2B5EF4-FFF2-40B4-BE49-F238E27FC236}">
+                <a16:creationId xmlns:a16="http://schemas.microsoft.com/office/drawing/2014/main" id="{8D142B05-E1CA-4946-BF1C-6301C90EBF7A}"/>
+              </a:ext>
+            </a:extLst>
+          </p:cNvPr>
+          <p:cNvSpPr>
+            <a:spLocks noGrp="1"/>
+          </p:cNvSpPr>
+          <p:nvPr>
+            <p:ph type="sldNum" sz="quarter" idx="12"/>
+          </p:nvPr>
+        </p:nvSpPr>
+        <p:spPr/>
+        <p:txBody>
+          <a:bodyPr/>
+          <a:lstStyle/>
+          <a:p>
+            <a:fld id="{5AD5E5FD-F30B-4922-B20C-055EB5011373}" type="slidenum">
+              <a:rPr lang="pt-PT" smtClean="0"/>
+              <a:t>13</a:t>
+            </a:fld>
+            <a:endParaRPr lang="pt-PT"/>
+          </a:p>
+        </p:txBody>
+      </p:sp>
+    </p:spTree>
+    <p:extLst>
+      <p:ext uri="{BB962C8B-B14F-4D97-AF65-F5344CB8AC3E}">
+        <p14:creationId xmlns:p14="http://schemas.microsoft.com/office/powerpoint/2010/main" val="1097835415"/>
+      </p:ext>
+    </p:extLst>
+  </p:cSld>
+  <p:clrMapOvr>
+    <a:masterClrMapping/>
+  </p:clrMapOvr>
+</p:sld>
+</file>
+
+<file path=ppt/slides/slide14.xml><?xml version="1.0" encoding="utf-8"?>
+<p:sld xmlns:a="http://schemas.openxmlformats.org/drawingml/2006/main" xmlns:r="http://schemas.openxmlformats.org/officeDocument/2006/relationships" xmlns:p="http://schemas.openxmlformats.org/presentationml/2006/main">
+  <p:cSld>
+    <p:spTree>
+      <p:nvGrpSpPr>
+        <p:cNvPr id="1" name=""/>
+        <p:cNvGrpSpPr/>
+        <p:nvPr/>
+      </p:nvGrpSpPr>
+      <p:grpSpPr>
+        <a:xfrm>
+          <a:off x="0" y="0"/>
+          <a:ext cx="0" cy="0"/>
+          <a:chOff x="0" y="0"/>
+          <a:chExt cx="0" cy="0"/>
+        </a:xfrm>
+      </p:grpSpPr>
+      <p:sp>
+        <p:nvSpPr>
+          <p:cNvPr id="2" name="Título 1">
+            <a:extLst>
+              <a:ext uri="{FF2B5EF4-FFF2-40B4-BE49-F238E27FC236}">
+                <a16:creationId xmlns:a16="http://schemas.microsoft.com/office/drawing/2014/main" id="{8168C8F0-9038-446E-91CF-F6235AA3D6CE}"/>
+              </a:ext>
+            </a:extLst>
+          </p:cNvPr>
+          <p:cNvSpPr>
+            <a:spLocks noGrp="1"/>
+          </p:cNvSpPr>
+          <p:nvPr>
+            <p:ph type="title"/>
+          </p:nvPr>
+        </p:nvSpPr>
+        <p:spPr>
+          <a:xfrm>
+            <a:off x="845126" y="0"/>
+            <a:ext cx="10515600" cy="1325562"/>
+          </a:xfrm>
+        </p:spPr>
+        <p:txBody>
+          <a:bodyPr/>
+          <a:lstStyle/>
+          <a:p>
+            <a:pPr algn="ctr"/>
+            <a:r>
+              <a:rPr lang="pt-PT" dirty="0">
+                <a:effectLst>
+                  <a:outerShdw blurRad="38100" dist="38100" dir="2700000" algn="tl">
+                    <a:srgbClr val="000000">
+                      <a:alpha val="43137"/>
+                    </a:srgbClr>
+                  </a:outerShdw>
+                </a:effectLst>
+              </a:rPr>
+              <a:t>Estrutura do Programa – Menu Principal</a:t>
+            </a:r>
+          </a:p>
+        </p:txBody>
+      </p:sp>
+      <p:sp>
+        <p:nvSpPr>
+          <p:cNvPr id="3" name="Marcador de Posição de Conteúdo 2">
+            <a:extLst>
+              <a:ext uri="{FF2B5EF4-FFF2-40B4-BE49-F238E27FC236}">
+                <a16:creationId xmlns:a16="http://schemas.microsoft.com/office/drawing/2014/main" id="{09441EBF-50A9-4CD3-9F9C-BBC6F09F138D}"/>
+              </a:ext>
+            </a:extLst>
+          </p:cNvPr>
+          <p:cNvSpPr>
+            <a:spLocks noGrp="1"/>
+          </p:cNvSpPr>
+          <p:nvPr>
+            <p:ph idx="1"/>
+          </p:nvPr>
+        </p:nvSpPr>
+        <p:spPr/>
+        <p:txBody>
+          <a:bodyPr/>
+          <a:lstStyle/>
+          <a:p>
+            <a:endParaRPr lang="pt-PT" dirty="0"/>
+          </a:p>
+          <a:p>
+            <a:endParaRPr lang="pt-PT" dirty="0"/>
+          </a:p>
+        </p:txBody>
+      </p:sp>
+      <p:pic>
+        <p:nvPicPr>
+          <p:cNvPr id="8" name="Imagem 7">
+            <a:extLst>
+              <a:ext uri="{FF2B5EF4-FFF2-40B4-BE49-F238E27FC236}">
+                <a16:creationId xmlns:a16="http://schemas.microsoft.com/office/drawing/2014/main" id="{CA6E19E4-4523-4A0E-B79B-83889FEC99E3}"/>
+              </a:ext>
+            </a:extLst>
+          </p:cNvPr>
+          <p:cNvPicPr>
+            <a:picLocks noChangeAspect="1"/>
+          </p:cNvPicPr>
+          <p:nvPr/>
+        </p:nvPicPr>
+        <p:blipFill>
+          <a:blip r:embed="rId2">
+            <a:extLst>
+              <a:ext uri="{28A0092B-C50C-407E-A947-70E740481C1C}">
+                <a14:useLocalDpi xmlns:a14="http://schemas.microsoft.com/office/drawing/2010/main" val="0"/>
+              </a:ext>
+            </a:extLst>
+          </a:blip>
+          <a:stretch>
+            <a:fillRect/>
+          </a:stretch>
+        </p:blipFill>
+        <p:spPr>
+          <a:xfrm>
+            <a:off x="4147458" y="2717016"/>
+            <a:ext cx="3910936" cy="2574903"/>
+          </a:xfrm>
+          <a:prstGeom prst="rect">
+            <a:avLst/>
+          </a:prstGeom>
+        </p:spPr>
+      </p:pic>
+      <p:sp>
+        <p:nvSpPr>
+          <p:cNvPr id="4" name="Marcador de Posição do Número do Diapositivo 3">
+            <a:extLst>
+              <a:ext uri="{FF2B5EF4-FFF2-40B4-BE49-F238E27FC236}">
+                <a16:creationId xmlns:a16="http://schemas.microsoft.com/office/drawing/2014/main" id="{8DF347A0-57AC-4BBC-BB8E-DB20316B7C73}"/>
+              </a:ext>
+            </a:extLst>
+          </p:cNvPr>
+          <p:cNvSpPr>
+            <a:spLocks noGrp="1"/>
+          </p:cNvSpPr>
+          <p:nvPr>
+            <p:ph type="sldNum" sz="quarter" idx="12"/>
+          </p:nvPr>
+        </p:nvSpPr>
+        <p:spPr/>
+        <p:txBody>
+          <a:bodyPr/>
+          <a:lstStyle/>
+          <a:p>
+            <a:fld id="{5AD5E5FD-F30B-4922-B20C-055EB5011373}" type="slidenum">
+              <a:rPr lang="pt-PT" smtClean="0"/>
+              <a:t>14</a:t>
+            </a:fld>
+            <a:endParaRPr lang="pt-PT"/>
+          </a:p>
+        </p:txBody>
+      </p:sp>
+    </p:spTree>
+    <p:extLst>
+      <p:ext uri="{BB962C8B-B14F-4D97-AF65-F5344CB8AC3E}">
+        <p14:creationId xmlns:p14="http://schemas.microsoft.com/office/powerpoint/2010/main" val="1311674856"/>
       </p:ext>
     </p:extLst>
   </p:cSld>
@@ -4525,7 +5408,7 @@
           <p:cNvPr id="2" name="Título 1">
             <a:extLst>
               <a:ext uri="{FF2B5EF4-FFF2-40B4-BE49-F238E27FC236}">
-                <a16:creationId xmlns:a16="http://schemas.microsoft.com/office/drawing/2014/main" id="{254158C6-0903-42E6-884F-90C1903D20FC}"/>
+                <a16:creationId xmlns:a16="http://schemas.microsoft.com/office/drawing/2014/main" id="{32E5A1E3-300C-4743-A714-6FE649D29B0D}"/>
               </a:ext>
             </a:extLst>
           </p:cNvPr>
@@ -4538,7 +5421,7 @@
         </p:nvSpPr>
         <p:spPr>
           <a:xfrm>
-            <a:off x="543287" y="0"/>
+            <a:off x="845127" y="0"/>
             <a:ext cx="10515600" cy="1325562"/>
           </a:xfrm>
         </p:spPr>
@@ -4557,169 +5440,30 @@
                   </a:outerShdw>
                 </a:effectLst>
               </a:rPr>
-              <a:t>Exemplo de problema</a:t>
-            </a:r>
+              <a:t>Estrutura do Programa – UI do algoritmo</a:t>
+            </a:r>
+            <a:endParaRPr lang="pt-PT" dirty="0"/>
           </a:p>
         </p:txBody>
       </p:sp>
       <p:pic>
         <p:nvPicPr>
-          <p:cNvPr id="9" name="Marcador de Posição de Conteúdo 8" descr="C:\Users\Rodrigo\Desktop\ACO_IMAGES\unknown.png">
-            <a:extLst>
-              <a:ext uri="{FF2B5EF4-FFF2-40B4-BE49-F238E27FC236}">
-                <a16:creationId xmlns:a16="http://schemas.microsoft.com/office/drawing/2014/main" id="{F12EE38D-13CA-488B-80A9-B9643729EC34}"/>
+          <p:cNvPr id="9" name="Marcador de Posição de Conteúdo 8">
+            <a:extLst>
+              <a:ext uri="{FF2B5EF4-FFF2-40B4-BE49-F238E27FC236}">
+                <a16:creationId xmlns:a16="http://schemas.microsoft.com/office/drawing/2014/main" id="{3433B91B-E5A6-4CA5-9E66-B9350928FAFA}"/>
               </a:ext>
             </a:extLst>
           </p:cNvPr>
           <p:cNvPicPr>
-            <a:picLocks noGrp="1"/>
+            <a:picLocks noGrp="1" noChangeAspect="1"/>
           </p:cNvPicPr>
           <p:nvPr>
             <p:ph idx="1"/>
           </p:nvPr>
         </p:nvPicPr>
         <p:blipFill>
-          <a:blip r:embed="rId2" cstate="print">
-            <a:extLst>
-              <a:ext uri="{28A0092B-C50C-407E-A947-70E740481C1C}">
-                <a14:useLocalDpi xmlns:a14="http://schemas.microsoft.com/office/drawing/2010/main" val="0"/>
-              </a:ext>
-            </a:extLst>
-          </a:blip>
-          <a:srcRect/>
-          <a:stretch>
-            <a:fillRect/>
-          </a:stretch>
-        </p:blipFill>
-        <p:spPr bwMode="auto">
-          <a:xfrm>
-            <a:off x="1323160" y="2827687"/>
-            <a:ext cx="2554754" cy="2274851"/>
-          </a:xfrm>
-          <a:prstGeom prst="rect">
-            <a:avLst/>
-          </a:prstGeom>
-          <a:noFill/>
-          <a:ln>
-            <a:noFill/>
-          </a:ln>
-        </p:spPr>
-      </p:pic>
-      <p:sp>
-        <p:nvSpPr>
-          <p:cNvPr id="12" name="CaixaDeTexto 11">
-            <a:extLst>
-              <a:ext uri="{FF2B5EF4-FFF2-40B4-BE49-F238E27FC236}">
-                <a16:creationId xmlns:a16="http://schemas.microsoft.com/office/drawing/2014/main" id="{A4B94FED-98AA-412B-BE40-FC1CA12EBB41}"/>
-              </a:ext>
-            </a:extLst>
-          </p:cNvPr>
-          <p:cNvSpPr txBox="1"/>
-          <p:nvPr/>
-        </p:nvSpPr>
-        <p:spPr>
-          <a:xfrm>
-            <a:off x="858612" y="1199132"/>
-            <a:ext cx="9884950" cy="1754326"/>
-          </a:xfrm>
-          <a:prstGeom prst="rect">
-            <a:avLst/>
-          </a:prstGeom>
-          <a:noFill/>
-        </p:spPr>
-        <p:txBody>
-          <a:bodyPr wrap="none" rtlCol="0">
-            <a:spAutoFit/>
-          </a:bodyPr>
-          <a:lstStyle/>
-          <a:p>
-            <a:r>
-              <a:rPr lang="pt-PT" dirty="0"/>
-              <a:t>Para calcular a qualidade de uma solução, é calculado um valor de fitness utilizando a seguinte formula:</a:t>
-            </a:r>
-          </a:p>
-          <a:p>
-            <a:endParaRPr lang="pt-PT" dirty="0"/>
-          </a:p>
-          <a:p>
-            <a:pPr algn="ctr"/>
-            <a:r>
-              <a:rPr lang="pt-PT" b="1" i="1" dirty="0"/>
-              <a:t>fitness = ND * 500 + ∑</a:t>
-            </a:r>
-            <a:r>
-              <a:rPr lang="pt-PT" b="1" i="1" baseline="-25000" dirty="0"/>
-              <a:t>RU </a:t>
-            </a:r>
-            <a:r>
-              <a:rPr lang="pt-PT" b="1" i="1" dirty="0"/>
-              <a:t>W</a:t>
-            </a:r>
-            <a:r>
-              <a:rPr lang="pt-PT" b="1" i="1" baseline="-25000" dirty="0"/>
-              <a:t>i</a:t>
-            </a:r>
-            <a:r>
-              <a:rPr lang="pt-PT" b="1" i="1" dirty="0"/>
-              <a:t> * 100</a:t>
-            </a:r>
-            <a:endParaRPr lang="en-US" b="1" dirty="0"/>
-          </a:p>
-          <a:p>
-            <a:endParaRPr lang="pt-PT" dirty="0"/>
-          </a:p>
-          <a:p>
-            <a:endParaRPr lang="pt-PT" dirty="0"/>
-          </a:p>
-          <a:p>
-            <a:endParaRPr lang="pt-PT" dirty="0"/>
-          </a:p>
-        </p:txBody>
-      </p:sp>
-      <p:pic>
-        <p:nvPicPr>
-          <p:cNvPr id="13" name="Imagem 12">
-            <a:extLst>
-              <a:ext uri="{FF2B5EF4-FFF2-40B4-BE49-F238E27FC236}">
-                <a16:creationId xmlns:a16="http://schemas.microsoft.com/office/drawing/2014/main" id="{F7986C26-6059-4F44-8E1A-3B8EA73A0286}"/>
-              </a:ext>
-            </a:extLst>
-          </p:cNvPr>
-          <p:cNvPicPr>
-            <a:picLocks noChangeAspect="1"/>
-          </p:cNvPicPr>
-          <p:nvPr/>
-        </p:nvPicPr>
-        <p:blipFill>
-          <a:blip r:embed="rId3"/>
-          <a:stretch>
-            <a:fillRect/>
-          </a:stretch>
-        </p:blipFill>
-        <p:spPr>
-          <a:xfrm>
-            <a:off x="392367" y="5222597"/>
-            <a:ext cx="3997473" cy="1245268"/>
-          </a:xfrm>
-          <a:prstGeom prst="rect">
-            <a:avLst/>
-          </a:prstGeom>
-        </p:spPr>
-      </p:pic>
-      <p:pic>
-        <p:nvPicPr>
-          <p:cNvPr id="14" name="Imagem 13">
-            <a:extLst>
-              <a:ext uri="{FF2B5EF4-FFF2-40B4-BE49-F238E27FC236}">
-                <a16:creationId xmlns:a16="http://schemas.microsoft.com/office/drawing/2014/main" id="{6F0593CA-20CE-49FB-91D7-4028006A202A}"/>
-              </a:ext>
-            </a:extLst>
-          </p:cNvPr>
-          <p:cNvPicPr/>
-          <p:nvPr/>
-        </p:nvPicPr>
-        <p:blipFill>
-          <a:blip r:embed="rId4">
+          <a:blip r:embed="rId2">
             <a:extLst>
               <a:ext uri="{28A0092B-C50C-407E-A947-70E740481C1C}">
                 <a14:useLocalDpi xmlns:a14="http://schemas.microsoft.com/office/drawing/2010/main" val="0"/>
@@ -4732,20 +5476,17 @@
         </p:blipFill>
         <p:spPr>
           <a:xfrm>
-            <a:off x="5436712" y="2825682"/>
-            <a:ext cx="2551176" cy="2276856"/>
+            <a:off x="356892" y="1796078"/>
+            <a:ext cx="5510762" cy="4009723"/>
           </a:xfrm>
-          <a:prstGeom prst="rect">
-            <a:avLst/>
-          </a:prstGeom>
         </p:spPr>
       </p:pic>
       <p:pic>
         <p:nvPicPr>
-          <p:cNvPr id="15" name="Imagem 14">
-            <a:extLst>
-              <a:ext uri="{FF2B5EF4-FFF2-40B4-BE49-F238E27FC236}">
-                <a16:creationId xmlns:a16="http://schemas.microsoft.com/office/drawing/2014/main" id="{A5E89325-C642-4142-95BE-65563A79D392}"/>
+          <p:cNvPr id="11" name="Imagem 10">
+            <a:extLst>
+              <a:ext uri="{FF2B5EF4-FFF2-40B4-BE49-F238E27FC236}">
+                <a16:creationId xmlns:a16="http://schemas.microsoft.com/office/drawing/2014/main" id="{B1ACE442-9389-4792-B0D3-E100937C6BE3}"/>
               </a:ext>
             </a:extLst>
           </p:cNvPr>
@@ -4755,35 +5496,7 @@
           <p:nvPr/>
         </p:nvPicPr>
         <p:blipFill>
-          <a:blip r:embed="rId5"/>
-          <a:stretch>
-            <a:fillRect/>
-          </a:stretch>
-        </p:blipFill>
-        <p:spPr>
-          <a:xfrm>
-            <a:off x="4567376" y="5117271"/>
-            <a:ext cx="3783534" cy="1485387"/>
-          </a:xfrm>
-          <a:prstGeom prst="rect">
-            <a:avLst/>
-          </a:prstGeom>
-        </p:spPr>
-      </p:pic>
-      <p:pic>
-        <p:nvPicPr>
-          <p:cNvPr id="16" name="Imagem 15">
-            <a:extLst>
-              <a:ext uri="{FF2B5EF4-FFF2-40B4-BE49-F238E27FC236}">
-                <a16:creationId xmlns:a16="http://schemas.microsoft.com/office/drawing/2014/main" id="{417A4923-58AB-4A6A-A4AE-1D9C1AA734D8}"/>
-              </a:ext>
-            </a:extLst>
-          </p:cNvPr>
-          <p:cNvPicPr/>
-          <p:nvPr/>
-        </p:nvPicPr>
-        <p:blipFill>
-          <a:blip r:embed="rId6">
+          <a:blip r:embed="rId3">
             <a:extLst>
               <a:ext uri="{28A0092B-C50C-407E-A947-70E740481C1C}">
                 <a14:useLocalDpi xmlns:a14="http://schemas.microsoft.com/office/drawing/2010/main" val="0"/>
@@ -4796,60 +5509,30 @@
         </p:blipFill>
         <p:spPr>
           <a:xfrm>
-            <a:off x="9244558" y="2825682"/>
-            <a:ext cx="2551176" cy="2276856"/>
+            <a:off x="5867654" y="1796078"/>
+            <a:ext cx="6131147" cy="4009723"/>
           </a:xfrm>
           <a:prstGeom prst="rect">
             <a:avLst/>
           </a:prstGeom>
         </p:spPr>
       </p:pic>
-      <p:pic>
-        <p:nvPicPr>
-          <p:cNvPr id="17" name="Imagem 16">
-            <a:extLst>
-              <a:ext uri="{FF2B5EF4-FFF2-40B4-BE49-F238E27FC236}">
-                <a16:creationId xmlns:a16="http://schemas.microsoft.com/office/drawing/2014/main" id="{B2FE9C9B-8BFE-42B7-9623-22A6CD4EE888}"/>
-              </a:ext>
-            </a:extLst>
-          </p:cNvPr>
-          <p:cNvPicPr>
-            <a:picLocks noChangeAspect="1"/>
-          </p:cNvPicPr>
+      <p:sp>
+        <p:nvSpPr>
+          <p:cNvPr id="12" name="CaixaDeTexto 11">
+            <a:extLst>
+              <a:ext uri="{FF2B5EF4-FFF2-40B4-BE49-F238E27FC236}">
+                <a16:creationId xmlns:a16="http://schemas.microsoft.com/office/drawing/2014/main" id="{034627D0-C06B-4392-8759-8AFC3AD50223}"/>
+              </a:ext>
+            </a:extLst>
+          </p:cNvPr>
+          <p:cNvSpPr txBox="1"/>
           <p:nvPr/>
-        </p:nvPicPr>
-        <p:blipFill>
-          <a:blip r:embed="rId7"/>
-          <a:stretch>
-            <a:fillRect/>
-          </a:stretch>
-        </p:blipFill>
+        </p:nvSpPr>
         <p:spPr>
           <a:xfrm>
-            <a:off x="8528446" y="5195926"/>
-            <a:ext cx="3512077" cy="1298610"/>
-          </a:xfrm>
-          <a:prstGeom prst="rect">
-            <a:avLst/>
-          </a:prstGeom>
-        </p:spPr>
-      </p:pic>
-      <p:sp>
-        <p:nvSpPr>
-          <p:cNvPr id="18" name="CaixaDeTexto 17">
-            <a:extLst>
-              <a:ext uri="{FF2B5EF4-FFF2-40B4-BE49-F238E27FC236}">
-                <a16:creationId xmlns:a16="http://schemas.microsoft.com/office/drawing/2014/main" id="{40230DE5-48AA-4347-9501-20F235BF8889}"/>
-              </a:ext>
-            </a:extLst>
-          </p:cNvPr>
-          <p:cNvSpPr txBox="1"/>
-          <p:nvPr/>
-        </p:nvSpPr>
-        <p:spPr>
-          <a:xfrm>
-            <a:off x="1554495" y="2522962"/>
-            <a:ext cx="1673215" cy="369332"/>
+            <a:off x="356892" y="5726097"/>
+            <a:ext cx="2246577" cy="338554"/>
           </a:xfrm>
           <a:prstGeom prst="rect">
             <a:avLst/>
@@ -4863,18 +5546,18 @@
           <a:lstStyle/>
           <a:p>
             <a:r>
-              <a:rPr lang="pt-PT" u="sng" dirty="0"/>
-              <a:t>Solução inviável</a:t>
-            </a:r>
-          </a:p>
-        </p:txBody>
-      </p:sp>
-      <p:sp>
-        <p:nvSpPr>
-          <p:cNvPr id="20" name="CaixaDeTexto 19">
-            <a:extLst>
-              <a:ext uri="{FF2B5EF4-FFF2-40B4-BE49-F238E27FC236}">
-                <a16:creationId xmlns:a16="http://schemas.microsoft.com/office/drawing/2014/main" id="{1934840D-43AD-4AE0-9B76-4F5700F368F1}"/>
+              <a:rPr lang="pt-PT" sz="1600" dirty="0"/>
+              <a:t>UI do algoritmo genético</a:t>
+            </a:r>
+          </a:p>
+        </p:txBody>
+      </p:sp>
+      <p:sp>
+        <p:nvSpPr>
+          <p:cNvPr id="13" name="CaixaDeTexto 12">
+            <a:extLst>
+              <a:ext uri="{FF2B5EF4-FFF2-40B4-BE49-F238E27FC236}">
+                <a16:creationId xmlns:a16="http://schemas.microsoft.com/office/drawing/2014/main" id="{185E484E-48E0-4D7A-8053-B9CBAC1FB0C0}"/>
               </a:ext>
             </a:extLst>
           </p:cNvPr>
@@ -4883,8 +5566,8 @@
         </p:nvSpPr>
         <p:spPr>
           <a:xfrm>
-            <a:off x="5311713" y="2456350"/>
-            <a:ext cx="2294859" cy="369332"/>
+            <a:off x="5867654" y="5726097"/>
+            <a:ext cx="2156552" cy="338554"/>
           </a:xfrm>
           <a:prstGeom prst="rect">
             <a:avLst/>
@@ -4898,51 +5581,50 @@
           <a:lstStyle/>
           <a:p>
             <a:r>
-              <a:rPr lang="pt-PT" u="sng" dirty="0"/>
-              <a:t>Solução não otimizada</a:t>
-            </a:r>
-          </a:p>
-        </p:txBody>
-      </p:sp>
-      <p:sp>
-        <p:nvSpPr>
-          <p:cNvPr id="21" name="CaixaDeTexto 20">
-            <a:extLst>
-              <a:ext uri="{FF2B5EF4-FFF2-40B4-BE49-F238E27FC236}">
-                <a16:creationId xmlns:a16="http://schemas.microsoft.com/office/drawing/2014/main" id="{A63BC750-EFF2-4E8B-B262-F3441DB4869F}"/>
-              </a:ext>
-            </a:extLst>
-          </p:cNvPr>
-          <p:cNvSpPr txBox="1"/>
-          <p:nvPr/>
-        </p:nvSpPr>
-        <p:spPr>
-          <a:xfrm>
-            <a:off x="9573552" y="2456350"/>
-            <a:ext cx="1421864" cy="369332"/>
-          </a:xfrm>
-          <a:prstGeom prst="rect">
-            <a:avLst/>
-          </a:prstGeom>
-          <a:noFill/>
-        </p:spPr>
-        <p:txBody>
-          <a:bodyPr wrap="none" rtlCol="0">
-            <a:spAutoFit/>
-          </a:bodyPr>
-          <a:lstStyle/>
-          <a:p>
-            <a:r>
-              <a:rPr lang="pt-PT" u="sng" dirty="0"/>
-              <a:t>Solução ideal</a:t>
-            </a:r>
+              <a:rPr lang="pt-PT" sz="1600" dirty="0"/>
+              <a:t>UI do algoritmo </a:t>
+            </a:r>
+            <a:r>
+              <a:rPr lang="pt-PT" sz="1600" i="1" dirty="0" err="1"/>
+              <a:t>Custom</a:t>
+            </a:r>
+            <a:endParaRPr lang="pt-PT" sz="1600" i="1" dirty="0"/>
+          </a:p>
+        </p:txBody>
+      </p:sp>
+      <p:sp>
+        <p:nvSpPr>
+          <p:cNvPr id="3" name="Marcador de Posição do Número do Diapositivo 2">
+            <a:extLst>
+              <a:ext uri="{FF2B5EF4-FFF2-40B4-BE49-F238E27FC236}">
+                <a16:creationId xmlns:a16="http://schemas.microsoft.com/office/drawing/2014/main" id="{1624C392-5F27-4713-8D16-51359F173BEB}"/>
+              </a:ext>
+            </a:extLst>
+          </p:cNvPr>
+          <p:cNvSpPr>
+            <a:spLocks noGrp="1"/>
+          </p:cNvSpPr>
+          <p:nvPr>
+            <p:ph type="sldNum" sz="quarter" idx="12"/>
+          </p:nvPr>
+        </p:nvSpPr>
+        <p:spPr/>
+        <p:txBody>
+          <a:bodyPr/>
+          <a:lstStyle/>
+          <a:p>
+            <a:fld id="{5AD5E5FD-F30B-4922-B20C-055EB5011373}" type="slidenum">
+              <a:rPr lang="pt-PT" smtClean="0"/>
+              <a:t>15</a:t>
+            </a:fld>
+            <a:endParaRPr lang="pt-PT"/>
           </a:p>
         </p:txBody>
       </p:sp>
     </p:spTree>
     <p:extLst>
       <p:ext uri="{BB962C8B-B14F-4D97-AF65-F5344CB8AC3E}">
-        <p14:creationId xmlns:p14="http://schemas.microsoft.com/office/powerpoint/2010/main" val="1097835415"/>
+        <p14:creationId xmlns:p14="http://schemas.microsoft.com/office/powerpoint/2010/main" val="2528071103"/>
       </p:ext>
     </p:extLst>
   </p:cSld>
@@ -4974,7 +5656,7 @@
           <p:cNvPr id="2" name="Título 1">
             <a:extLst>
               <a:ext uri="{FF2B5EF4-FFF2-40B4-BE49-F238E27FC236}">
-                <a16:creationId xmlns:a16="http://schemas.microsoft.com/office/drawing/2014/main" id="{8168C8F0-9038-446E-91CF-F6235AA3D6CE}"/>
+                <a16:creationId xmlns:a16="http://schemas.microsoft.com/office/drawing/2014/main" id="{DC4BA44B-1576-44C4-8F85-BE3483F99F10}"/>
               </a:ext>
             </a:extLst>
           </p:cNvPr>
@@ -4987,7 +5669,7 @@
         </p:nvSpPr>
         <p:spPr>
           <a:xfrm>
-            <a:off x="845126" y="0"/>
+            <a:off x="845127" y="0"/>
             <a:ext cx="10515600" cy="1325562"/>
           </a:xfrm>
         </p:spPr>
@@ -5006,45 +5688,17 @@
                   </a:outerShdw>
                 </a:effectLst>
               </a:rPr>
-              <a:t>Estrutura do Programa – Menu Principal</a:t>
-            </a:r>
-          </a:p>
-        </p:txBody>
-      </p:sp>
-      <p:sp>
-        <p:nvSpPr>
-          <p:cNvPr id="3" name="Marcador de Posição de Conteúdo 2">
-            <a:extLst>
-              <a:ext uri="{FF2B5EF4-FFF2-40B4-BE49-F238E27FC236}">
-                <a16:creationId xmlns:a16="http://schemas.microsoft.com/office/drawing/2014/main" id="{09441EBF-50A9-4CD3-9F9C-BBC6F09F138D}"/>
-              </a:ext>
-            </a:extLst>
-          </p:cNvPr>
-          <p:cNvSpPr>
-            <a:spLocks noGrp="1"/>
-          </p:cNvSpPr>
-          <p:nvPr>
-            <p:ph idx="1"/>
-          </p:nvPr>
-        </p:nvSpPr>
-        <p:spPr/>
-        <p:txBody>
-          <a:bodyPr/>
-          <a:lstStyle/>
-          <a:p>
-            <a:endParaRPr lang="pt-PT" dirty="0"/>
-          </a:p>
-          <a:p>
-            <a:endParaRPr lang="pt-PT" dirty="0"/>
+              <a:t>Estrutura do Programa – Escolha do problema</a:t>
+            </a:r>
           </a:p>
         </p:txBody>
       </p:sp>
       <p:pic>
         <p:nvPicPr>
-          <p:cNvPr id="8" name="Imagem 7">
-            <a:extLst>
-              <a:ext uri="{FF2B5EF4-FFF2-40B4-BE49-F238E27FC236}">
-                <a16:creationId xmlns:a16="http://schemas.microsoft.com/office/drawing/2014/main" id="{CA6E19E4-4523-4A0E-B79B-83889FEC99E3}"/>
+          <p:cNvPr id="5" name="Imagem 4">
+            <a:extLst>
+              <a:ext uri="{FF2B5EF4-FFF2-40B4-BE49-F238E27FC236}">
+                <a16:creationId xmlns:a16="http://schemas.microsoft.com/office/drawing/2014/main" id="{2DE18B71-034C-4C09-963F-2BFB7E7E9F75}"/>
               </a:ext>
             </a:extLst>
           </p:cNvPr>
@@ -5067,18 +5721,93 @@
         </p:blipFill>
         <p:spPr>
           <a:xfrm>
-            <a:off x="4147458" y="2717016"/>
-            <a:ext cx="3910936" cy="2574903"/>
+            <a:off x="219849" y="1894632"/>
+            <a:ext cx="5780779" cy="3625815"/>
           </a:xfrm>
           <a:prstGeom prst="rect">
             <a:avLst/>
           </a:prstGeom>
+          <a:ln>
+            <a:solidFill>
+              <a:schemeClr val="accent1"/>
+            </a:solidFill>
+          </a:ln>
         </p:spPr>
       </p:pic>
+      <p:pic>
+        <p:nvPicPr>
+          <p:cNvPr id="7" name="Imagem 6">
+            <a:extLst>
+              <a:ext uri="{FF2B5EF4-FFF2-40B4-BE49-F238E27FC236}">
+                <a16:creationId xmlns:a16="http://schemas.microsoft.com/office/drawing/2014/main" id="{0CA62D8E-F953-4AEB-8A76-A5362A5E4344}"/>
+              </a:ext>
+            </a:extLst>
+          </p:cNvPr>
+          <p:cNvPicPr>
+            <a:picLocks noChangeAspect="1"/>
+          </p:cNvPicPr>
+          <p:nvPr/>
+        </p:nvPicPr>
+        <p:blipFill>
+          <a:blip r:embed="rId3">
+            <a:extLst>
+              <a:ext uri="{28A0092B-C50C-407E-A947-70E740481C1C}">
+                <a14:useLocalDpi xmlns:a14="http://schemas.microsoft.com/office/drawing/2010/main" val="0"/>
+              </a:ext>
+            </a:extLst>
+          </a:blip>
+          <a:stretch>
+            <a:fillRect/>
+          </a:stretch>
+        </p:blipFill>
+        <p:spPr>
+          <a:xfrm>
+            <a:off x="6196613" y="1892529"/>
+            <a:ext cx="5751576" cy="3627918"/>
+          </a:xfrm>
+          <a:prstGeom prst="rect">
+            <a:avLst/>
+          </a:prstGeom>
+          <a:ln>
+            <a:solidFill>
+              <a:schemeClr val="accent1"/>
+            </a:solidFill>
+          </a:ln>
+        </p:spPr>
+      </p:pic>
+      <p:sp>
+        <p:nvSpPr>
+          <p:cNvPr id="3" name="Marcador de Posição do Número do Diapositivo 2">
+            <a:extLst>
+              <a:ext uri="{FF2B5EF4-FFF2-40B4-BE49-F238E27FC236}">
+                <a16:creationId xmlns:a16="http://schemas.microsoft.com/office/drawing/2014/main" id="{818C5CDF-E759-4D5D-93E4-7280A4B78F5C}"/>
+              </a:ext>
+            </a:extLst>
+          </p:cNvPr>
+          <p:cNvSpPr>
+            <a:spLocks noGrp="1"/>
+          </p:cNvSpPr>
+          <p:nvPr>
+            <p:ph type="sldNum" sz="quarter" idx="12"/>
+          </p:nvPr>
+        </p:nvSpPr>
+        <p:spPr/>
+        <p:txBody>
+          <a:bodyPr/>
+          <a:lstStyle/>
+          <a:p>
+            <a:fld id="{5AD5E5FD-F30B-4922-B20C-055EB5011373}" type="slidenum">
+              <a:rPr lang="pt-PT" smtClean="0"/>
+              <a:t>16</a:t>
+            </a:fld>
+            <a:endParaRPr lang="pt-PT"/>
+          </a:p>
+        </p:txBody>
+      </p:sp>
     </p:spTree>
     <p:extLst>
       <p:ext uri="{BB962C8B-B14F-4D97-AF65-F5344CB8AC3E}">
-        <p14:creationId xmlns:p14="http://schemas.microsoft.com/office/powerpoint/2010/main" val="1311674856"/>
+        <p14:creationId xmlns:p14="http://schemas.microsoft.com/office/powerpoint/2010/main" val="3060770890"/>
       </p:ext>
     </p:extLst>
   </p:cSld>
@@ -5110,7 +5839,7 @@
           <p:cNvPr id="2" name="Título 1">
             <a:extLst>
               <a:ext uri="{FF2B5EF4-FFF2-40B4-BE49-F238E27FC236}">
-                <a16:creationId xmlns:a16="http://schemas.microsoft.com/office/drawing/2014/main" id="{32E5A1E3-300C-4743-A714-6FE649D29B0D}"/>
+                <a16:creationId xmlns:a16="http://schemas.microsoft.com/office/drawing/2014/main" id="{2A8134F6-2E37-477A-A155-37F8F1EA1EAD}"/>
               </a:ext>
             </a:extLst>
           </p:cNvPr>
@@ -5142,27 +5871,24 @@
                   </a:outerShdw>
                 </a:effectLst>
               </a:rPr>
-              <a:t>Estrutura do Programa – UI do algoritmo</a:t>
-            </a:r>
-            <a:endParaRPr lang="pt-PT" dirty="0"/>
+              <a:t>Estrutura do Programa - Resolução</a:t>
+            </a:r>
           </a:p>
         </p:txBody>
       </p:sp>
       <p:pic>
         <p:nvPicPr>
-          <p:cNvPr id="9" name="Marcador de Posição de Conteúdo 8">
-            <a:extLst>
-              <a:ext uri="{FF2B5EF4-FFF2-40B4-BE49-F238E27FC236}">
-                <a16:creationId xmlns:a16="http://schemas.microsoft.com/office/drawing/2014/main" id="{3433B91B-E5A6-4CA5-9E66-B9350928FAFA}"/>
+          <p:cNvPr id="5" name="Imagem 4">
+            <a:extLst>
+              <a:ext uri="{FF2B5EF4-FFF2-40B4-BE49-F238E27FC236}">
+                <a16:creationId xmlns:a16="http://schemas.microsoft.com/office/drawing/2014/main" id="{A185BF8A-A6CB-486A-A000-A483D904B7E9}"/>
               </a:ext>
             </a:extLst>
           </p:cNvPr>
           <p:cNvPicPr>
-            <a:picLocks noGrp="1" noChangeAspect="1"/>
+            <a:picLocks noChangeAspect="1"/>
           </p:cNvPicPr>
-          <p:nvPr>
-            <p:ph idx="1"/>
-          </p:nvPr>
+          <p:nvPr/>
         </p:nvPicPr>
         <p:blipFill>
           <a:blip r:embed="rId2">
@@ -5178,17 +5904,20 @@
         </p:blipFill>
         <p:spPr>
           <a:xfrm>
-            <a:off x="356892" y="1796078"/>
-            <a:ext cx="5510762" cy="4009723"/>
+            <a:off x="80207" y="2123230"/>
+            <a:ext cx="5950943" cy="3900179"/>
           </a:xfrm>
+          <a:prstGeom prst="rect">
+            <a:avLst/>
+          </a:prstGeom>
         </p:spPr>
       </p:pic>
       <p:pic>
         <p:nvPicPr>
-          <p:cNvPr id="11" name="Imagem 10">
-            <a:extLst>
-              <a:ext uri="{FF2B5EF4-FFF2-40B4-BE49-F238E27FC236}">
-                <a16:creationId xmlns:a16="http://schemas.microsoft.com/office/drawing/2014/main" id="{B1ACE442-9389-4792-B0D3-E100937C6BE3}"/>
+          <p:cNvPr id="7" name="Imagem 6">
+            <a:extLst>
+              <a:ext uri="{FF2B5EF4-FFF2-40B4-BE49-F238E27FC236}">
+                <a16:creationId xmlns:a16="http://schemas.microsoft.com/office/drawing/2014/main" id="{EC58EF56-E22C-4F73-A789-6781594438AE}"/>
               </a:ext>
             </a:extLst>
           </p:cNvPr>
@@ -5211,8 +5940,8 @@
         </p:blipFill>
         <p:spPr>
           <a:xfrm>
-            <a:off x="5867654" y="1796078"/>
-            <a:ext cx="6131147" cy="4009723"/>
+            <a:off x="6031150" y="2123229"/>
+            <a:ext cx="5913656" cy="3900179"/>
           </a:xfrm>
           <a:prstGeom prst="rect">
             <a:avLst/>
@@ -5221,10 +5950,10 @@
       </p:pic>
       <p:sp>
         <p:nvSpPr>
-          <p:cNvPr id="12" name="CaixaDeTexto 11">
-            <a:extLst>
-              <a:ext uri="{FF2B5EF4-FFF2-40B4-BE49-F238E27FC236}">
-                <a16:creationId xmlns:a16="http://schemas.microsoft.com/office/drawing/2014/main" id="{034627D0-C06B-4392-8759-8AFC3AD50223}"/>
+          <p:cNvPr id="8" name="CaixaDeTexto 7">
+            <a:extLst>
+              <a:ext uri="{FF2B5EF4-FFF2-40B4-BE49-F238E27FC236}">
+                <a16:creationId xmlns:a16="http://schemas.microsoft.com/office/drawing/2014/main" id="{ECFA6828-F84F-4C0B-BB9E-66B3C9A54FDC}"/>
               </a:ext>
             </a:extLst>
           </p:cNvPr>
@@ -5233,8 +5962,8 @@
         </p:nvSpPr>
         <p:spPr>
           <a:xfrm>
-            <a:off x="356892" y="5726097"/>
-            <a:ext cx="2246577" cy="338554"/>
+            <a:off x="80207" y="5930285"/>
+            <a:ext cx="1271117" cy="338554"/>
           </a:xfrm>
           <a:prstGeom prst="rect">
             <a:avLst/>
@@ -5248,18 +5977,22 @@
           <a:lstStyle/>
           <a:p>
             <a:r>
+              <a:rPr lang="pt-PT" sz="1600" i="1" dirty="0"/>
+              <a:t>Solve</a:t>
+            </a:r>
+            <a:r>
               <a:rPr lang="pt-PT" sz="1600" dirty="0"/>
-              <a:t>UI do algoritmo genético</a:t>
-            </a:r>
-          </a:p>
-        </p:txBody>
-      </p:sp>
-      <p:sp>
-        <p:nvSpPr>
-          <p:cNvPr id="13" name="CaixaDeTexto 12">
-            <a:extLst>
-              <a:ext uri="{FF2B5EF4-FFF2-40B4-BE49-F238E27FC236}">
-                <a16:creationId xmlns:a16="http://schemas.microsoft.com/office/drawing/2014/main" id="{185E484E-48E0-4D7A-8053-B9CBAC1FB0C0}"/>
+              <a:t> normal</a:t>
+            </a:r>
+          </a:p>
+        </p:txBody>
+      </p:sp>
+      <p:sp>
+        <p:nvSpPr>
+          <p:cNvPr id="9" name="CaixaDeTexto 8">
+            <a:extLst>
+              <a:ext uri="{FF2B5EF4-FFF2-40B4-BE49-F238E27FC236}">
+                <a16:creationId xmlns:a16="http://schemas.microsoft.com/office/drawing/2014/main" id="{3CCCB944-4062-4FB8-9B75-0E4F1C416EB2}"/>
               </a:ext>
             </a:extLst>
           </p:cNvPr>
@@ -5268,8 +6001,8 @@
         </p:nvSpPr>
         <p:spPr>
           <a:xfrm>
-            <a:off x="5867654" y="5726097"/>
-            <a:ext cx="2156552" cy="338554"/>
+            <a:off x="6031150" y="5930285"/>
+            <a:ext cx="2363917" cy="338554"/>
           </a:xfrm>
           <a:prstGeom prst="rect">
             <a:avLst/>
@@ -5283,21 +6016,58 @@
           <a:lstStyle/>
           <a:p>
             <a:r>
+              <a:rPr lang="pt-PT" sz="1600" i="1" dirty="0" err="1"/>
+              <a:t>Batch</a:t>
+            </a:r>
+            <a:r>
+              <a:rPr lang="pt-PT" sz="1600" i="1" dirty="0"/>
+              <a:t> solve </a:t>
+            </a:r>
+            <a:r>
               <a:rPr lang="pt-PT" sz="1600" dirty="0"/>
-              <a:t>UI do algoritmo </a:t>
+              <a:t>com 7 </a:t>
             </a:r>
             <a:r>
               <a:rPr lang="pt-PT" sz="1600" i="1" dirty="0" err="1"/>
-              <a:t>Custom</a:t>
+              <a:t>threads</a:t>
             </a:r>
             <a:endParaRPr lang="pt-PT" sz="1600" i="1" dirty="0"/>
+          </a:p>
+        </p:txBody>
+      </p:sp>
+      <p:sp>
+        <p:nvSpPr>
+          <p:cNvPr id="3" name="Marcador de Posição do Número do Diapositivo 2">
+            <a:extLst>
+              <a:ext uri="{FF2B5EF4-FFF2-40B4-BE49-F238E27FC236}">
+                <a16:creationId xmlns:a16="http://schemas.microsoft.com/office/drawing/2014/main" id="{B88F0580-E5E9-40EA-BFE6-6139302D6A95}"/>
+              </a:ext>
+            </a:extLst>
+          </p:cNvPr>
+          <p:cNvSpPr>
+            <a:spLocks noGrp="1"/>
+          </p:cNvSpPr>
+          <p:nvPr>
+            <p:ph type="sldNum" sz="quarter" idx="12"/>
+          </p:nvPr>
+        </p:nvSpPr>
+        <p:spPr/>
+        <p:txBody>
+          <a:bodyPr/>
+          <a:lstStyle/>
+          <a:p>
+            <a:fld id="{5AD5E5FD-F30B-4922-B20C-055EB5011373}" type="slidenum">
+              <a:rPr lang="pt-PT" smtClean="0"/>
+              <a:t>17</a:t>
+            </a:fld>
+            <a:endParaRPr lang="pt-PT"/>
           </a:p>
         </p:txBody>
       </p:sp>
     </p:spTree>
     <p:extLst>
       <p:ext uri="{BB962C8B-B14F-4D97-AF65-F5344CB8AC3E}">
-        <p14:creationId xmlns:p14="http://schemas.microsoft.com/office/powerpoint/2010/main" val="2528071103"/>
+        <p14:creationId xmlns:p14="http://schemas.microsoft.com/office/powerpoint/2010/main" val="1362336868"/>
       </p:ext>
     </p:extLst>
   </p:cSld>
@@ -5329,7 +6099,7 @@
           <p:cNvPr id="2" name="Título 1">
             <a:extLst>
               <a:ext uri="{FF2B5EF4-FFF2-40B4-BE49-F238E27FC236}">
-                <a16:creationId xmlns:a16="http://schemas.microsoft.com/office/drawing/2014/main" id="{DC4BA44B-1576-44C4-8F85-BE3483F99F10}"/>
+                <a16:creationId xmlns:a16="http://schemas.microsoft.com/office/drawing/2014/main" id="{0A742466-E1E9-44B7-826A-05420504FC8C}"/>
               </a:ext>
             </a:extLst>
           </p:cNvPr>
@@ -5361,24 +6131,26 @@
                   </a:outerShdw>
                 </a:effectLst>
               </a:rPr>
-              <a:t>Estrutura do Programa – Escolha do problema</a:t>
+              <a:t>Estrutura do Programa - Testes</a:t>
             </a:r>
           </a:p>
         </p:txBody>
       </p:sp>
       <p:pic>
         <p:nvPicPr>
-          <p:cNvPr id="5" name="Imagem 4">
-            <a:extLst>
-              <a:ext uri="{FF2B5EF4-FFF2-40B4-BE49-F238E27FC236}">
-                <a16:creationId xmlns:a16="http://schemas.microsoft.com/office/drawing/2014/main" id="{2DE18B71-034C-4C09-963F-2BFB7E7E9F75}"/>
+          <p:cNvPr id="5" name="Marcador de Posição de Conteúdo 4">
+            <a:extLst>
+              <a:ext uri="{FF2B5EF4-FFF2-40B4-BE49-F238E27FC236}">
+                <a16:creationId xmlns:a16="http://schemas.microsoft.com/office/drawing/2014/main" id="{A5B2B1E8-45D9-4C94-B476-ACB224879E5B}"/>
               </a:ext>
             </a:extLst>
           </p:cNvPr>
           <p:cNvPicPr>
-            <a:picLocks noChangeAspect="1"/>
+            <a:picLocks noGrp="1" noChangeAspect="1"/>
           </p:cNvPicPr>
-          <p:nvPr/>
+          <p:nvPr>
+            <p:ph idx="1"/>
+          </p:nvPr>
         </p:nvPicPr>
         <p:blipFill>
           <a:blip r:embed="rId2">
@@ -5394,64 +6166,52 @@
         </p:blipFill>
         <p:spPr>
           <a:xfrm>
-            <a:off x="219849" y="1894632"/>
-            <a:ext cx="5780779" cy="3625815"/>
+            <a:off x="2553321" y="1498060"/>
+            <a:ext cx="7099211" cy="4682078"/>
           </a:xfrm>
-          <a:prstGeom prst="rect">
-            <a:avLst/>
-          </a:prstGeom>
           <a:ln>
             <a:solidFill>
-              <a:schemeClr val="accent1"/>
+              <a:schemeClr val="accent5">
+                <a:lumMod val="60000"/>
+                <a:lumOff val="40000"/>
+              </a:schemeClr>
             </a:solidFill>
           </a:ln>
         </p:spPr>
       </p:pic>
-      <p:pic>
-        <p:nvPicPr>
-          <p:cNvPr id="7" name="Imagem 6">
-            <a:extLst>
-              <a:ext uri="{FF2B5EF4-FFF2-40B4-BE49-F238E27FC236}">
-                <a16:creationId xmlns:a16="http://schemas.microsoft.com/office/drawing/2014/main" id="{0CA62D8E-F953-4AEB-8A76-A5362A5E4344}"/>
-              </a:ext>
-            </a:extLst>
-          </p:cNvPr>
-          <p:cNvPicPr>
-            <a:picLocks noChangeAspect="1"/>
-          </p:cNvPicPr>
-          <p:nvPr/>
-        </p:nvPicPr>
-        <p:blipFill>
-          <a:blip r:embed="rId3">
-            <a:extLst>
-              <a:ext uri="{28A0092B-C50C-407E-A947-70E740481C1C}">
-                <a14:useLocalDpi xmlns:a14="http://schemas.microsoft.com/office/drawing/2010/main" val="0"/>
-              </a:ext>
-            </a:extLst>
-          </a:blip>
-          <a:stretch>
-            <a:fillRect/>
-          </a:stretch>
-        </p:blipFill>
-        <p:spPr>
-          <a:xfrm>
-            <a:off x="6196613" y="1892529"/>
-            <a:ext cx="5751576" cy="3627918"/>
-          </a:xfrm>
-          <a:prstGeom prst="rect">
-            <a:avLst/>
-          </a:prstGeom>
-          <a:ln>
-            <a:solidFill>
-              <a:schemeClr val="accent1"/>
-            </a:solidFill>
-          </a:ln>
-        </p:spPr>
-      </p:pic>
+      <p:sp>
+        <p:nvSpPr>
+          <p:cNvPr id="3" name="Marcador de Posição do Número do Diapositivo 2">
+            <a:extLst>
+              <a:ext uri="{FF2B5EF4-FFF2-40B4-BE49-F238E27FC236}">
+                <a16:creationId xmlns:a16="http://schemas.microsoft.com/office/drawing/2014/main" id="{2F6E980B-8606-437E-A0B9-DA383DE424E7}"/>
+              </a:ext>
+            </a:extLst>
+          </p:cNvPr>
+          <p:cNvSpPr>
+            <a:spLocks noGrp="1"/>
+          </p:cNvSpPr>
+          <p:nvPr>
+            <p:ph type="sldNum" sz="quarter" idx="12"/>
+          </p:nvPr>
+        </p:nvSpPr>
+        <p:spPr/>
+        <p:txBody>
+          <a:bodyPr/>
+          <a:lstStyle/>
+          <a:p>
+            <a:fld id="{5AD5E5FD-F30B-4922-B20C-055EB5011373}" type="slidenum">
+              <a:rPr lang="pt-PT" smtClean="0"/>
+              <a:t>18</a:t>
+            </a:fld>
+            <a:endParaRPr lang="pt-PT"/>
+          </a:p>
+        </p:txBody>
+      </p:sp>
     </p:spTree>
     <p:extLst>
       <p:ext uri="{BB962C8B-B14F-4D97-AF65-F5344CB8AC3E}">
-        <p14:creationId xmlns:p14="http://schemas.microsoft.com/office/powerpoint/2010/main" val="3060770890"/>
+        <p14:creationId xmlns:p14="http://schemas.microsoft.com/office/powerpoint/2010/main" val="202231511"/>
       </p:ext>
     </p:extLst>
   </p:cSld>
@@ -5483,7 +6243,7 @@
           <p:cNvPr id="2" name="Título 1">
             <a:extLst>
               <a:ext uri="{FF2B5EF4-FFF2-40B4-BE49-F238E27FC236}">
-                <a16:creationId xmlns:a16="http://schemas.microsoft.com/office/drawing/2014/main" id="{2A8134F6-2E37-477A-A155-37F8F1EA1EAD}"/>
+                <a16:creationId xmlns:a16="http://schemas.microsoft.com/office/drawing/2014/main" id="{56335BB0-B33B-4B6B-9C74-D608B30872AC}"/>
               </a:ext>
             </a:extLst>
           </p:cNvPr>
@@ -5515,24 +6275,26 @@
                   </a:outerShdw>
                 </a:effectLst>
               </a:rPr>
-              <a:t>Estrutura do Programa - Resolução</a:t>
+              <a:t>Estrutura do Programa - Resultados</a:t>
             </a:r>
           </a:p>
         </p:txBody>
       </p:sp>
       <p:pic>
         <p:nvPicPr>
-          <p:cNvPr id="5" name="Imagem 4">
-            <a:extLst>
-              <a:ext uri="{FF2B5EF4-FFF2-40B4-BE49-F238E27FC236}">
-                <a16:creationId xmlns:a16="http://schemas.microsoft.com/office/drawing/2014/main" id="{A185BF8A-A6CB-486A-A000-A483D904B7E9}"/>
+          <p:cNvPr id="5" name="Marcador de Posição de Conteúdo 4">
+            <a:extLst>
+              <a:ext uri="{FF2B5EF4-FFF2-40B4-BE49-F238E27FC236}">
+                <a16:creationId xmlns:a16="http://schemas.microsoft.com/office/drawing/2014/main" id="{538A7779-D041-4BB0-B8DD-AAA0A62ED6E1}"/>
               </a:ext>
             </a:extLst>
           </p:cNvPr>
           <p:cNvPicPr>
-            <a:picLocks noChangeAspect="1"/>
+            <a:picLocks noGrp="1" noChangeAspect="1"/>
           </p:cNvPicPr>
-          <p:nvPr/>
+          <p:nvPr>
+            <p:ph idx="1"/>
+          </p:nvPr>
         </p:nvPicPr>
         <p:blipFill>
           <a:blip r:embed="rId2">
@@ -5548,141 +6310,49 @@
         </p:blipFill>
         <p:spPr>
           <a:xfrm>
-            <a:off x="80207" y="2123230"/>
-            <a:ext cx="5950943" cy="3900179"/>
+            <a:off x="2471537" y="1325562"/>
+            <a:ext cx="7262779" cy="5344572"/>
           </a:xfrm>
-          <a:prstGeom prst="rect">
-            <a:avLst/>
-          </a:prstGeom>
+          <a:ln>
+            <a:solidFill>
+              <a:schemeClr val="accent1"/>
+            </a:solidFill>
+          </a:ln>
         </p:spPr>
       </p:pic>
-      <p:pic>
-        <p:nvPicPr>
-          <p:cNvPr id="7" name="Imagem 6">
-            <a:extLst>
-              <a:ext uri="{FF2B5EF4-FFF2-40B4-BE49-F238E27FC236}">
-                <a16:creationId xmlns:a16="http://schemas.microsoft.com/office/drawing/2014/main" id="{EC58EF56-E22C-4F73-A789-6781594438AE}"/>
-              </a:ext>
-            </a:extLst>
-          </p:cNvPr>
-          <p:cNvPicPr>
-            <a:picLocks noChangeAspect="1"/>
-          </p:cNvPicPr>
-          <p:nvPr/>
-        </p:nvPicPr>
-        <p:blipFill>
-          <a:blip r:embed="rId3">
-            <a:extLst>
-              <a:ext uri="{28A0092B-C50C-407E-A947-70E740481C1C}">
-                <a14:useLocalDpi xmlns:a14="http://schemas.microsoft.com/office/drawing/2010/main" val="0"/>
-              </a:ext>
-            </a:extLst>
-          </a:blip>
-          <a:stretch>
-            <a:fillRect/>
-          </a:stretch>
-        </p:blipFill>
-        <p:spPr>
-          <a:xfrm>
-            <a:off x="6031150" y="2123229"/>
-            <a:ext cx="5913656" cy="3900179"/>
-          </a:xfrm>
-          <a:prstGeom prst="rect">
-            <a:avLst/>
-          </a:prstGeom>
-        </p:spPr>
-      </p:pic>
-      <p:sp>
-        <p:nvSpPr>
-          <p:cNvPr id="8" name="CaixaDeTexto 7">
-            <a:extLst>
-              <a:ext uri="{FF2B5EF4-FFF2-40B4-BE49-F238E27FC236}">
-                <a16:creationId xmlns:a16="http://schemas.microsoft.com/office/drawing/2014/main" id="{ECFA6828-F84F-4C0B-BB9E-66B3C9A54FDC}"/>
-              </a:ext>
-            </a:extLst>
-          </p:cNvPr>
-          <p:cNvSpPr txBox="1"/>
-          <p:nvPr/>
-        </p:nvSpPr>
-        <p:spPr>
-          <a:xfrm>
-            <a:off x="80207" y="5930285"/>
-            <a:ext cx="1271117" cy="338554"/>
-          </a:xfrm>
-          <a:prstGeom prst="rect">
-            <a:avLst/>
-          </a:prstGeom>
-          <a:noFill/>
-        </p:spPr>
-        <p:txBody>
-          <a:bodyPr wrap="none" rtlCol="0">
-            <a:spAutoFit/>
-          </a:bodyPr>
-          <a:lstStyle/>
-          <a:p>
-            <a:r>
-              <a:rPr lang="pt-PT" sz="1600" i="1" dirty="0"/>
-              <a:t>Solve</a:t>
-            </a:r>
-            <a:r>
-              <a:rPr lang="pt-PT" sz="1600" dirty="0"/>
-              <a:t> normal</a:t>
-            </a:r>
-          </a:p>
-        </p:txBody>
-      </p:sp>
-      <p:sp>
-        <p:nvSpPr>
-          <p:cNvPr id="9" name="CaixaDeTexto 8">
-            <a:extLst>
-              <a:ext uri="{FF2B5EF4-FFF2-40B4-BE49-F238E27FC236}">
-                <a16:creationId xmlns:a16="http://schemas.microsoft.com/office/drawing/2014/main" id="{3CCCB944-4062-4FB8-9B75-0E4F1C416EB2}"/>
-              </a:ext>
-            </a:extLst>
-          </p:cNvPr>
-          <p:cNvSpPr txBox="1"/>
-          <p:nvPr/>
-        </p:nvSpPr>
-        <p:spPr>
-          <a:xfrm>
-            <a:off x="6031150" y="5930285"/>
-            <a:ext cx="2363917" cy="338554"/>
-          </a:xfrm>
-          <a:prstGeom prst="rect">
-            <a:avLst/>
-          </a:prstGeom>
-          <a:noFill/>
-        </p:spPr>
-        <p:txBody>
-          <a:bodyPr wrap="none" rtlCol="0">
-            <a:spAutoFit/>
-          </a:bodyPr>
-          <a:lstStyle/>
-          <a:p>
-            <a:r>
-              <a:rPr lang="pt-PT" sz="1600" i="1" dirty="0" err="1"/>
-              <a:t>Batch</a:t>
-            </a:r>
-            <a:r>
-              <a:rPr lang="pt-PT" sz="1600" i="1" dirty="0"/>
-              <a:t> solve </a:t>
-            </a:r>
-            <a:r>
-              <a:rPr lang="pt-PT" sz="1600" dirty="0"/>
-              <a:t>com 7 </a:t>
-            </a:r>
-            <a:r>
-              <a:rPr lang="pt-PT" sz="1600" i="1" dirty="0" err="1"/>
-              <a:t>threads</a:t>
-            </a:r>
-            <a:endParaRPr lang="pt-PT" sz="1600" i="1" dirty="0"/>
+      <p:sp>
+        <p:nvSpPr>
+          <p:cNvPr id="3" name="Marcador de Posição do Número do Diapositivo 2">
+            <a:extLst>
+              <a:ext uri="{FF2B5EF4-FFF2-40B4-BE49-F238E27FC236}">
+                <a16:creationId xmlns:a16="http://schemas.microsoft.com/office/drawing/2014/main" id="{D01897C3-6F86-4C7D-9EF8-0C7CA221BAE5}"/>
+              </a:ext>
+            </a:extLst>
+          </p:cNvPr>
+          <p:cNvSpPr>
+            <a:spLocks noGrp="1"/>
+          </p:cNvSpPr>
+          <p:nvPr>
+            <p:ph type="sldNum" sz="quarter" idx="12"/>
+          </p:nvPr>
+        </p:nvSpPr>
+        <p:spPr/>
+        <p:txBody>
+          <a:bodyPr/>
+          <a:lstStyle/>
+          <a:p>
+            <a:fld id="{5AD5E5FD-F30B-4922-B20C-055EB5011373}" type="slidenum">
+              <a:rPr lang="pt-PT" smtClean="0"/>
+              <a:t>19</a:t>
+            </a:fld>
+            <a:endParaRPr lang="pt-PT"/>
           </a:p>
         </p:txBody>
       </p:sp>
     </p:spTree>
     <p:extLst>
       <p:ext uri="{BB962C8B-B14F-4D97-AF65-F5344CB8AC3E}">
-        <p14:creationId xmlns:p14="http://schemas.microsoft.com/office/powerpoint/2010/main" val="1362336868"/>
+        <p14:creationId xmlns:p14="http://schemas.microsoft.com/office/powerpoint/2010/main" val="197739886"/>
       </p:ext>
     </p:extLst>
   </p:cSld>
@@ -5769,39 +6439,13 @@
         </p:spPr>
         <p:txBody>
           <a:bodyPr>
-            <a:normAutofit fontScale="70000" lnSpcReduction="20000"/>
+            <a:normAutofit fontScale="92500" lnSpcReduction="20000"/>
           </a:bodyPr>
           <a:lstStyle/>
           <a:p>
             <a:r>
               <a:rPr lang="pt-PT" dirty="0"/>
-              <a:t>Básicos</a:t>
-            </a:r>
-          </a:p>
-          <a:p>
-            <a:r>
-              <a:rPr lang="pt-PT" dirty="0"/>
-              <a:t>O Problema </a:t>
-            </a:r>
-          </a:p>
-          <a:p>
-            <a:r>
-              <a:rPr lang="pt-PT" dirty="0"/>
-              <a:t>Problemas </a:t>
-            </a:r>
-            <a:r>
-              <a:rPr lang="pt-PT" i="1" dirty="0" err="1"/>
-              <a:t>Np</a:t>
-            </a:r>
-            <a:r>
-              <a:rPr lang="pt-PT" i="1" dirty="0"/>
-              <a:t>-Complete</a:t>
-            </a:r>
-          </a:p>
-          <a:p>
-            <a:r>
-              <a:rPr lang="pt-PT" dirty="0"/>
-              <a:t>Como resolvemos o problema</a:t>
+              <a:t>Descrição do problema </a:t>
             </a:r>
           </a:p>
           <a:p>
@@ -5869,6 +6513,35 @@
               <a:rPr lang="pt-PT" dirty="0"/>
               <a:t>Conclusão</a:t>
             </a:r>
+          </a:p>
+        </p:txBody>
+      </p:sp>
+      <p:sp>
+        <p:nvSpPr>
+          <p:cNvPr id="4" name="Marcador de Posição do Número do Diapositivo 3">
+            <a:extLst>
+              <a:ext uri="{FF2B5EF4-FFF2-40B4-BE49-F238E27FC236}">
+                <a16:creationId xmlns:a16="http://schemas.microsoft.com/office/drawing/2014/main" id="{D81801EB-8221-43D7-B3BD-D4510AA79E75}"/>
+              </a:ext>
+            </a:extLst>
+          </p:cNvPr>
+          <p:cNvSpPr>
+            <a:spLocks noGrp="1"/>
+          </p:cNvSpPr>
+          <p:nvPr>
+            <p:ph type="sldNum" sz="quarter" idx="12"/>
+          </p:nvPr>
+        </p:nvSpPr>
+        <p:spPr/>
+        <p:txBody>
+          <a:bodyPr/>
+          <a:lstStyle/>
+          <a:p>
+            <a:fld id="{5AD5E5FD-F30B-4922-B20C-055EB5011373}" type="slidenum">
+              <a:rPr lang="pt-PT" smtClean="0"/>
+              <a:t>2</a:t>
+            </a:fld>
+            <a:endParaRPr lang="pt-PT"/>
           </a:p>
         </p:txBody>
       </p:sp>
@@ -5907,7 +6580,7 @@
           <p:cNvPr id="2" name="Título 1">
             <a:extLst>
               <a:ext uri="{FF2B5EF4-FFF2-40B4-BE49-F238E27FC236}">
-                <a16:creationId xmlns:a16="http://schemas.microsoft.com/office/drawing/2014/main" id="{0A742466-E1E9-44B7-826A-05420504FC8C}"/>
+                <a16:creationId xmlns:a16="http://schemas.microsoft.com/office/drawing/2014/main" id="{FD523A5F-B9B8-49B4-9EC9-CCC79BAB94C3}"/>
               </a:ext>
             </a:extLst>
           </p:cNvPr>
@@ -5918,17 +6591,11 @@
             <p:ph type="title"/>
           </p:nvPr>
         </p:nvSpPr>
-        <p:spPr>
-          <a:xfrm>
-            <a:off x="845127" y="0"/>
-            <a:ext cx="10515600" cy="1325562"/>
-          </a:xfrm>
-        </p:spPr>
-        <p:txBody>
-          <a:bodyPr/>
-          <a:lstStyle/>
-          <a:p>
-            <a:pPr algn="ctr"/>
+        <p:spPr/>
+        <p:txBody>
+          <a:bodyPr/>
+          <a:lstStyle/>
+          <a:p>
             <a:r>
               <a:rPr lang="pt-PT" dirty="0">
                 <a:effectLst>
@@ -5939,58 +6606,129 @@
                   </a:outerShdw>
                 </a:effectLst>
               </a:rPr>
-              <a:t>Estrutura do Programa - Testes</a:t>
+              <a:t>Algoritmos Implementados - </a:t>
+            </a:r>
+            <a:r>
+              <a:rPr lang="pt-PT" i="1" dirty="0" err="1">
+                <a:effectLst>
+                  <a:outerShdw blurRad="38100" dist="38100" dir="2700000" algn="tl">
+                    <a:srgbClr val="000000">
+                      <a:alpha val="43137"/>
+                    </a:srgbClr>
+                  </a:outerShdw>
+                </a:effectLst>
+              </a:rPr>
+              <a:t>Custom</a:t>
+            </a:r>
+            <a:endParaRPr lang="pt-PT" i="1" dirty="0">
+              <a:effectLst>
+                <a:outerShdw blurRad="38100" dist="38100" dir="2700000" algn="tl">
+                  <a:srgbClr val="000000">
+                    <a:alpha val="43137"/>
+                  </a:srgbClr>
+                </a:outerShdw>
+              </a:effectLst>
+            </a:endParaRPr>
+          </a:p>
+        </p:txBody>
+      </p:sp>
+      <p:sp>
+        <p:nvSpPr>
+          <p:cNvPr id="3" name="Marcador de Posição de Conteúdo 2">
+            <a:extLst>
+              <a:ext uri="{FF2B5EF4-FFF2-40B4-BE49-F238E27FC236}">
+                <a16:creationId xmlns:a16="http://schemas.microsoft.com/office/drawing/2014/main" id="{DB6A9AC0-929C-4124-9AC2-5561428A2882}"/>
+              </a:ext>
+            </a:extLst>
+          </p:cNvPr>
+          <p:cNvSpPr>
+            <a:spLocks noGrp="1"/>
+          </p:cNvSpPr>
+          <p:nvPr>
+            <p:ph idx="1"/>
+          </p:nvPr>
+        </p:nvSpPr>
+        <p:spPr/>
+        <p:txBody>
+          <a:bodyPr/>
+          <a:lstStyle/>
+          <a:p>
+            <a:r>
+              <a:rPr lang="pt-PT" dirty="0"/>
+              <a:t>Algoritmo evolutivo</a:t>
+            </a:r>
+          </a:p>
+          <a:p>
+            <a:r>
+              <a:rPr lang="pt-PT" dirty="0"/>
+              <a:t>Criado especificamente para este projeto</a:t>
             </a:r>
           </a:p>
         </p:txBody>
       </p:sp>
       <p:pic>
         <p:nvPicPr>
-          <p:cNvPr id="5" name="Marcador de Posição de Conteúdo 4">
-            <a:extLst>
-              <a:ext uri="{FF2B5EF4-FFF2-40B4-BE49-F238E27FC236}">
-                <a16:creationId xmlns:a16="http://schemas.microsoft.com/office/drawing/2014/main" id="{A5B2B1E8-45D9-4C94-B476-ACB224879E5B}"/>
+          <p:cNvPr id="4" name="Imagem 3">
+            <a:extLst>
+              <a:ext uri="{FF2B5EF4-FFF2-40B4-BE49-F238E27FC236}">
+                <a16:creationId xmlns:a16="http://schemas.microsoft.com/office/drawing/2014/main" id="{52A248DB-A0C5-40B2-B751-E533B8704165}"/>
               </a:ext>
             </a:extLst>
           </p:cNvPr>
           <p:cNvPicPr>
-            <a:picLocks noGrp="1" noChangeAspect="1"/>
+            <a:picLocks noChangeAspect="1"/>
           </p:cNvPicPr>
-          <p:nvPr>
-            <p:ph idx="1"/>
-          </p:nvPr>
+          <p:nvPr/>
         </p:nvPicPr>
         <p:blipFill>
-          <a:blip r:embed="rId2">
-            <a:extLst>
-              <a:ext uri="{28A0092B-C50C-407E-A947-70E740481C1C}">
-                <a14:useLocalDpi xmlns:a14="http://schemas.microsoft.com/office/drawing/2010/main" val="0"/>
-              </a:ext>
-            </a:extLst>
-          </a:blip>
+          <a:blip r:embed="rId2"/>
           <a:stretch>
             <a:fillRect/>
           </a:stretch>
         </p:blipFill>
         <p:spPr>
           <a:xfrm>
-            <a:off x="2553321" y="1498060"/>
-            <a:ext cx="7099211" cy="4682078"/>
+            <a:off x="3180719" y="3374592"/>
+            <a:ext cx="5844416" cy="2195945"/>
           </a:xfrm>
-          <a:ln>
-            <a:solidFill>
-              <a:schemeClr val="accent5">
-                <a:lumMod val="60000"/>
-                <a:lumOff val="40000"/>
-              </a:schemeClr>
-            </a:solidFill>
-          </a:ln>
+          <a:prstGeom prst="rect">
+            <a:avLst/>
+          </a:prstGeom>
         </p:spPr>
       </p:pic>
+      <p:sp>
+        <p:nvSpPr>
+          <p:cNvPr id="5" name="Marcador de Posição do Número do Diapositivo 4">
+            <a:extLst>
+              <a:ext uri="{FF2B5EF4-FFF2-40B4-BE49-F238E27FC236}">
+                <a16:creationId xmlns:a16="http://schemas.microsoft.com/office/drawing/2014/main" id="{523FFFB9-0FE4-417C-810E-E283DE86FA3D}"/>
+              </a:ext>
+            </a:extLst>
+          </p:cNvPr>
+          <p:cNvSpPr>
+            <a:spLocks noGrp="1"/>
+          </p:cNvSpPr>
+          <p:nvPr>
+            <p:ph type="sldNum" sz="quarter" idx="12"/>
+          </p:nvPr>
+        </p:nvSpPr>
+        <p:spPr/>
+        <p:txBody>
+          <a:bodyPr/>
+          <a:lstStyle/>
+          <a:p>
+            <a:fld id="{5AD5E5FD-F30B-4922-B20C-055EB5011373}" type="slidenum">
+              <a:rPr lang="pt-PT" smtClean="0"/>
+              <a:t>20</a:t>
+            </a:fld>
+            <a:endParaRPr lang="pt-PT"/>
+          </a:p>
+        </p:txBody>
+      </p:sp>
     </p:spTree>
     <p:extLst>
       <p:ext uri="{BB962C8B-B14F-4D97-AF65-F5344CB8AC3E}">
-        <p14:creationId xmlns:p14="http://schemas.microsoft.com/office/powerpoint/2010/main" val="202231511"/>
+        <p14:creationId xmlns:p14="http://schemas.microsoft.com/office/powerpoint/2010/main" val="2715175615"/>
       </p:ext>
     </p:extLst>
   </p:cSld>
@@ -6022,7 +6760,7 @@
           <p:cNvPr id="2" name="Título 1">
             <a:extLst>
               <a:ext uri="{FF2B5EF4-FFF2-40B4-BE49-F238E27FC236}">
-                <a16:creationId xmlns:a16="http://schemas.microsoft.com/office/drawing/2014/main" id="{56335BB0-B33B-4B6B-9C74-D608B30872AC}"/>
+                <a16:creationId xmlns:a16="http://schemas.microsoft.com/office/drawing/2014/main" id="{CF1194E3-0B74-4776-A5AE-DD6907BF6649}"/>
               </a:ext>
             </a:extLst>
           </p:cNvPr>
@@ -6033,17 +6771,11 @@
             <p:ph type="title"/>
           </p:nvPr>
         </p:nvSpPr>
-        <p:spPr>
-          <a:xfrm>
-            <a:off x="845127" y="0"/>
-            <a:ext cx="10515600" cy="1325562"/>
-          </a:xfrm>
-        </p:spPr>
-        <p:txBody>
-          <a:bodyPr/>
-          <a:lstStyle/>
-          <a:p>
-            <a:pPr algn="ctr"/>
+        <p:spPr/>
+        <p:txBody>
+          <a:bodyPr/>
+          <a:lstStyle/>
+          <a:p>
             <a:r>
               <a:rPr lang="pt-PT" dirty="0">
                 <a:effectLst>
@@ -6054,55 +6786,124 @@
                   </a:outerShdw>
                 </a:effectLst>
               </a:rPr>
-              <a:t>Estrutura do Programa - Resultados</a:t>
-            </a:r>
+              <a:t>Algoritmos Implementados – </a:t>
+            </a:r>
+            <a:r>
+              <a:rPr lang="pt-PT" i="1" dirty="0">
+                <a:effectLst>
+                  <a:outerShdw blurRad="38100" dist="38100" dir="2700000" algn="tl">
+                    <a:srgbClr val="000000">
+                      <a:alpha val="43137"/>
+                    </a:srgbClr>
+                  </a:outerShdw>
+                </a:effectLst>
+              </a:rPr>
+              <a:t>AG</a:t>
+            </a:r>
+            <a:endParaRPr lang="pt-PT" i="1" dirty="0"/>
+          </a:p>
+        </p:txBody>
+      </p:sp>
+      <p:sp>
+        <p:nvSpPr>
+          <p:cNvPr id="3" name="Marcador de Posição de Conteúdo 2">
+            <a:extLst>
+              <a:ext uri="{FF2B5EF4-FFF2-40B4-BE49-F238E27FC236}">
+                <a16:creationId xmlns:a16="http://schemas.microsoft.com/office/drawing/2014/main" id="{A426034A-4DF2-4904-9A41-432367FF98B4}"/>
+              </a:ext>
+            </a:extLst>
+          </p:cNvPr>
+          <p:cNvSpPr>
+            <a:spLocks noGrp="1"/>
+          </p:cNvSpPr>
+          <p:nvPr>
+            <p:ph idx="1"/>
+          </p:nvPr>
+        </p:nvSpPr>
+        <p:spPr/>
+        <p:txBody>
+          <a:bodyPr/>
+          <a:lstStyle/>
+          <a:p>
+            <a:r>
+              <a:rPr lang="pt-PT" dirty="0"/>
+              <a:t>Algoritmo evolutivo</a:t>
+            </a:r>
+          </a:p>
+          <a:p>
+            <a:r>
+              <a:rPr lang="pt-PT" dirty="0"/>
+              <a:t>Baseado na teoria da evolução biológica</a:t>
+            </a:r>
+          </a:p>
+          <a:p>
+            <a:endParaRPr lang="pt-PT" dirty="0"/>
           </a:p>
         </p:txBody>
       </p:sp>
       <p:pic>
         <p:nvPicPr>
-          <p:cNvPr id="5" name="Marcador de Posição de Conteúdo 4">
-            <a:extLst>
-              <a:ext uri="{FF2B5EF4-FFF2-40B4-BE49-F238E27FC236}">
-                <a16:creationId xmlns:a16="http://schemas.microsoft.com/office/drawing/2014/main" id="{538A7779-D041-4BB0-B8DD-AAA0A62ED6E1}"/>
+          <p:cNvPr id="4" name="Imagem 3">
+            <a:extLst>
+              <a:ext uri="{FF2B5EF4-FFF2-40B4-BE49-F238E27FC236}">
+                <a16:creationId xmlns:a16="http://schemas.microsoft.com/office/drawing/2014/main" id="{4BEEDE14-D743-4DCD-85B5-3624B5E75902}"/>
               </a:ext>
             </a:extLst>
           </p:cNvPr>
           <p:cNvPicPr>
-            <a:picLocks noGrp="1" noChangeAspect="1"/>
+            <a:picLocks noChangeAspect="1"/>
           </p:cNvPicPr>
-          <p:nvPr>
-            <p:ph idx="1"/>
-          </p:nvPr>
+          <p:nvPr/>
         </p:nvPicPr>
         <p:blipFill>
-          <a:blip r:embed="rId2">
-            <a:extLst>
-              <a:ext uri="{28A0092B-C50C-407E-A947-70E740481C1C}">
-                <a14:useLocalDpi xmlns:a14="http://schemas.microsoft.com/office/drawing/2010/main" val="0"/>
-              </a:ext>
-            </a:extLst>
-          </a:blip>
+          <a:blip r:embed="rId2"/>
           <a:stretch>
             <a:fillRect/>
           </a:stretch>
         </p:blipFill>
         <p:spPr>
           <a:xfrm>
-            <a:off x="2471537" y="1325562"/>
-            <a:ext cx="7262779" cy="5344572"/>
+            <a:off x="3333493" y="3124040"/>
+            <a:ext cx="5538868" cy="2945765"/>
           </a:xfrm>
-          <a:ln>
-            <a:solidFill>
-              <a:schemeClr val="accent1"/>
-            </a:solidFill>
-          </a:ln>
+          <a:prstGeom prst="rect">
+            <a:avLst/>
+          </a:prstGeom>
         </p:spPr>
       </p:pic>
+      <p:sp>
+        <p:nvSpPr>
+          <p:cNvPr id="5" name="Marcador de Posição do Número do Diapositivo 4">
+            <a:extLst>
+              <a:ext uri="{FF2B5EF4-FFF2-40B4-BE49-F238E27FC236}">
+                <a16:creationId xmlns:a16="http://schemas.microsoft.com/office/drawing/2014/main" id="{C6C53208-8344-4441-BCC9-39DDD3001739}"/>
+              </a:ext>
+            </a:extLst>
+          </p:cNvPr>
+          <p:cNvSpPr>
+            <a:spLocks noGrp="1"/>
+          </p:cNvSpPr>
+          <p:nvPr>
+            <p:ph type="sldNum" sz="quarter" idx="12"/>
+          </p:nvPr>
+        </p:nvSpPr>
+        <p:spPr/>
+        <p:txBody>
+          <a:bodyPr/>
+          <a:lstStyle/>
+          <a:p>
+            <a:fld id="{5AD5E5FD-F30B-4922-B20C-055EB5011373}" type="slidenum">
+              <a:rPr lang="pt-PT" smtClean="0"/>
+              <a:t>21</a:t>
+            </a:fld>
+            <a:endParaRPr lang="pt-PT"/>
+          </a:p>
+        </p:txBody>
+      </p:sp>
     </p:spTree>
     <p:extLst>
       <p:ext uri="{BB962C8B-B14F-4D97-AF65-F5344CB8AC3E}">
-        <p14:creationId xmlns:p14="http://schemas.microsoft.com/office/powerpoint/2010/main" val="197739886"/>
+        <p14:creationId xmlns:p14="http://schemas.microsoft.com/office/powerpoint/2010/main" val="221240015"/>
       </p:ext>
     </p:extLst>
   </p:cSld>
@@ -6134,7 +6935,7 @@
           <p:cNvPr id="2" name="Título 1">
             <a:extLst>
               <a:ext uri="{FF2B5EF4-FFF2-40B4-BE49-F238E27FC236}">
-                <a16:creationId xmlns:a16="http://schemas.microsoft.com/office/drawing/2014/main" id="{FD523A5F-B9B8-49B4-9EC9-CCC79BAB94C3}"/>
+                <a16:creationId xmlns:a16="http://schemas.microsoft.com/office/drawing/2014/main" id="{78A78184-5A79-4440-A339-DCDEA0ECC37D}"/>
               </a:ext>
             </a:extLst>
           </p:cNvPr>
@@ -6160,10 +6961,10 @@
                   </a:outerShdw>
                 </a:effectLst>
               </a:rPr>
-              <a:t>Algoritmos Implementados - </a:t>
-            </a:r>
-            <a:r>
-              <a:rPr lang="pt-PT" i="1" dirty="0" err="1">
+              <a:t>Algoritmos Implementados – </a:t>
+            </a:r>
+            <a:r>
+              <a:rPr lang="pt-PT" i="1" dirty="0">
                 <a:effectLst>
                   <a:outerShdw blurRad="38100" dist="38100" dir="2700000" algn="tl">
                     <a:srgbClr val="000000">
@@ -6172,17 +6973,9 @@
                   </a:outerShdw>
                 </a:effectLst>
               </a:rPr>
-              <a:t>Custom</a:t>
-            </a:r>
-            <a:endParaRPr lang="pt-PT" i="1" dirty="0">
-              <a:effectLst>
-                <a:outerShdw blurRad="38100" dist="38100" dir="2700000" algn="tl">
-                  <a:srgbClr val="000000">
-                    <a:alpha val="43137"/>
-                  </a:srgbClr>
-                </a:outerShdw>
-              </a:effectLst>
-            </a:endParaRPr>
+              <a:t>BCO</a:t>
+            </a:r>
+            <a:endParaRPr lang="pt-PT" dirty="0"/>
           </a:p>
         </p:txBody>
       </p:sp>
@@ -6191,7 +6984,7 @@
           <p:cNvPr id="3" name="Marcador de Posição de Conteúdo 2">
             <a:extLst>
               <a:ext uri="{FF2B5EF4-FFF2-40B4-BE49-F238E27FC236}">
-                <a16:creationId xmlns:a16="http://schemas.microsoft.com/office/drawing/2014/main" id="{DB6A9AC0-929C-4124-9AC2-5561428A2882}"/>
+                <a16:creationId xmlns:a16="http://schemas.microsoft.com/office/drawing/2014/main" id="{D86FE8E9-6185-436F-8191-2E3B1862EAA8}"/>
               </a:ext>
             </a:extLst>
           </p:cNvPr>
@@ -6209,13 +7002,26 @@
           <a:p>
             <a:r>
               <a:rPr lang="pt-PT" dirty="0"/>
-              <a:t>Algoritmo evolutivo</a:t>
-            </a:r>
+              <a:t>Algoritmo de </a:t>
+            </a:r>
+            <a:r>
+              <a:rPr lang="pt-PT" i="1" dirty="0" err="1"/>
+              <a:t>Swarm</a:t>
+            </a:r>
+            <a:r>
+              <a:rPr lang="pt-PT" i="1" dirty="0"/>
+              <a:t> </a:t>
+            </a:r>
+            <a:r>
+              <a:rPr lang="pt-PT" i="1" dirty="0" err="1"/>
+              <a:t>Intelligence</a:t>
+            </a:r>
+            <a:endParaRPr lang="pt-PT" i="1" dirty="0"/>
           </a:p>
           <a:p>
             <a:r>
               <a:rPr lang="pt-PT" dirty="0"/>
-              <a:t>Criado especificamente para este projeto</a:t>
+              <a:t>Baseado no comportamento das abelhas produtoras de mel</a:t>
             </a:r>
           </a:p>
         </p:txBody>
@@ -6225,7 +7031,7 @@
           <p:cNvPr id="4" name="Imagem 3">
             <a:extLst>
               <a:ext uri="{FF2B5EF4-FFF2-40B4-BE49-F238E27FC236}">
-                <a16:creationId xmlns:a16="http://schemas.microsoft.com/office/drawing/2014/main" id="{52A248DB-A0C5-40B2-B751-E533B8704165}"/>
+                <a16:creationId xmlns:a16="http://schemas.microsoft.com/office/drawing/2014/main" id="{828C83DC-0E45-4EB3-817A-510EB20E1CBA}"/>
               </a:ext>
             </a:extLst>
           </p:cNvPr>
@@ -6242,18 +7048,47 @@
         </p:blipFill>
         <p:spPr>
           <a:xfrm>
-            <a:off x="3180719" y="3374592"/>
-            <a:ext cx="5844416" cy="2195945"/>
+            <a:off x="3349324" y="3482502"/>
+            <a:ext cx="5507205" cy="2697635"/>
           </a:xfrm>
           <a:prstGeom prst="rect">
             <a:avLst/>
           </a:prstGeom>
         </p:spPr>
       </p:pic>
+      <p:sp>
+        <p:nvSpPr>
+          <p:cNvPr id="5" name="Marcador de Posição do Número do Diapositivo 4">
+            <a:extLst>
+              <a:ext uri="{FF2B5EF4-FFF2-40B4-BE49-F238E27FC236}">
+                <a16:creationId xmlns:a16="http://schemas.microsoft.com/office/drawing/2014/main" id="{432C572A-14CB-4789-9228-FB5453AD96A7}"/>
+              </a:ext>
+            </a:extLst>
+          </p:cNvPr>
+          <p:cNvSpPr>
+            <a:spLocks noGrp="1"/>
+          </p:cNvSpPr>
+          <p:nvPr>
+            <p:ph type="sldNum" sz="quarter" idx="12"/>
+          </p:nvPr>
+        </p:nvSpPr>
+        <p:spPr/>
+        <p:txBody>
+          <a:bodyPr/>
+          <a:lstStyle/>
+          <a:p>
+            <a:fld id="{5AD5E5FD-F30B-4922-B20C-055EB5011373}" type="slidenum">
+              <a:rPr lang="pt-PT" smtClean="0"/>
+              <a:t>22</a:t>
+            </a:fld>
+            <a:endParaRPr lang="pt-PT"/>
+          </a:p>
+        </p:txBody>
+      </p:sp>
     </p:spTree>
     <p:extLst>
       <p:ext uri="{BB962C8B-B14F-4D97-AF65-F5344CB8AC3E}">
-        <p14:creationId xmlns:p14="http://schemas.microsoft.com/office/powerpoint/2010/main" val="2715175615"/>
+        <p14:creationId xmlns:p14="http://schemas.microsoft.com/office/powerpoint/2010/main" val="4110684481"/>
       </p:ext>
     </p:extLst>
   </p:cSld>
@@ -6285,7 +7120,7 @@
           <p:cNvPr id="2" name="Título 1">
             <a:extLst>
               <a:ext uri="{FF2B5EF4-FFF2-40B4-BE49-F238E27FC236}">
-                <a16:creationId xmlns:a16="http://schemas.microsoft.com/office/drawing/2014/main" id="{CF1194E3-0B74-4776-A5AE-DD6907BF6649}"/>
+                <a16:creationId xmlns:a16="http://schemas.microsoft.com/office/drawing/2014/main" id="{35C5EEAA-1178-41EA-A5C3-7DC2EACDE15B}"/>
               </a:ext>
             </a:extLst>
           </p:cNvPr>
@@ -6314,7 +7149,7 @@
               <a:t>Algoritmos Implementados - </a:t>
             </a:r>
             <a:r>
-              <a:rPr lang="pt-PT" i="1" dirty="0" err="1">
+              <a:rPr lang="pt-PT" i="1" dirty="0">
                 <a:effectLst>
                   <a:outerShdw blurRad="38100" dist="38100" dir="2700000" algn="tl">
                     <a:srgbClr val="000000">
@@ -6323,46 +7158,56 @@
                   </a:outerShdw>
                 </a:effectLst>
               </a:rPr>
-              <a:t>Genetic</a:t>
+              <a:t>ACO</a:t>
+            </a:r>
+            <a:endParaRPr lang="pt-PT" dirty="0"/>
+          </a:p>
+        </p:txBody>
+      </p:sp>
+      <p:sp>
+        <p:nvSpPr>
+          <p:cNvPr id="3" name="Marcador de Posição de Conteúdo 2">
+            <a:extLst>
+              <a:ext uri="{FF2B5EF4-FFF2-40B4-BE49-F238E27FC236}">
+                <a16:creationId xmlns:a16="http://schemas.microsoft.com/office/drawing/2014/main" id="{F2D7F09C-C71A-4ED7-A636-0203991777B7}"/>
+              </a:ext>
+            </a:extLst>
+          </p:cNvPr>
+          <p:cNvSpPr>
+            <a:spLocks noGrp="1"/>
+          </p:cNvSpPr>
+          <p:nvPr>
+            <p:ph idx="1"/>
+          </p:nvPr>
+        </p:nvSpPr>
+        <p:spPr/>
+        <p:txBody>
+          <a:bodyPr/>
+          <a:lstStyle/>
+          <a:p>
+            <a:r>
+              <a:rPr lang="pt-PT" dirty="0"/>
+              <a:t>Algoritmo de </a:t>
+            </a:r>
+            <a:r>
+              <a:rPr lang="pt-PT" i="1" dirty="0" err="1"/>
+              <a:t>Swarm</a:t>
+            </a:r>
+            <a:r>
+              <a:rPr lang="pt-PT" i="1" dirty="0"/>
+              <a:t> </a:t>
+            </a:r>
+            <a:r>
+              <a:rPr lang="pt-PT" i="1" dirty="0" err="1"/>
+              <a:t>Intelligence</a:t>
             </a:r>
             <a:endParaRPr lang="pt-PT" i="1" dirty="0"/>
           </a:p>
-        </p:txBody>
-      </p:sp>
-      <p:sp>
-        <p:nvSpPr>
-          <p:cNvPr id="3" name="Marcador de Posição de Conteúdo 2">
-            <a:extLst>
-              <a:ext uri="{FF2B5EF4-FFF2-40B4-BE49-F238E27FC236}">
-                <a16:creationId xmlns:a16="http://schemas.microsoft.com/office/drawing/2014/main" id="{A426034A-4DF2-4904-9A41-432367FF98B4}"/>
-              </a:ext>
-            </a:extLst>
-          </p:cNvPr>
-          <p:cNvSpPr>
-            <a:spLocks noGrp="1"/>
-          </p:cNvSpPr>
-          <p:nvPr>
-            <p:ph idx="1"/>
-          </p:nvPr>
-        </p:nvSpPr>
-        <p:spPr/>
-        <p:txBody>
-          <a:bodyPr/>
-          <a:lstStyle/>
           <a:p>
             <a:r>
               <a:rPr lang="pt-PT" dirty="0"/>
-              <a:t>Algoritmo evolutivo</a:t>
-            </a:r>
-          </a:p>
-          <a:p>
-            <a:r>
-              <a:rPr lang="pt-PT" dirty="0"/>
-              <a:t>Baseado na teoria da evolução biológica</a:t>
-            </a:r>
-          </a:p>
-          <a:p>
-            <a:endParaRPr lang="pt-PT" dirty="0"/>
+              <a:t>Baseado na forma como as formigas procuram alimento</a:t>
+            </a:r>
           </a:p>
         </p:txBody>
       </p:sp>
@@ -6371,7 +7216,7 @@
           <p:cNvPr id="4" name="Imagem 3">
             <a:extLst>
               <a:ext uri="{FF2B5EF4-FFF2-40B4-BE49-F238E27FC236}">
-                <a16:creationId xmlns:a16="http://schemas.microsoft.com/office/drawing/2014/main" id="{4BEEDE14-D743-4DCD-85B5-3624B5E75902}"/>
+                <a16:creationId xmlns:a16="http://schemas.microsoft.com/office/drawing/2014/main" id="{985D9F53-04C5-4995-9621-DFB239DE7FB2}"/>
               </a:ext>
             </a:extLst>
           </p:cNvPr>
@@ -6388,18 +7233,47 @@
         </p:blipFill>
         <p:spPr>
           <a:xfrm>
-            <a:off x="3333493" y="3124040"/>
-            <a:ext cx="5538868" cy="2945765"/>
+            <a:off x="3097379" y="3105150"/>
+            <a:ext cx="6011096" cy="3469640"/>
           </a:xfrm>
           <a:prstGeom prst="rect">
             <a:avLst/>
           </a:prstGeom>
         </p:spPr>
       </p:pic>
+      <p:sp>
+        <p:nvSpPr>
+          <p:cNvPr id="5" name="Marcador de Posição do Número do Diapositivo 4">
+            <a:extLst>
+              <a:ext uri="{FF2B5EF4-FFF2-40B4-BE49-F238E27FC236}">
+                <a16:creationId xmlns:a16="http://schemas.microsoft.com/office/drawing/2014/main" id="{B3CA11FC-2366-4AF0-A879-82758FE7BC73}"/>
+              </a:ext>
+            </a:extLst>
+          </p:cNvPr>
+          <p:cNvSpPr>
+            <a:spLocks noGrp="1"/>
+          </p:cNvSpPr>
+          <p:nvPr>
+            <p:ph type="sldNum" sz="quarter" idx="12"/>
+          </p:nvPr>
+        </p:nvSpPr>
+        <p:spPr/>
+        <p:txBody>
+          <a:bodyPr/>
+          <a:lstStyle/>
+          <a:p>
+            <a:fld id="{5AD5E5FD-F30B-4922-B20C-055EB5011373}" type="slidenum">
+              <a:rPr lang="pt-PT" smtClean="0"/>
+              <a:t>23</a:t>
+            </a:fld>
+            <a:endParaRPr lang="pt-PT"/>
+          </a:p>
+        </p:txBody>
+      </p:sp>
     </p:spTree>
     <p:extLst>
       <p:ext uri="{BB962C8B-B14F-4D97-AF65-F5344CB8AC3E}">
-        <p14:creationId xmlns:p14="http://schemas.microsoft.com/office/powerpoint/2010/main" val="221240015"/>
+        <p14:creationId xmlns:p14="http://schemas.microsoft.com/office/powerpoint/2010/main" val="1526069406"/>
       </p:ext>
     </p:extLst>
   </p:cSld>
@@ -6431,7 +7305,7 @@
           <p:cNvPr id="2" name="Título 1">
             <a:extLst>
               <a:ext uri="{FF2B5EF4-FFF2-40B4-BE49-F238E27FC236}">
-                <a16:creationId xmlns:a16="http://schemas.microsoft.com/office/drawing/2014/main" id="{78A78184-5A79-4440-A339-DCDEA0ECC37D}"/>
+                <a16:creationId xmlns:a16="http://schemas.microsoft.com/office/drawing/2014/main" id="{F1EF85FA-4B69-40CD-894B-3693DF92A4F5}"/>
               </a:ext>
             </a:extLst>
           </p:cNvPr>
@@ -6457,67 +7331,7 @@
                   </a:outerShdw>
                 </a:effectLst>
               </a:rPr>
-              <a:t>Algoritmos Implementados – </a:t>
-            </a:r>
-            <a:r>
-              <a:rPr lang="pt-PT" i="1" dirty="0">
-                <a:effectLst>
-                  <a:outerShdw blurRad="38100" dist="38100" dir="2700000" algn="tl">
-                    <a:srgbClr val="000000">
-                      <a:alpha val="43137"/>
-                    </a:srgbClr>
-                  </a:outerShdw>
-                </a:effectLst>
-              </a:rPr>
-              <a:t>BCO</a:t>
-            </a:r>
-            <a:endParaRPr lang="pt-PT" dirty="0"/>
-          </a:p>
-        </p:txBody>
-      </p:sp>
-      <p:sp>
-        <p:nvSpPr>
-          <p:cNvPr id="3" name="Marcador de Posição de Conteúdo 2">
-            <a:extLst>
-              <a:ext uri="{FF2B5EF4-FFF2-40B4-BE49-F238E27FC236}">
-                <a16:creationId xmlns:a16="http://schemas.microsoft.com/office/drawing/2014/main" id="{D86FE8E9-6185-436F-8191-2E3B1862EAA8}"/>
-              </a:ext>
-            </a:extLst>
-          </p:cNvPr>
-          <p:cNvSpPr>
-            <a:spLocks noGrp="1"/>
-          </p:cNvSpPr>
-          <p:nvPr>
-            <p:ph idx="1"/>
-          </p:nvPr>
-        </p:nvSpPr>
-        <p:spPr/>
-        <p:txBody>
-          <a:bodyPr/>
-          <a:lstStyle/>
-          <a:p>
-            <a:r>
-              <a:rPr lang="pt-PT" dirty="0"/>
-              <a:t>Algoritmo de </a:t>
-            </a:r>
-            <a:r>
-              <a:rPr lang="pt-PT" i="1" dirty="0" err="1"/>
-              <a:t>Swarm</a:t>
-            </a:r>
-            <a:r>
-              <a:rPr lang="pt-PT" i="1" dirty="0"/>
-              <a:t> </a:t>
-            </a:r>
-            <a:r>
-              <a:rPr lang="pt-PT" i="1" dirty="0" err="1"/>
-              <a:t>Intelligence</a:t>
-            </a:r>
-            <a:endParaRPr lang="pt-PT" i="1" dirty="0"/>
-          </a:p>
-          <a:p>
-            <a:r>
-              <a:rPr lang="pt-PT" dirty="0"/>
-              <a:t>Baseado no comportamento das abelhas produtoras de mel</a:t>
+              <a:t>Tratamento dos dados</a:t>
             </a:r>
           </a:p>
         </p:txBody>
@@ -6527,7 +7341,7 @@
           <p:cNvPr id="4" name="Imagem 3">
             <a:extLst>
               <a:ext uri="{FF2B5EF4-FFF2-40B4-BE49-F238E27FC236}">
-                <a16:creationId xmlns:a16="http://schemas.microsoft.com/office/drawing/2014/main" id="{828C83DC-0E45-4EB3-817A-510EB20E1CBA}"/>
+                <a16:creationId xmlns:a16="http://schemas.microsoft.com/office/drawing/2014/main" id="{A00E6555-C85B-435E-B3CE-B6BBC028BCE0}"/>
               </a:ext>
             </a:extLst>
           </p:cNvPr>
@@ -6544,18 +7358,52 @@
         </p:blipFill>
         <p:spPr>
           <a:xfrm>
-            <a:off x="3349324" y="3482502"/>
-            <a:ext cx="5507205" cy="2697635"/>
+            <a:off x="1612157" y="1691322"/>
+            <a:ext cx="8981540" cy="4818222"/>
           </a:xfrm>
           <a:prstGeom prst="rect">
             <a:avLst/>
           </a:prstGeom>
+          <a:ln>
+            <a:solidFill>
+              <a:schemeClr val="accent1"/>
+            </a:solidFill>
+          </a:ln>
         </p:spPr>
       </p:pic>
+      <p:sp>
+        <p:nvSpPr>
+          <p:cNvPr id="3" name="Marcador de Posição do Número do Diapositivo 2">
+            <a:extLst>
+              <a:ext uri="{FF2B5EF4-FFF2-40B4-BE49-F238E27FC236}">
+                <a16:creationId xmlns:a16="http://schemas.microsoft.com/office/drawing/2014/main" id="{1023F61A-1A55-45F2-98E6-3C135A9D996C}"/>
+              </a:ext>
+            </a:extLst>
+          </p:cNvPr>
+          <p:cNvSpPr>
+            <a:spLocks noGrp="1"/>
+          </p:cNvSpPr>
+          <p:nvPr>
+            <p:ph type="sldNum" sz="quarter" idx="12"/>
+          </p:nvPr>
+        </p:nvSpPr>
+        <p:spPr/>
+        <p:txBody>
+          <a:bodyPr/>
+          <a:lstStyle/>
+          <a:p>
+            <a:fld id="{5AD5E5FD-F30B-4922-B20C-055EB5011373}" type="slidenum">
+              <a:rPr lang="pt-PT" smtClean="0"/>
+              <a:t>24</a:t>
+            </a:fld>
+            <a:endParaRPr lang="pt-PT"/>
+          </a:p>
+        </p:txBody>
+      </p:sp>
     </p:spTree>
     <p:extLst>
       <p:ext uri="{BB962C8B-B14F-4D97-AF65-F5344CB8AC3E}">
-        <p14:creationId xmlns:p14="http://schemas.microsoft.com/office/powerpoint/2010/main" val="4110684481"/>
+        <p14:creationId xmlns:p14="http://schemas.microsoft.com/office/powerpoint/2010/main" val="1844823814"/>
       </p:ext>
     </p:extLst>
   </p:cSld>
@@ -6587,7 +7435,7 @@
           <p:cNvPr id="2" name="Título 1">
             <a:extLst>
               <a:ext uri="{FF2B5EF4-FFF2-40B4-BE49-F238E27FC236}">
-                <a16:creationId xmlns:a16="http://schemas.microsoft.com/office/drawing/2014/main" id="{35C5EEAA-1178-41EA-A5C3-7DC2EACDE15B}"/>
+                <a16:creationId xmlns:a16="http://schemas.microsoft.com/office/drawing/2014/main" id="{7745C8AD-B1D6-4850-AEAD-BF1A2CE4C955}"/>
               </a:ext>
             </a:extLst>
           </p:cNvPr>
@@ -6613,21 +7461,8 @@
                   </a:outerShdw>
                 </a:effectLst>
               </a:rPr>
-              <a:t>Algoritmos Implementados - </a:t>
-            </a:r>
-            <a:r>
-              <a:rPr lang="pt-PT" i="1" dirty="0">
-                <a:effectLst>
-                  <a:outerShdw blurRad="38100" dist="38100" dir="2700000" algn="tl">
-                    <a:srgbClr val="000000">
-                      <a:alpha val="43137"/>
-                    </a:srgbClr>
-                  </a:outerShdw>
-                </a:effectLst>
-              </a:rPr>
-              <a:t>ACO</a:t>
-            </a:r>
-            <a:endParaRPr lang="pt-PT" dirty="0"/>
+              <a:t>Resultados dos testes</a:t>
+            </a:r>
           </a:p>
         </p:txBody>
       </p:sp>
@@ -6636,7 +7471,7 @@
           <p:cNvPr id="3" name="Marcador de Posição de Conteúdo 2">
             <a:extLst>
               <a:ext uri="{FF2B5EF4-FFF2-40B4-BE49-F238E27FC236}">
-                <a16:creationId xmlns:a16="http://schemas.microsoft.com/office/drawing/2014/main" id="{F2D7F09C-C71A-4ED7-A636-0203991777B7}"/>
+                <a16:creationId xmlns:a16="http://schemas.microsoft.com/office/drawing/2014/main" id="{E5BC450F-3F9B-4CB6-8C5E-3E802029615E}"/>
               </a:ext>
             </a:extLst>
           </p:cNvPr>
@@ -6654,26 +7489,51 @@
           <a:p>
             <a:r>
               <a:rPr lang="pt-PT" dirty="0"/>
-              <a:t>Algoritmo de </a:t>
-            </a:r>
-            <a:r>
-              <a:rPr lang="pt-PT" i="1" dirty="0" err="1"/>
-              <a:t>Swarm</a:t>
-            </a:r>
-            <a:r>
-              <a:rPr lang="pt-PT" i="1" dirty="0"/>
-              <a:t> </a:t>
-            </a:r>
-            <a:r>
-              <a:rPr lang="pt-PT" i="1" dirty="0" err="1"/>
-              <a:t>Intelligence</a:t>
-            </a:r>
-            <a:endParaRPr lang="pt-PT" i="1" dirty="0"/>
-          </a:p>
-          <a:p>
+              <a:t>Os testes foram utilizados para:</a:t>
+            </a:r>
+          </a:p>
+          <a:p>
+            <a:pPr lvl="1"/>
             <a:r>
               <a:rPr lang="pt-PT" dirty="0"/>
-              <a:t>Baseado na forma como as formigas procuram alimento</a:t>
+              <a:t>Determinar os </a:t>
+            </a:r>
+            <a:r>
+              <a:rPr lang="pt-PT" b="1" dirty="0"/>
+              <a:t>melhores parâmetros</a:t>
+            </a:r>
+            <a:r>
+              <a:rPr lang="pt-PT" dirty="0"/>
+              <a:t> para cada algoritmo</a:t>
+            </a:r>
+          </a:p>
+          <a:p>
+            <a:pPr lvl="1"/>
+            <a:r>
+              <a:rPr lang="pt-PT" dirty="0"/>
+              <a:t>Determinar o </a:t>
+            </a:r>
+            <a:r>
+              <a:rPr lang="pt-PT" b="1" dirty="0"/>
+              <a:t>melhor algoritmo </a:t>
+            </a:r>
+            <a:r>
+              <a:rPr lang="pt-PT" dirty="0"/>
+              <a:t>para resolver problemas normais e com pesos (50 </a:t>
+            </a:r>
+            <a:r>
+              <a:rPr lang="pt-PT" dirty="0" err="1"/>
+              <a:t>seeds</a:t>
+            </a:r>
+            <a:r>
+              <a:rPr lang="pt-PT" dirty="0"/>
+              <a:t>)</a:t>
+            </a:r>
+          </a:p>
+          <a:p>
+            <a:r>
+              <a:rPr lang="pt-PT" dirty="0"/>
+              <a:t>Os resultados dos diferentes algoritmos para os diferentes tamanhos de problema:</a:t>
             </a:r>
           </a:p>
         </p:txBody>
@@ -6683,7 +7543,7 @@
           <p:cNvPr id="4" name="Imagem 3">
             <a:extLst>
               <a:ext uri="{FF2B5EF4-FFF2-40B4-BE49-F238E27FC236}">
-                <a16:creationId xmlns:a16="http://schemas.microsoft.com/office/drawing/2014/main" id="{985D9F53-04C5-4995-9621-DFB239DE7FB2}"/>
+                <a16:creationId xmlns:a16="http://schemas.microsoft.com/office/drawing/2014/main" id="{A2708D44-45CF-4C01-85C6-B588CCBF4668}"/>
               </a:ext>
             </a:extLst>
           </p:cNvPr>
@@ -6700,18 +7560,47 @@
         </p:blipFill>
         <p:spPr>
           <a:xfrm>
-            <a:off x="3097379" y="3105150"/>
-            <a:ext cx="6011096" cy="3469640"/>
+            <a:off x="1632384" y="4347411"/>
+            <a:ext cx="8941085" cy="1832726"/>
           </a:xfrm>
           <a:prstGeom prst="rect">
             <a:avLst/>
           </a:prstGeom>
         </p:spPr>
       </p:pic>
+      <p:sp>
+        <p:nvSpPr>
+          <p:cNvPr id="5" name="Marcador de Posição do Número do Diapositivo 4">
+            <a:extLst>
+              <a:ext uri="{FF2B5EF4-FFF2-40B4-BE49-F238E27FC236}">
+                <a16:creationId xmlns:a16="http://schemas.microsoft.com/office/drawing/2014/main" id="{BFC9F46F-D36D-4F5D-8CCD-14F2467E5F5F}"/>
+              </a:ext>
+            </a:extLst>
+          </p:cNvPr>
+          <p:cNvSpPr>
+            <a:spLocks noGrp="1"/>
+          </p:cNvSpPr>
+          <p:nvPr>
+            <p:ph type="sldNum" sz="quarter" idx="12"/>
+          </p:nvPr>
+        </p:nvSpPr>
+        <p:spPr/>
+        <p:txBody>
+          <a:bodyPr/>
+          <a:lstStyle/>
+          <a:p>
+            <a:fld id="{5AD5E5FD-F30B-4922-B20C-055EB5011373}" type="slidenum">
+              <a:rPr lang="pt-PT" smtClean="0"/>
+              <a:t>25</a:t>
+            </a:fld>
+            <a:endParaRPr lang="pt-PT"/>
+          </a:p>
+        </p:txBody>
+      </p:sp>
     </p:spTree>
     <p:extLst>
       <p:ext uri="{BB962C8B-B14F-4D97-AF65-F5344CB8AC3E}">
-        <p14:creationId xmlns:p14="http://schemas.microsoft.com/office/powerpoint/2010/main" val="1526069406"/>
+        <p14:creationId xmlns:p14="http://schemas.microsoft.com/office/powerpoint/2010/main" val="3750542188"/>
       </p:ext>
     </p:extLst>
   </p:cSld>
@@ -6743,7 +7632,7 @@
           <p:cNvPr id="2" name="Título 1">
             <a:extLst>
               <a:ext uri="{FF2B5EF4-FFF2-40B4-BE49-F238E27FC236}">
-                <a16:creationId xmlns:a16="http://schemas.microsoft.com/office/drawing/2014/main" id="{F1EF85FA-4B69-40CD-894B-3693DF92A4F5}"/>
+                <a16:creationId xmlns:a16="http://schemas.microsoft.com/office/drawing/2014/main" id="{A040F568-0057-46D0-BD87-D90991D176FB}"/>
               </a:ext>
             </a:extLst>
           </p:cNvPr>
@@ -6769,7 +7658,67 @@
                   </a:outerShdw>
                 </a:effectLst>
               </a:rPr>
-              <a:t>Tratamento dos dados</a:t>
+              <a:t>Resultados dos testes</a:t>
+            </a:r>
+            <a:endParaRPr lang="pt-PT" dirty="0"/>
+          </a:p>
+        </p:txBody>
+      </p:sp>
+      <p:sp>
+        <p:nvSpPr>
+          <p:cNvPr id="3" name="Marcador de Posição de Conteúdo 2">
+            <a:extLst>
+              <a:ext uri="{FF2B5EF4-FFF2-40B4-BE49-F238E27FC236}">
+                <a16:creationId xmlns:a16="http://schemas.microsoft.com/office/drawing/2014/main" id="{D2C58F14-1A8E-45DE-AF7A-B4DE9532E9D9}"/>
+              </a:ext>
+            </a:extLst>
+          </p:cNvPr>
+          <p:cNvSpPr>
+            <a:spLocks noGrp="1"/>
+          </p:cNvSpPr>
+          <p:nvPr>
+            <p:ph idx="1"/>
+          </p:nvPr>
+        </p:nvSpPr>
+        <p:spPr/>
+        <p:txBody>
+          <a:bodyPr/>
+          <a:lstStyle/>
+          <a:p>
+            <a:r>
+              <a:rPr lang="pt-PT" dirty="0"/>
+              <a:t>As </a:t>
+            </a:r>
+            <a:r>
+              <a:rPr lang="pt-PT" b="1" dirty="0"/>
+              <a:t>médias</a:t>
+            </a:r>
+            <a:r>
+              <a:rPr lang="pt-PT" dirty="0"/>
+              <a:t> dos resultados dos diferentes algoritmos são:</a:t>
+            </a:r>
+          </a:p>
+          <a:p>
+            <a:endParaRPr lang="pt-PT" dirty="0"/>
+          </a:p>
+          <a:p>
+            <a:endParaRPr lang="pt-PT" dirty="0"/>
+          </a:p>
+          <a:p>
+            <a:endParaRPr lang="pt-PT" dirty="0"/>
+          </a:p>
+          <a:p>
+            <a:r>
+              <a:rPr lang="pt-PT" dirty="0"/>
+              <a:t>Relação </a:t>
+            </a:r>
+            <a:r>
+              <a:rPr lang="pt-PT" b="1" dirty="0"/>
+              <a:t>tempo*</a:t>
+            </a:r>
+            <a:r>
+              <a:rPr lang="pt-PT" b="1" i="1" dirty="0"/>
+              <a:t>fitness</a:t>
             </a:r>
           </a:p>
         </p:txBody>
@@ -6779,7 +7728,7 @@
           <p:cNvPr id="4" name="Imagem 3">
             <a:extLst>
               <a:ext uri="{FF2B5EF4-FFF2-40B4-BE49-F238E27FC236}">
-                <a16:creationId xmlns:a16="http://schemas.microsoft.com/office/drawing/2014/main" id="{A00E6555-C85B-435E-B3CE-B6BBC028BCE0}"/>
+                <a16:creationId xmlns:a16="http://schemas.microsoft.com/office/drawing/2014/main" id="{E6016569-0A1D-4436-9C65-DAF749678317}"/>
               </a:ext>
             </a:extLst>
           </p:cNvPr>
@@ -6796,23 +7745,77 @@
         </p:blipFill>
         <p:spPr>
           <a:xfrm>
-            <a:off x="1612157" y="1691322"/>
-            <a:ext cx="8981540" cy="4818222"/>
+            <a:off x="3104751" y="2343151"/>
+            <a:ext cx="5996352" cy="1414462"/>
           </a:xfrm>
           <a:prstGeom prst="rect">
             <a:avLst/>
           </a:prstGeom>
-          <a:ln>
-            <a:solidFill>
-              <a:schemeClr val="accent1"/>
-            </a:solidFill>
-          </a:ln>
         </p:spPr>
       </p:pic>
+      <p:pic>
+        <p:nvPicPr>
+          <p:cNvPr id="5" name="Imagem 4">
+            <a:extLst>
+              <a:ext uri="{FF2B5EF4-FFF2-40B4-BE49-F238E27FC236}">
+                <a16:creationId xmlns:a16="http://schemas.microsoft.com/office/drawing/2014/main" id="{7C86638E-9ED9-4FDA-822B-7D0D79AED0EA}"/>
+              </a:ext>
+            </a:extLst>
+          </p:cNvPr>
+          <p:cNvPicPr>
+            <a:picLocks noChangeAspect="1"/>
+          </p:cNvPicPr>
+          <p:nvPr/>
+        </p:nvPicPr>
+        <p:blipFill>
+          <a:blip r:embed="rId3"/>
+          <a:stretch>
+            <a:fillRect/>
+          </a:stretch>
+        </p:blipFill>
+        <p:spPr>
+          <a:xfrm>
+            <a:off x="4022165" y="4271964"/>
+            <a:ext cx="4161523" cy="1643061"/>
+          </a:xfrm>
+          <a:prstGeom prst="rect">
+            <a:avLst/>
+          </a:prstGeom>
+        </p:spPr>
+      </p:pic>
+      <p:sp>
+        <p:nvSpPr>
+          <p:cNvPr id="6" name="Marcador de Posição do Número do Diapositivo 5">
+            <a:extLst>
+              <a:ext uri="{FF2B5EF4-FFF2-40B4-BE49-F238E27FC236}">
+                <a16:creationId xmlns:a16="http://schemas.microsoft.com/office/drawing/2014/main" id="{6674E9D3-E5E5-4ECA-909A-B4F9DB8E9DED}"/>
+              </a:ext>
+            </a:extLst>
+          </p:cNvPr>
+          <p:cNvSpPr>
+            <a:spLocks noGrp="1"/>
+          </p:cNvSpPr>
+          <p:nvPr>
+            <p:ph type="sldNum" sz="quarter" idx="12"/>
+          </p:nvPr>
+        </p:nvSpPr>
+        <p:spPr/>
+        <p:txBody>
+          <a:bodyPr/>
+          <a:lstStyle/>
+          <a:p>
+            <a:fld id="{5AD5E5FD-F30B-4922-B20C-055EB5011373}" type="slidenum">
+              <a:rPr lang="pt-PT" smtClean="0"/>
+              <a:t>26</a:t>
+            </a:fld>
+            <a:endParaRPr lang="pt-PT"/>
+          </a:p>
+        </p:txBody>
+      </p:sp>
     </p:spTree>
     <p:extLst>
       <p:ext uri="{BB962C8B-B14F-4D97-AF65-F5344CB8AC3E}">
-        <p14:creationId xmlns:p14="http://schemas.microsoft.com/office/powerpoint/2010/main" val="1844823814"/>
+        <p14:creationId xmlns:p14="http://schemas.microsoft.com/office/powerpoint/2010/main" val="2695045475"/>
       </p:ext>
     </p:extLst>
   </p:cSld>
@@ -6844,7 +7847,7 @@
           <p:cNvPr id="2" name="Título 1">
             <a:extLst>
               <a:ext uri="{FF2B5EF4-FFF2-40B4-BE49-F238E27FC236}">
-                <a16:creationId xmlns:a16="http://schemas.microsoft.com/office/drawing/2014/main" id="{7745C8AD-B1D6-4850-AEAD-BF1A2CE4C955}"/>
+                <a16:creationId xmlns:a16="http://schemas.microsoft.com/office/drawing/2014/main" id="{68904D96-FC94-4449-ADD1-DB6999508353}"/>
               </a:ext>
             </a:extLst>
           </p:cNvPr>
@@ -6870,7 +7873,7 @@
                   </a:outerShdw>
                 </a:effectLst>
               </a:rPr>
-              <a:t>Resultados dos testes</a:t>
+              <a:t>Conclusões relativas aos algoritmos</a:t>
             </a:r>
           </a:p>
         </p:txBody>
@@ -6880,7 +7883,7 @@
           <p:cNvPr id="3" name="Marcador de Posição de Conteúdo 2">
             <a:extLst>
               <a:ext uri="{FF2B5EF4-FFF2-40B4-BE49-F238E27FC236}">
-                <a16:creationId xmlns:a16="http://schemas.microsoft.com/office/drawing/2014/main" id="{E5BC450F-3F9B-4CB6-8C5E-3E802029615E}"/>
+                <a16:creationId xmlns:a16="http://schemas.microsoft.com/office/drawing/2014/main" id="{E99BF987-4D34-4F59-B77A-9D8822EB0AD4}"/>
               </a:ext>
             </a:extLst>
           </p:cNvPr>
@@ -6898,81 +7901,163 @@
           <a:p>
             <a:r>
               <a:rPr lang="pt-PT" dirty="0"/>
-              <a:t>Os testes foram utilizados para:</a:t>
-            </a:r>
-          </a:p>
-          <a:p>
-            <a:pPr lvl="1"/>
+              <a:t>O algoritmo que apresenta os melhores resultados é o </a:t>
+            </a:r>
+            <a:r>
+              <a:rPr lang="pt-PT" b="1" i="1" dirty="0" err="1"/>
+              <a:t>Bee</a:t>
+            </a:r>
+            <a:r>
+              <a:rPr lang="pt-PT" b="1" i="1" dirty="0"/>
+              <a:t> </a:t>
+            </a:r>
+            <a:r>
+              <a:rPr lang="pt-PT" b="1" i="1" dirty="0" err="1"/>
+              <a:t>Colony</a:t>
+            </a:r>
+            <a:r>
+              <a:rPr lang="pt-PT" b="1" i="1" dirty="0"/>
+              <a:t> </a:t>
+            </a:r>
+            <a:r>
+              <a:rPr lang="pt-PT" b="1" i="1" dirty="0" err="1"/>
+              <a:t>Optimization</a:t>
+            </a:r>
+            <a:endParaRPr lang="pt-PT" b="1" i="1" dirty="0"/>
+          </a:p>
+          <a:p>
             <a:r>
               <a:rPr lang="pt-PT" dirty="0"/>
-              <a:t>Determinar os </a:t>
-            </a:r>
-            <a:r>
-              <a:rPr lang="pt-PT" b="1" dirty="0"/>
-              <a:t>melhores parâmetros</a:t>
-            </a:r>
+              <a:t>O algoritmo que apresenta resultados no menor tempo é o </a:t>
+            </a:r>
+            <a:r>
+              <a:rPr lang="pt-PT" b="1" i="1" dirty="0" err="1"/>
+              <a:t>Custom</a:t>
+            </a:r>
+            <a:r>
+              <a:rPr lang="pt-PT" b="1" i="1" dirty="0"/>
+              <a:t> </a:t>
+            </a:r>
+            <a:r>
+              <a:rPr lang="pt-PT" b="1" i="1" dirty="0" err="1"/>
+              <a:t>Algorithm</a:t>
+            </a:r>
+            <a:endParaRPr lang="pt-PT" b="1" i="1" dirty="0"/>
+          </a:p>
+          <a:p>
+            <a:pPr algn="just"/>
             <a:r>
               <a:rPr lang="pt-PT" dirty="0"/>
-              <a:t> para cada algoritmo</a:t>
-            </a:r>
-          </a:p>
-          <a:p>
-            <a:pPr lvl="1"/>
+              <a:t>O algoritmo que apresenta a melhor relação tempo*</a:t>
+            </a:r>
+            <a:r>
+              <a:rPr lang="pt-PT" i="1" dirty="0"/>
+              <a:t>fitness </a:t>
+            </a:r>
             <a:r>
               <a:rPr lang="pt-PT" dirty="0"/>
-              <a:t>Determinar o </a:t>
-            </a:r>
-            <a:r>
-              <a:rPr lang="pt-PT" b="1" dirty="0"/>
-              <a:t>melhor algoritmo </a:t>
-            </a:r>
-            <a:r>
-              <a:rPr lang="pt-PT" dirty="0"/>
-              <a:t>para resolver problemas normais e com pesos</a:t>
-            </a:r>
-          </a:p>
-          <a:p>
-            <a:r>
-              <a:rPr lang="pt-PT" dirty="0"/>
-              <a:t>Os resultados dos diferentes algoritmos para os diferentes tamanhos de problema:</a:t>
-            </a:r>
+              <a:t>é o </a:t>
+            </a:r>
+            <a:r>
+              <a:rPr lang="pt-PT" b="1" i="1" dirty="0" err="1"/>
+              <a:t>Custom</a:t>
+            </a:r>
+            <a:r>
+              <a:rPr lang="pt-PT" b="1" i="1" dirty="0"/>
+              <a:t> </a:t>
+            </a:r>
+            <a:r>
+              <a:rPr lang="pt-PT" b="1" i="1" dirty="0" err="1"/>
+              <a:t>Agorithm</a:t>
+            </a:r>
+            <a:endParaRPr lang="pt-PT" dirty="0"/>
+          </a:p>
+          <a:p>
+            <a:pPr algn="just"/>
+            <a:endParaRPr lang="pt-PT" i="1" dirty="0"/>
           </a:p>
         </p:txBody>
       </p:sp>
       <p:pic>
         <p:nvPicPr>
-          <p:cNvPr id="4" name="Imagem 3">
-            <a:extLst>
-              <a:ext uri="{FF2B5EF4-FFF2-40B4-BE49-F238E27FC236}">
-                <a16:creationId xmlns:a16="http://schemas.microsoft.com/office/drawing/2014/main" id="{A2708D44-45CF-4C01-85C6-B588CCBF4668}"/>
+          <p:cNvPr id="1026" name="Picture 2" descr="Resultado de imagem para bee trophy">
+            <a:extLst>
+              <a:ext uri="{FF2B5EF4-FFF2-40B4-BE49-F238E27FC236}">
+                <a16:creationId xmlns:a16="http://schemas.microsoft.com/office/drawing/2014/main" id="{C40002A6-21F3-4891-94A4-08D0FAB79EF2}"/>
               </a:ext>
             </a:extLst>
           </p:cNvPr>
           <p:cNvPicPr>
-            <a:picLocks noChangeAspect="1"/>
+            <a:picLocks noChangeAspect="1" noChangeArrowheads="1"/>
           </p:cNvPicPr>
           <p:nvPr/>
         </p:nvPicPr>
         <p:blipFill>
-          <a:blip r:embed="rId2"/>
+          <a:blip r:embed="rId2">
+            <a:extLst>
+              <a:ext uri="{28A0092B-C50C-407E-A947-70E740481C1C}">
+                <a14:useLocalDpi xmlns:a14="http://schemas.microsoft.com/office/drawing/2010/main" val="0"/>
+              </a:ext>
+            </a:extLst>
+          </a:blip>
+          <a:srcRect/>
           <a:stretch>
             <a:fillRect/>
           </a:stretch>
         </p:blipFill>
-        <p:spPr>
+        <p:spPr bwMode="auto">
           <a:xfrm>
-            <a:off x="1632384" y="4347411"/>
-            <a:ext cx="8941085" cy="1832726"/>
+            <a:off x="4928754" y="4439316"/>
+            <a:ext cx="2348345" cy="2348345"/>
           </a:xfrm>
           <a:prstGeom prst="rect">
             <a:avLst/>
           </a:prstGeom>
+          <a:noFill/>
+          <a:extLst>
+            <a:ext uri="{909E8E84-426E-40DD-AFC4-6F175D3DCCD1}">
+              <a14:hiddenFill xmlns:a14="http://schemas.microsoft.com/office/drawing/2010/main">
+                <a:solidFill>
+                  <a:srgbClr val="FFFFFF"/>
+                </a:solidFill>
+              </a14:hiddenFill>
+            </a:ext>
+          </a:extLst>
         </p:spPr>
       </p:pic>
+      <p:sp>
+        <p:nvSpPr>
+          <p:cNvPr id="4" name="Marcador de Posição do Número do Diapositivo 3">
+            <a:extLst>
+              <a:ext uri="{FF2B5EF4-FFF2-40B4-BE49-F238E27FC236}">
+                <a16:creationId xmlns:a16="http://schemas.microsoft.com/office/drawing/2014/main" id="{3C7CC877-3F04-4C1C-B4A5-8DAE318A394B}"/>
+              </a:ext>
+            </a:extLst>
+          </p:cNvPr>
+          <p:cNvSpPr>
+            <a:spLocks noGrp="1"/>
+          </p:cNvSpPr>
+          <p:nvPr>
+            <p:ph type="sldNum" sz="quarter" idx="12"/>
+          </p:nvPr>
+        </p:nvSpPr>
+        <p:spPr/>
+        <p:txBody>
+          <a:bodyPr/>
+          <a:lstStyle/>
+          <a:p>
+            <a:fld id="{5AD5E5FD-F30B-4922-B20C-055EB5011373}" type="slidenum">
+              <a:rPr lang="pt-PT" smtClean="0"/>
+              <a:t>27</a:t>
+            </a:fld>
+            <a:endParaRPr lang="pt-PT"/>
+          </a:p>
+        </p:txBody>
+      </p:sp>
     </p:spTree>
     <p:extLst>
       <p:ext uri="{BB962C8B-B14F-4D97-AF65-F5344CB8AC3E}">
-        <p14:creationId xmlns:p14="http://schemas.microsoft.com/office/powerpoint/2010/main" val="3750542188"/>
+        <p14:creationId xmlns:p14="http://schemas.microsoft.com/office/powerpoint/2010/main" val="122127937"/>
       </p:ext>
     </p:extLst>
   </p:cSld>
@@ -7004,7 +8089,7 @@
           <p:cNvPr id="2" name="Título 1">
             <a:extLst>
               <a:ext uri="{FF2B5EF4-FFF2-40B4-BE49-F238E27FC236}">
-                <a16:creationId xmlns:a16="http://schemas.microsoft.com/office/drawing/2014/main" id="{A040F568-0057-46D0-BD87-D90991D176FB}"/>
+                <a16:creationId xmlns:a16="http://schemas.microsoft.com/office/drawing/2014/main" id="{EF481813-1193-471F-8C2A-3A9FEC475E20}"/>
               </a:ext>
             </a:extLst>
           </p:cNvPr>
@@ -7030,9 +8115,8 @@
                   </a:outerShdw>
                 </a:effectLst>
               </a:rPr>
-              <a:t>Resultados dos testes</a:t>
-            </a:r>
-            <a:endParaRPr lang="pt-PT" dirty="0"/>
+              <a:t>Acerca dos resultados</a:t>
+            </a:r>
           </a:p>
         </p:txBody>
       </p:sp>
@@ -7041,7 +8125,7 @@
           <p:cNvPr id="3" name="Marcador de Posição de Conteúdo 2">
             <a:extLst>
               <a:ext uri="{FF2B5EF4-FFF2-40B4-BE49-F238E27FC236}">
-                <a16:creationId xmlns:a16="http://schemas.microsoft.com/office/drawing/2014/main" id="{D2C58F14-1A8E-45DE-AF7A-B4DE9532E9D9}"/>
+                <a16:creationId xmlns:a16="http://schemas.microsoft.com/office/drawing/2014/main" id="{2894F18C-7864-492C-88D2-2E74E27FCD1B}"/>
               </a:ext>
             </a:extLst>
           </p:cNvPr>
@@ -7059,106 +8143,152 @@
           <a:p>
             <a:r>
               <a:rPr lang="pt-PT" dirty="0"/>
-              <a:t>As </a:t>
+              <a:t>Apesar de o BCO apresentar os melhores resultados, </a:t>
             </a:r>
             <a:r>
               <a:rPr lang="pt-PT" b="1" dirty="0"/>
-              <a:t>médias</a:t>
-            </a:r>
+              <a:t>para problemas de grande dimensão é aconselhado o uso do CA</a:t>
+            </a:r>
+          </a:p>
+          <a:p>
             <a:r>
               <a:rPr lang="pt-PT" dirty="0"/>
-              <a:t> dos resultados dos diferentes algoritmos são:</a:t>
-            </a:r>
-          </a:p>
-          <a:p>
-            <a:endParaRPr lang="pt-PT" dirty="0"/>
-          </a:p>
-          <a:p>
-            <a:endParaRPr lang="pt-PT" dirty="0"/>
-          </a:p>
-          <a:p>
-            <a:endParaRPr lang="pt-PT" dirty="0"/>
+              <a:t>Com mais otimização será possível melhorar os resultados obtidos e  reduzir o tempo de execução</a:t>
+            </a:r>
           </a:p>
           <a:p>
             <a:r>
               <a:rPr lang="pt-PT" dirty="0"/>
-              <a:t>Relação </a:t>
-            </a:r>
-            <a:r>
-              <a:rPr lang="pt-PT" b="1" dirty="0"/>
-              <a:t>tempo*</a:t>
-            </a:r>
-            <a:r>
-              <a:rPr lang="pt-PT" b="1" i="1" dirty="0"/>
-              <a:t>fitness</a:t>
-            </a:r>
+              <a:t>Com mais iterações será também possível obter melhores soluções (pois nem sempre é encontrada a solução ideal)</a:t>
+            </a:r>
+          </a:p>
+        </p:txBody>
+      </p:sp>
+      <p:sp>
+        <p:nvSpPr>
+          <p:cNvPr id="4" name="AutoShape 2" descr="Resultado de imagem para consider png">
+            <a:extLst>
+              <a:ext uri="{FF2B5EF4-FFF2-40B4-BE49-F238E27FC236}">
+                <a16:creationId xmlns:a16="http://schemas.microsoft.com/office/drawing/2014/main" id="{C65988C5-E59E-48C4-862F-532B82B6D418}"/>
+              </a:ext>
+            </a:extLst>
+          </p:cNvPr>
+          <p:cNvSpPr>
+            <a:spLocks noChangeAspect="1" noChangeArrowheads="1"/>
+          </p:cNvSpPr>
+          <p:nvPr/>
+        </p:nvSpPr>
+        <p:spPr bwMode="auto">
+          <a:xfrm>
+            <a:off x="5943600" y="3276600"/>
+            <a:ext cx="304800" cy="304800"/>
+          </a:xfrm>
+          <a:prstGeom prst="rect">
+            <a:avLst/>
+          </a:prstGeom>
+          <a:noFill/>
+          <a:extLst>
+            <a:ext uri="{909E8E84-426E-40DD-AFC4-6F175D3DCCD1}">
+              <a14:hiddenFill xmlns:a14="http://schemas.microsoft.com/office/drawing/2010/main">
+                <a:solidFill>
+                  <a:srgbClr val="FFFFFF"/>
+                </a:solidFill>
+              </a14:hiddenFill>
+            </a:ext>
+          </a:extLst>
+        </p:spPr>
+        <p:txBody>
+          <a:bodyPr vert="horz" wrap="square" lIns="91440" tIns="45720" rIns="91440" bIns="45720" numCol="1" anchor="t" anchorCtr="0" compatLnSpc="1">
+            <a:prstTxWarp prst="textNoShape">
+              <a:avLst/>
+            </a:prstTxWarp>
+          </a:bodyPr>
+          <a:lstStyle/>
+          <a:p>
+            <a:endParaRPr lang="pt-PT"/>
           </a:p>
         </p:txBody>
       </p:sp>
       <p:pic>
         <p:nvPicPr>
-          <p:cNvPr id="4" name="Imagem 3">
-            <a:extLst>
-              <a:ext uri="{FF2B5EF4-FFF2-40B4-BE49-F238E27FC236}">
-                <a16:creationId xmlns:a16="http://schemas.microsoft.com/office/drawing/2014/main" id="{E6016569-0A1D-4436-9C65-DAF749678317}"/>
+          <p:cNvPr id="3076" name="Picture 4" descr="Resultado de imagem para conclusions png">
+            <a:extLst>
+              <a:ext uri="{FF2B5EF4-FFF2-40B4-BE49-F238E27FC236}">
+                <a16:creationId xmlns:a16="http://schemas.microsoft.com/office/drawing/2014/main" id="{5B1C03F0-ED3F-49F6-82DC-172767743EB1}"/>
               </a:ext>
             </a:extLst>
           </p:cNvPr>
           <p:cNvPicPr>
-            <a:picLocks noChangeAspect="1"/>
+            <a:picLocks noChangeAspect="1" noChangeArrowheads="1"/>
           </p:cNvPicPr>
           <p:nvPr/>
         </p:nvPicPr>
         <p:blipFill>
-          <a:blip r:embed="rId2"/>
+          <a:blip r:embed="rId2">
+            <a:extLst>
+              <a:ext uri="{28A0092B-C50C-407E-A947-70E740481C1C}">
+                <a14:useLocalDpi xmlns:a14="http://schemas.microsoft.com/office/drawing/2010/main" val="0"/>
+              </a:ext>
+            </a:extLst>
+          </a:blip>
+          <a:srcRect/>
           <a:stretch>
             <a:fillRect/>
           </a:stretch>
         </p:blipFill>
-        <p:spPr>
+        <p:spPr bwMode="auto">
           <a:xfrm>
-            <a:off x="3104751" y="2343151"/>
-            <a:ext cx="5996352" cy="1414462"/>
+            <a:off x="4905172" y="4340157"/>
+            <a:ext cx="2381655" cy="2381655"/>
           </a:xfrm>
           <a:prstGeom prst="rect">
             <a:avLst/>
           </a:prstGeom>
+          <a:noFill/>
+          <a:extLst>
+            <a:ext uri="{909E8E84-426E-40DD-AFC4-6F175D3DCCD1}">
+              <a14:hiddenFill xmlns:a14="http://schemas.microsoft.com/office/drawing/2010/main">
+                <a:solidFill>
+                  <a:srgbClr val="FFFFFF"/>
+                </a:solidFill>
+              </a14:hiddenFill>
+            </a:ext>
+          </a:extLst>
         </p:spPr>
       </p:pic>
-      <p:pic>
-        <p:nvPicPr>
-          <p:cNvPr id="5" name="Imagem 4">
-            <a:extLst>
-              <a:ext uri="{FF2B5EF4-FFF2-40B4-BE49-F238E27FC236}">
-                <a16:creationId xmlns:a16="http://schemas.microsoft.com/office/drawing/2014/main" id="{7C86638E-9ED9-4FDA-822B-7D0D79AED0EA}"/>
-              </a:ext>
-            </a:extLst>
-          </p:cNvPr>
-          <p:cNvPicPr>
-            <a:picLocks noChangeAspect="1"/>
-          </p:cNvPicPr>
-          <p:nvPr/>
-        </p:nvPicPr>
-        <p:blipFill>
-          <a:blip r:embed="rId3"/>
-          <a:stretch>
-            <a:fillRect/>
-          </a:stretch>
-        </p:blipFill>
-        <p:spPr>
-          <a:xfrm>
-            <a:off x="4022165" y="4271964"/>
-            <a:ext cx="4161523" cy="1643061"/>
-          </a:xfrm>
-          <a:prstGeom prst="rect">
-            <a:avLst/>
-          </a:prstGeom>
-        </p:spPr>
-      </p:pic>
+      <p:sp>
+        <p:nvSpPr>
+          <p:cNvPr id="5" name="Marcador de Posição do Número do Diapositivo 4">
+            <a:extLst>
+              <a:ext uri="{FF2B5EF4-FFF2-40B4-BE49-F238E27FC236}">
+                <a16:creationId xmlns:a16="http://schemas.microsoft.com/office/drawing/2014/main" id="{C29E7213-29BA-4717-864D-5E70C0B3CB3D}"/>
+              </a:ext>
+            </a:extLst>
+          </p:cNvPr>
+          <p:cNvSpPr>
+            <a:spLocks noGrp="1"/>
+          </p:cNvSpPr>
+          <p:nvPr>
+            <p:ph type="sldNum" sz="quarter" idx="12"/>
+          </p:nvPr>
+        </p:nvSpPr>
+        <p:spPr/>
+        <p:txBody>
+          <a:bodyPr/>
+          <a:lstStyle/>
+          <a:p>
+            <a:fld id="{5AD5E5FD-F30B-4922-B20C-055EB5011373}" type="slidenum">
+              <a:rPr lang="pt-PT" smtClean="0"/>
+              <a:t>28</a:t>
+            </a:fld>
+            <a:endParaRPr lang="pt-PT"/>
+          </a:p>
+        </p:txBody>
+      </p:sp>
     </p:spTree>
     <p:extLst>
       <p:ext uri="{BB962C8B-B14F-4D97-AF65-F5344CB8AC3E}">
-        <p14:creationId xmlns:p14="http://schemas.microsoft.com/office/powerpoint/2010/main" val="2695045475"/>
+        <p14:creationId xmlns:p14="http://schemas.microsoft.com/office/powerpoint/2010/main" val="146071313"/>
       </p:ext>
     </p:extLst>
   </p:cSld>
@@ -7190,7 +8320,7 @@
           <p:cNvPr id="2" name="Título 1">
             <a:extLst>
               <a:ext uri="{FF2B5EF4-FFF2-40B4-BE49-F238E27FC236}">
-                <a16:creationId xmlns:a16="http://schemas.microsoft.com/office/drawing/2014/main" id="{68904D96-FC94-4449-ADD1-DB6999508353}"/>
+                <a16:creationId xmlns:a16="http://schemas.microsoft.com/office/drawing/2014/main" id="{2E4BB341-78E0-47EC-980C-FD72F0C76246}"/>
               </a:ext>
             </a:extLst>
           </p:cNvPr>
@@ -7216,7 +8346,7 @@
                   </a:outerShdw>
                 </a:effectLst>
               </a:rPr>
-              <a:t>Conclusões relativas aos algoritmos</a:t>
+              <a:t>Considerações finais</a:t>
             </a:r>
           </a:p>
         </p:txBody>
@@ -7226,7 +8356,7 @@
           <p:cNvPr id="3" name="Marcador de Posição de Conteúdo 2">
             <a:extLst>
               <a:ext uri="{FF2B5EF4-FFF2-40B4-BE49-F238E27FC236}">
-                <a16:creationId xmlns:a16="http://schemas.microsoft.com/office/drawing/2014/main" id="{E99BF987-4D34-4F59-B77A-9D8822EB0AD4}"/>
+                <a16:creationId xmlns:a16="http://schemas.microsoft.com/office/drawing/2014/main" id="{7992E204-0D2A-4D07-9CE8-914529886868}"/>
               </a:ext>
             </a:extLst>
           </p:cNvPr>
@@ -7244,134 +8374,88 @@
           <a:p>
             <a:r>
               <a:rPr lang="pt-PT" dirty="0"/>
-              <a:t>O algoritmo que apresenta os melhores resultados é o </a:t>
-            </a:r>
-            <a:r>
-              <a:rPr lang="pt-PT" b="1" i="1" dirty="0" err="1"/>
-              <a:t>Bee</a:t>
-            </a:r>
-            <a:r>
-              <a:rPr lang="pt-PT" b="1" i="1" dirty="0"/>
+              <a:t>Este projeto foi um desafio para nós, pois durante a nossa licenciatura em Engenharia Informática não tinha ainda surgido a oportunidade de lidarmos com determinados aspetos importantes para este projeto</a:t>
+            </a:r>
+          </a:p>
+          <a:p>
+            <a:r>
+              <a:rPr lang="pt-PT" dirty="0"/>
+              <a:t>Este foi o nosso primeiro contacto com algoritmos do tipo </a:t>
+            </a:r>
+            <a:r>
+              <a:rPr lang="pt-PT" i="1" dirty="0" err="1"/>
+              <a:t>Swarm</a:t>
+            </a:r>
+            <a:r>
+              <a:rPr lang="pt-PT" i="1" dirty="0"/>
               <a:t> </a:t>
             </a:r>
             <a:r>
-              <a:rPr lang="pt-PT" b="1" i="1" dirty="0" err="1"/>
-              <a:t>Colony</a:t>
-            </a:r>
-            <a:r>
-              <a:rPr lang="pt-PT" b="1" i="1" dirty="0"/>
-              <a:t> </a:t>
-            </a:r>
-            <a:r>
-              <a:rPr lang="pt-PT" b="1" i="1" dirty="0" err="1"/>
-              <a:t>Optimization</a:t>
-            </a:r>
-            <a:endParaRPr lang="pt-PT" b="1" i="1" dirty="0"/>
+              <a:rPr lang="pt-PT" i="1" dirty="0" err="1"/>
+              <a:t>Intelligence</a:t>
+            </a:r>
+            <a:endParaRPr lang="pt-PT" dirty="0"/>
           </a:p>
           <a:p>
             <a:r>
               <a:rPr lang="pt-PT" dirty="0"/>
-              <a:t>O algoritmo que apresenta resultados no menor tempo é o </a:t>
-            </a:r>
-            <a:r>
-              <a:rPr lang="pt-PT" b="1" i="1" dirty="0" err="1"/>
-              <a:t>Custom</a:t>
-            </a:r>
-            <a:r>
-              <a:rPr lang="pt-PT" b="1" i="1" dirty="0"/>
-              <a:t> </a:t>
-            </a:r>
-            <a:r>
-              <a:rPr lang="pt-PT" b="1" i="1" dirty="0" err="1"/>
-              <a:t>Algorithm</a:t>
-            </a:r>
-            <a:endParaRPr lang="pt-PT" b="1" i="1" dirty="0"/>
-          </a:p>
-          <a:p>
-            <a:pPr algn="just"/>
+              <a:t>Ao longo do nosso percurso académico não tínhamos ainda abordado </a:t>
+            </a:r>
+            <a:r>
+              <a:rPr lang="pt-PT" i="1" dirty="0"/>
+              <a:t>C++,</a:t>
+            </a:r>
             <a:r>
               <a:rPr lang="pt-PT" dirty="0"/>
-              <a:t>O algoritmo que apresenta a melhor relação tempo*</a:t>
-            </a:r>
-            <a:r>
-              <a:rPr lang="pt-PT" i="1" dirty="0"/>
-              <a:t>fitness </a:t>
-            </a:r>
+              <a:t> pelo que tivemos de aprender propositadamente a linguagem para este projeto</a:t>
+            </a:r>
+          </a:p>
+          <a:p>
             <a:r>
               <a:rPr lang="pt-PT" dirty="0"/>
-              <a:t>é o </a:t>
-            </a:r>
-            <a:r>
-              <a:rPr lang="pt-PT" b="1" i="1" dirty="0" err="1"/>
-              <a:t>Custom</a:t>
-            </a:r>
-            <a:r>
-              <a:rPr lang="pt-PT" b="1" i="1" dirty="0"/>
-              <a:t> </a:t>
-            </a:r>
-            <a:r>
-              <a:rPr lang="pt-PT" b="1" i="1" dirty="0" err="1"/>
-              <a:t>Agorithm</a:t>
-            </a:r>
-            <a:endParaRPr lang="pt-PT" dirty="0"/>
-          </a:p>
-          <a:p>
-            <a:pPr algn="just"/>
+              <a:t>Tivemos de nos adaptar à plataforma </a:t>
+            </a:r>
+            <a:r>
+              <a:rPr lang="pt-PT" i="1" dirty="0" err="1"/>
+              <a:t>Qt</a:t>
+            </a:r>
             <a:endParaRPr lang="pt-PT" i="1" dirty="0"/>
           </a:p>
         </p:txBody>
       </p:sp>
-      <p:pic>
-        <p:nvPicPr>
-          <p:cNvPr id="1026" name="Picture 2" descr="Resultado de imagem para bee trophy">
-            <a:extLst>
-              <a:ext uri="{FF2B5EF4-FFF2-40B4-BE49-F238E27FC236}">
-                <a16:creationId xmlns:a16="http://schemas.microsoft.com/office/drawing/2014/main" id="{C40002A6-21F3-4891-94A4-08D0FAB79EF2}"/>
-              </a:ext>
-            </a:extLst>
-          </p:cNvPr>
-          <p:cNvPicPr>
-            <a:picLocks noChangeAspect="1" noChangeArrowheads="1"/>
-          </p:cNvPicPr>
-          <p:nvPr/>
-        </p:nvPicPr>
-        <p:blipFill>
-          <a:blip r:embed="rId2">
-            <a:extLst>
-              <a:ext uri="{28A0092B-C50C-407E-A947-70E740481C1C}">
-                <a14:useLocalDpi xmlns:a14="http://schemas.microsoft.com/office/drawing/2010/main" val="0"/>
-              </a:ext>
-            </a:extLst>
-          </a:blip>
-          <a:srcRect/>
-          <a:stretch>
-            <a:fillRect/>
-          </a:stretch>
-        </p:blipFill>
-        <p:spPr bwMode="auto">
-          <a:xfrm>
-            <a:off x="4928754" y="4439316"/>
-            <a:ext cx="2348345" cy="2348345"/>
-          </a:xfrm>
-          <a:prstGeom prst="rect">
-            <a:avLst/>
-          </a:prstGeom>
-          <a:noFill/>
-          <a:extLst>
-            <a:ext uri="{909E8E84-426E-40DD-AFC4-6F175D3DCCD1}">
-              <a14:hiddenFill xmlns:a14="http://schemas.microsoft.com/office/drawing/2010/main">
-                <a:solidFill>
-                  <a:srgbClr val="FFFFFF"/>
-                </a:solidFill>
-              </a14:hiddenFill>
-            </a:ext>
-          </a:extLst>
-        </p:spPr>
-      </p:pic>
+      <p:sp>
+        <p:nvSpPr>
+          <p:cNvPr id="4" name="Marcador de Posição do Número do Diapositivo 3">
+            <a:extLst>
+              <a:ext uri="{FF2B5EF4-FFF2-40B4-BE49-F238E27FC236}">
+                <a16:creationId xmlns:a16="http://schemas.microsoft.com/office/drawing/2014/main" id="{819CAEA4-A532-419A-ACA4-9A764E9CDEEB}"/>
+              </a:ext>
+            </a:extLst>
+          </p:cNvPr>
+          <p:cNvSpPr>
+            <a:spLocks noGrp="1"/>
+          </p:cNvSpPr>
+          <p:nvPr>
+            <p:ph type="sldNum" sz="quarter" idx="12"/>
+          </p:nvPr>
+        </p:nvSpPr>
+        <p:spPr/>
+        <p:txBody>
+          <a:bodyPr/>
+          <a:lstStyle/>
+          <a:p>
+            <a:fld id="{5AD5E5FD-F30B-4922-B20C-055EB5011373}" type="slidenum">
+              <a:rPr lang="pt-PT" smtClean="0"/>
+              <a:t>29</a:t>
+            </a:fld>
+            <a:endParaRPr lang="pt-PT"/>
+          </a:p>
+        </p:txBody>
+      </p:sp>
     </p:spTree>
     <p:extLst>
       <p:ext uri="{BB962C8B-B14F-4D97-AF65-F5344CB8AC3E}">
-        <p14:creationId xmlns:p14="http://schemas.microsoft.com/office/powerpoint/2010/main" val="122127937"/>
+        <p14:creationId xmlns:p14="http://schemas.microsoft.com/office/powerpoint/2010/main" val="147091254"/>
       </p:ext>
     </p:extLst>
   </p:cSld>
@@ -7403,7 +8487,7 @@
           <p:cNvPr id="2" name="Título 1">
             <a:extLst>
               <a:ext uri="{FF2B5EF4-FFF2-40B4-BE49-F238E27FC236}">
-                <a16:creationId xmlns:a16="http://schemas.microsoft.com/office/drawing/2014/main" id="{CDA0D561-5F91-425D-A71F-26182BCE1108}"/>
+                <a16:creationId xmlns:a16="http://schemas.microsoft.com/office/drawing/2014/main" id="{FC965317-EB62-4B84-A0F3-22E652E2723C}"/>
               </a:ext>
             </a:extLst>
           </p:cNvPr>
@@ -7429,7 +8513,7 @@
                   </a:outerShdw>
                 </a:effectLst>
               </a:rPr>
-              <a:t>Básicos</a:t>
+              <a:t>Problema – As Redes Óticas</a:t>
             </a:r>
           </a:p>
         </p:txBody>
@@ -7439,7 +8523,7 @@
           <p:cNvPr id="3" name="Marcador de Posição de Conteúdo 2">
             <a:extLst>
               <a:ext uri="{FF2B5EF4-FFF2-40B4-BE49-F238E27FC236}">
-                <a16:creationId xmlns:a16="http://schemas.microsoft.com/office/drawing/2014/main" id="{B9015E55-858E-4398-BE25-DCFC9E03B18B}"/>
+                <a16:creationId xmlns:a16="http://schemas.microsoft.com/office/drawing/2014/main" id="{6F6D11CF-E42B-4003-945B-9D7B5A4A2B38}"/>
               </a:ext>
             </a:extLst>
           </p:cNvPr>
@@ -7457,69 +8541,142 @@
           <a:p>
             <a:r>
               <a:rPr lang="pt-PT" dirty="0"/>
-              <a:t>Trabalho realizado no contexto da UC de Projeto Informático</a:t>
+              <a:t>Numa rede ótica, o sinal ótico deteriora-se à medida que fica mais longe da fonte</a:t>
             </a:r>
           </a:p>
           <a:p>
             <a:r>
               <a:rPr lang="pt-PT" dirty="0"/>
-              <a:t>Projeto da área temática de Inteligência Artificial</a:t>
-            </a:r>
-          </a:p>
-          <a:p>
+              <a:t>Isto acontece devido a falhas na fibra como:</a:t>
+            </a:r>
+          </a:p>
+          <a:p>
+            <a:pPr lvl="1"/>
             <a:r>
               <a:rPr lang="pt-PT" dirty="0"/>
-              <a:t>Orientadoras:</a:t>
+              <a:t>Atenuação</a:t>
             </a:r>
           </a:p>
           <a:p>
             <a:pPr lvl="1"/>
             <a:r>
               <a:rPr lang="pt-PT" dirty="0"/>
-              <a:t>Anabela Moreira Bernardino</a:t>
+              <a:t>Dispersão</a:t>
             </a:r>
           </a:p>
           <a:p>
             <a:pPr lvl="1"/>
             <a:r>
               <a:rPr lang="pt-PT" dirty="0"/>
-              <a:t>Eugénia Moreira Bernardino</a:t>
+              <a:t>Conversação</a:t>
             </a:r>
           </a:p>
           <a:p>
             <a:r>
               <a:rPr lang="pt-PT" dirty="0"/>
-              <a:t>Prazos:</a:t>
+              <a:t>Ou seja:</a:t>
             </a:r>
           </a:p>
           <a:p>
             <a:pPr lvl="1"/>
             <a:r>
-              <a:rPr lang="pt-PT" dirty="0"/>
-              <a:t>Resultados do sorteio – </a:t>
-            </a:r>
-            <a:r>
               <a:rPr lang="pt-PT" b="1" dirty="0"/>
-              <a:t>27/02/2018</a:t>
-            </a:r>
-          </a:p>
-          <a:p>
-            <a:pPr lvl="1"/>
-            <a:r>
-              <a:rPr lang="pt-PT" dirty="0"/>
-              <a:t>Entrega do projeto – </a:t>
-            </a:r>
-            <a:r>
+              <a:t>A distância a que um sinal ótico pode ser enviado</a:t>
+            </a:r>
+            <a:br>
               <a:rPr lang="pt-PT" b="1" dirty="0"/>
-              <a:t>26/06/2018</a:t>
-            </a:r>
+            </a:br>
+            <a:r>
+              <a:rPr lang="pt-PT" b="1" dirty="0"/>
+              <a:t>sem perder ou deteriorar a informação é </a:t>
+            </a:r>
+            <a:r>
+              <a:rPr lang="pt-PT" b="1" u="sng" dirty="0"/>
+              <a:t>limitada</a:t>
+            </a:r>
+          </a:p>
+        </p:txBody>
+      </p:sp>
+      <p:pic>
+        <p:nvPicPr>
+          <p:cNvPr id="1026" name="Picture 2" descr="Resultado de imagem para optical fiber distance">
+            <a:extLst>
+              <a:ext uri="{FF2B5EF4-FFF2-40B4-BE49-F238E27FC236}">
+                <a16:creationId xmlns:a16="http://schemas.microsoft.com/office/drawing/2014/main" id="{12AB2E26-1721-46A1-937B-4CC1E09C7129}"/>
+              </a:ext>
+            </a:extLst>
+          </p:cNvPr>
+          <p:cNvPicPr>
+            <a:picLocks noChangeAspect="1" noChangeArrowheads="1"/>
+          </p:cNvPicPr>
+          <p:nvPr/>
+        </p:nvPicPr>
+        <p:blipFill>
+          <a:blip r:embed="rId2">
+            <a:extLst>
+              <a:ext uri="{28A0092B-C50C-407E-A947-70E740481C1C}">
+                <a14:useLocalDpi xmlns:a14="http://schemas.microsoft.com/office/drawing/2010/main" val="0"/>
+              </a:ext>
+            </a:extLst>
+          </a:blip>
+          <a:srcRect/>
+          <a:stretch>
+            <a:fillRect/>
+          </a:stretch>
+        </p:blipFill>
+        <p:spPr bwMode="auto">
+          <a:xfrm>
+            <a:off x="8786254" y="4591050"/>
+            <a:ext cx="3405746" cy="2266950"/>
+          </a:xfrm>
+          <a:prstGeom prst="rect">
+            <a:avLst/>
+          </a:prstGeom>
+          <a:noFill/>
+          <a:extLst>
+            <a:ext uri="{909E8E84-426E-40DD-AFC4-6F175D3DCCD1}">
+              <a14:hiddenFill xmlns:a14="http://schemas.microsoft.com/office/drawing/2010/main">
+                <a:solidFill>
+                  <a:srgbClr val="FFFFFF"/>
+                </a:solidFill>
+              </a14:hiddenFill>
+            </a:ext>
+          </a:extLst>
+        </p:spPr>
+      </p:pic>
+      <p:sp>
+        <p:nvSpPr>
+          <p:cNvPr id="4" name="Marcador de Posição do Número do Diapositivo 3">
+            <a:extLst>
+              <a:ext uri="{FF2B5EF4-FFF2-40B4-BE49-F238E27FC236}">
+                <a16:creationId xmlns:a16="http://schemas.microsoft.com/office/drawing/2014/main" id="{9988301C-7848-42F5-A183-28E59669842F}"/>
+              </a:ext>
+            </a:extLst>
+          </p:cNvPr>
+          <p:cNvSpPr>
+            <a:spLocks noGrp="1"/>
+          </p:cNvSpPr>
+          <p:nvPr>
+            <p:ph type="sldNum" sz="quarter" idx="12"/>
+          </p:nvPr>
+        </p:nvSpPr>
+        <p:spPr/>
+        <p:txBody>
+          <a:bodyPr/>
+          <a:lstStyle/>
+          <a:p>
+            <a:fld id="{5AD5E5FD-F30B-4922-B20C-055EB5011373}" type="slidenum">
+              <a:rPr lang="pt-PT" smtClean="0"/>
+              <a:t>3</a:t>
+            </a:fld>
+            <a:endParaRPr lang="pt-PT"/>
           </a:p>
         </p:txBody>
       </p:sp>
     </p:spTree>
     <p:extLst>
       <p:ext uri="{BB962C8B-B14F-4D97-AF65-F5344CB8AC3E}">
-        <p14:creationId xmlns:p14="http://schemas.microsoft.com/office/powerpoint/2010/main" val="3884710539"/>
+        <p14:creationId xmlns:p14="http://schemas.microsoft.com/office/powerpoint/2010/main" val="2026384879"/>
       </p:ext>
     </p:extLst>
   </p:cSld>
@@ -7551,7 +8708,7 @@
           <p:cNvPr id="2" name="Título 1">
             <a:extLst>
               <a:ext uri="{FF2B5EF4-FFF2-40B4-BE49-F238E27FC236}">
-                <a16:creationId xmlns:a16="http://schemas.microsoft.com/office/drawing/2014/main" id="{EF481813-1193-471F-8C2A-3A9FEC475E20}"/>
+                <a16:creationId xmlns:a16="http://schemas.microsoft.com/office/drawing/2014/main" id="{E447C308-79E6-4D3F-A411-4CF152C4676F}"/>
               </a:ext>
             </a:extLst>
           </p:cNvPr>
@@ -7577,7 +8734,7 @@
                   </a:outerShdw>
                 </a:effectLst>
               </a:rPr>
-              <a:t>Acerca dos resultados</a:t>
+              <a:t>Trabalho futuro</a:t>
             </a:r>
           </a:p>
         </p:txBody>
@@ -7587,7 +8744,7 @@
           <p:cNvPr id="3" name="Marcador de Posição de Conteúdo 2">
             <a:extLst>
               <a:ext uri="{FF2B5EF4-FFF2-40B4-BE49-F238E27FC236}">
-                <a16:creationId xmlns:a16="http://schemas.microsoft.com/office/drawing/2014/main" id="{2894F18C-7864-492C-88D2-2E74E27FCD1B}"/>
+                <a16:creationId xmlns:a16="http://schemas.microsoft.com/office/drawing/2014/main" id="{903CBED9-D5C4-4B1C-BDC2-5F433300E82F}"/>
               </a:ext>
             </a:extLst>
           </p:cNvPr>
@@ -7605,78 +8762,37 @@
           <a:p>
             <a:r>
               <a:rPr lang="pt-PT" dirty="0"/>
-              <a:t>Apesar de o BCO apresentar os melhores resultados, </a:t>
-            </a:r>
-            <a:r>
-              <a:rPr lang="pt-PT" b="1" dirty="0"/>
-              <a:t>para problemas de grande dimensão é aconselhado o uso do CA</a:t>
+              <a:t>Criação de uma aplicação que mapeasse redes de fibra ótica do mundo real para o formato aceite pela nossa aplicação</a:t>
             </a:r>
           </a:p>
           <a:p>
             <a:r>
               <a:rPr lang="pt-PT" dirty="0"/>
-              <a:t>Com mais otimização será possível melhorar os resultados obtidos e  reduzir o tempo de execução</a:t>
-            </a:r>
-          </a:p>
-          <a:p>
+              <a:t>Evolução da nossa aplicação para que se torne apta a resolver mais problemas, em menos tempo, com mais algoritmos, com a obtenção do </a:t>
+            </a:r>
+            <a:r>
+              <a:rPr lang="pt-PT" i="1" dirty="0"/>
+              <a:t>hardware</a:t>
+            </a:r>
             <a:r>
               <a:rPr lang="pt-PT" dirty="0"/>
-              <a:t>Com mais iterações será também possível obter melhores soluções (pois nem sempre é encontrada a solução ideal)</a:t>
-            </a:r>
-          </a:p>
-        </p:txBody>
-      </p:sp>
-      <p:sp>
-        <p:nvSpPr>
-          <p:cNvPr id="4" name="AutoShape 2" descr="Resultado de imagem para consider png">
-            <a:extLst>
-              <a:ext uri="{FF2B5EF4-FFF2-40B4-BE49-F238E27FC236}">
-                <a16:creationId xmlns:a16="http://schemas.microsoft.com/office/drawing/2014/main" id="{C65988C5-E59E-48C4-862F-532B82B6D418}"/>
-              </a:ext>
-            </a:extLst>
-          </p:cNvPr>
-          <p:cNvSpPr>
-            <a:spLocks noChangeAspect="1" noChangeArrowheads="1"/>
-          </p:cNvSpPr>
-          <p:nvPr/>
-        </p:nvSpPr>
-        <p:spPr bwMode="auto">
-          <a:xfrm>
-            <a:off x="5943600" y="3276600"/>
-            <a:ext cx="304800" cy="304800"/>
-          </a:xfrm>
-          <a:prstGeom prst="rect">
-            <a:avLst/>
-          </a:prstGeom>
-          <a:noFill/>
-          <a:extLst>
-            <a:ext uri="{909E8E84-426E-40DD-AFC4-6F175D3DCCD1}">
-              <a14:hiddenFill xmlns:a14="http://schemas.microsoft.com/office/drawing/2010/main">
-                <a:solidFill>
-                  <a:srgbClr val="FFFFFF"/>
-                </a:solidFill>
-              </a14:hiddenFill>
-            </a:ext>
-          </a:extLst>
-        </p:spPr>
-        <p:txBody>
-          <a:bodyPr vert="horz" wrap="square" lIns="91440" tIns="45720" rIns="91440" bIns="45720" numCol="1" anchor="t" anchorCtr="0" compatLnSpc="1">
-            <a:prstTxWarp prst="textNoShape">
-              <a:avLst/>
-            </a:prstTxWarp>
-          </a:bodyPr>
-          <a:lstStyle/>
-          <a:p>
-            <a:endParaRPr lang="pt-PT"/>
+              <a:t> necessário</a:t>
+            </a:r>
+          </a:p>
+          <a:p>
+            <a:r>
+              <a:rPr lang="pt-PT" dirty="0"/>
+              <a:t>Realização de estudos comparativos com resoluções do PLR já existentes na literatura</a:t>
+            </a:r>
           </a:p>
         </p:txBody>
       </p:sp>
       <p:pic>
         <p:nvPicPr>
-          <p:cNvPr id="3076" name="Picture 4" descr="Resultado de imagem para conclusions png">
-            <a:extLst>
-              <a:ext uri="{FF2B5EF4-FFF2-40B4-BE49-F238E27FC236}">
-                <a16:creationId xmlns:a16="http://schemas.microsoft.com/office/drawing/2014/main" id="{5B1C03F0-ED3F-49F6-82DC-172767743EB1}"/>
+          <p:cNvPr id="6146" name="Picture 2" descr="Imagem relacionada">
+            <a:extLst>
+              <a:ext uri="{FF2B5EF4-FFF2-40B4-BE49-F238E27FC236}">
+                <a16:creationId xmlns:a16="http://schemas.microsoft.com/office/drawing/2014/main" id="{DB43E0CD-AE83-4386-9B23-89548E7F96EB}"/>
               </a:ext>
             </a:extLst>
           </p:cNvPr>
@@ -7700,8 +8816,8 @@
         </p:blipFill>
         <p:spPr bwMode="auto">
           <a:xfrm>
-            <a:off x="4905172" y="4340157"/>
-            <a:ext cx="2381655" cy="2381655"/>
+            <a:off x="5171293" y="4941652"/>
+            <a:ext cx="1863268" cy="1782088"/>
           </a:xfrm>
           <a:prstGeom prst="rect">
             <a:avLst/>
@@ -7718,10 +8834,39 @@
           </a:extLst>
         </p:spPr>
       </p:pic>
+      <p:sp>
+        <p:nvSpPr>
+          <p:cNvPr id="4" name="Marcador de Posição do Número do Diapositivo 3">
+            <a:extLst>
+              <a:ext uri="{FF2B5EF4-FFF2-40B4-BE49-F238E27FC236}">
+                <a16:creationId xmlns:a16="http://schemas.microsoft.com/office/drawing/2014/main" id="{9E3E83A9-E454-4F2D-993D-1EA721453B7F}"/>
+              </a:ext>
+            </a:extLst>
+          </p:cNvPr>
+          <p:cNvSpPr>
+            <a:spLocks noGrp="1"/>
+          </p:cNvSpPr>
+          <p:nvPr>
+            <p:ph type="sldNum" sz="quarter" idx="12"/>
+          </p:nvPr>
+        </p:nvSpPr>
+        <p:spPr/>
+        <p:txBody>
+          <a:bodyPr/>
+          <a:lstStyle/>
+          <a:p>
+            <a:fld id="{5AD5E5FD-F30B-4922-B20C-055EB5011373}" type="slidenum">
+              <a:rPr lang="pt-PT" smtClean="0"/>
+              <a:t>30</a:t>
+            </a:fld>
+            <a:endParaRPr lang="pt-PT"/>
+          </a:p>
+        </p:txBody>
+      </p:sp>
     </p:spTree>
     <p:extLst>
       <p:ext uri="{BB962C8B-B14F-4D97-AF65-F5344CB8AC3E}">
-        <p14:creationId xmlns:p14="http://schemas.microsoft.com/office/powerpoint/2010/main" val="146071313"/>
+        <p14:creationId xmlns:p14="http://schemas.microsoft.com/office/powerpoint/2010/main" val="1944226664"/>
       </p:ext>
     </p:extLst>
   </p:cSld>
@@ -7753,305 +8898,6 @@
           <p:cNvPr id="2" name="Título 1">
             <a:extLst>
               <a:ext uri="{FF2B5EF4-FFF2-40B4-BE49-F238E27FC236}">
-                <a16:creationId xmlns:a16="http://schemas.microsoft.com/office/drawing/2014/main" id="{2E4BB341-78E0-47EC-980C-FD72F0C76246}"/>
-              </a:ext>
-            </a:extLst>
-          </p:cNvPr>
-          <p:cNvSpPr>
-            <a:spLocks noGrp="1"/>
-          </p:cNvSpPr>
-          <p:nvPr>
-            <p:ph type="title"/>
-          </p:nvPr>
-        </p:nvSpPr>
-        <p:spPr/>
-        <p:txBody>
-          <a:bodyPr/>
-          <a:lstStyle/>
-          <a:p>
-            <a:r>
-              <a:rPr lang="pt-PT" dirty="0">
-                <a:effectLst>
-                  <a:outerShdw blurRad="38100" dist="38100" dir="2700000" algn="tl">
-                    <a:srgbClr val="000000">
-                      <a:alpha val="43137"/>
-                    </a:srgbClr>
-                  </a:outerShdw>
-                </a:effectLst>
-              </a:rPr>
-              <a:t>Considerações finais</a:t>
-            </a:r>
-          </a:p>
-        </p:txBody>
-      </p:sp>
-      <p:sp>
-        <p:nvSpPr>
-          <p:cNvPr id="3" name="Marcador de Posição de Conteúdo 2">
-            <a:extLst>
-              <a:ext uri="{FF2B5EF4-FFF2-40B4-BE49-F238E27FC236}">
-                <a16:creationId xmlns:a16="http://schemas.microsoft.com/office/drawing/2014/main" id="{7992E204-0D2A-4D07-9CE8-914529886868}"/>
-              </a:ext>
-            </a:extLst>
-          </p:cNvPr>
-          <p:cNvSpPr>
-            <a:spLocks noGrp="1"/>
-          </p:cNvSpPr>
-          <p:nvPr>
-            <p:ph idx="1"/>
-          </p:nvPr>
-        </p:nvSpPr>
-        <p:spPr/>
-        <p:txBody>
-          <a:bodyPr/>
-          <a:lstStyle/>
-          <a:p>
-            <a:r>
-              <a:rPr lang="pt-PT" dirty="0"/>
-              <a:t>Este projeto foi um desafio para nós, pois durante a nossa licenciatura em Engenharia Informática não tinha ainda surgido a oportunidade de lidarmos com determinados aspetos importantes para este projeto</a:t>
-            </a:r>
-          </a:p>
-          <a:p>
-            <a:r>
-              <a:rPr lang="pt-PT" dirty="0"/>
-              <a:t>Este foi o nosso primeiro contacto com algoritmos do tipo </a:t>
-            </a:r>
-            <a:r>
-              <a:rPr lang="pt-PT" i="1" dirty="0" err="1"/>
-              <a:t>Swarm</a:t>
-            </a:r>
-            <a:r>
-              <a:rPr lang="pt-PT" i="1" dirty="0"/>
-              <a:t> </a:t>
-            </a:r>
-            <a:r>
-              <a:rPr lang="pt-PT" i="1" dirty="0" err="1"/>
-              <a:t>Intelligence</a:t>
-            </a:r>
-            <a:endParaRPr lang="pt-PT" dirty="0"/>
-          </a:p>
-          <a:p>
-            <a:r>
-              <a:rPr lang="pt-PT" dirty="0"/>
-              <a:t>Ao longo do nosso percurso académico não tínhamos ainda abordado </a:t>
-            </a:r>
-            <a:r>
-              <a:rPr lang="pt-PT" i="1" dirty="0"/>
-              <a:t>C++,</a:t>
-            </a:r>
-            <a:r>
-              <a:rPr lang="pt-PT" dirty="0"/>
-              <a:t> pelo que tivemos de aprender propositadamente a linguagem para este projeto</a:t>
-            </a:r>
-          </a:p>
-          <a:p>
-            <a:r>
-              <a:rPr lang="pt-PT" dirty="0"/>
-              <a:t>Tivemos de nos adaptar à plataforma </a:t>
-            </a:r>
-            <a:r>
-              <a:rPr lang="pt-PT" i="1" dirty="0" err="1"/>
-              <a:t>Qt</a:t>
-            </a:r>
-            <a:endParaRPr lang="pt-PT" i="1" dirty="0"/>
-          </a:p>
-        </p:txBody>
-      </p:sp>
-    </p:spTree>
-    <p:extLst>
-      <p:ext uri="{BB962C8B-B14F-4D97-AF65-F5344CB8AC3E}">
-        <p14:creationId xmlns:p14="http://schemas.microsoft.com/office/powerpoint/2010/main" val="147091254"/>
-      </p:ext>
-    </p:extLst>
-  </p:cSld>
-  <p:clrMapOvr>
-    <a:masterClrMapping/>
-  </p:clrMapOvr>
-</p:sld>
-</file>
-
-<file path=ppt/slides/slide32.xml><?xml version="1.0" encoding="utf-8"?>
-<p:sld xmlns:a="http://schemas.openxmlformats.org/drawingml/2006/main" xmlns:r="http://schemas.openxmlformats.org/officeDocument/2006/relationships" xmlns:p="http://schemas.openxmlformats.org/presentationml/2006/main">
-  <p:cSld>
-    <p:spTree>
-      <p:nvGrpSpPr>
-        <p:cNvPr id="1" name=""/>
-        <p:cNvGrpSpPr/>
-        <p:nvPr/>
-      </p:nvGrpSpPr>
-      <p:grpSpPr>
-        <a:xfrm>
-          <a:off x="0" y="0"/>
-          <a:ext cx="0" cy="0"/>
-          <a:chOff x="0" y="0"/>
-          <a:chExt cx="0" cy="0"/>
-        </a:xfrm>
-      </p:grpSpPr>
-      <p:sp>
-        <p:nvSpPr>
-          <p:cNvPr id="2" name="Título 1">
-            <a:extLst>
-              <a:ext uri="{FF2B5EF4-FFF2-40B4-BE49-F238E27FC236}">
-                <a16:creationId xmlns:a16="http://schemas.microsoft.com/office/drawing/2014/main" id="{E447C308-79E6-4D3F-A411-4CF152C4676F}"/>
-              </a:ext>
-            </a:extLst>
-          </p:cNvPr>
-          <p:cNvSpPr>
-            <a:spLocks noGrp="1"/>
-          </p:cNvSpPr>
-          <p:nvPr>
-            <p:ph type="title"/>
-          </p:nvPr>
-        </p:nvSpPr>
-        <p:spPr/>
-        <p:txBody>
-          <a:bodyPr/>
-          <a:lstStyle/>
-          <a:p>
-            <a:r>
-              <a:rPr lang="pt-PT" dirty="0">
-                <a:effectLst>
-                  <a:outerShdw blurRad="38100" dist="38100" dir="2700000" algn="tl">
-                    <a:srgbClr val="000000">
-                      <a:alpha val="43137"/>
-                    </a:srgbClr>
-                  </a:outerShdw>
-                </a:effectLst>
-              </a:rPr>
-              <a:t>Trabalho futuro</a:t>
-            </a:r>
-          </a:p>
-        </p:txBody>
-      </p:sp>
-      <p:sp>
-        <p:nvSpPr>
-          <p:cNvPr id="3" name="Marcador de Posição de Conteúdo 2">
-            <a:extLst>
-              <a:ext uri="{FF2B5EF4-FFF2-40B4-BE49-F238E27FC236}">
-                <a16:creationId xmlns:a16="http://schemas.microsoft.com/office/drawing/2014/main" id="{903CBED9-D5C4-4B1C-BDC2-5F433300E82F}"/>
-              </a:ext>
-            </a:extLst>
-          </p:cNvPr>
-          <p:cNvSpPr>
-            <a:spLocks noGrp="1"/>
-          </p:cNvSpPr>
-          <p:nvPr>
-            <p:ph idx="1"/>
-          </p:nvPr>
-        </p:nvSpPr>
-        <p:spPr/>
-        <p:txBody>
-          <a:bodyPr/>
-          <a:lstStyle/>
-          <a:p>
-            <a:r>
-              <a:rPr lang="pt-PT" dirty="0"/>
-              <a:t>Criação de uma aplicação que mapeasse redes de fibra ótica do mundo real para o formato aceite pela nossa aplicação</a:t>
-            </a:r>
-          </a:p>
-          <a:p>
-            <a:r>
-              <a:rPr lang="pt-PT" dirty="0"/>
-              <a:t>Evolução da nossa aplicação para que se torne apta a resolver mais problemas, em menos tempo, com mais algoritmos, com a obtenção do </a:t>
-            </a:r>
-            <a:r>
-              <a:rPr lang="pt-PT" i="1" dirty="0"/>
-              <a:t>hardware</a:t>
-            </a:r>
-            <a:r>
-              <a:rPr lang="pt-PT" dirty="0"/>
-              <a:t> necessário</a:t>
-            </a:r>
-          </a:p>
-          <a:p>
-            <a:r>
-              <a:rPr lang="pt-PT" dirty="0"/>
-              <a:t>Realização de estudos comparativos com resoluções do PLR já existentes na literatura</a:t>
-            </a:r>
-          </a:p>
-        </p:txBody>
-      </p:sp>
-      <p:pic>
-        <p:nvPicPr>
-          <p:cNvPr id="6146" name="Picture 2" descr="Imagem relacionada">
-            <a:extLst>
-              <a:ext uri="{FF2B5EF4-FFF2-40B4-BE49-F238E27FC236}">
-                <a16:creationId xmlns:a16="http://schemas.microsoft.com/office/drawing/2014/main" id="{DB43E0CD-AE83-4386-9B23-89548E7F96EB}"/>
-              </a:ext>
-            </a:extLst>
-          </p:cNvPr>
-          <p:cNvPicPr>
-            <a:picLocks noChangeAspect="1" noChangeArrowheads="1"/>
-          </p:cNvPicPr>
-          <p:nvPr/>
-        </p:nvPicPr>
-        <p:blipFill>
-          <a:blip r:embed="rId2">
-            <a:extLst>
-              <a:ext uri="{28A0092B-C50C-407E-A947-70E740481C1C}">
-                <a14:useLocalDpi xmlns:a14="http://schemas.microsoft.com/office/drawing/2010/main" val="0"/>
-              </a:ext>
-            </a:extLst>
-          </a:blip>
-          <a:srcRect/>
-          <a:stretch>
-            <a:fillRect/>
-          </a:stretch>
-        </p:blipFill>
-        <p:spPr bwMode="auto">
-          <a:xfrm>
-            <a:off x="5171293" y="4941652"/>
-            <a:ext cx="1863268" cy="1782088"/>
-          </a:xfrm>
-          <a:prstGeom prst="rect">
-            <a:avLst/>
-          </a:prstGeom>
-          <a:noFill/>
-          <a:extLst>
-            <a:ext uri="{909E8E84-426E-40DD-AFC4-6F175D3DCCD1}">
-              <a14:hiddenFill xmlns:a14="http://schemas.microsoft.com/office/drawing/2010/main">
-                <a:solidFill>
-                  <a:srgbClr val="FFFFFF"/>
-                </a:solidFill>
-              </a14:hiddenFill>
-            </a:ext>
-          </a:extLst>
-        </p:spPr>
-      </p:pic>
-    </p:spTree>
-    <p:extLst>
-      <p:ext uri="{BB962C8B-B14F-4D97-AF65-F5344CB8AC3E}">
-        <p14:creationId xmlns:p14="http://schemas.microsoft.com/office/powerpoint/2010/main" val="1944226664"/>
-      </p:ext>
-    </p:extLst>
-  </p:cSld>
-  <p:clrMapOvr>
-    <a:masterClrMapping/>
-  </p:clrMapOvr>
-</p:sld>
-</file>
-
-<file path=ppt/slides/slide33.xml><?xml version="1.0" encoding="utf-8"?>
-<p:sld xmlns:a="http://schemas.openxmlformats.org/drawingml/2006/main" xmlns:r="http://schemas.openxmlformats.org/officeDocument/2006/relationships" xmlns:p="http://schemas.openxmlformats.org/presentationml/2006/main">
-  <p:cSld>
-    <p:spTree>
-      <p:nvGrpSpPr>
-        <p:cNvPr id="1" name=""/>
-        <p:cNvGrpSpPr/>
-        <p:nvPr/>
-      </p:nvGrpSpPr>
-      <p:grpSpPr>
-        <a:xfrm>
-          <a:off x="0" y="0"/>
-          <a:ext cx="0" cy="0"/>
-          <a:chOff x="0" y="0"/>
-          <a:chExt cx="0" cy="0"/>
-        </a:xfrm>
-      </p:grpSpPr>
-      <p:sp>
-        <p:nvSpPr>
-          <p:cNvPr id="2" name="Título 1">
-            <a:extLst>
-              <a:ext uri="{FF2B5EF4-FFF2-40B4-BE49-F238E27FC236}">
                 <a16:creationId xmlns:a16="http://schemas.microsoft.com/office/drawing/2014/main" id="{AB7F07F5-1DD7-4C3A-A681-39CC72966479}"/>
               </a:ext>
             </a:extLst>
@@ -8130,6 +8976,35 @@
           </a:p>
           <a:p>
             <a:endParaRPr lang="pt-PT" dirty="0"/>
+          </a:p>
+        </p:txBody>
+      </p:sp>
+      <p:sp>
+        <p:nvSpPr>
+          <p:cNvPr id="4" name="Marcador de Posição do Número do Diapositivo 3">
+            <a:extLst>
+              <a:ext uri="{FF2B5EF4-FFF2-40B4-BE49-F238E27FC236}">
+                <a16:creationId xmlns:a16="http://schemas.microsoft.com/office/drawing/2014/main" id="{67AAFADC-5355-4380-856F-769A6D5B536C}"/>
+              </a:ext>
+            </a:extLst>
+          </p:cNvPr>
+          <p:cNvSpPr>
+            <a:spLocks noGrp="1"/>
+          </p:cNvSpPr>
+          <p:nvPr>
+            <p:ph type="sldNum" sz="quarter" idx="12"/>
+          </p:nvPr>
+        </p:nvSpPr>
+        <p:spPr/>
+        <p:txBody>
+          <a:bodyPr/>
+          <a:lstStyle/>
+          <a:p>
+            <a:fld id="{5AD5E5FD-F30B-4922-B20C-055EB5011373}" type="slidenum">
+              <a:rPr lang="pt-PT" smtClean="0"/>
+              <a:t>31</a:t>
+            </a:fld>
+            <a:endParaRPr lang="pt-PT"/>
           </a:p>
         </p:txBody>
       </p:sp>
@@ -8146,7 +9021,7 @@
 </p:sld>
 </file>
 
-<file path=ppt/slides/slide34.xml><?xml version="1.0" encoding="utf-8"?>
+<file path=ppt/slides/slide32.xml><?xml version="1.0" encoding="utf-8"?>
 <p:sld xmlns:a="http://schemas.openxmlformats.org/drawingml/2006/main" xmlns:r="http://schemas.openxmlformats.org/officeDocument/2006/relationships" xmlns:p="http://schemas.openxmlformats.org/presentationml/2006/main">
   <p:cSld>
     <p:spTree>
@@ -8261,7 +9136,7 @@
           <p:cNvPr id="2" name="Título 1">
             <a:extLst>
               <a:ext uri="{FF2B5EF4-FFF2-40B4-BE49-F238E27FC236}">
-                <a16:creationId xmlns:a16="http://schemas.microsoft.com/office/drawing/2014/main" id="{FC965317-EB62-4B84-A0F3-22E652E2723C}"/>
+                <a16:creationId xmlns:a16="http://schemas.microsoft.com/office/drawing/2014/main" id="{9B624EDE-558D-4D6C-BD2F-A86A01A53E6D}"/>
               </a:ext>
             </a:extLst>
           </p:cNvPr>
@@ -8272,7 +9147,12 @@
             <p:ph type="title"/>
           </p:nvPr>
         </p:nvSpPr>
-        <p:spPr/>
+        <p:spPr>
+          <a:xfrm>
+            <a:off x="845127" y="365760"/>
+            <a:ext cx="10515600" cy="1325562"/>
+          </a:xfrm>
+        </p:spPr>
         <p:txBody>
           <a:bodyPr/>
           <a:lstStyle/>
@@ -8287,8 +9167,9 @@
                   </a:outerShdw>
                 </a:effectLst>
               </a:rPr>
-              <a:t>Problema – As Redes Óticas</a:t>
-            </a:r>
+              <a:t>Problema – Os Regeneradores</a:t>
+            </a:r>
+            <a:endParaRPr lang="pt-PT" dirty="0"/>
           </a:p>
         </p:txBody>
       </p:sp>
@@ -8297,7 +9178,7 @@
           <p:cNvPr id="3" name="Marcador de Posição de Conteúdo 2">
             <a:extLst>
               <a:ext uri="{FF2B5EF4-FFF2-40B4-BE49-F238E27FC236}">
-                <a16:creationId xmlns:a16="http://schemas.microsoft.com/office/drawing/2014/main" id="{6F6D11CF-E42B-4003-945B-9D7B5A4A2B38}"/>
+                <a16:creationId xmlns:a16="http://schemas.microsoft.com/office/drawing/2014/main" id="{DA235DD6-BC59-430C-BFF4-A02F8E6A0A97}"/>
               </a:ext>
             </a:extLst>
           </p:cNvPr>
@@ -8308,75 +9189,50 @@
             <p:ph idx="1"/>
           </p:nvPr>
         </p:nvSpPr>
-        <p:spPr/>
-        <p:txBody>
-          <a:bodyPr/>
-          <a:lstStyle/>
-          <a:p>
-            <a:r>
-              <a:rPr lang="pt-PT" dirty="0"/>
-              <a:t>Numa rede ótica, o sinal ótico deteriora-se à medida que fica mais longe da fonte</a:t>
-            </a:r>
-          </a:p>
-          <a:p>
-            <a:r>
-              <a:rPr lang="pt-PT" dirty="0"/>
-              <a:t>Isto acontece devido a falhas na fibra como:</a:t>
-            </a:r>
-          </a:p>
-          <a:p>
-            <a:pPr lvl="1"/>
-            <a:r>
-              <a:rPr lang="pt-PT" dirty="0"/>
-              <a:t>Atenuação</a:t>
-            </a:r>
-          </a:p>
-          <a:p>
-            <a:pPr lvl="1"/>
-            <a:r>
-              <a:rPr lang="pt-PT" dirty="0"/>
-              <a:t>Dispersão</a:t>
-            </a:r>
-          </a:p>
-          <a:p>
-            <a:pPr lvl="1"/>
-            <a:r>
-              <a:rPr lang="pt-PT" dirty="0"/>
-              <a:t>Conversação</a:t>
-            </a:r>
-          </a:p>
-          <a:p>
-            <a:r>
-              <a:rPr lang="pt-PT" dirty="0"/>
-              <a:t>Ou seja:</a:t>
-            </a:r>
-          </a:p>
-          <a:p>
-            <a:pPr lvl="1"/>
-            <a:r>
-              <a:rPr lang="pt-PT" b="1" dirty="0"/>
-              <a:t>A distância a que um sinal ótico pode ser enviado</a:t>
-            </a:r>
-            <a:br>
-              <a:rPr lang="pt-PT" b="1" dirty="0"/>
-            </a:br>
-            <a:r>
-              <a:rPr lang="pt-PT" b="1" dirty="0"/>
-              <a:t>sem perder ou deteriorar a informação é </a:t>
-            </a:r>
-            <a:r>
-              <a:rPr lang="pt-PT" b="1" u="sng" dirty="0"/>
-              <a:t>limitada</a:t>
-            </a:r>
+        <p:spPr>
+          <a:xfrm>
+            <a:off x="845127" y="1828800"/>
+            <a:ext cx="10515600" cy="4351337"/>
+          </a:xfrm>
+        </p:spPr>
+        <p:txBody>
+          <a:bodyPr/>
+          <a:lstStyle/>
+          <a:p>
+            <a:r>
+              <a:rPr lang="pt-PT"/>
+              <a:t>Deste modo, é necessário regenerar os sinais óticos periodicamente, utilizando </a:t>
+            </a:r>
+            <a:r>
+              <a:rPr lang="pt-PT" b="1"/>
+              <a:t>regeneradores</a:t>
+            </a:r>
+          </a:p>
+          <a:p>
+            <a:r>
+              <a:rPr lang="pt-PT"/>
+              <a:t>Estas máquinas servem para restaurar o sinal, aumentando a distancia que este consegue percorrer sem perder qualidade</a:t>
+            </a:r>
+          </a:p>
+          <a:p>
+            <a:r>
+              <a:rPr lang="pt-PT"/>
+              <a:t>Têm um </a:t>
+            </a:r>
+            <a:r>
+              <a:rPr lang="pt-PT" b="1"/>
+              <a:t>custo de instalação e manutenção bastante elevado</a:t>
+            </a:r>
+            <a:endParaRPr lang="pt-PT" b="1" dirty="0"/>
           </a:p>
         </p:txBody>
       </p:sp>
       <p:pic>
         <p:nvPicPr>
-          <p:cNvPr id="1026" name="Picture 2" descr="Resultado de imagem para optical fiber distance">
-            <a:extLst>
-              <a:ext uri="{FF2B5EF4-FFF2-40B4-BE49-F238E27FC236}">
-                <a16:creationId xmlns:a16="http://schemas.microsoft.com/office/drawing/2014/main" id="{12AB2E26-1721-46A1-937B-4CC1E09C7129}"/>
+          <p:cNvPr id="2056" name="Picture 8" descr="I Canât Afford to Travel for Work, How Do I Tell My Boss?">
+            <a:extLst>
+              <a:ext uri="{FF2B5EF4-FFF2-40B4-BE49-F238E27FC236}">
+                <a16:creationId xmlns:a16="http://schemas.microsoft.com/office/drawing/2014/main" id="{83EE301B-D307-4E36-BC7E-EC981FD98CF2}"/>
               </a:ext>
             </a:extLst>
           </p:cNvPr>
@@ -8400,8 +9256,8 @@
         </p:blipFill>
         <p:spPr bwMode="auto">
           <a:xfrm>
-            <a:off x="8786254" y="4591050"/>
-            <a:ext cx="3405746" cy="2266950"/>
+            <a:off x="3954712" y="4536695"/>
+            <a:ext cx="4296430" cy="2148216"/>
           </a:xfrm>
           <a:prstGeom prst="rect">
             <a:avLst/>
@@ -8418,10 +9274,39 @@
           </a:extLst>
         </p:spPr>
       </p:pic>
+      <p:sp>
+        <p:nvSpPr>
+          <p:cNvPr id="4" name="Marcador de Posição do Número do Diapositivo 3">
+            <a:extLst>
+              <a:ext uri="{FF2B5EF4-FFF2-40B4-BE49-F238E27FC236}">
+                <a16:creationId xmlns:a16="http://schemas.microsoft.com/office/drawing/2014/main" id="{52F34454-C6EA-467A-9D42-FF28F8605740}"/>
+              </a:ext>
+            </a:extLst>
+          </p:cNvPr>
+          <p:cNvSpPr>
+            <a:spLocks noGrp="1"/>
+          </p:cNvSpPr>
+          <p:nvPr>
+            <p:ph type="sldNum" sz="quarter" idx="12"/>
+          </p:nvPr>
+        </p:nvSpPr>
+        <p:spPr/>
+        <p:txBody>
+          <a:bodyPr/>
+          <a:lstStyle/>
+          <a:p>
+            <a:fld id="{5AD5E5FD-F30B-4922-B20C-055EB5011373}" type="slidenum">
+              <a:rPr lang="pt-PT" smtClean="0"/>
+              <a:t>4</a:t>
+            </a:fld>
+            <a:endParaRPr lang="pt-PT"/>
+          </a:p>
+        </p:txBody>
+      </p:sp>
     </p:spTree>
     <p:extLst>
       <p:ext uri="{BB962C8B-B14F-4D97-AF65-F5344CB8AC3E}">
-        <p14:creationId xmlns:p14="http://schemas.microsoft.com/office/powerpoint/2010/main" val="2026384879"/>
+        <p14:creationId xmlns:p14="http://schemas.microsoft.com/office/powerpoint/2010/main" val="4180321446"/>
       </p:ext>
     </p:extLst>
   </p:cSld>
@@ -8453,179 +9338,6 @@
           <p:cNvPr id="2" name="Título 1">
             <a:extLst>
               <a:ext uri="{FF2B5EF4-FFF2-40B4-BE49-F238E27FC236}">
-                <a16:creationId xmlns:a16="http://schemas.microsoft.com/office/drawing/2014/main" id="{9B624EDE-558D-4D6C-BD2F-A86A01A53E6D}"/>
-              </a:ext>
-            </a:extLst>
-          </p:cNvPr>
-          <p:cNvSpPr>
-            <a:spLocks noGrp="1"/>
-          </p:cNvSpPr>
-          <p:nvPr>
-            <p:ph type="title"/>
-          </p:nvPr>
-        </p:nvSpPr>
-        <p:spPr>
-          <a:xfrm>
-            <a:off x="845127" y="365760"/>
-            <a:ext cx="10515600" cy="1325562"/>
-          </a:xfrm>
-        </p:spPr>
-        <p:txBody>
-          <a:bodyPr/>
-          <a:lstStyle/>
-          <a:p>
-            <a:r>
-              <a:rPr lang="pt-PT" dirty="0">
-                <a:effectLst>
-                  <a:outerShdw blurRad="38100" dist="38100" dir="2700000" algn="tl">
-                    <a:srgbClr val="000000">
-                      <a:alpha val="43137"/>
-                    </a:srgbClr>
-                  </a:outerShdw>
-                </a:effectLst>
-              </a:rPr>
-              <a:t>Problema – Os Regeneradores</a:t>
-            </a:r>
-            <a:endParaRPr lang="pt-PT" dirty="0"/>
-          </a:p>
-        </p:txBody>
-      </p:sp>
-      <p:sp>
-        <p:nvSpPr>
-          <p:cNvPr id="3" name="Marcador de Posição de Conteúdo 2">
-            <a:extLst>
-              <a:ext uri="{FF2B5EF4-FFF2-40B4-BE49-F238E27FC236}">
-                <a16:creationId xmlns:a16="http://schemas.microsoft.com/office/drawing/2014/main" id="{DA235DD6-BC59-430C-BFF4-A02F8E6A0A97}"/>
-              </a:ext>
-            </a:extLst>
-          </p:cNvPr>
-          <p:cNvSpPr>
-            <a:spLocks noGrp="1"/>
-          </p:cNvSpPr>
-          <p:nvPr>
-            <p:ph idx="1"/>
-          </p:nvPr>
-        </p:nvSpPr>
-        <p:spPr>
-          <a:xfrm>
-            <a:off x="845127" y="1828800"/>
-            <a:ext cx="10515600" cy="4351337"/>
-          </a:xfrm>
-        </p:spPr>
-        <p:txBody>
-          <a:bodyPr/>
-          <a:lstStyle/>
-          <a:p>
-            <a:r>
-              <a:rPr lang="pt-PT"/>
-              <a:t>Deste modo, é necessário regenerar os sinais óticos periodicamente, utilizando </a:t>
-            </a:r>
-            <a:r>
-              <a:rPr lang="pt-PT" b="1"/>
-              <a:t>regeneradores</a:t>
-            </a:r>
-          </a:p>
-          <a:p>
-            <a:r>
-              <a:rPr lang="pt-PT"/>
-              <a:t>Estas máquinas servem para restaurar o sinal, aumentando a distancia que este consegue percorrer sem perder qualidade</a:t>
-            </a:r>
-          </a:p>
-          <a:p>
-            <a:r>
-              <a:rPr lang="pt-PT"/>
-              <a:t>Têm um </a:t>
-            </a:r>
-            <a:r>
-              <a:rPr lang="pt-PT" b="1"/>
-              <a:t>custo de instalação e manutenção bastante elevado</a:t>
-            </a:r>
-            <a:endParaRPr lang="pt-PT" b="1" dirty="0"/>
-          </a:p>
-        </p:txBody>
-      </p:sp>
-      <p:pic>
-        <p:nvPicPr>
-          <p:cNvPr id="2056" name="Picture 8" descr="I Canât Afford to Travel for Work, How Do I Tell My Boss?">
-            <a:extLst>
-              <a:ext uri="{FF2B5EF4-FFF2-40B4-BE49-F238E27FC236}">
-                <a16:creationId xmlns:a16="http://schemas.microsoft.com/office/drawing/2014/main" id="{83EE301B-D307-4E36-BC7E-EC981FD98CF2}"/>
-              </a:ext>
-            </a:extLst>
-          </p:cNvPr>
-          <p:cNvPicPr>
-            <a:picLocks noChangeAspect="1" noChangeArrowheads="1"/>
-          </p:cNvPicPr>
-          <p:nvPr/>
-        </p:nvPicPr>
-        <p:blipFill>
-          <a:blip r:embed="rId2">
-            <a:extLst>
-              <a:ext uri="{28A0092B-C50C-407E-A947-70E740481C1C}">
-                <a14:useLocalDpi xmlns:a14="http://schemas.microsoft.com/office/drawing/2010/main" val="0"/>
-              </a:ext>
-            </a:extLst>
-          </a:blip>
-          <a:srcRect/>
-          <a:stretch>
-            <a:fillRect/>
-          </a:stretch>
-        </p:blipFill>
-        <p:spPr bwMode="auto">
-          <a:xfrm>
-            <a:off x="3954712" y="4536695"/>
-            <a:ext cx="4296430" cy="2148216"/>
-          </a:xfrm>
-          <a:prstGeom prst="rect">
-            <a:avLst/>
-          </a:prstGeom>
-          <a:noFill/>
-          <a:extLst>
-            <a:ext uri="{909E8E84-426E-40DD-AFC4-6F175D3DCCD1}">
-              <a14:hiddenFill xmlns:a14="http://schemas.microsoft.com/office/drawing/2010/main">
-                <a:solidFill>
-                  <a:srgbClr val="FFFFFF"/>
-                </a:solidFill>
-              </a14:hiddenFill>
-            </a:ext>
-          </a:extLst>
-        </p:spPr>
-      </p:pic>
-    </p:spTree>
-    <p:extLst>
-      <p:ext uri="{BB962C8B-B14F-4D97-AF65-F5344CB8AC3E}">
-        <p14:creationId xmlns:p14="http://schemas.microsoft.com/office/powerpoint/2010/main" val="4180321446"/>
-      </p:ext>
-    </p:extLst>
-  </p:cSld>
-  <p:clrMapOvr>
-    <a:masterClrMapping/>
-  </p:clrMapOvr>
-</p:sld>
-</file>
-
-<file path=ppt/slides/slide6.xml><?xml version="1.0" encoding="utf-8"?>
-<p:sld xmlns:a="http://schemas.openxmlformats.org/drawingml/2006/main" xmlns:r="http://schemas.openxmlformats.org/officeDocument/2006/relationships" xmlns:p="http://schemas.openxmlformats.org/presentationml/2006/main">
-  <p:cSld>
-    <p:spTree>
-      <p:nvGrpSpPr>
-        <p:cNvPr id="1" name=""/>
-        <p:cNvGrpSpPr/>
-        <p:nvPr/>
-      </p:nvGrpSpPr>
-      <p:grpSpPr>
-        <a:xfrm>
-          <a:off x="0" y="0"/>
-          <a:ext cx="0" cy="0"/>
-          <a:chOff x="0" y="0"/>
-          <a:chExt cx="0" cy="0"/>
-        </a:xfrm>
-      </p:grpSpPr>
-      <p:sp>
-        <p:nvSpPr>
-          <p:cNvPr id="2" name="Título 1">
-            <a:extLst>
-              <a:ext uri="{FF2B5EF4-FFF2-40B4-BE49-F238E27FC236}">
                 <a16:creationId xmlns:a16="http://schemas.microsoft.com/office/drawing/2014/main" id="{59A18D3E-769E-4DD5-A678-D97FEB210DB7}"/>
               </a:ext>
             </a:extLst>
@@ -8674,9 +9386,16 @@
             <p:ph idx="1"/>
           </p:nvPr>
         </p:nvSpPr>
-        <p:spPr/>
-        <p:txBody>
-          <a:bodyPr/>
+        <p:spPr>
+          <a:xfrm>
+            <a:off x="845127" y="1828800"/>
+            <a:ext cx="10515600" cy="4751754"/>
+          </a:xfrm>
+        </p:spPr>
+        <p:txBody>
+          <a:bodyPr>
+            <a:normAutofit fontScale="92500" lnSpcReduction="20000"/>
+          </a:bodyPr>
           <a:lstStyle/>
           <a:p>
             <a:pPr algn="just"/>
@@ -8700,6 +9419,50 @@
               <a:rPr lang="pt-PT" dirty="0"/>
               <a:t>, de modo a que cada par de nós possa comunicar entre si</a:t>
             </a:r>
+          </a:p>
+          <a:p>
+            <a:pPr algn="just"/>
+            <a:endParaRPr lang="pt-PT" dirty="0"/>
+          </a:p>
+          <a:p>
+            <a:pPr algn="just"/>
+            <a:endParaRPr lang="pt-PT" dirty="0"/>
+          </a:p>
+          <a:p>
+            <a:pPr algn="just"/>
+            <a:endParaRPr lang="pt-PT" dirty="0"/>
+          </a:p>
+          <a:p>
+            <a:pPr algn="just"/>
+            <a:endParaRPr lang="pt-PT" dirty="0"/>
+          </a:p>
+          <a:p>
+            <a:pPr algn="just"/>
+            <a:endParaRPr lang="pt-PT" dirty="0"/>
+          </a:p>
+          <a:p>
+            <a:pPr algn="just"/>
+            <a:endParaRPr lang="pt-PT" dirty="0"/>
+          </a:p>
+          <a:p>
+            <a:pPr algn="just"/>
+            <a:endParaRPr lang="pt-PT" dirty="0"/>
+          </a:p>
+          <a:p>
+            <a:pPr algn="just"/>
+            <a:endParaRPr lang="pt-PT" dirty="0"/>
+          </a:p>
+          <a:p>
+            <a:pPr algn="just"/>
+            <a:r>
+              <a:rPr lang="pt-PT" dirty="0"/>
+              <a:t>O PLR é considerado um problema </a:t>
+            </a:r>
+            <a:r>
+              <a:rPr lang="pt-PT" b="1" i="1" dirty="0"/>
+              <a:t>NP-Complete</a:t>
+            </a:r>
+            <a:endParaRPr lang="pt-PT" dirty="0"/>
           </a:p>
         </p:txBody>
       </p:sp>
@@ -8731,7 +9494,7 @@
         </p:blipFill>
         <p:spPr>
           <a:xfrm>
-            <a:off x="2216726" y="3387610"/>
+            <a:off x="2021342" y="2696521"/>
             <a:ext cx="3460173" cy="3081069"/>
           </a:xfrm>
           <a:prstGeom prst="rect">
@@ -8767,7 +9530,7 @@
         </p:blipFill>
         <p:spPr>
           <a:xfrm>
-            <a:off x="5785175" y="3387610"/>
+            <a:off x="6230652" y="2645145"/>
             <a:ext cx="3456432" cy="3077740"/>
           </a:xfrm>
           <a:prstGeom prst="rect">
@@ -8775,6 +9538,35 @@
           </a:prstGeom>
         </p:spPr>
       </p:pic>
+      <p:sp>
+        <p:nvSpPr>
+          <p:cNvPr id="6" name="Marcador de Posição do Número do Diapositivo 5">
+            <a:extLst>
+              <a:ext uri="{FF2B5EF4-FFF2-40B4-BE49-F238E27FC236}">
+                <a16:creationId xmlns:a16="http://schemas.microsoft.com/office/drawing/2014/main" id="{CE8DB7DC-9BDC-4FB8-B915-FC2F98E147CD}"/>
+              </a:ext>
+            </a:extLst>
+          </p:cNvPr>
+          <p:cNvSpPr>
+            <a:spLocks noGrp="1"/>
+          </p:cNvSpPr>
+          <p:nvPr>
+            <p:ph type="sldNum" sz="quarter" idx="12"/>
+          </p:nvPr>
+        </p:nvSpPr>
+        <p:spPr/>
+        <p:txBody>
+          <a:bodyPr/>
+          <a:lstStyle/>
+          <a:p>
+            <a:fld id="{5AD5E5FD-F30B-4922-B20C-055EB5011373}" type="slidenum">
+              <a:rPr lang="pt-PT" smtClean="0"/>
+              <a:t>5</a:t>
+            </a:fld>
+            <a:endParaRPr lang="pt-PT"/>
+          </a:p>
+        </p:txBody>
+      </p:sp>
     </p:spTree>
     <p:extLst>
       <p:ext uri="{BB962C8B-B14F-4D97-AF65-F5344CB8AC3E}">
@@ -8788,205 +9580,7 @@
 </p:sld>
 </file>
 
-<file path=ppt/slides/slide7.xml><?xml version="1.0" encoding="utf-8"?>
-<p:sld xmlns:a="http://schemas.openxmlformats.org/drawingml/2006/main" xmlns:r="http://schemas.openxmlformats.org/officeDocument/2006/relationships" xmlns:p="http://schemas.openxmlformats.org/presentationml/2006/main">
-  <p:cSld>
-    <p:spTree>
-      <p:nvGrpSpPr>
-        <p:cNvPr id="1" name=""/>
-        <p:cNvGrpSpPr/>
-        <p:nvPr/>
-      </p:nvGrpSpPr>
-      <p:grpSpPr>
-        <a:xfrm>
-          <a:off x="0" y="0"/>
-          <a:ext cx="0" cy="0"/>
-          <a:chOff x="0" y="0"/>
-          <a:chExt cx="0" cy="0"/>
-        </a:xfrm>
-      </p:grpSpPr>
-      <p:sp>
-        <p:nvSpPr>
-          <p:cNvPr id="2" name="Título 1">
-            <a:extLst>
-              <a:ext uri="{FF2B5EF4-FFF2-40B4-BE49-F238E27FC236}">
-                <a16:creationId xmlns:a16="http://schemas.microsoft.com/office/drawing/2014/main" id="{050D98BC-7FAB-41F3-B31F-AC30613B6B7C}"/>
-              </a:ext>
-            </a:extLst>
-          </p:cNvPr>
-          <p:cNvSpPr>
-            <a:spLocks noGrp="1"/>
-          </p:cNvSpPr>
-          <p:nvPr>
-            <p:ph type="title"/>
-          </p:nvPr>
-        </p:nvSpPr>
-        <p:spPr/>
-        <p:txBody>
-          <a:bodyPr/>
-          <a:lstStyle/>
-          <a:p>
-            <a:r>
-              <a:rPr lang="pt-PT" dirty="0">
-                <a:effectLst>
-                  <a:outerShdw blurRad="38100" dist="38100" dir="2700000" algn="tl">
-                    <a:srgbClr val="000000">
-                      <a:alpha val="43137"/>
-                    </a:srgbClr>
-                  </a:outerShdw>
-                </a:effectLst>
-              </a:rPr>
-              <a:t>Problemas </a:t>
-            </a:r>
-            <a:r>
-              <a:rPr lang="pt-PT" i="1" dirty="0">
-                <a:effectLst>
-                  <a:outerShdw blurRad="38100" dist="38100" dir="2700000" algn="tl">
-                    <a:srgbClr val="000000">
-                      <a:alpha val="43137"/>
-                    </a:srgbClr>
-                  </a:outerShdw>
-                </a:effectLst>
-              </a:rPr>
-              <a:t>NP-Complete</a:t>
-            </a:r>
-          </a:p>
-        </p:txBody>
-      </p:sp>
-      <p:sp>
-        <p:nvSpPr>
-          <p:cNvPr id="3" name="Marcador de Posição de Conteúdo 2">
-            <a:extLst>
-              <a:ext uri="{FF2B5EF4-FFF2-40B4-BE49-F238E27FC236}">
-                <a16:creationId xmlns:a16="http://schemas.microsoft.com/office/drawing/2014/main" id="{D932BAB5-8E63-4C95-A516-89CC55643045}"/>
-              </a:ext>
-            </a:extLst>
-          </p:cNvPr>
-          <p:cNvSpPr>
-            <a:spLocks noGrp="1"/>
-          </p:cNvSpPr>
-          <p:nvPr>
-            <p:ph idx="1"/>
-          </p:nvPr>
-        </p:nvSpPr>
-        <p:spPr/>
-        <p:txBody>
-          <a:bodyPr/>
-          <a:lstStyle/>
-          <a:p>
-            <a:r>
-              <a:rPr lang="pt-PT" dirty="0"/>
-              <a:t>O PLR é considerado um problema </a:t>
-            </a:r>
-            <a:r>
-              <a:rPr lang="pt-PT" b="1" i="1" dirty="0"/>
-              <a:t>NP-Complete</a:t>
-            </a:r>
-          </a:p>
-          <a:p>
-            <a:r>
-              <a:rPr lang="pt-PT" dirty="0"/>
-              <a:t>Um problema é classificado </a:t>
-            </a:r>
-            <a:r>
-              <a:rPr lang="pt-PT" i="1" dirty="0"/>
-              <a:t>NP-Complete</a:t>
-            </a:r>
-            <a:r>
-              <a:rPr lang="pt-PT" dirty="0"/>
-              <a:t> se for considerado </a:t>
-            </a:r>
-            <a:r>
-              <a:rPr lang="pt-PT" b="1" i="1" dirty="0"/>
-              <a:t>NP-Hard</a:t>
-            </a:r>
-          </a:p>
-          <a:p>
-            <a:r>
-              <a:rPr lang="pt-PT" dirty="0"/>
-              <a:t>Qualquer algoritmo utilizado para resolver um problema do tipo </a:t>
-            </a:r>
-            <a:r>
-              <a:rPr lang="pt-PT" i="1" dirty="0"/>
-              <a:t>NP-Hard</a:t>
-            </a:r>
-            <a:r>
-              <a:rPr lang="pt-PT" dirty="0"/>
-              <a:t> em tempo polinomial pode ser posteriormente traduzido para resolver qualquer problema também </a:t>
-            </a:r>
-            <a:r>
-              <a:rPr lang="pt-PT" i="1" dirty="0"/>
-              <a:t>NP-Hard</a:t>
-            </a:r>
-            <a:r>
-              <a:rPr lang="pt-PT" dirty="0"/>
-              <a:t>.</a:t>
-            </a:r>
-            <a:endParaRPr lang="pt-PT" i="1" dirty="0"/>
-          </a:p>
-        </p:txBody>
-      </p:sp>
-      <p:pic>
-        <p:nvPicPr>
-          <p:cNvPr id="7170" name="Picture 2" descr="Resultado de imagem para gears png">
-            <a:extLst>
-              <a:ext uri="{FF2B5EF4-FFF2-40B4-BE49-F238E27FC236}">
-                <a16:creationId xmlns:a16="http://schemas.microsoft.com/office/drawing/2014/main" id="{2FD2D23E-C4A0-4605-BB38-D6076567B06F}"/>
-              </a:ext>
-            </a:extLst>
-          </p:cNvPr>
-          <p:cNvPicPr>
-            <a:picLocks noChangeAspect="1" noChangeArrowheads="1"/>
-          </p:cNvPicPr>
-          <p:nvPr/>
-        </p:nvPicPr>
-        <p:blipFill>
-          <a:blip r:embed="rId2">
-            <a:extLst>
-              <a:ext uri="{28A0092B-C50C-407E-A947-70E740481C1C}">
-                <a14:useLocalDpi xmlns:a14="http://schemas.microsoft.com/office/drawing/2010/main" val="0"/>
-              </a:ext>
-            </a:extLst>
-          </a:blip>
-          <a:srcRect/>
-          <a:stretch>
-            <a:fillRect/>
-          </a:stretch>
-        </p:blipFill>
-        <p:spPr bwMode="auto">
-          <a:xfrm>
-            <a:off x="4795576" y="4513634"/>
-            <a:ext cx="2614701" cy="2012264"/>
-          </a:xfrm>
-          <a:prstGeom prst="rect">
-            <a:avLst/>
-          </a:prstGeom>
-          <a:noFill/>
-          <a:extLst>
-            <a:ext uri="{909E8E84-426E-40DD-AFC4-6F175D3DCCD1}">
-              <a14:hiddenFill xmlns:a14="http://schemas.microsoft.com/office/drawing/2010/main">
-                <a:solidFill>
-                  <a:srgbClr val="FFFFFF"/>
-                </a:solidFill>
-              </a14:hiddenFill>
-            </a:ext>
-          </a:extLst>
-        </p:spPr>
-      </p:pic>
-    </p:spTree>
-    <p:extLst>
-      <p:ext uri="{BB962C8B-B14F-4D97-AF65-F5344CB8AC3E}">
-        <p14:creationId xmlns:p14="http://schemas.microsoft.com/office/powerpoint/2010/main" val="1751846742"/>
-      </p:ext>
-    </p:extLst>
-  </p:cSld>
-  <p:clrMapOvr>
-    <a:masterClrMapping/>
-  </p:clrMapOvr>
-</p:sld>
-</file>
-
-<file path=ppt/slides/slide8.xml><?xml version="1.0" encoding="utf-8"?>
+<file path=ppt/slides/slide6.xml><?xml version="1.0" encoding="utf-8"?>
 <p:sld xmlns:a="http://schemas.openxmlformats.org/drawingml/2006/main" xmlns:r="http://schemas.openxmlformats.org/officeDocument/2006/relationships" xmlns:p="http://schemas.openxmlformats.org/presentationml/2006/main">
   <p:cSld>
     <p:spTree>
@@ -9235,10 +9829,382 @@
           </a:extLst>
         </p:spPr>
       </p:pic>
+      <p:sp>
+        <p:nvSpPr>
+          <p:cNvPr id="4" name="Marcador de Posição do Número do Diapositivo 3">
+            <a:extLst>
+              <a:ext uri="{FF2B5EF4-FFF2-40B4-BE49-F238E27FC236}">
+                <a16:creationId xmlns:a16="http://schemas.microsoft.com/office/drawing/2014/main" id="{82DD01AF-16DD-4DE1-9EA6-3E56B28A8FB5}"/>
+              </a:ext>
+            </a:extLst>
+          </p:cNvPr>
+          <p:cNvSpPr>
+            <a:spLocks noGrp="1"/>
+          </p:cNvSpPr>
+          <p:nvPr>
+            <p:ph type="sldNum" sz="quarter" idx="12"/>
+          </p:nvPr>
+        </p:nvSpPr>
+        <p:spPr/>
+        <p:txBody>
+          <a:bodyPr/>
+          <a:lstStyle/>
+          <a:p>
+            <a:fld id="{5AD5E5FD-F30B-4922-B20C-055EB5011373}" type="slidenum">
+              <a:rPr lang="pt-PT" smtClean="0"/>
+              <a:t>6</a:t>
+            </a:fld>
+            <a:endParaRPr lang="pt-PT"/>
+          </a:p>
+        </p:txBody>
+      </p:sp>
     </p:spTree>
     <p:extLst>
       <p:ext uri="{BB962C8B-B14F-4D97-AF65-F5344CB8AC3E}">
         <p14:creationId xmlns:p14="http://schemas.microsoft.com/office/powerpoint/2010/main" val="1150122626"/>
+      </p:ext>
+    </p:extLst>
+  </p:cSld>
+  <p:clrMapOvr>
+    <a:masterClrMapping/>
+  </p:clrMapOvr>
+</p:sld>
+</file>
+
+<file path=ppt/slides/slide7.xml><?xml version="1.0" encoding="utf-8"?>
+<p:sld xmlns:a="http://schemas.openxmlformats.org/drawingml/2006/main" xmlns:r="http://schemas.openxmlformats.org/officeDocument/2006/relationships" xmlns:p="http://schemas.openxmlformats.org/presentationml/2006/main">
+  <p:cSld>
+    <p:spTree>
+      <p:nvGrpSpPr>
+        <p:cNvPr id="1" name=""/>
+        <p:cNvGrpSpPr/>
+        <p:nvPr/>
+      </p:nvGrpSpPr>
+      <p:grpSpPr>
+        <a:xfrm>
+          <a:off x="0" y="0"/>
+          <a:ext cx="0" cy="0"/>
+          <a:chOff x="0" y="0"/>
+          <a:chExt cx="0" cy="0"/>
+        </a:xfrm>
+      </p:grpSpPr>
+      <p:sp>
+        <p:nvSpPr>
+          <p:cNvPr id="2" name="Título 1">
+            <a:extLst>
+              <a:ext uri="{FF2B5EF4-FFF2-40B4-BE49-F238E27FC236}">
+                <a16:creationId xmlns:a16="http://schemas.microsoft.com/office/drawing/2014/main" id="{2BE6B0DD-63C4-4A38-821B-2BC9EC00B96F}"/>
+              </a:ext>
+            </a:extLst>
+          </p:cNvPr>
+          <p:cNvSpPr>
+            <a:spLocks noGrp="1"/>
+          </p:cNvSpPr>
+          <p:nvPr>
+            <p:ph type="title"/>
+          </p:nvPr>
+        </p:nvSpPr>
+        <p:spPr/>
+        <p:txBody>
+          <a:bodyPr/>
+          <a:lstStyle/>
+          <a:p>
+            <a:r>
+              <a:rPr lang="pt-PT" dirty="0">
+                <a:effectLst>
+                  <a:outerShdw blurRad="38100" dist="38100" dir="2700000" algn="tl">
+                    <a:srgbClr val="000000">
+                      <a:alpha val="43137"/>
+                    </a:srgbClr>
+                  </a:outerShdw>
+                </a:effectLst>
+              </a:rPr>
+              <a:t>Motivação</a:t>
+            </a:r>
+          </a:p>
+        </p:txBody>
+      </p:sp>
+      <p:sp>
+        <p:nvSpPr>
+          <p:cNvPr id="3" name="Marcador de Posição de Conteúdo 2">
+            <a:extLst>
+              <a:ext uri="{FF2B5EF4-FFF2-40B4-BE49-F238E27FC236}">
+                <a16:creationId xmlns:a16="http://schemas.microsoft.com/office/drawing/2014/main" id="{537242E8-C4B1-4FDB-BBFB-FC117BC4BBC4}"/>
+              </a:ext>
+            </a:extLst>
+          </p:cNvPr>
+          <p:cNvSpPr>
+            <a:spLocks noGrp="1"/>
+          </p:cNvSpPr>
+          <p:nvPr>
+            <p:ph idx="1"/>
+          </p:nvPr>
+        </p:nvSpPr>
+        <p:spPr/>
+        <p:txBody>
+          <a:bodyPr/>
+          <a:lstStyle/>
+          <a:p>
+            <a:r>
+              <a:rPr lang="pt-PT" dirty="0"/>
+              <a:t>Escolhemos este problema pois:</a:t>
+            </a:r>
+          </a:p>
+          <a:p>
+            <a:pPr lvl="1"/>
+            <a:r>
+              <a:rPr lang="pt-PT" dirty="0"/>
+              <a:t>O PLR é um problema atual no mundo real</a:t>
+            </a:r>
+          </a:p>
+          <a:p>
+            <a:pPr lvl="1"/>
+            <a:r>
+              <a:rPr lang="pt-PT" dirty="0"/>
+              <a:t>Surge a oportunidade e o desafio de trabalhar com Inteligência Artificial</a:t>
+            </a:r>
+          </a:p>
+          <a:p>
+            <a:pPr lvl="1"/>
+            <a:r>
+              <a:rPr lang="pt-PT" dirty="0"/>
+              <a:t>Requer trabalho de investigação e de pesquisa</a:t>
+            </a:r>
+          </a:p>
+          <a:p>
+            <a:endParaRPr lang="pt-PT" dirty="0"/>
+          </a:p>
+          <a:p>
+            <a:endParaRPr lang="pt-PT" dirty="0"/>
+          </a:p>
+        </p:txBody>
+      </p:sp>
+      <p:pic>
+        <p:nvPicPr>
+          <p:cNvPr id="2050" name="Picture 2" descr="Resultado de imagem para motivation png">
+            <a:extLst>
+              <a:ext uri="{FF2B5EF4-FFF2-40B4-BE49-F238E27FC236}">
+                <a16:creationId xmlns:a16="http://schemas.microsoft.com/office/drawing/2014/main" id="{D196CF21-F2CB-4F45-B0A7-CF1D2DEE3411}"/>
+              </a:ext>
+            </a:extLst>
+          </p:cNvPr>
+          <p:cNvPicPr>
+            <a:picLocks noChangeAspect="1" noChangeArrowheads="1"/>
+          </p:cNvPicPr>
+          <p:nvPr/>
+        </p:nvPicPr>
+        <p:blipFill>
+          <a:blip r:embed="rId2">
+            <a:extLst>
+              <a:ext uri="{28A0092B-C50C-407E-A947-70E740481C1C}">
+                <a14:useLocalDpi xmlns:a14="http://schemas.microsoft.com/office/drawing/2010/main" val="0"/>
+              </a:ext>
+            </a:extLst>
+          </a:blip>
+          <a:srcRect/>
+          <a:stretch>
+            <a:fillRect/>
+          </a:stretch>
+        </p:blipFill>
+        <p:spPr bwMode="auto">
+          <a:xfrm>
+            <a:off x="4841616" y="4004468"/>
+            <a:ext cx="2522621" cy="2522621"/>
+          </a:xfrm>
+          <a:prstGeom prst="rect">
+            <a:avLst/>
+          </a:prstGeom>
+          <a:noFill/>
+          <a:extLst>
+            <a:ext uri="{909E8E84-426E-40DD-AFC4-6F175D3DCCD1}">
+              <a14:hiddenFill xmlns:a14="http://schemas.microsoft.com/office/drawing/2010/main">
+                <a:solidFill>
+                  <a:srgbClr val="FFFFFF"/>
+                </a:solidFill>
+              </a14:hiddenFill>
+            </a:ext>
+          </a:extLst>
+        </p:spPr>
+      </p:pic>
+      <p:sp>
+        <p:nvSpPr>
+          <p:cNvPr id="4" name="Marcador de Posição do Número do Diapositivo 3">
+            <a:extLst>
+              <a:ext uri="{FF2B5EF4-FFF2-40B4-BE49-F238E27FC236}">
+                <a16:creationId xmlns:a16="http://schemas.microsoft.com/office/drawing/2014/main" id="{B30E33FB-323E-43A1-AD22-24601F9E1EB4}"/>
+              </a:ext>
+            </a:extLst>
+          </p:cNvPr>
+          <p:cNvSpPr>
+            <a:spLocks noGrp="1"/>
+          </p:cNvSpPr>
+          <p:nvPr>
+            <p:ph type="sldNum" sz="quarter" idx="12"/>
+          </p:nvPr>
+        </p:nvSpPr>
+        <p:spPr/>
+        <p:txBody>
+          <a:bodyPr/>
+          <a:lstStyle/>
+          <a:p>
+            <a:fld id="{5AD5E5FD-F30B-4922-B20C-055EB5011373}" type="slidenum">
+              <a:rPr lang="pt-PT" smtClean="0"/>
+              <a:t>7</a:t>
+            </a:fld>
+            <a:endParaRPr lang="pt-PT"/>
+          </a:p>
+        </p:txBody>
+      </p:sp>
+    </p:spTree>
+    <p:extLst>
+      <p:ext uri="{BB962C8B-B14F-4D97-AF65-F5344CB8AC3E}">
+        <p14:creationId xmlns:p14="http://schemas.microsoft.com/office/powerpoint/2010/main" val="90783187"/>
+      </p:ext>
+    </p:extLst>
+  </p:cSld>
+  <p:clrMapOvr>
+    <a:masterClrMapping/>
+  </p:clrMapOvr>
+</p:sld>
+</file>
+
+<file path=ppt/slides/slide8.xml><?xml version="1.0" encoding="utf-8"?>
+<p:sld xmlns:a="http://schemas.openxmlformats.org/drawingml/2006/main" xmlns:r="http://schemas.openxmlformats.org/officeDocument/2006/relationships" xmlns:p="http://schemas.openxmlformats.org/presentationml/2006/main">
+  <p:cSld>
+    <p:spTree>
+      <p:nvGrpSpPr>
+        <p:cNvPr id="1" name=""/>
+        <p:cNvGrpSpPr/>
+        <p:nvPr/>
+      </p:nvGrpSpPr>
+      <p:grpSpPr>
+        <a:xfrm>
+          <a:off x="0" y="0"/>
+          <a:ext cx="0" cy="0"/>
+          <a:chOff x="0" y="0"/>
+          <a:chExt cx="0" cy="0"/>
+        </a:xfrm>
+      </p:grpSpPr>
+      <p:sp>
+        <p:nvSpPr>
+          <p:cNvPr id="2" name="Título 1">
+            <a:extLst>
+              <a:ext uri="{FF2B5EF4-FFF2-40B4-BE49-F238E27FC236}">
+                <a16:creationId xmlns:a16="http://schemas.microsoft.com/office/drawing/2014/main" id="{2072B765-F0F2-4470-B5C8-BD2E4FF94FF0}"/>
+              </a:ext>
+            </a:extLst>
+          </p:cNvPr>
+          <p:cNvSpPr>
+            <a:spLocks noGrp="1"/>
+          </p:cNvSpPr>
+          <p:nvPr>
+            <p:ph type="title"/>
+          </p:nvPr>
+        </p:nvSpPr>
+        <p:spPr/>
+        <p:txBody>
+          <a:bodyPr/>
+          <a:lstStyle/>
+          <a:p>
+            <a:r>
+              <a:rPr lang="pt-PT" dirty="0">
+                <a:effectLst>
+                  <a:outerShdw blurRad="38100" dist="38100" dir="2700000" algn="tl">
+                    <a:srgbClr val="000000">
+                      <a:alpha val="43137"/>
+                    </a:srgbClr>
+                  </a:outerShdw>
+                </a:effectLst>
+              </a:rPr>
+              <a:t>Planeamento</a:t>
+            </a:r>
+          </a:p>
+        </p:txBody>
+      </p:sp>
+      <p:sp>
+        <p:nvSpPr>
+          <p:cNvPr id="3" name="Marcador de Posição de Conteúdo 2">
+            <a:extLst>
+              <a:ext uri="{FF2B5EF4-FFF2-40B4-BE49-F238E27FC236}">
+                <a16:creationId xmlns:a16="http://schemas.microsoft.com/office/drawing/2014/main" id="{5E9885A1-AF04-48B7-9AB3-B042617FEE80}"/>
+              </a:ext>
+            </a:extLst>
+          </p:cNvPr>
+          <p:cNvSpPr>
+            <a:spLocks noGrp="1"/>
+          </p:cNvSpPr>
+          <p:nvPr>
+            <p:ph idx="1"/>
+          </p:nvPr>
+        </p:nvSpPr>
+        <p:spPr/>
+        <p:txBody>
+          <a:bodyPr/>
+          <a:lstStyle/>
+          <a:p>
+            <a:r>
+              <a:rPr lang="pt-PT" dirty="0"/>
+              <a:t>Durante todo o desenvolvimento, as tarefas a realizar foram determinadas com ajuda das orientadoras através de </a:t>
+            </a:r>
+            <a:r>
+              <a:rPr lang="pt-PT" b="1" dirty="0"/>
+              <a:t>reuniões</a:t>
+            </a:r>
+            <a:r>
+              <a:rPr lang="pt-PT" dirty="0"/>
+              <a:t> semanais e presenciais</a:t>
+            </a:r>
+          </a:p>
+          <a:p>
+            <a:r>
+              <a:rPr lang="pt-PT" dirty="0"/>
+              <a:t>Fomos determinando os nossos objetivos com base nas necessidades que iam surgindo</a:t>
+            </a:r>
+          </a:p>
+          <a:p>
+            <a:r>
+              <a:rPr lang="pt-PT" dirty="0"/>
+              <a:t>Tivemos sempre presentes desde o inicio os requisitos mínimos</a:t>
+            </a:r>
+          </a:p>
+          <a:p>
+            <a:endParaRPr lang="pt-PT" dirty="0"/>
+          </a:p>
+        </p:txBody>
+      </p:sp>
+      <p:sp>
+        <p:nvSpPr>
+          <p:cNvPr id="4" name="Marcador de Posição do Número do Diapositivo 3">
+            <a:extLst>
+              <a:ext uri="{FF2B5EF4-FFF2-40B4-BE49-F238E27FC236}">
+                <a16:creationId xmlns:a16="http://schemas.microsoft.com/office/drawing/2014/main" id="{FAF7EAEB-C6E0-4181-94C8-D612808D9752}"/>
+              </a:ext>
+            </a:extLst>
+          </p:cNvPr>
+          <p:cNvSpPr>
+            <a:spLocks noGrp="1"/>
+          </p:cNvSpPr>
+          <p:nvPr>
+            <p:ph type="sldNum" sz="quarter" idx="12"/>
+          </p:nvPr>
+        </p:nvSpPr>
+        <p:spPr/>
+        <p:txBody>
+          <a:bodyPr/>
+          <a:lstStyle/>
+          <a:p>
+            <a:fld id="{5AD5E5FD-F30B-4922-B20C-055EB5011373}" type="slidenum">
+              <a:rPr lang="pt-PT" smtClean="0"/>
+              <a:t>8</a:t>
+            </a:fld>
+            <a:endParaRPr lang="pt-PT"/>
+          </a:p>
+        </p:txBody>
+      </p:sp>
+    </p:spTree>
+    <p:extLst>
+      <p:ext uri="{BB962C8B-B14F-4D97-AF65-F5344CB8AC3E}">
+        <p14:creationId xmlns:p14="http://schemas.microsoft.com/office/powerpoint/2010/main" val="3917199628"/>
       </p:ext>
     </p:extLst>
   </p:cSld>
@@ -9270,7 +10236,7 @@
           <p:cNvPr id="2" name="Título 1">
             <a:extLst>
               <a:ext uri="{FF2B5EF4-FFF2-40B4-BE49-F238E27FC236}">
-                <a16:creationId xmlns:a16="http://schemas.microsoft.com/office/drawing/2014/main" id="{2BE6B0DD-63C4-4A38-821B-2BC9EC00B96F}"/>
+                <a16:creationId xmlns:a16="http://schemas.microsoft.com/office/drawing/2014/main" id="{4B189320-92EB-4170-B80D-4E344F53A3AD}"/>
               </a:ext>
             </a:extLst>
           </p:cNvPr>
@@ -9296,7 +10262,7 @@
                   </a:outerShdw>
                 </a:effectLst>
               </a:rPr>
-              <a:t>Motivação</a:t>
+              <a:t>Metodologia</a:t>
             </a:r>
           </a:p>
         </p:txBody>
@@ -9306,7 +10272,7 @@
           <p:cNvPr id="3" name="Marcador de Posição de Conteúdo 2">
             <a:extLst>
               <a:ext uri="{FF2B5EF4-FFF2-40B4-BE49-F238E27FC236}">
-                <a16:creationId xmlns:a16="http://schemas.microsoft.com/office/drawing/2014/main" id="{537242E8-C4B1-4FDB-BBFB-FC117BC4BBC4}"/>
+                <a16:creationId xmlns:a16="http://schemas.microsoft.com/office/drawing/2014/main" id="{5636A291-D2AB-4A74-9227-6B89BF7C334A}"/>
               </a:ext>
             </a:extLst>
           </p:cNvPr>
@@ -9324,32 +10290,12 @@
           <a:p>
             <a:r>
               <a:rPr lang="pt-PT" dirty="0"/>
-              <a:t>Escolhemos este problema pois:</a:t>
-            </a:r>
-          </a:p>
-          <a:p>
-            <a:pPr lvl="1"/>
-            <a:r>
-              <a:rPr lang="pt-PT" dirty="0"/>
-              <a:t>O PLR é um problema atual no mundo real</a:t>
-            </a:r>
-          </a:p>
-          <a:p>
-            <a:pPr lvl="1"/>
-            <a:r>
-              <a:rPr lang="pt-PT" dirty="0"/>
-              <a:t>Surge a oportunidade e o desafio de trabalhar com Inteligência Artificial</a:t>
-            </a:r>
-          </a:p>
-          <a:p>
-            <a:pPr lvl="1"/>
-            <a:r>
-              <a:rPr lang="pt-PT" dirty="0"/>
-              <a:t>Requer trabalho de investigação e de pesquisa</a:t>
-            </a:r>
-          </a:p>
-          <a:p>
-            <a:endParaRPr lang="pt-PT" dirty="0"/>
+              <a:t>Durante o desenvolvimento deste projeto adotamos a metodologia de “</a:t>
+            </a:r>
+            <a:r>
+              <a:rPr lang="pt-PT" b="1" dirty="0"/>
+              <a:t>desenvolvimento iterativo e incremental”</a:t>
+            </a:r>
           </a:p>
           <a:p>
             <a:endParaRPr lang="pt-PT" dirty="0"/>
@@ -9358,16 +10304,14 @@
       </p:sp>
       <p:pic>
         <p:nvPicPr>
-          <p:cNvPr id="2050" name="Picture 2" descr="Resultado de imagem para motivation png">
-            <a:extLst>
-              <a:ext uri="{FF2B5EF4-FFF2-40B4-BE49-F238E27FC236}">
-                <a16:creationId xmlns:a16="http://schemas.microsoft.com/office/drawing/2014/main" id="{D196CF21-F2CB-4F45-B0A7-CF1D2DEE3411}"/>
-              </a:ext>
-            </a:extLst>
-          </p:cNvPr>
-          <p:cNvPicPr>
-            <a:picLocks noChangeAspect="1" noChangeArrowheads="1"/>
-          </p:cNvPicPr>
+          <p:cNvPr id="4" name="Imagem 3">
+            <a:extLst>
+              <a:ext uri="{FF2B5EF4-FFF2-40B4-BE49-F238E27FC236}">
+                <a16:creationId xmlns:a16="http://schemas.microsoft.com/office/drawing/2014/main" id="{38A033A6-0C62-415E-BEC7-DFA0BEA63718}"/>
+              </a:ext>
+            </a:extLst>
+          </p:cNvPr>
+          <p:cNvPicPr/>
           <p:nvPr/>
         </p:nvPicPr>
         <p:blipFill>
@@ -9378,35 +10322,53 @@
               </a:ext>
             </a:extLst>
           </a:blip>
-          <a:srcRect/>
           <a:stretch>
             <a:fillRect/>
           </a:stretch>
         </p:blipFill>
-        <p:spPr bwMode="auto">
+        <p:spPr>
           <a:xfrm>
-            <a:off x="4841616" y="4004468"/>
-            <a:ext cx="2522621" cy="2522621"/>
+            <a:off x="3341976" y="3271044"/>
+            <a:ext cx="5521902" cy="2909093"/>
           </a:xfrm>
           <a:prstGeom prst="rect">
             <a:avLst/>
           </a:prstGeom>
-          <a:noFill/>
-          <a:extLst>
-            <a:ext uri="{909E8E84-426E-40DD-AFC4-6F175D3DCCD1}">
-              <a14:hiddenFill xmlns:a14="http://schemas.microsoft.com/office/drawing/2010/main">
-                <a:solidFill>
-                  <a:srgbClr val="FFFFFF"/>
-                </a:solidFill>
-              </a14:hiddenFill>
-            </a:ext>
-          </a:extLst>
         </p:spPr>
       </p:pic>
+      <p:sp>
+        <p:nvSpPr>
+          <p:cNvPr id="5" name="Marcador de Posição do Número do Diapositivo 4">
+            <a:extLst>
+              <a:ext uri="{FF2B5EF4-FFF2-40B4-BE49-F238E27FC236}">
+                <a16:creationId xmlns:a16="http://schemas.microsoft.com/office/drawing/2014/main" id="{CDEFEA0F-3104-48AC-9388-3CDC6B99525A}"/>
+              </a:ext>
+            </a:extLst>
+          </p:cNvPr>
+          <p:cNvSpPr>
+            <a:spLocks noGrp="1"/>
+          </p:cNvSpPr>
+          <p:nvPr>
+            <p:ph type="sldNum" sz="quarter" idx="12"/>
+          </p:nvPr>
+        </p:nvSpPr>
+        <p:spPr/>
+        <p:txBody>
+          <a:bodyPr/>
+          <a:lstStyle/>
+          <a:p>
+            <a:fld id="{5AD5E5FD-F30B-4922-B20C-055EB5011373}" type="slidenum">
+              <a:rPr lang="pt-PT" smtClean="0"/>
+              <a:t>9</a:t>
+            </a:fld>
+            <a:endParaRPr lang="pt-PT"/>
+          </a:p>
+        </p:txBody>
+      </p:sp>
     </p:spTree>
     <p:extLst>
       <p:ext uri="{BB962C8B-B14F-4D97-AF65-F5344CB8AC3E}">
-        <p14:creationId xmlns:p14="http://schemas.microsoft.com/office/powerpoint/2010/main" val="90783187"/>
+        <p14:creationId xmlns:p14="http://schemas.microsoft.com/office/powerpoint/2010/main" val="2356200821"/>
       </p:ext>
     </p:extLst>
   </p:cSld>
@@ -9667,4 +10629,299 @@
   <a:objectDefaults/>
   <a:extraClrSchemeLst/>
 </a:theme>
+</file>
+
+<file path=ppt/theme/theme2.xml><?xml version="1.0" encoding="utf-8"?>
+<a:theme xmlns:a="http://schemas.openxmlformats.org/drawingml/2006/main" name="Tema do Office">
+  <a:themeElements>
+    <a:clrScheme name="Office">
+      <a:dk1>
+        <a:sysClr val="windowText" lastClr="000000"/>
+      </a:dk1>
+      <a:lt1>
+        <a:sysClr val="window" lastClr="FFFFFF"/>
+      </a:lt1>
+      <a:dk2>
+        <a:srgbClr val="44546A"/>
+      </a:dk2>
+      <a:lt2>
+        <a:srgbClr val="E7E6E6"/>
+      </a:lt2>
+      <a:accent1>
+        <a:srgbClr val="4472C4"/>
+      </a:accent1>
+      <a:accent2>
+        <a:srgbClr val="ED7D31"/>
+      </a:accent2>
+      <a:accent3>
+        <a:srgbClr val="A5A5A5"/>
+      </a:accent3>
+      <a:accent4>
+        <a:srgbClr val="FFC000"/>
+      </a:accent4>
+      <a:accent5>
+        <a:srgbClr val="5B9BD5"/>
+      </a:accent5>
+      <a:accent6>
+        <a:srgbClr val="70AD47"/>
+      </a:accent6>
+      <a:hlink>
+        <a:srgbClr val="0563C1"/>
+      </a:hlink>
+      <a:folHlink>
+        <a:srgbClr val="954F72"/>
+      </a:folHlink>
+    </a:clrScheme>
+    <a:fontScheme name="Office">
+      <a:majorFont>
+        <a:latin typeface="Calibri Light" panose="020F0302020204030204"/>
+        <a:ea typeface=""/>
+        <a:cs typeface=""/>
+        <a:font script="Jpan" typeface="游ゴシック Light"/>
+        <a:font script="Hang" typeface="맑은 고딕"/>
+        <a:font script="Hans" typeface="等线 Light"/>
+        <a:font script="Hant" typeface="新細明體"/>
+        <a:font script="Arab" typeface="Times New Roman"/>
+        <a:font script="Hebr" typeface="Times New Roman"/>
+        <a:font script="Thai" typeface="Angsana New"/>
+        <a:font script="Ethi" typeface="Nyala"/>
+        <a:font script="Beng" typeface="Vrinda"/>
+        <a:font script="Gujr" typeface="Shruti"/>
+        <a:font script="Khmr" typeface="MoolBoran"/>
+        <a:font script="Knda" typeface="Tunga"/>
+        <a:font script="Guru" typeface="Raavi"/>
+        <a:font script="Cans" typeface="Euphemia"/>
+        <a:font script="Cher" typeface="Plantagenet Cherokee"/>
+        <a:font script="Yiii" typeface="Microsoft Yi Baiti"/>
+        <a:font script="Tibt" typeface="Microsoft Himalaya"/>
+        <a:font script="Thaa" typeface="MV Boli"/>
+        <a:font script="Deva" typeface="Mangal"/>
+        <a:font script="Telu" typeface="Gautami"/>
+        <a:font script="Taml" typeface="Latha"/>
+        <a:font script="Syrc" typeface="Estrangelo Edessa"/>
+        <a:font script="Orya" typeface="Kalinga"/>
+        <a:font script="Mlym" typeface="Kartika"/>
+        <a:font script="Laoo" typeface="DokChampa"/>
+        <a:font script="Sinh" typeface="Iskoola Pota"/>
+        <a:font script="Mong" typeface="Mongolian Baiti"/>
+        <a:font script="Viet" typeface="Times New Roman"/>
+        <a:font script="Uigh" typeface="Microsoft Uighur"/>
+        <a:font script="Geor" typeface="Sylfaen"/>
+        <a:font script="Armn" typeface="Arial"/>
+        <a:font script="Bugi" typeface="Leelawadee UI"/>
+        <a:font script="Bopo" typeface="Microsoft JhengHei"/>
+        <a:font script="Java" typeface="Javanese Text"/>
+        <a:font script="Lisu" typeface="Segoe UI"/>
+        <a:font script="Mymr" typeface="Myanmar Text"/>
+        <a:font script="Nkoo" typeface="Ebrima"/>
+        <a:font script="Olck" typeface="Nirmala UI"/>
+        <a:font script="Osma" typeface="Ebrima"/>
+        <a:font script="Phag" typeface="Phagspa"/>
+        <a:font script="Syrn" typeface="Estrangelo Edessa"/>
+        <a:font script="Syrj" typeface="Estrangelo Edessa"/>
+        <a:font script="Syre" typeface="Estrangelo Edessa"/>
+        <a:font script="Sora" typeface="Nirmala UI"/>
+        <a:font script="Tale" typeface="Microsoft Tai Le"/>
+        <a:font script="Talu" typeface="Microsoft New Tai Lue"/>
+        <a:font script="Tfng" typeface="Ebrima"/>
+      </a:majorFont>
+      <a:minorFont>
+        <a:latin typeface="Calibri" panose="020F0502020204030204"/>
+        <a:ea typeface=""/>
+        <a:cs typeface=""/>
+        <a:font script="Jpan" typeface="游ゴシック"/>
+        <a:font script="Hang" typeface="맑은 고딕"/>
+        <a:font script="Hans" typeface="等线"/>
+        <a:font script="Hant" typeface="新細明體"/>
+        <a:font script="Arab" typeface="Arial"/>
+        <a:font script="Hebr" typeface="Arial"/>
+        <a:font script="Thai" typeface="Cordia New"/>
+        <a:font script="Ethi" typeface="Nyala"/>
+        <a:font script="Beng" typeface="Vrinda"/>
+        <a:font script="Gujr" typeface="Shruti"/>
+        <a:font script="Khmr" typeface="DaunPenh"/>
+        <a:font script="Knda" typeface="Tunga"/>
+        <a:font script="Guru" typeface="Raavi"/>
+        <a:font script="Cans" typeface="Euphemia"/>
+        <a:font script="Cher" typeface="Plantagenet Cherokee"/>
+        <a:font script="Yiii" typeface="Microsoft Yi Baiti"/>
+        <a:font script="Tibt" typeface="Microsoft Himalaya"/>
+        <a:font script="Thaa" typeface="MV Boli"/>
+        <a:font script="Deva" typeface="Mangal"/>
+        <a:font script="Telu" typeface="Gautami"/>
+        <a:font script="Taml" typeface="Latha"/>
+        <a:font script="Syrc" typeface="Estrangelo Edessa"/>
+        <a:font script="Orya" typeface="Kalinga"/>
+        <a:font script="Mlym" typeface="Kartika"/>
+        <a:font script="Laoo" typeface="DokChampa"/>
+        <a:font script="Sinh" typeface="Iskoola Pota"/>
+        <a:font script="Mong" typeface="Mongolian Baiti"/>
+        <a:font script="Viet" typeface="Arial"/>
+        <a:font script="Uigh" typeface="Microsoft Uighur"/>
+        <a:font script="Geor" typeface="Sylfaen"/>
+        <a:font script="Armn" typeface="Arial"/>
+        <a:font script="Bugi" typeface="Leelawadee UI"/>
+        <a:font script="Bopo" typeface="Microsoft JhengHei"/>
+        <a:font script="Java" typeface="Javanese Text"/>
+        <a:font script="Lisu" typeface="Segoe UI"/>
+        <a:font script="Mymr" typeface="Myanmar Text"/>
+        <a:font script="Nkoo" typeface="Ebrima"/>
+        <a:font script="Olck" typeface="Nirmala UI"/>
+        <a:font script="Osma" typeface="Ebrima"/>
+        <a:font script="Phag" typeface="Phagspa"/>
+        <a:font script="Syrn" typeface="Estrangelo Edessa"/>
+        <a:font script="Syrj" typeface="Estrangelo Edessa"/>
+        <a:font script="Syre" typeface="Estrangelo Edessa"/>
+        <a:font script="Sora" typeface="Nirmala UI"/>
+        <a:font script="Tale" typeface="Microsoft Tai Le"/>
+        <a:font script="Talu" typeface="Microsoft New Tai Lue"/>
+        <a:font script="Tfng" typeface="Ebrima"/>
+      </a:minorFont>
+    </a:fontScheme>
+    <a:fmtScheme name="Office">
+      <a:fillStyleLst>
+        <a:solidFill>
+          <a:schemeClr val="phClr"/>
+        </a:solidFill>
+        <a:gradFill rotWithShape="1">
+          <a:gsLst>
+            <a:gs pos="0">
+              <a:schemeClr val="phClr">
+                <a:lumMod val="110000"/>
+                <a:satMod val="105000"/>
+                <a:tint val="67000"/>
+              </a:schemeClr>
+            </a:gs>
+            <a:gs pos="50000">
+              <a:schemeClr val="phClr">
+                <a:lumMod val="105000"/>
+                <a:satMod val="103000"/>
+                <a:tint val="73000"/>
+              </a:schemeClr>
+            </a:gs>
+            <a:gs pos="100000">
+              <a:schemeClr val="phClr">
+                <a:lumMod val="105000"/>
+                <a:satMod val="109000"/>
+                <a:tint val="81000"/>
+              </a:schemeClr>
+            </a:gs>
+          </a:gsLst>
+          <a:lin ang="5400000" scaled="0"/>
+        </a:gradFill>
+        <a:gradFill rotWithShape="1">
+          <a:gsLst>
+            <a:gs pos="0">
+              <a:schemeClr val="phClr">
+                <a:satMod val="103000"/>
+                <a:lumMod val="102000"/>
+                <a:tint val="94000"/>
+              </a:schemeClr>
+            </a:gs>
+            <a:gs pos="50000">
+              <a:schemeClr val="phClr">
+                <a:satMod val="110000"/>
+                <a:lumMod val="100000"/>
+                <a:shade val="100000"/>
+              </a:schemeClr>
+            </a:gs>
+            <a:gs pos="100000">
+              <a:schemeClr val="phClr">
+                <a:lumMod val="99000"/>
+                <a:satMod val="120000"/>
+                <a:shade val="78000"/>
+              </a:schemeClr>
+            </a:gs>
+          </a:gsLst>
+          <a:lin ang="5400000" scaled="0"/>
+        </a:gradFill>
+      </a:fillStyleLst>
+      <a:lnStyleLst>
+        <a:ln w="6350" cap="flat" cmpd="sng" algn="ctr">
+          <a:solidFill>
+            <a:schemeClr val="phClr"/>
+          </a:solidFill>
+          <a:prstDash val="solid"/>
+          <a:miter lim="800000"/>
+        </a:ln>
+        <a:ln w="12700" cap="flat" cmpd="sng" algn="ctr">
+          <a:solidFill>
+            <a:schemeClr val="phClr"/>
+          </a:solidFill>
+          <a:prstDash val="solid"/>
+          <a:miter lim="800000"/>
+        </a:ln>
+        <a:ln w="19050" cap="flat" cmpd="sng" algn="ctr">
+          <a:solidFill>
+            <a:schemeClr val="phClr"/>
+          </a:solidFill>
+          <a:prstDash val="solid"/>
+          <a:miter lim="800000"/>
+        </a:ln>
+      </a:lnStyleLst>
+      <a:effectStyleLst>
+        <a:effectStyle>
+          <a:effectLst/>
+        </a:effectStyle>
+        <a:effectStyle>
+          <a:effectLst/>
+        </a:effectStyle>
+        <a:effectStyle>
+          <a:effectLst>
+            <a:outerShdw blurRad="57150" dist="19050" dir="5400000" algn="ctr" rotWithShape="0">
+              <a:srgbClr val="000000">
+                <a:alpha val="63000"/>
+              </a:srgbClr>
+            </a:outerShdw>
+          </a:effectLst>
+        </a:effectStyle>
+      </a:effectStyleLst>
+      <a:bgFillStyleLst>
+        <a:solidFill>
+          <a:schemeClr val="phClr"/>
+        </a:solidFill>
+        <a:solidFill>
+          <a:schemeClr val="phClr">
+            <a:tint val="95000"/>
+            <a:satMod val="170000"/>
+          </a:schemeClr>
+        </a:solidFill>
+        <a:gradFill rotWithShape="1">
+          <a:gsLst>
+            <a:gs pos="0">
+              <a:schemeClr val="phClr">
+                <a:tint val="93000"/>
+                <a:satMod val="150000"/>
+                <a:shade val="98000"/>
+                <a:lumMod val="102000"/>
+              </a:schemeClr>
+            </a:gs>
+            <a:gs pos="50000">
+              <a:schemeClr val="phClr">
+                <a:tint val="98000"/>
+                <a:satMod val="130000"/>
+                <a:shade val="90000"/>
+                <a:lumMod val="103000"/>
+              </a:schemeClr>
+            </a:gs>
+            <a:gs pos="100000">
+              <a:schemeClr val="phClr">
+                <a:shade val="63000"/>
+                <a:satMod val="120000"/>
+              </a:schemeClr>
+            </a:gs>
+          </a:gsLst>
+          <a:lin ang="5400000" scaled="0"/>
+        </a:gradFill>
+      </a:bgFillStyleLst>
+    </a:fmtScheme>
+  </a:themeElements>
+  <a:objectDefaults/>
+  <a:extraClrSchemeLst/>
+  <a:extLst>
+    <a:ext uri="{05A4C25C-085E-4340-85A3-A5531E510DB2}">
+      <thm15:themeFamily xmlns:thm15="http://schemas.microsoft.com/office/thememl/2012/main" name="Office Theme" id="{62F939B6-93AF-4DB8-9C6B-D6C7DFDC589F}" vid="{4A3C46E8-61CC-4603-A589-7422A47A8E4A}"/>
+    </a:ext>
+  </a:extLst>
+</a:theme>
 </file>
--- a/powerpoint_defesa.pptx
+++ b/powerpoint_defesa.pptx
@@ -156,10 +156,6 @@
     </p:extLst>
   </p:cmAuthor>
 </p:cmAuthorLst>
-</file>
-
-<file path=ppt/revisionInfo.xml><?xml version="1.0" encoding="utf-8"?>
-<p1510:revInfo xmlns:a="http://schemas.openxmlformats.org/drawingml/2006/main" xmlns:r="http://schemas.openxmlformats.org/officeDocument/2006/relationships" xmlns:p1510="http://schemas.microsoft.com/office/powerpoint/2015/10/main"/>
 </file>
 
 <file path=ppt/comments/comment1.xml><?xml version="1.0" encoding="utf-8"?>
@@ -3933,64 +3929,64 @@
           <a:lstStyle/>
           <a:p>
             <a:r>
-              <a:rPr lang="pt-PT"/>
+              <a:rPr lang="pt-PT" dirty="0"/>
               <a:t>Por ser um problema em que a rapidez de execução é importante, decidimos desenvolver a aplicação em </a:t>
             </a:r>
             <a:r>
-              <a:rPr lang="pt-PT" b="1" i="1"/>
+              <a:rPr lang="pt-PT" b="1" dirty="0"/>
               <a:t>C++</a:t>
             </a:r>
           </a:p>
           <a:p>
             <a:r>
-              <a:rPr lang="pt-PT"/>
+              <a:rPr lang="pt-PT" dirty="0"/>
               <a:t>Inicialmente em C++/CLI, mas abandonado devido a limitações</a:t>
             </a:r>
           </a:p>
           <a:p>
             <a:r>
-              <a:rPr lang="pt-PT"/>
+              <a:rPr lang="pt-PT" dirty="0"/>
               <a:t>Optamos por desenvolver a aplicação na plataforma </a:t>
             </a:r>
             <a:r>
-              <a:rPr lang="pt-PT" b="1"/>
+              <a:rPr lang="pt-PT" b="1" dirty="0" err="1"/>
               <a:t>Qt</a:t>
             </a:r>
-          </a:p>
-          <a:p>
-            <a:r>
-              <a:rPr lang="pt-PT"/>
+            <a:endParaRPr lang="pt-PT" b="1" dirty="0"/>
+          </a:p>
+          <a:p>
+            <a:r>
+              <a:rPr lang="pt-PT" dirty="0"/>
               <a:t>Trabalhámos também com </a:t>
             </a:r>
             <a:r>
-              <a:rPr lang="pt-PT" i="1"/>
+              <a:rPr lang="pt-PT" i="1" dirty="0" err="1"/>
               <a:t>Git</a:t>
             </a:r>
             <a:r>
-              <a:rPr lang="pt-PT"/>
+              <a:rPr lang="pt-PT" dirty="0"/>
               <a:t>, </a:t>
             </a:r>
             <a:r>
-              <a:rPr lang="pt-PT" i="1"/>
+              <a:rPr lang="pt-PT" i="1" dirty="0" err="1"/>
               <a:t>Github</a:t>
             </a:r>
             <a:r>
-              <a:rPr lang="pt-PT"/>
+              <a:rPr lang="pt-PT" dirty="0"/>
               <a:t>, </a:t>
             </a:r>
             <a:r>
-              <a:rPr lang="pt-PT" i="1"/>
+              <a:rPr lang="pt-PT" i="1" dirty="0" err="1"/>
               <a:t>RapidMiner</a:t>
             </a:r>
             <a:r>
-              <a:rPr lang="pt-PT"/>
+              <a:rPr lang="pt-PT" dirty="0"/>
               <a:t> e </a:t>
             </a:r>
             <a:r>
-              <a:rPr lang="pt-PT" i="1"/>
+              <a:rPr lang="pt-PT" i="1" dirty="0"/>
               <a:t>Excel</a:t>
             </a:r>
-            <a:endParaRPr lang="pt-PT" i="1" dirty="0"/>
           </a:p>
         </p:txBody>
       </p:sp>
@@ -4265,7 +4261,7 @@
           <a:p>
             <a:r>
               <a:rPr lang="pt-PT" dirty="0"/>
-              <a:t>Estes ficheiros contem uma matriz que representa as ligações entre os diferentes nós, o número de nós, o número de ligações, e nos problemas em que se aplique, um vetor de pesos</a:t>
+              <a:t>Estes ficheiros contêm uma matriz que representa as ligações entre os diferentes nós, o número de nós, o número de ligações e, nos problemas em que se aplique, um vetor de pesos</a:t>
             </a:r>
           </a:p>
         </p:txBody>
@@ -4875,7 +4871,15 @@
           <a:p>
             <a:r>
               <a:rPr lang="pt-PT" dirty="0"/>
-              <a:t>Para calcular a qualidade de uma solução, é calculado um valor de fitness utilizando a seguinte formula:</a:t>
+              <a:t>Para calcular a qualidade de uma solução, é calculado um valor de </a:t>
+            </a:r>
+            <a:r>
+              <a:rPr lang="pt-PT" i="1" dirty="0"/>
+              <a:t>fitness</a:t>
+            </a:r>
+            <a:r>
+              <a:rPr lang="pt-PT" dirty="0"/>
+              <a:t> utilizando a seguinte fórmula:</a:t>
             </a:r>
           </a:p>
           <a:p>
@@ -7522,7 +7526,7 @@
               <a:t>para resolver problemas normais e com pesos (50 </a:t>
             </a:r>
             <a:r>
-              <a:rPr lang="pt-PT" dirty="0" err="1"/>
+              <a:rPr lang="pt-PT" i="1" dirty="0" err="1"/>
               <a:t>seeds</a:t>
             </a:r>
             <a:r>
@@ -8374,7 +8378,7 @@
           <a:p>
             <a:r>
               <a:rPr lang="pt-PT" dirty="0"/>
-              <a:t>Este projeto foi um desafio para nós, pois durante a nossa licenciatura em Engenharia Informática não tinha ainda surgido a oportunidade de lidarmos com determinados aspetos importantes para este projeto</a:t>
+              <a:t>Este projeto foi um desafio para nós, pois durante a nossa licenciatura em Engenharia Informática não tinha ainda surgido a oportunidade de lidarmos com determinados aspetos importantes para a sua concretização</a:t>
             </a:r>
           </a:p>
           <a:p>
@@ -8399,15 +8403,7 @@
           <a:p>
             <a:r>
               <a:rPr lang="pt-PT" dirty="0"/>
-              <a:t>Ao longo do nosso percurso académico não tínhamos ainda abordado </a:t>
-            </a:r>
-            <a:r>
-              <a:rPr lang="pt-PT" i="1" dirty="0"/>
-              <a:t>C++,</a:t>
-            </a:r>
-            <a:r>
-              <a:rPr lang="pt-PT" dirty="0"/>
-              <a:t> pelo que tivemos de aprender propositadamente a linguagem para este projeto</a:t>
+              <a:t>Ao longo do nosso percurso académico não tínhamos ainda abordado C++, pelo que tivemos de aprender propositadamente a linguagem para este projeto</a:t>
             </a:r>
           </a:p>
           <a:p>
@@ -8416,10 +8412,10 @@
               <a:t>Tivemos de nos adaptar à plataforma </a:t>
             </a:r>
             <a:r>
-              <a:rPr lang="pt-PT" i="1" dirty="0" err="1"/>
+              <a:rPr lang="pt-PT" dirty="0" err="1"/>
               <a:t>Qt</a:t>
             </a:r>
-            <a:endParaRPr lang="pt-PT" i="1" dirty="0"/>
+            <a:endParaRPr lang="pt-PT" dirty="0"/>
           </a:p>
         </p:txBody>
       </p:sp>
@@ -8762,7 +8758,7 @@
           <a:p>
             <a:r>
               <a:rPr lang="pt-PT" dirty="0"/>
-              <a:t>Criação de uma aplicação que mapeasse redes de fibra ótica do mundo real para o formato aceite pela nossa aplicação</a:t>
+              <a:t>Criação de uma aplicação capaz de mapear redes de fibra ótica do mundo real para o formato aceite pela nossa aplicação</a:t>
             </a:r>
           </a:p>
           <a:p>
@@ -9200,30 +9196,29 @@
           <a:lstStyle/>
           <a:p>
             <a:r>
-              <a:rPr lang="pt-PT"/>
+              <a:rPr lang="pt-PT" dirty="0"/>
               <a:t>Deste modo, é necessário regenerar os sinais óticos periodicamente, utilizando </a:t>
             </a:r>
             <a:r>
-              <a:rPr lang="pt-PT" b="1"/>
+              <a:rPr lang="pt-PT" b="1" dirty="0"/>
               <a:t>regeneradores</a:t>
             </a:r>
           </a:p>
           <a:p>
             <a:r>
-              <a:rPr lang="pt-PT"/>
-              <a:t>Estas máquinas servem para restaurar o sinal, aumentando a distancia que este consegue percorrer sem perder qualidade</a:t>
-            </a:r>
-          </a:p>
-          <a:p>
-            <a:r>
-              <a:rPr lang="pt-PT"/>
+              <a:rPr lang="pt-PT" dirty="0"/>
+              <a:t>Estas máquinas servem para restaurar o sinal, aumentando a distância que este consegue percorrer sem perder qualidade</a:t>
+            </a:r>
+          </a:p>
+          <a:p>
+            <a:r>
+              <a:rPr lang="pt-PT" dirty="0"/>
               <a:t>Têm um </a:t>
             </a:r>
             <a:r>
-              <a:rPr lang="pt-PT" b="1"/>
+              <a:rPr lang="pt-PT" b="1" dirty="0"/>
               <a:t>custo de instalação e manutenção bastante elevado</a:t>
             </a:r>
-            <a:endParaRPr lang="pt-PT" b="1" dirty="0"/>
           </a:p>
         </p:txBody>
       </p:sp>
@@ -9656,7 +9651,7 @@
           <a:p>
             <a:r>
               <a:rPr lang="pt-PT" dirty="0"/>
-              <a:t>Desenvolvimento de uma aplicação em C++ que vai achar a melhor solução para um problema especificado</a:t>
+              <a:t>Desenvolvimento de uma aplicação em C++ que vai achar a melhor solução para um determinado problema</a:t>
             </a:r>
           </a:p>
           <a:p>
@@ -9961,7 +9956,7 @@
             <a:pPr lvl="1"/>
             <a:r>
               <a:rPr lang="pt-PT" dirty="0"/>
-              <a:t>Surge a oportunidade e o desafio de trabalhar com Inteligência Artificial</a:t>
+              <a:t>Trabalhar com Inteligência Artificial é uma oportunidade e um desafio</a:t>
             </a:r>
           </a:p>
           <a:p>
@@ -10158,13 +10153,13 @@
           <a:p>
             <a:r>
               <a:rPr lang="pt-PT" dirty="0"/>
-              <a:t>Fomos determinando os nossos objetivos com base nas necessidades que iam surgindo</a:t>
+              <a:t>Fomos definindo os nossos objetivos com base nas necessidades que iam surgindo</a:t>
             </a:r>
           </a:p>
           <a:p>
             <a:r>
               <a:rPr lang="pt-PT" dirty="0"/>
-              <a:t>Tivemos sempre presentes desde o inicio os requisitos mínimos</a:t>
+              <a:t>Tivemos sempre presentes, desde o início, os requisitos mínimos</a:t>
             </a:r>
           </a:p>
           <a:p>
@@ -10290,7 +10285,7 @@
           <a:p>
             <a:r>
               <a:rPr lang="pt-PT" dirty="0"/>
-              <a:t>Durante o desenvolvimento deste projeto adotamos a metodologia de “</a:t>
+              <a:t>Durante o desenvolvimento deste projeto adotámos a metodologia de “</a:t>
             </a:r>
             <a:r>
               <a:rPr lang="pt-PT" b="1" dirty="0"/>

--- a/powerpoint_defesa.pptx
+++ b/powerpoint_defesa.pptx
@@ -148,7 +148,7 @@
 
 <file path=ppt/commentAuthors.xml><?xml version="1.0" encoding="utf-8"?>
 <p:cmAuthorLst xmlns:a="http://schemas.openxmlformats.org/drawingml/2006/main" xmlns:r="http://schemas.openxmlformats.org/officeDocument/2006/relationships" xmlns:p="http://schemas.openxmlformats.org/presentationml/2006/main">
-  <p:cmAuthor id="1" name="Rodrigo" initials="R" lastIdx="15" clrIdx="0">
+  <p:cmAuthor id="1" name="Rodrigo" initials="R" lastIdx="16" clrIdx="0">
     <p:extLst>
       <p:ext uri="{19B8F6BF-5375-455C-9EA6-DF929625EA0E}">
         <p15:presenceInfo xmlns:p15="http://schemas.microsoft.com/office/powerpoint/2012/main" userId="Rodrigo" providerId="None"/>
@@ -156,6 +156,10 @@
     </p:extLst>
   </p:cmAuthor>
 </p:cmAuthorLst>
+</file>
+
+<file path=ppt/revisionInfo.xml><?xml version="1.0" encoding="utf-8"?>
+<p1510:revInfo xmlns:a="http://schemas.openxmlformats.org/drawingml/2006/main" xmlns:r="http://schemas.openxmlformats.org/officeDocument/2006/relationships" xmlns:p1510="http://schemas.microsoft.com/office/powerpoint/2015/10/main"/>
 </file>
 
 <file path=ppt/comments/comment1.xml><?xml version="1.0" encoding="utf-8"?>
@@ -437,7 +441,7 @@
           <a:p>
             <a:fld id="{F03AFCCD-5701-44A0-BE5C-FC2701F296FB}" type="datetimeFigureOut">
               <a:rPr lang="pt-PT" smtClean="0"/>
-              <a:t>02/07/2018</a:t>
+              <a:t>03/07/2018</a:t>
             </a:fld>
             <a:endParaRPr lang="pt-PT"/>
           </a:p>
@@ -704,6 +708,2912 @@
 </p:notesMaster>
 </file>
 
+<file path=ppt/notesSlides/notesSlide1.xml><?xml version="1.0" encoding="utf-8"?>
+<p:notes xmlns:a="http://schemas.openxmlformats.org/drawingml/2006/main" xmlns:r="http://schemas.openxmlformats.org/officeDocument/2006/relationships" xmlns:p="http://schemas.openxmlformats.org/presentationml/2006/main">
+  <p:cSld>
+    <p:spTree>
+      <p:nvGrpSpPr>
+        <p:cNvPr id="1" name=""/>
+        <p:cNvGrpSpPr/>
+        <p:nvPr/>
+      </p:nvGrpSpPr>
+      <p:grpSpPr>
+        <a:xfrm>
+          <a:off x="0" y="0"/>
+          <a:ext cx="0" cy="0"/>
+          <a:chOff x="0" y="0"/>
+          <a:chExt cx="0" cy="0"/>
+        </a:xfrm>
+      </p:grpSpPr>
+      <p:sp>
+        <p:nvSpPr>
+          <p:cNvPr id="2" name="Marcador de Posição da Imagem do Diapositivo 1"/>
+          <p:cNvSpPr>
+            <a:spLocks noGrp="1" noRot="1" noChangeAspect="1"/>
+          </p:cNvSpPr>
+          <p:nvPr>
+            <p:ph type="sldImg"/>
+          </p:nvPr>
+        </p:nvSpPr>
+        <p:spPr/>
+      </p:sp>
+      <p:sp>
+        <p:nvSpPr>
+          <p:cNvPr id="3" name="Marcador de Posição de Notas 2"/>
+          <p:cNvSpPr>
+            <a:spLocks noGrp="1"/>
+          </p:cNvSpPr>
+          <p:nvPr>
+            <p:ph type="body" idx="1"/>
+          </p:nvPr>
+        </p:nvSpPr>
+        <p:spPr/>
+        <p:txBody>
+          <a:bodyPr/>
+          <a:lstStyle/>
+          <a:p>
+            <a:r>
+              <a:rPr lang="pt-PT" dirty="0"/>
+              <a:t>Rodrigo</a:t>
+            </a:r>
+          </a:p>
+          <a:p>
+            <a:endParaRPr lang="pt-PT" dirty="0"/>
+          </a:p>
+        </p:txBody>
+      </p:sp>
+      <p:sp>
+        <p:nvSpPr>
+          <p:cNvPr id="4" name="Marcador de Posição do Número do Diapositivo 3"/>
+          <p:cNvSpPr>
+            <a:spLocks noGrp="1"/>
+          </p:cNvSpPr>
+          <p:nvPr>
+            <p:ph type="sldNum" sz="quarter" idx="10"/>
+          </p:nvPr>
+        </p:nvSpPr>
+        <p:spPr/>
+        <p:txBody>
+          <a:bodyPr/>
+          <a:lstStyle/>
+          <a:p>
+            <a:fld id="{A0ACE316-2081-41FE-AA9B-0699E7AFC844}" type="slidenum">
+              <a:rPr lang="pt-PT" smtClean="0"/>
+              <a:t>1</a:t>
+            </a:fld>
+            <a:endParaRPr lang="pt-PT"/>
+          </a:p>
+        </p:txBody>
+      </p:sp>
+    </p:spTree>
+    <p:extLst>
+      <p:ext uri="{BB962C8B-B14F-4D97-AF65-F5344CB8AC3E}">
+        <p14:creationId xmlns:p14="http://schemas.microsoft.com/office/powerpoint/2010/main" val="1355483428"/>
+      </p:ext>
+    </p:extLst>
+  </p:cSld>
+  <p:clrMapOvr>
+    <a:masterClrMapping/>
+  </p:clrMapOvr>
+</p:notes>
+</file>
+
+<file path=ppt/notesSlides/notesSlide10.xml><?xml version="1.0" encoding="utf-8"?>
+<p:notes xmlns:a="http://schemas.openxmlformats.org/drawingml/2006/main" xmlns:r="http://schemas.openxmlformats.org/officeDocument/2006/relationships" xmlns:p="http://schemas.openxmlformats.org/presentationml/2006/main">
+  <p:cSld>
+    <p:spTree>
+      <p:nvGrpSpPr>
+        <p:cNvPr id="1" name=""/>
+        <p:cNvGrpSpPr/>
+        <p:nvPr/>
+      </p:nvGrpSpPr>
+      <p:grpSpPr>
+        <a:xfrm>
+          <a:off x="0" y="0"/>
+          <a:ext cx="0" cy="0"/>
+          <a:chOff x="0" y="0"/>
+          <a:chExt cx="0" cy="0"/>
+        </a:xfrm>
+      </p:grpSpPr>
+      <p:sp>
+        <p:nvSpPr>
+          <p:cNvPr id="2" name="Marcador de Posição da Imagem do Diapositivo 1"/>
+          <p:cNvSpPr>
+            <a:spLocks noGrp="1" noRot="1" noChangeAspect="1"/>
+          </p:cNvSpPr>
+          <p:nvPr>
+            <p:ph type="sldImg"/>
+          </p:nvPr>
+        </p:nvSpPr>
+        <p:spPr/>
+      </p:sp>
+      <p:sp>
+        <p:nvSpPr>
+          <p:cNvPr id="3" name="Marcador de Posição de Notas 2"/>
+          <p:cNvSpPr>
+            <a:spLocks noGrp="1"/>
+          </p:cNvSpPr>
+          <p:nvPr>
+            <p:ph type="body" idx="1"/>
+          </p:nvPr>
+        </p:nvSpPr>
+        <p:spPr/>
+        <p:txBody>
+          <a:bodyPr/>
+          <a:lstStyle/>
+          <a:p>
+            <a:r>
+              <a:rPr lang="pt-PT" dirty="0"/>
+              <a:t>Pedro</a:t>
+            </a:r>
+          </a:p>
+          <a:p>
+            <a:endParaRPr lang="pt-PT" dirty="0"/>
+          </a:p>
+          <a:p>
+            <a:r>
+              <a:rPr lang="pt-BR" dirty="0"/>
+              <a:t>- Foi necessario aprender C++ de proposito para este projeto, não trabalhamos nem com ele nem com a plataforma Qt durante a licenciatura</a:t>
+            </a:r>
+          </a:p>
+          <a:p>
+            <a:r>
+              <a:rPr lang="pt-BR" dirty="0"/>
+              <a:t>- Falar nas desvantagens do C++/CLI e no desenvolvimento em visual studio</a:t>
+            </a:r>
+          </a:p>
+          <a:p>
+            <a:r>
+              <a:rPr lang="pt-BR" dirty="0"/>
+              <a:t>- Falar nas vantagens do QT</a:t>
+            </a:r>
+            <a:endParaRPr lang="pt-PT" dirty="0"/>
+          </a:p>
+        </p:txBody>
+      </p:sp>
+      <p:sp>
+        <p:nvSpPr>
+          <p:cNvPr id="4" name="Marcador de Posição do Número do Diapositivo 3"/>
+          <p:cNvSpPr>
+            <a:spLocks noGrp="1"/>
+          </p:cNvSpPr>
+          <p:nvPr>
+            <p:ph type="sldNum" sz="quarter" idx="10"/>
+          </p:nvPr>
+        </p:nvSpPr>
+        <p:spPr/>
+        <p:txBody>
+          <a:bodyPr/>
+          <a:lstStyle/>
+          <a:p>
+            <a:fld id="{A0ACE316-2081-41FE-AA9B-0699E7AFC844}" type="slidenum">
+              <a:rPr lang="pt-PT" smtClean="0"/>
+              <a:t>10</a:t>
+            </a:fld>
+            <a:endParaRPr lang="pt-PT"/>
+          </a:p>
+        </p:txBody>
+      </p:sp>
+    </p:spTree>
+    <p:extLst>
+      <p:ext uri="{BB962C8B-B14F-4D97-AF65-F5344CB8AC3E}">
+        <p14:creationId xmlns:p14="http://schemas.microsoft.com/office/powerpoint/2010/main" val="173584397"/>
+      </p:ext>
+    </p:extLst>
+  </p:cSld>
+  <p:clrMapOvr>
+    <a:masterClrMapping/>
+  </p:clrMapOvr>
+</p:notes>
+</file>
+
+<file path=ppt/notesSlides/notesSlide11.xml><?xml version="1.0" encoding="utf-8"?>
+<p:notes xmlns:a="http://schemas.openxmlformats.org/drawingml/2006/main" xmlns:r="http://schemas.openxmlformats.org/officeDocument/2006/relationships" xmlns:p="http://schemas.openxmlformats.org/presentationml/2006/main">
+  <p:cSld>
+    <p:spTree>
+      <p:nvGrpSpPr>
+        <p:cNvPr id="1" name=""/>
+        <p:cNvGrpSpPr/>
+        <p:nvPr/>
+      </p:nvGrpSpPr>
+      <p:grpSpPr>
+        <a:xfrm>
+          <a:off x="0" y="0"/>
+          <a:ext cx="0" cy="0"/>
+          <a:chOff x="0" y="0"/>
+          <a:chExt cx="0" cy="0"/>
+        </a:xfrm>
+      </p:grpSpPr>
+      <p:sp>
+        <p:nvSpPr>
+          <p:cNvPr id="2" name="Marcador de Posição da Imagem do Diapositivo 1"/>
+          <p:cNvSpPr>
+            <a:spLocks noGrp="1" noRot="1" noChangeAspect="1"/>
+          </p:cNvSpPr>
+          <p:nvPr>
+            <p:ph type="sldImg"/>
+          </p:nvPr>
+        </p:nvSpPr>
+        <p:spPr/>
+      </p:sp>
+      <p:sp>
+        <p:nvSpPr>
+          <p:cNvPr id="3" name="Marcador de Posição de Notas 2"/>
+          <p:cNvSpPr>
+            <a:spLocks noGrp="1"/>
+          </p:cNvSpPr>
+          <p:nvPr>
+            <p:ph type="body" idx="1"/>
+          </p:nvPr>
+        </p:nvSpPr>
+        <p:spPr/>
+        <p:txBody>
+          <a:bodyPr/>
+          <a:lstStyle/>
+          <a:p>
+            <a:r>
+              <a:rPr lang="pt-PT" dirty="0"/>
+              <a:t>Rodrigo</a:t>
+            </a:r>
+          </a:p>
+          <a:p>
+            <a:endParaRPr lang="pt-PT" dirty="0"/>
+          </a:p>
+          <a:p>
+            <a:r>
+              <a:rPr lang="pt-PT" dirty="0"/>
+              <a:t>- Mencionar que o PLR já foi proposto pela universidade que forneceu os problemas inicialmente</a:t>
+            </a:r>
+          </a:p>
+        </p:txBody>
+      </p:sp>
+      <p:sp>
+        <p:nvSpPr>
+          <p:cNvPr id="4" name="Marcador de Posição do Número do Diapositivo 3"/>
+          <p:cNvSpPr>
+            <a:spLocks noGrp="1"/>
+          </p:cNvSpPr>
+          <p:nvPr>
+            <p:ph type="sldNum" sz="quarter" idx="10"/>
+          </p:nvPr>
+        </p:nvSpPr>
+        <p:spPr/>
+        <p:txBody>
+          <a:bodyPr/>
+          <a:lstStyle/>
+          <a:p>
+            <a:fld id="{A0ACE316-2081-41FE-AA9B-0699E7AFC844}" type="slidenum">
+              <a:rPr lang="pt-PT" smtClean="0"/>
+              <a:t>11</a:t>
+            </a:fld>
+            <a:endParaRPr lang="pt-PT"/>
+          </a:p>
+        </p:txBody>
+      </p:sp>
+    </p:spTree>
+    <p:extLst>
+      <p:ext uri="{BB962C8B-B14F-4D97-AF65-F5344CB8AC3E}">
+        <p14:creationId xmlns:p14="http://schemas.microsoft.com/office/powerpoint/2010/main" val="856079301"/>
+      </p:ext>
+    </p:extLst>
+  </p:cSld>
+  <p:clrMapOvr>
+    <a:masterClrMapping/>
+  </p:clrMapOvr>
+</p:notes>
+</file>
+
+<file path=ppt/notesSlides/notesSlide12.xml><?xml version="1.0" encoding="utf-8"?>
+<p:notes xmlns:a="http://schemas.openxmlformats.org/drawingml/2006/main" xmlns:r="http://schemas.openxmlformats.org/officeDocument/2006/relationships" xmlns:p="http://schemas.openxmlformats.org/presentationml/2006/main">
+  <p:cSld>
+    <p:spTree>
+      <p:nvGrpSpPr>
+        <p:cNvPr id="1" name=""/>
+        <p:cNvGrpSpPr/>
+        <p:nvPr/>
+      </p:nvGrpSpPr>
+      <p:grpSpPr>
+        <a:xfrm>
+          <a:off x="0" y="0"/>
+          <a:ext cx="0" cy="0"/>
+          <a:chOff x="0" y="0"/>
+          <a:chExt cx="0" cy="0"/>
+        </a:xfrm>
+      </p:grpSpPr>
+      <p:sp>
+        <p:nvSpPr>
+          <p:cNvPr id="2" name="Marcador de Posição da Imagem do Diapositivo 1"/>
+          <p:cNvSpPr>
+            <a:spLocks noGrp="1" noRot="1" noChangeAspect="1"/>
+          </p:cNvSpPr>
+          <p:nvPr>
+            <p:ph type="sldImg"/>
+          </p:nvPr>
+        </p:nvSpPr>
+        <p:spPr/>
+      </p:sp>
+      <p:sp>
+        <p:nvSpPr>
+          <p:cNvPr id="3" name="Marcador de Posição de Notas 2"/>
+          <p:cNvSpPr>
+            <a:spLocks noGrp="1"/>
+          </p:cNvSpPr>
+          <p:nvPr>
+            <p:ph type="body" idx="1"/>
+          </p:nvPr>
+        </p:nvSpPr>
+        <p:spPr/>
+        <p:txBody>
+          <a:bodyPr/>
+          <a:lstStyle/>
+          <a:p>
+            <a:r>
+              <a:rPr lang="pt-PT" dirty="0"/>
+              <a:t>Rodrigo</a:t>
+            </a:r>
+          </a:p>
+        </p:txBody>
+      </p:sp>
+      <p:sp>
+        <p:nvSpPr>
+          <p:cNvPr id="4" name="Marcador de Posição do Número do Diapositivo 3"/>
+          <p:cNvSpPr>
+            <a:spLocks noGrp="1"/>
+          </p:cNvSpPr>
+          <p:nvPr>
+            <p:ph type="sldNum" sz="quarter" idx="10"/>
+          </p:nvPr>
+        </p:nvSpPr>
+        <p:spPr/>
+        <p:txBody>
+          <a:bodyPr/>
+          <a:lstStyle/>
+          <a:p>
+            <a:fld id="{A0ACE316-2081-41FE-AA9B-0699E7AFC844}" type="slidenum">
+              <a:rPr lang="pt-PT" smtClean="0"/>
+              <a:t>12</a:t>
+            </a:fld>
+            <a:endParaRPr lang="pt-PT"/>
+          </a:p>
+        </p:txBody>
+      </p:sp>
+    </p:spTree>
+    <p:extLst>
+      <p:ext uri="{BB962C8B-B14F-4D97-AF65-F5344CB8AC3E}">
+        <p14:creationId xmlns:p14="http://schemas.microsoft.com/office/powerpoint/2010/main" val="1951341843"/>
+      </p:ext>
+    </p:extLst>
+  </p:cSld>
+  <p:clrMapOvr>
+    <a:masterClrMapping/>
+  </p:clrMapOvr>
+</p:notes>
+</file>
+
+<file path=ppt/notesSlides/notesSlide13.xml><?xml version="1.0" encoding="utf-8"?>
+<p:notes xmlns:a="http://schemas.openxmlformats.org/drawingml/2006/main" xmlns:r="http://schemas.openxmlformats.org/officeDocument/2006/relationships" xmlns:p="http://schemas.openxmlformats.org/presentationml/2006/main">
+  <p:cSld>
+    <p:spTree>
+      <p:nvGrpSpPr>
+        <p:cNvPr id="1" name=""/>
+        <p:cNvGrpSpPr/>
+        <p:nvPr/>
+      </p:nvGrpSpPr>
+      <p:grpSpPr>
+        <a:xfrm>
+          <a:off x="0" y="0"/>
+          <a:ext cx="0" cy="0"/>
+          <a:chOff x="0" y="0"/>
+          <a:chExt cx="0" cy="0"/>
+        </a:xfrm>
+      </p:grpSpPr>
+      <p:sp>
+        <p:nvSpPr>
+          <p:cNvPr id="2" name="Marcador de Posição da Imagem do Diapositivo 1"/>
+          <p:cNvSpPr>
+            <a:spLocks noGrp="1" noRot="1" noChangeAspect="1"/>
+          </p:cNvSpPr>
+          <p:nvPr>
+            <p:ph type="sldImg"/>
+          </p:nvPr>
+        </p:nvSpPr>
+        <p:spPr/>
+      </p:sp>
+      <p:sp>
+        <p:nvSpPr>
+          <p:cNvPr id="3" name="Marcador de Posição de Notas 2"/>
+          <p:cNvSpPr>
+            <a:spLocks noGrp="1"/>
+          </p:cNvSpPr>
+          <p:nvPr>
+            <p:ph type="body" idx="1"/>
+          </p:nvPr>
+        </p:nvSpPr>
+        <p:spPr/>
+        <p:txBody>
+          <a:bodyPr/>
+          <a:lstStyle/>
+          <a:p>
+            <a:r>
+              <a:rPr lang="pt-PT" dirty="0"/>
+              <a:t>Rodrigo</a:t>
+            </a:r>
+          </a:p>
+          <a:p>
+            <a:endParaRPr lang="pt-PT" dirty="0"/>
+          </a:p>
+          <a:p>
+            <a:r>
+              <a:rPr lang="pt-BR" dirty="0"/>
+              <a:t>ND corresponde ao número de nós desligados, RU ao número de regeneradores utilizados e Wi corresponde ao peso do regenerador i</a:t>
+            </a:r>
+            <a:endParaRPr lang="pt-PT" dirty="0"/>
+          </a:p>
+        </p:txBody>
+      </p:sp>
+      <p:sp>
+        <p:nvSpPr>
+          <p:cNvPr id="4" name="Marcador de Posição do Número do Diapositivo 3"/>
+          <p:cNvSpPr>
+            <a:spLocks noGrp="1"/>
+          </p:cNvSpPr>
+          <p:nvPr>
+            <p:ph type="sldNum" sz="quarter" idx="10"/>
+          </p:nvPr>
+        </p:nvSpPr>
+        <p:spPr/>
+        <p:txBody>
+          <a:bodyPr/>
+          <a:lstStyle/>
+          <a:p>
+            <a:fld id="{A0ACE316-2081-41FE-AA9B-0699E7AFC844}" type="slidenum">
+              <a:rPr lang="pt-PT" smtClean="0"/>
+              <a:t>13</a:t>
+            </a:fld>
+            <a:endParaRPr lang="pt-PT"/>
+          </a:p>
+        </p:txBody>
+      </p:sp>
+    </p:spTree>
+    <p:extLst>
+      <p:ext uri="{BB962C8B-B14F-4D97-AF65-F5344CB8AC3E}">
+        <p14:creationId xmlns:p14="http://schemas.microsoft.com/office/powerpoint/2010/main" val="2747016545"/>
+      </p:ext>
+    </p:extLst>
+  </p:cSld>
+  <p:clrMapOvr>
+    <a:masterClrMapping/>
+  </p:clrMapOvr>
+</p:notes>
+</file>
+
+<file path=ppt/notesSlides/notesSlide14.xml><?xml version="1.0" encoding="utf-8"?>
+<p:notes xmlns:a="http://schemas.openxmlformats.org/drawingml/2006/main" xmlns:r="http://schemas.openxmlformats.org/officeDocument/2006/relationships" xmlns:p="http://schemas.openxmlformats.org/presentationml/2006/main">
+  <p:cSld>
+    <p:spTree>
+      <p:nvGrpSpPr>
+        <p:cNvPr id="1" name=""/>
+        <p:cNvGrpSpPr/>
+        <p:nvPr/>
+      </p:nvGrpSpPr>
+      <p:grpSpPr>
+        <a:xfrm>
+          <a:off x="0" y="0"/>
+          <a:ext cx="0" cy="0"/>
+          <a:chOff x="0" y="0"/>
+          <a:chExt cx="0" cy="0"/>
+        </a:xfrm>
+      </p:grpSpPr>
+      <p:sp>
+        <p:nvSpPr>
+          <p:cNvPr id="2" name="Marcador de Posição da Imagem do Diapositivo 1"/>
+          <p:cNvSpPr>
+            <a:spLocks noGrp="1" noRot="1" noChangeAspect="1"/>
+          </p:cNvSpPr>
+          <p:nvPr>
+            <p:ph type="sldImg"/>
+          </p:nvPr>
+        </p:nvSpPr>
+        <p:spPr/>
+      </p:sp>
+      <p:sp>
+        <p:nvSpPr>
+          <p:cNvPr id="3" name="Marcador de Posição de Notas 2"/>
+          <p:cNvSpPr>
+            <a:spLocks noGrp="1"/>
+          </p:cNvSpPr>
+          <p:nvPr>
+            <p:ph type="body" idx="1"/>
+          </p:nvPr>
+        </p:nvSpPr>
+        <p:spPr/>
+        <p:txBody>
+          <a:bodyPr/>
+          <a:lstStyle/>
+          <a:p>
+            <a:r>
+              <a:rPr lang="pt-PT" dirty="0"/>
+              <a:t>Pedro</a:t>
+            </a:r>
+          </a:p>
+          <a:p>
+            <a:endParaRPr lang="pt-PT" dirty="0"/>
+          </a:p>
+          <a:p>
+            <a:pPr marL="171450" indent="-171450">
+              <a:buFontTx/>
+              <a:buChar char="-"/>
+            </a:pPr>
+            <a:r>
+              <a:rPr lang="pt-PT" dirty="0"/>
+              <a:t>Não explicar já os algoritmos em detalhe</a:t>
+            </a:r>
+          </a:p>
+          <a:p>
+            <a:pPr marL="171450" indent="-171450">
+              <a:buFontTx/>
+              <a:buChar char="-"/>
+            </a:pPr>
+            <a:endParaRPr lang="pt-PT" dirty="0"/>
+          </a:p>
+        </p:txBody>
+      </p:sp>
+      <p:sp>
+        <p:nvSpPr>
+          <p:cNvPr id="4" name="Marcador de Posição do Número do Diapositivo 3"/>
+          <p:cNvSpPr>
+            <a:spLocks noGrp="1"/>
+          </p:cNvSpPr>
+          <p:nvPr>
+            <p:ph type="sldNum" sz="quarter" idx="10"/>
+          </p:nvPr>
+        </p:nvSpPr>
+        <p:spPr/>
+        <p:txBody>
+          <a:bodyPr/>
+          <a:lstStyle/>
+          <a:p>
+            <a:fld id="{A0ACE316-2081-41FE-AA9B-0699E7AFC844}" type="slidenum">
+              <a:rPr lang="pt-PT" smtClean="0"/>
+              <a:t>14</a:t>
+            </a:fld>
+            <a:endParaRPr lang="pt-PT"/>
+          </a:p>
+        </p:txBody>
+      </p:sp>
+    </p:spTree>
+    <p:extLst>
+      <p:ext uri="{BB962C8B-B14F-4D97-AF65-F5344CB8AC3E}">
+        <p14:creationId xmlns:p14="http://schemas.microsoft.com/office/powerpoint/2010/main" val="1724116311"/>
+      </p:ext>
+    </p:extLst>
+  </p:cSld>
+  <p:clrMapOvr>
+    <a:masterClrMapping/>
+  </p:clrMapOvr>
+</p:notes>
+</file>
+
+<file path=ppt/notesSlides/notesSlide15.xml><?xml version="1.0" encoding="utf-8"?>
+<p:notes xmlns:a="http://schemas.openxmlformats.org/drawingml/2006/main" xmlns:r="http://schemas.openxmlformats.org/officeDocument/2006/relationships" xmlns:p="http://schemas.openxmlformats.org/presentationml/2006/main">
+  <p:cSld>
+    <p:spTree>
+      <p:nvGrpSpPr>
+        <p:cNvPr id="1" name=""/>
+        <p:cNvGrpSpPr/>
+        <p:nvPr/>
+      </p:nvGrpSpPr>
+      <p:grpSpPr>
+        <a:xfrm>
+          <a:off x="0" y="0"/>
+          <a:ext cx="0" cy="0"/>
+          <a:chOff x="0" y="0"/>
+          <a:chExt cx="0" cy="0"/>
+        </a:xfrm>
+      </p:grpSpPr>
+      <p:sp>
+        <p:nvSpPr>
+          <p:cNvPr id="2" name="Marcador de Posição da Imagem do Diapositivo 1"/>
+          <p:cNvSpPr>
+            <a:spLocks noGrp="1" noRot="1" noChangeAspect="1"/>
+          </p:cNvSpPr>
+          <p:nvPr>
+            <p:ph type="sldImg"/>
+          </p:nvPr>
+        </p:nvSpPr>
+        <p:spPr/>
+      </p:sp>
+      <p:sp>
+        <p:nvSpPr>
+          <p:cNvPr id="3" name="Marcador de Posição de Notas 2"/>
+          <p:cNvSpPr>
+            <a:spLocks noGrp="1"/>
+          </p:cNvSpPr>
+          <p:nvPr>
+            <p:ph type="body" idx="1"/>
+          </p:nvPr>
+        </p:nvSpPr>
+        <p:spPr/>
+        <p:txBody>
+          <a:bodyPr/>
+          <a:lstStyle/>
+          <a:p>
+            <a:r>
+              <a:rPr lang="pt-PT" dirty="0"/>
+              <a:t>Pedro</a:t>
+            </a:r>
+          </a:p>
+        </p:txBody>
+      </p:sp>
+      <p:sp>
+        <p:nvSpPr>
+          <p:cNvPr id="4" name="Marcador de Posição do Número do Diapositivo 3"/>
+          <p:cNvSpPr>
+            <a:spLocks noGrp="1"/>
+          </p:cNvSpPr>
+          <p:nvPr>
+            <p:ph type="sldNum" sz="quarter" idx="10"/>
+          </p:nvPr>
+        </p:nvSpPr>
+        <p:spPr/>
+        <p:txBody>
+          <a:bodyPr/>
+          <a:lstStyle/>
+          <a:p>
+            <a:fld id="{A0ACE316-2081-41FE-AA9B-0699E7AFC844}" type="slidenum">
+              <a:rPr lang="pt-PT" smtClean="0"/>
+              <a:t>15</a:t>
+            </a:fld>
+            <a:endParaRPr lang="pt-PT"/>
+          </a:p>
+        </p:txBody>
+      </p:sp>
+    </p:spTree>
+    <p:extLst>
+      <p:ext uri="{BB962C8B-B14F-4D97-AF65-F5344CB8AC3E}">
+        <p14:creationId xmlns:p14="http://schemas.microsoft.com/office/powerpoint/2010/main" val="755057760"/>
+      </p:ext>
+    </p:extLst>
+  </p:cSld>
+  <p:clrMapOvr>
+    <a:masterClrMapping/>
+  </p:clrMapOvr>
+</p:notes>
+</file>
+
+<file path=ppt/notesSlides/notesSlide16.xml><?xml version="1.0" encoding="utf-8"?>
+<p:notes xmlns:a="http://schemas.openxmlformats.org/drawingml/2006/main" xmlns:r="http://schemas.openxmlformats.org/officeDocument/2006/relationships" xmlns:p="http://schemas.openxmlformats.org/presentationml/2006/main">
+  <p:cSld>
+    <p:spTree>
+      <p:nvGrpSpPr>
+        <p:cNvPr id="1" name=""/>
+        <p:cNvGrpSpPr/>
+        <p:nvPr/>
+      </p:nvGrpSpPr>
+      <p:grpSpPr>
+        <a:xfrm>
+          <a:off x="0" y="0"/>
+          <a:ext cx="0" cy="0"/>
+          <a:chOff x="0" y="0"/>
+          <a:chExt cx="0" cy="0"/>
+        </a:xfrm>
+      </p:grpSpPr>
+      <p:sp>
+        <p:nvSpPr>
+          <p:cNvPr id="2" name="Marcador de Posição da Imagem do Diapositivo 1"/>
+          <p:cNvSpPr>
+            <a:spLocks noGrp="1" noRot="1" noChangeAspect="1"/>
+          </p:cNvSpPr>
+          <p:nvPr>
+            <p:ph type="sldImg"/>
+          </p:nvPr>
+        </p:nvSpPr>
+        <p:spPr/>
+      </p:sp>
+      <p:sp>
+        <p:nvSpPr>
+          <p:cNvPr id="3" name="Marcador de Posição de Notas 2"/>
+          <p:cNvSpPr>
+            <a:spLocks noGrp="1"/>
+          </p:cNvSpPr>
+          <p:nvPr>
+            <p:ph type="body" idx="1"/>
+          </p:nvPr>
+        </p:nvSpPr>
+        <p:spPr/>
+        <p:txBody>
+          <a:bodyPr/>
+          <a:lstStyle/>
+          <a:p>
+            <a:r>
+              <a:rPr lang="pt-PT" dirty="0"/>
+              <a:t>Pedro</a:t>
+            </a:r>
+          </a:p>
+          <a:p>
+            <a:endParaRPr lang="pt-PT" dirty="0"/>
+          </a:p>
+          <a:p>
+            <a:r>
+              <a:rPr lang="pt-PT" dirty="0"/>
+              <a:t>- </a:t>
+            </a:r>
+            <a:r>
+              <a:rPr lang="pt-BR" dirty="0"/>
+              <a:t>explicar os diferentes tipos de problemas que temos. </a:t>
+            </a:r>
+          </a:p>
+          <a:p>
+            <a:r>
+              <a:rPr lang="pt-BR" dirty="0"/>
+              <a:t>Por exemplo o que é cada pasta, e dentro de cada pasta ha os 40, 60, 80, 100</a:t>
+            </a:r>
+          </a:p>
+          <a:p>
+            <a:endParaRPr lang="pt-PT" dirty="0"/>
+          </a:p>
+        </p:txBody>
+      </p:sp>
+      <p:sp>
+        <p:nvSpPr>
+          <p:cNvPr id="4" name="Marcador de Posição do Número do Diapositivo 3"/>
+          <p:cNvSpPr>
+            <a:spLocks noGrp="1"/>
+          </p:cNvSpPr>
+          <p:nvPr>
+            <p:ph type="sldNum" sz="quarter" idx="10"/>
+          </p:nvPr>
+        </p:nvSpPr>
+        <p:spPr/>
+        <p:txBody>
+          <a:bodyPr/>
+          <a:lstStyle/>
+          <a:p>
+            <a:fld id="{A0ACE316-2081-41FE-AA9B-0699E7AFC844}" type="slidenum">
+              <a:rPr lang="pt-PT" smtClean="0"/>
+              <a:t>16</a:t>
+            </a:fld>
+            <a:endParaRPr lang="pt-PT"/>
+          </a:p>
+        </p:txBody>
+      </p:sp>
+    </p:spTree>
+    <p:extLst>
+      <p:ext uri="{BB962C8B-B14F-4D97-AF65-F5344CB8AC3E}">
+        <p14:creationId xmlns:p14="http://schemas.microsoft.com/office/powerpoint/2010/main" val="513870316"/>
+      </p:ext>
+    </p:extLst>
+  </p:cSld>
+  <p:clrMapOvr>
+    <a:masterClrMapping/>
+  </p:clrMapOvr>
+</p:notes>
+</file>
+
+<file path=ppt/notesSlides/notesSlide17.xml><?xml version="1.0" encoding="utf-8"?>
+<p:notes xmlns:a="http://schemas.openxmlformats.org/drawingml/2006/main" xmlns:r="http://schemas.openxmlformats.org/officeDocument/2006/relationships" xmlns:p="http://schemas.openxmlformats.org/presentationml/2006/main">
+  <p:cSld>
+    <p:spTree>
+      <p:nvGrpSpPr>
+        <p:cNvPr id="1" name=""/>
+        <p:cNvGrpSpPr/>
+        <p:nvPr/>
+      </p:nvGrpSpPr>
+      <p:grpSpPr>
+        <a:xfrm>
+          <a:off x="0" y="0"/>
+          <a:ext cx="0" cy="0"/>
+          <a:chOff x="0" y="0"/>
+          <a:chExt cx="0" cy="0"/>
+        </a:xfrm>
+      </p:grpSpPr>
+      <p:sp>
+        <p:nvSpPr>
+          <p:cNvPr id="2" name="Marcador de Posição da Imagem do Diapositivo 1"/>
+          <p:cNvSpPr>
+            <a:spLocks noGrp="1" noRot="1" noChangeAspect="1"/>
+          </p:cNvSpPr>
+          <p:nvPr>
+            <p:ph type="sldImg"/>
+          </p:nvPr>
+        </p:nvSpPr>
+        <p:spPr/>
+      </p:sp>
+      <p:sp>
+        <p:nvSpPr>
+          <p:cNvPr id="3" name="Marcador de Posição de Notas 2"/>
+          <p:cNvSpPr>
+            <a:spLocks noGrp="1"/>
+          </p:cNvSpPr>
+          <p:nvPr>
+            <p:ph type="body" idx="1"/>
+          </p:nvPr>
+        </p:nvSpPr>
+        <p:spPr/>
+        <p:txBody>
+          <a:bodyPr/>
+          <a:lstStyle/>
+          <a:p>
+            <a:r>
+              <a:rPr lang="pt-PT" dirty="0"/>
+              <a:t>Pedro</a:t>
+            </a:r>
+          </a:p>
+        </p:txBody>
+      </p:sp>
+      <p:sp>
+        <p:nvSpPr>
+          <p:cNvPr id="4" name="Marcador de Posição do Número do Diapositivo 3"/>
+          <p:cNvSpPr>
+            <a:spLocks noGrp="1"/>
+          </p:cNvSpPr>
+          <p:nvPr>
+            <p:ph type="sldNum" sz="quarter" idx="10"/>
+          </p:nvPr>
+        </p:nvSpPr>
+        <p:spPr/>
+        <p:txBody>
+          <a:bodyPr/>
+          <a:lstStyle/>
+          <a:p>
+            <a:fld id="{A0ACE316-2081-41FE-AA9B-0699E7AFC844}" type="slidenum">
+              <a:rPr lang="pt-PT" smtClean="0"/>
+              <a:t>17</a:t>
+            </a:fld>
+            <a:endParaRPr lang="pt-PT"/>
+          </a:p>
+        </p:txBody>
+      </p:sp>
+    </p:spTree>
+    <p:extLst>
+      <p:ext uri="{BB962C8B-B14F-4D97-AF65-F5344CB8AC3E}">
+        <p14:creationId xmlns:p14="http://schemas.microsoft.com/office/powerpoint/2010/main" val="1174475922"/>
+      </p:ext>
+    </p:extLst>
+  </p:cSld>
+  <p:clrMapOvr>
+    <a:masterClrMapping/>
+  </p:clrMapOvr>
+</p:notes>
+</file>
+
+<file path=ppt/notesSlides/notesSlide18.xml><?xml version="1.0" encoding="utf-8"?>
+<p:notes xmlns:a="http://schemas.openxmlformats.org/drawingml/2006/main" xmlns:r="http://schemas.openxmlformats.org/officeDocument/2006/relationships" xmlns:p="http://schemas.openxmlformats.org/presentationml/2006/main">
+  <p:cSld>
+    <p:spTree>
+      <p:nvGrpSpPr>
+        <p:cNvPr id="1" name=""/>
+        <p:cNvGrpSpPr/>
+        <p:nvPr/>
+      </p:nvGrpSpPr>
+      <p:grpSpPr>
+        <a:xfrm>
+          <a:off x="0" y="0"/>
+          <a:ext cx="0" cy="0"/>
+          <a:chOff x="0" y="0"/>
+          <a:chExt cx="0" cy="0"/>
+        </a:xfrm>
+      </p:grpSpPr>
+      <p:sp>
+        <p:nvSpPr>
+          <p:cNvPr id="2" name="Marcador de Posição da Imagem do Diapositivo 1"/>
+          <p:cNvSpPr>
+            <a:spLocks noGrp="1" noRot="1" noChangeAspect="1"/>
+          </p:cNvSpPr>
+          <p:nvPr>
+            <p:ph type="sldImg"/>
+          </p:nvPr>
+        </p:nvSpPr>
+        <p:spPr/>
+      </p:sp>
+      <p:sp>
+        <p:nvSpPr>
+          <p:cNvPr id="3" name="Marcador de Posição de Notas 2"/>
+          <p:cNvSpPr>
+            <a:spLocks noGrp="1"/>
+          </p:cNvSpPr>
+          <p:nvPr>
+            <p:ph type="body" idx="1"/>
+          </p:nvPr>
+        </p:nvSpPr>
+        <p:spPr/>
+        <p:txBody>
+          <a:bodyPr/>
+          <a:lstStyle/>
+          <a:p>
+            <a:r>
+              <a:rPr lang="pt-PT" dirty="0"/>
+              <a:t>Pedro</a:t>
+            </a:r>
+          </a:p>
+        </p:txBody>
+      </p:sp>
+      <p:sp>
+        <p:nvSpPr>
+          <p:cNvPr id="4" name="Marcador de Posição do Número do Diapositivo 3"/>
+          <p:cNvSpPr>
+            <a:spLocks noGrp="1"/>
+          </p:cNvSpPr>
+          <p:nvPr>
+            <p:ph type="sldNum" sz="quarter" idx="10"/>
+          </p:nvPr>
+        </p:nvSpPr>
+        <p:spPr/>
+        <p:txBody>
+          <a:bodyPr/>
+          <a:lstStyle/>
+          <a:p>
+            <a:fld id="{A0ACE316-2081-41FE-AA9B-0699E7AFC844}" type="slidenum">
+              <a:rPr lang="pt-PT" smtClean="0"/>
+              <a:t>18</a:t>
+            </a:fld>
+            <a:endParaRPr lang="pt-PT"/>
+          </a:p>
+        </p:txBody>
+      </p:sp>
+    </p:spTree>
+    <p:extLst>
+      <p:ext uri="{BB962C8B-B14F-4D97-AF65-F5344CB8AC3E}">
+        <p14:creationId xmlns:p14="http://schemas.microsoft.com/office/powerpoint/2010/main" val="3423130122"/>
+      </p:ext>
+    </p:extLst>
+  </p:cSld>
+  <p:clrMapOvr>
+    <a:masterClrMapping/>
+  </p:clrMapOvr>
+</p:notes>
+</file>
+
+<file path=ppt/notesSlides/notesSlide19.xml><?xml version="1.0" encoding="utf-8"?>
+<p:notes xmlns:a="http://schemas.openxmlformats.org/drawingml/2006/main" xmlns:r="http://schemas.openxmlformats.org/officeDocument/2006/relationships" xmlns:p="http://schemas.openxmlformats.org/presentationml/2006/main">
+  <p:cSld>
+    <p:spTree>
+      <p:nvGrpSpPr>
+        <p:cNvPr id="1" name=""/>
+        <p:cNvGrpSpPr/>
+        <p:nvPr/>
+      </p:nvGrpSpPr>
+      <p:grpSpPr>
+        <a:xfrm>
+          <a:off x="0" y="0"/>
+          <a:ext cx="0" cy="0"/>
+          <a:chOff x="0" y="0"/>
+          <a:chExt cx="0" cy="0"/>
+        </a:xfrm>
+      </p:grpSpPr>
+      <p:sp>
+        <p:nvSpPr>
+          <p:cNvPr id="2" name="Marcador de Posição da Imagem do Diapositivo 1"/>
+          <p:cNvSpPr>
+            <a:spLocks noGrp="1" noRot="1" noChangeAspect="1"/>
+          </p:cNvSpPr>
+          <p:nvPr>
+            <p:ph type="sldImg"/>
+          </p:nvPr>
+        </p:nvSpPr>
+        <p:spPr/>
+      </p:sp>
+      <p:sp>
+        <p:nvSpPr>
+          <p:cNvPr id="3" name="Marcador de Posição de Notas 2"/>
+          <p:cNvSpPr>
+            <a:spLocks noGrp="1"/>
+          </p:cNvSpPr>
+          <p:nvPr>
+            <p:ph type="body" idx="1"/>
+          </p:nvPr>
+        </p:nvSpPr>
+        <p:spPr/>
+        <p:txBody>
+          <a:bodyPr/>
+          <a:lstStyle/>
+          <a:p>
+            <a:r>
+              <a:rPr lang="pt-PT" dirty="0"/>
+              <a:t>Pedro</a:t>
+            </a:r>
+          </a:p>
+          <a:p>
+            <a:endParaRPr lang="pt-PT" dirty="0"/>
+          </a:p>
+        </p:txBody>
+      </p:sp>
+      <p:sp>
+        <p:nvSpPr>
+          <p:cNvPr id="4" name="Marcador de Posição do Número do Diapositivo 3"/>
+          <p:cNvSpPr>
+            <a:spLocks noGrp="1"/>
+          </p:cNvSpPr>
+          <p:nvPr>
+            <p:ph type="sldNum" sz="quarter" idx="10"/>
+          </p:nvPr>
+        </p:nvSpPr>
+        <p:spPr/>
+        <p:txBody>
+          <a:bodyPr/>
+          <a:lstStyle/>
+          <a:p>
+            <a:fld id="{A0ACE316-2081-41FE-AA9B-0699E7AFC844}" type="slidenum">
+              <a:rPr lang="pt-PT" smtClean="0"/>
+              <a:t>19</a:t>
+            </a:fld>
+            <a:endParaRPr lang="pt-PT"/>
+          </a:p>
+        </p:txBody>
+      </p:sp>
+    </p:spTree>
+    <p:extLst>
+      <p:ext uri="{BB962C8B-B14F-4D97-AF65-F5344CB8AC3E}">
+        <p14:creationId xmlns:p14="http://schemas.microsoft.com/office/powerpoint/2010/main" val="849981890"/>
+      </p:ext>
+    </p:extLst>
+  </p:cSld>
+  <p:clrMapOvr>
+    <a:masterClrMapping/>
+  </p:clrMapOvr>
+</p:notes>
+</file>
+
+<file path=ppt/notesSlides/notesSlide2.xml><?xml version="1.0" encoding="utf-8"?>
+<p:notes xmlns:a="http://schemas.openxmlformats.org/drawingml/2006/main" xmlns:r="http://schemas.openxmlformats.org/officeDocument/2006/relationships" xmlns:p="http://schemas.openxmlformats.org/presentationml/2006/main">
+  <p:cSld>
+    <p:spTree>
+      <p:nvGrpSpPr>
+        <p:cNvPr id="1" name=""/>
+        <p:cNvGrpSpPr/>
+        <p:nvPr/>
+      </p:nvGrpSpPr>
+      <p:grpSpPr>
+        <a:xfrm>
+          <a:off x="0" y="0"/>
+          <a:ext cx="0" cy="0"/>
+          <a:chOff x="0" y="0"/>
+          <a:chExt cx="0" cy="0"/>
+        </a:xfrm>
+      </p:grpSpPr>
+      <p:sp>
+        <p:nvSpPr>
+          <p:cNvPr id="2" name="Marcador de Posição da Imagem do Diapositivo 1"/>
+          <p:cNvSpPr>
+            <a:spLocks noGrp="1" noRot="1" noChangeAspect="1"/>
+          </p:cNvSpPr>
+          <p:nvPr>
+            <p:ph type="sldImg"/>
+          </p:nvPr>
+        </p:nvSpPr>
+        <p:spPr/>
+      </p:sp>
+      <p:sp>
+        <p:nvSpPr>
+          <p:cNvPr id="3" name="Marcador de Posição de Notas 2"/>
+          <p:cNvSpPr>
+            <a:spLocks noGrp="1"/>
+          </p:cNvSpPr>
+          <p:nvPr>
+            <p:ph type="body" idx="1"/>
+          </p:nvPr>
+        </p:nvSpPr>
+        <p:spPr/>
+        <p:txBody>
+          <a:bodyPr/>
+          <a:lstStyle/>
+          <a:p>
+            <a:r>
+              <a:rPr lang="pt-PT" dirty="0"/>
+              <a:t>Rodrigo</a:t>
+            </a:r>
+          </a:p>
+          <a:p>
+            <a:endParaRPr lang="pt-PT" dirty="0"/>
+          </a:p>
+        </p:txBody>
+      </p:sp>
+      <p:sp>
+        <p:nvSpPr>
+          <p:cNvPr id="4" name="Marcador de Posição do Número do Diapositivo 3"/>
+          <p:cNvSpPr>
+            <a:spLocks noGrp="1"/>
+          </p:cNvSpPr>
+          <p:nvPr>
+            <p:ph type="sldNum" sz="quarter" idx="10"/>
+          </p:nvPr>
+        </p:nvSpPr>
+        <p:spPr/>
+        <p:txBody>
+          <a:bodyPr/>
+          <a:lstStyle/>
+          <a:p>
+            <a:fld id="{A0ACE316-2081-41FE-AA9B-0699E7AFC844}" type="slidenum">
+              <a:rPr lang="pt-PT" smtClean="0"/>
+              <a:t>2</a:t>
+            </a:fld>
+            <a:endParaRPr lang="pt-PT"/>
+          </a:p>
+        </p:txBody>
+      </p:sp>
+    </p:spTree>
+    <p:extLst>
+      <p:ext uri="{BB962C8B-B14F-4D97-AF65-F5344CB8AC3E}">
+        <p14:creationId xmlns:p14="http://schemas.microsoft.com/office/powerpoint/2010/main" val="2395408742"/>
+      </p:ext>
+    </p:extLst>
+  </p:cSld>
+  <p:clrMapOvr>
+    <a:masterClrMapping/>
+  </p:clrMapOvr>
+</p:notes>
+</file>
+
+<file path=ppt/notesSlides/notesSlide20.xml><?xml version="1.0" encoding="utf-8"?>
+<p:notes xmlns:a="http://schemas.openxmlformats.org/drawingml/2006/main" xmlns:r="http://schemas.openxmlformats.org/officeDocument/2006/relationships" xmlns:p="http://schemas.openxmlformats.org/presentationml/2006/main">
+  <p:cSld>
+    <p:spTree>
+      <p:nvGrpSpPr>
+        <p:cNvPr id="1" name=""/>
+        <p:cNvGrpSpPr/>
+        <p:nvPr/>
+      </p:nvGrpSpPr>
+      <p:grpSpPr>
+        <a:xfrm>
+          <a:off x="0" y="0"/>
+          <a:ext cx="0" cy="0"/>
+          <a:chOff x="0" y="0"/>
+          <a:chExt cx="0" cy="0"/>
+        </a:xfrm>
+      </p:grpSpPr>
+      <p:sp>
+        <p:nvSpPr>
+          <p:cNvPr id="2" name="Marcador de Posição da Imagem do Diapositivo 1"/>
+          <p:cNvSpPr>
+            <a:spLocks noGrp="1" noRot="1" noChangeAspect="1"/>
+          </p:cNvSpPr>
+          <p:nvPr>
+            <p:ph type="sldImg"/>
+          </p:nvPr>
+        </p:nvSpPr>
+        <p:spPr/>
+      </p:sp>
+      <p:sp>
+        <p:nvSpPr>
+          <p:cNvPr id="3" name="Marcador de Posição de Notas 2"/>
+          <p:cNvSpPr>
+            <a:spLocks noGrp="1"/>
+          </p:cNvSpPr>
+          <p:nvPr>
+            <p:ph type="body" idx="1"/>
+          </p:nvPr>
+        </p:nvSpPr>
+        <p:spPr/>
+        <p:txBody>
+          <a:bodyPr/>
+          <a:lstStyle/>
+          <a:p>
+            <a:r>
+              <a:rPr lang="pt-PT" dirty="0"/>
+              <a:t>Pedro</a:t>
+            </a:r>
+          </a:p>
+        </p:txBody>
+      </p:sp>
+      <p:sp>
+        <p:nvSpPr>
+          <p:cNvPr id="4" name="Marcador de Posição do Número do Diapositivo 3"/>
+          <p:cNvSpPr>
+            <a:spLocks noGrp="1"/>
+          </p:cNvSpPr>
+          <p:nvPr>
+            <p:ph type="sldNum" sz="quarter" idx="10"/>
+          </p:nvPr>
+        </p:nvSpPr>
+        <p:spPr/>
+        <p:txBody>
+          <a:bodyPr/>
+          <a:lstStyle/>
+          <a:p>
+            <a:fld id="{A0ACE316-2081-41FE-AA9B-0699E7AFC844}" type="slidenum">
+              <a:rPr lang="pt-PT" smtClean="0"/>
+              <a:t>20</a:t>
+            </a:fld>
+            <a:endParaRPr lang="pt-PT"/>
+          </a:p>
+        </p:txBody>
+      </p:sp>
+    </p:spTree>
+    <p:extLst>
+      <p:ext uri="{BB962C8B-B14F-4D97-AF65-F5344CB8AC3E}">
+        <p14:creationId xmlns:p14="http://schemas.microsoft.com/office/powerpoint/2010/main" val="414662805"/>
+      </p:ext>
+    </p:extLst>
+  </p:cSld>
+  <p:clrMapOvr>
+    <a:masterClrMapping/>
+  </p:clrMapOvr>
+</p:notes>
+</file>
+
+<file path=ppt/notesSlides/notesSlide21.xml><?xml version="1.0" encoding="utf-8"?>
+<p:notes xmlns:a="http://schemas.openxmlformats.org/drawingml/2006/main" xmlns:r="http://schemas.openxmlformats.org/officeDocument/2006/relationships" xmlns:p="http://schemas.openxmlformats.org/presentationml/2006/main">
+  <p:cSld>
+    <p:spTree>
+      <p:nvGrpSpPr>
+        <p:cNvPr id="1" name=""/>
+        <p:cNvGrpSpPr/>
+        <p:nvPr/>
+      </p:nvGrpSpPr>
+      <p:grpSpPr>
+        <a:xfrm>
+          <a:off x="0" y="0"/>
+          <a:ext cx="0" cy="0"/>
+          <a:chOff x="0" y="0"/>
+          <a:chExt cx="0" cy="0"/>
+        </a:xfrm>
+      </p:grpSpPr>
+      <p:sp>
+        <p:nvSpPr>
+          <p:cNvPr id="2" name="Marcador de Posição da Imagem do Diapositivo 1"/>
+          <p:cNvSpPr>
+            <a:spLocks noGrp="1" noRot="1" noChangeAspect="1"/>
+          </p:cNvSpPr>
+          <p:nvPr>
+            <p:ph type="sldImg"/>
+          </p:nvPr>
+        </p:nvSpPr>
+        <p:spPr/>
+      </p:sp>
+      <p:sp>
+        <p:nvSpPr>
+          <p:cNvPr id="3" name="Marcador de Posição de Notas 2"/>
+          <p:cNvSpPr>
+            <a:spLocks noGrp="1"/>
+          </p:cNvSpPr>
+          <p:nvPr>
+            <p:ph type="body" idx="1"/>
+          </p:nvPr>
+        </p:nvSpPr>
+        <p:spPr/>
+        <p:txBody>
+          <a:bodyPr/>
+          <a:lstStyle/>
+          <a:p>
+            <a:r>
+              <a:rPr lang="pt-PT" dirty="0"/>
+              <a:t>Rodrigo</a:t>
+            </a:r>
+          </a:p>
+        </p:txBody>
+      </p:sp>
+      <p:sp>
+        <p:nvSpPr>
+          <p:cNvPr id="4" name="Marcador de Posição do Número do Diapositivo 3"/>
+          <p:cNvSpPr>
+            <a:spLocks noGrp="1"/>
+          </p:cNvSpPr>
+          <p:nvPr>
+            <p:ph type="sldNum" sz="quarter" idx="10"/>
+          </p:nvPr>
+        </p:nvSpPr>
+        <p:spPr/>
+        <p:txBody>
+          <a:bodyPr/>
+          <a:lstStyle/>
+          <a:p>
+            <a:fld id="{A0ACE316-2081-41FE-AA9B-0699E7AFC844}" type="slidenum">
+              <a:rPr lang="pt-PT" smtClean="0"/>
+              <a:t>21</a:t>
+            </a:fld>
+            <a:endParaRPr lang="pt-PT"/>
+          </a:p>
+        </p:txBody>
+      </p:sp>
+    </p:spTree>
+    <p:extLst>
+      <p:ext uri="{BB962C8B-B14F-4D97-AF65-F5344CB8AC3E}">
+        <p14:creationId xmlns:p14="http://schemas.microsoft.com/office/powerpoint/2010/main" val="3257315726"/>
+      </p:ext>
+    </p:extLst>
+  </p:cSld>
+  <p:clrMapOvr>
+    <a:masterClrMapping/>
+  </p:clrMapOvr>
+</p:notes>
+</file>
+
+<file path=ppt/notesSlides/notesSlide22.xml><?xml version="1.0" encoding="utf-8"?>
+<p:notes xmlns:a="http://schemas.openxmlformats.org/drawingml/2006/main" xmlns:r="http://schemas.openxmlformats.org/officeDocument/2006/relationships" xmlns:p="http://schemas.openxmlformats.org/presentationml/2006/main">
+  <p:cSld>
+    <p:spTree>
+      <p:nvGrpSpPr>
+        <p:cNvPr id="1" name=""/>
+        <p:cNvGrpSpPr/>
+        <p:nvPr/>
+      </p:nvGrpSpPr>
+      <p:grpSpPr>
+        <a:xfrm>
+          <a:off x="0" y="0"/>
+          <a:ext cx="0" cy="0"/>
+          <a:chOff x="0" y="0"/>
+          <a:chExt cx="0" cy="0"/>
+        </a:xfrm>
+      </p:grpSpPr>
+      <p:sp>
+        <p:nvSpPr>
+          <p:cNvPr id="2" name="Marcador de Posição da Imagem do Diapositivo 1"/>
+          <p:cNvSpPr>
+            <a:spLocks noGrp="1" noRot="1" noChangeAspect="1"/>
+          </p:cNvSpPr>
+          <p:nvPr>
+            <p:ph type="sldImg"/>
+          </p:nvPr>
+        </p:nvSpPr>
+        <p:spPr/>
+      </p:sp>
+      <p:sp>
+        <p:nvSpPr>
+          <p:cNvPr id="3" name="Marcador de Posição de Notas 2"/>
+          <p:cNvSpPr>
+            <a:spLocks noGrp="1"/>
+          </p:cNvSpPr>
+          <p:nvPr>
+            <p:ph type="body" idx="1"/>
+          </p:nvPr>
+        </p:nvSpPr>
+        <p:spPr/>
+        <p:txBody>
+          <a:bodyPr/>
+          <a:lstStyle/>
+          <a:p>
+            <a:r>
+              <a:rPr lang="pt-PT" dirty="0"/>
+              <a:t>Pedro</a:t>
+            </a:r>
+          </a:p>
+        </p:txBody>
+      </p:sp>
+      <p:sp>
+        <p:nvSpPr>
+          <p:cNvPr id="4" name="Marcador de Posição do Número do Diapositivo 3"/>
+          <p:cNvSpPr>
+            <a:spLocks noGrp="1"/>
+          </p:cNvSpPr>
+          <p:nvPr>
+            <p:ph type="sldNum" sz="quarter" idx="10"/>
+          </p:nvPr>
+        </p:nvSpPr>
+        <p:spPr/>
+        <p:txBody>
+          <a:bodyPr/>
+          <a:lstStyle/>
+          <a:p>
+            <a:fld id="{A0ACE316-2081-41FE-AA9B-0699E7AFC844}" type="slidenum">
+              <a:rPr lang="pt-PT" smtClean="0"/>
+              <a:t>22</a:t>
+            </a:fld>
+            <a:endParaRPr lang="pt-PT"/>
+          </a:p>
+        </p:txBody>
+      </p:sp>
+    </p:spTree>
+    <p:extLst>
+      <p:ext uri="{BB962C8B-B14F-4D97-AF65-F5344CB8AC3E}">
+        <p14:creationId xmlns:p14="http://schemas.microsoft.com/office/powerpoint/2010/main" val="2975571534"/>
+      </p:ext>
+    </p:extLst>
+  </p:cSld>
+  <p:clrMapOvr>
+    <a:masterClrMapping/>
+  </p:clrMapOvr>
+</p:notes>
+</file>
+
+<file path=ppt/notesSlides/notesSlide23.xml><?xml version="1.0" encoding="utf-8"?>
+<p:notes xmlns:a="http://schemas.openxmlformats.org/drawingml/2006/main" xmlns:r="http://schemas.openxmlformats.org/officeDocument/2006/relationships" xmlns:p="http://schemas.openxmlformats.org/presentationml/2006/main">
+  <p:cSld>
+    <p:spTree>
+      <p:nvGrpSpPr>
+        <p:cNvPr id="1" name=""/>
+        <p:cNvGrpSpPr/>
+        <p:nvPr/>
+      </p:nvGrpSpPr>
+      <p:grpSpPr>
+        <a:xfrm>
+          <a:off x="0" y="0"/>
+          <a:ext cx="0" cy="0"/>
+          <a:chOff x="0" y="0"/>
+          <a:chExt cx="0" cy="0"/>
+        </a:xfrm>
+      </p:grpSpPr>
+      <p:sp>
+        <p:nvSpPr>
+          <p:cNvPr id="2" name="Marcador de Posição da Imagem do Diapositivo 1"/>
+          <p:cNvSpPr>
+            <a:spLocks noGrp="1" noRot="1" noChangeAspect="1"/>
+          </p:cNvSpPr>
+          <p:nvPr>
+            <p:ph type="sldImg"/>
+          </p:nvPr>
+        </p:nvSpPr>
+        <p:spPr/>
+      </p:sp>
+      <p:sp>
+        <p:nvSpPr>
+          <p:cNvPr id="3" name="Marcador de Posição de Notas 2"/>
+          <p:cNvSpPr>
+            <a:spLocks noGrp="1"/>
+          </p:cNvSpPr>
+          <p:nvPr>
+            <p:ph type="body" idx="1"/>
+          </p:nvPr>
+        </p:nvSpPr>
+        <p:spPr/>
+        <p:txBody>
+          <a:bodyPr/>
+          <a:lstStyle/>
+          <a:p>
+            <a:r>
+              <a:rPr lang="pt-PT" dirty="0"/>
+              <a:t>Rodrigo</a:t>
+            </a:r>
+          </a:p>
+        </p:txBody>
+      </p:sp>
+      <p:sp>
+        <p:nvSpPr>
+          <p:cNvPr id="4" name="Marcador de Posição do Número do Diapositivo 3"/>
+          <p:cNvSpPr>
+            <a:spLocks noGrp="1"/>
+          </p:cNvSpPr>
+          <p:nvPr>
+            <p:ph type="sldNum" sz="quarter" idx="10"/>
+          </p:nvPr>
+        </p:nvSpPr>
+        <p:spPr/>
+        <p:txBody>
+          <a:bodyPr/>
+          <a:lstStyle/>
+          <a:p>
+            <a:fld id="{A0ACE316-2081-41FE-AA9B-0699E7AFC844}" type="slidenum">
+              <a:rPr lang="pt-PT" smtClean="0"/>
+              <a:t>23</a:t>
+            </a:fld>
+            <a:endParaRPr lang="pt-PT"/>
+          </a:p>
+        </p:txBody>
+      </p:sp>
+    </p:spTree>
+    <p:extLst>
+      <p:ext uri="{BB962C8B-B14F-4D97-AF65-F5344CB8AC3E}">
+        <p14:creationId xmlns:p14="http://schemas.microsoft.com/office/powerpoint/2010/main" val="4094115441"/>
+      </p:ext>
+    </p:extLst>
+  </p:cSld>
+  <p:clrMapOvr>
+    <a:masterClrMapping/>
+  </p:clrMapOvr>
+</p:notes>
+</file>
+
+<file path=ppt/notesSlides/notesSlide24.xml><?xml version="1.0" encoding="utf-8"?>
+<p:notes xmlns:a="http://schemas.openxmlformats.org/drawingml/2006/main" xmlns:r="http://schemas.openxmlformats.org/officeDocument/2006/relationships" xmlns:p="http://schemas.openxmlformats.org/presentationml/2006/main">
+  <p:cSld>
+    <p:spTree>
+      <p:nvGrpSpPr>
+        <p:cNvPr id="1" name=""/>
+        <p:cNvGrpSpPr/>
+        <p:nvPr/>
+      </p:nvGrpSpPr>
+      <p:grpSpPr>
+        <a:xfrm>
+          <a:off x="0" y="0"/>
+          <a:ext cx="0" cy="0"/>
+          <a:chOff x="0" y="0"/>
+          <a:chExt cx="0" cy="0"/>
+        </a:xfrm>
+      </p:grpSpPr>
+      <p:sp>
+        <p:nvSpPr>
+          <p:cNvPr id="2" name="Marcador de Posição da Imagem do Diapositivo 1"/>
+          <p:cNvSpPr>
+            <a:spLocks noGrp="1" noRot="1" noChangeAspect="1"/>
+          </p:cNvSpPr>
+          <p:nvPr>
+            <p:ph type="sldImg"/>
+          </p:nvPr>
+        </p:nvSpPr>
+        <p:spPr/>
+      </p:sp>
+      <p:sp>
+        <p:nvSpPr>
+          <p:cNvPr id="3" name="Marcador de Posição de Notas 2"/>
+          <p:cNvSpPr>
+            <a:spLocks noGrp="1"/>
+          </p:cNvSpPr>
+          <p:nvPr>
+            <p:ph type="body" idx="1"/>
+          </p:nvPr>
+        </p:nvSpPr>
+        <p:spPr/>
+        <p:txBody>
+          <a:bodyPr/>
+          <a:lstStyle/>
+          <a:p>
+            <a:r>
+              <a:rPr lang="pt-PT" dirty="0"/>
+              <a:t>Pedro</a:t>
+            </a:r>
+          </a:p>
+        </p:txBody>
+      </p:sp>
+      <p:sp>
+        <p:nvSpPr>
+          <p:cNvPr id="4" name="Marcador de Posição do Número do Diapositivo 3"/>
+          <p:cNvSpPr>
+            <a:spLocks noGrp="1"/>
+          </p:cNvSpPr>
+          <p:nvPr>
+            <p:ph type="sldNum" sz="quarter" idx="10"/>
+          </p:nvPr>
+        </p:nvSpPr>
+        <p:spPr/>
+        <p:txBody>
+          <a:bodyPr/>
+          <a:lstStyle/>
+          <a:p>
+            <a:fld id="{A0ACE316-2081-41FE-AA9B-0699E7AFC844}" type="slidenum">
+              <a:rPr lang="pt-PT" smtClean="0"/>
+              <a:t>24</a:t>
+            </a:fld>
+            <a:endParaRPr lang="pt-PT"/>
+          </a:p>
+        </p:txBody>
+      </p:sp>
+    </p:spTree>
+    <p:extLst>
+      <p:ext uri="{BB962C8B-B14F-4D97-AF65-F5344CB8AC3E}">
+        <p14:creationId xmlns:p14="http://schemas.microsoft.com/office/powerpoint/2010/main" val="2728432213"/>
+      </p:ext>
+    </p:extLst>
+  </p:cSld>
+  <p:clrMapOvr>
+    <a:masterClrMapping/>
+  </p:clrMapOvr>
+</p:notes>
+</file>
+
+<file path=ppt/notesSlides/notesSlide25.xml><?xml version="1.0" encoding="utf-8"?>
+<p:notes xmlns:a="http://schemas.openxmlformats.org/drawingml/2006/main" xmlns:r="http://schemas.openxmlformats.org/officeDocument/2006/relationships" xmlns:p="http://schemas.openxmlformats.org/presentationml/2006/main">
+  <p:cSld>
+    <p:spTree>
+      <p:nvGrpSpPr>
+        <p:cNvPr id="1" name=""/>
+        <p:cNvGrpSpPr/>
+        <p:nvPr/>
+      </p:nvGrpSpPr>
+      <p:grpSpPr>
+        <a:xfrm>
+          <a:off x="0" y="0"/>
+          <a:ext cx="0" cy="0"/>
+          <a:chOff x="0" y="0"/>
+          <a:chExt cx="0" cy="0"/>
+        </a:xfrm>
+      </p:grpSpPr>
+      <p:sp>
+        <p:nvSpPr>
+          <p:cNvPr id="2" name="Marcador de Posição da Imagem do Diapositivo 1"/>
+          <p:cNvSpPr>
+            <a:spLocks noGrp="1" noRot="1" noChangeAspect="1"/>
+          </p:cNvSpPr>
+          <p:nvPr>
+            <p:ph type="sldImg"/>
+          </p:nvPr>
+        </p:nvSpPr>
+        <p:spPr/>
+      </p:sp>
+      <p:sp>
+        <p:nvSpPr>
+          <p:cNvPr id="3" name="Marcador de Posição de Notas 2"/>
+          <p:cNvSpPr>
+            <a:spLocks noGrp="1"/>
+          </p:cNvSpPr>
+          <p:nvPr>
+            <p:ph type="body" idx="1"/>
+          </p:nvPr>
+        </p:nvSpPr>
+        <p:spPr/>
+        <p:txBody>
+          <a:bodyPr/>
+          <a:lstStyle/>
+          <a:p>
+            <a:r>
+              <a:rPr lang="pt-PT" dirty="0"/>
+              <a:t>Rodrigo</a:t>
+            </a:r>
+          </a:p>
+        </p:txBody>
+      </p:sp>
+      <p:sp>
+        <p:nvSpPr>
+          <p:cNvPr id="4" name="Marcador de Posição do Número do Diapositivo 3"/>
+          <p:cNvSpPr>
+            <a:spLocks noGrp="1"/>
+          </p:cNvSpPr>
+          <p:nvPr>
+            <p:ph type="sldNum" sz="quarter" idx="10"/>
+          </p:nvPr>
+        </p:nvSpPr>
+        <p:spPr/>
+        <p:txBody>
+          <a:bodyPr/>
+          <a:lstStyle/>
+          <a:p>
+            <a:fld id="{A0ACE316-2081-41FE-AA9B-0699E7AFC844}" type="slidenum">
+              <a:rPr lang="pt-PT" smtClean="0"/>
+              <a:t>25</a:t>
+            </a:fld>
+            <a:endParaRPr lang="pt-PT"/>
+          </a:p>
+        </p:txBody>
+      </p:sp>
+    </p:spTree>
+    <p:extLst>
+      <p:ext uri="{BB962C8B-B14F-4D97-AF65-F5344CB8AC3E}">
+        <p14:creationId xmlns:p14="http://schemas.microsoft.com/office/powerpoint/2010/main" val="1802806518"/>
+      </p:ext>
+    </p:extLst>
+  </p:cSld>
+  <p:clrMapOvr>
+    <a:masterClrMapping/>
+  </p:clrMapOvr>
+</p:notes>
+</file>
+
+<file path=ppt/notesSlides/notesSlide26.xml><?xml version="1.0" encoding="utf-8"?>
+<p:notes xmlns:a="http://schemas.openxmlformats.org/drawingml/2006/main" xmlns:r="http://schemas.openxmlformats.org/officeDocument/2006/relationships" xmlns:p="http://schemas.openxmlformats.org/presentationml/2006/main">
+  <p:cSld>
+    <p:spTree>
+      <p:nvGrpSpPr>
+        <p:cNvPr id="1" name=""/>
+        <p:cNvGrpSpPr/>
+        <p:nvPr/>
+      </p:nvGrpSpPr>
+      <p:grpSpPr>
+        <a:xfrm>
+          <a:off x="0" y="0"/>
+          <a:ext cx="0" cy="0"/>
+          <a:chOff x="0" y="0"/>
+          <a:chExt cx="0" cy="0"/>
+        </a:xfrm>
+      </p:grpSpPr>
+      <p:sp>
+        <p:nvSpPr>
+          <p:cNvPr id="2" name="Marcador de Posição da Imagem do Diapositivo 1"/>
+          <p:cNvSpPr>
+            <a:spLocks noGrp="1" noRot="1" noChangeAspect="1"/>
+          </p:cNvSpPr>
+          <p:nvPr>
+            <p:ph type="sldImg"/>
+          </p:nvPr>
+        </p:nvSpPr>
+        <p:spPr/>
+      </p:sp>
+      <p:sp>
+        <p:nvSpPr>
+          <p:cNvPr id="3" name="Marcador de Posição de Notas 2"/>
+          <p:cNvSpPr>
+            <a:spLocks noGrp="1"/>
+          </p:cNvSpPr>
+          <p:nvPr>
+            <p:ph type="body" idx="1"/>
+          </p:nvPr>
+        </p:nvSpPr>
+        <p:spPr/>
+        <p:txBody>
+          <a:bodyPr/>
+          <a:lstStyle/>
+          <a:p>
+            <a:r>
+              <a:rPr lang="pt-PT" dirty="0"/>
+              <a:t>Rodrigo</a:t>
+            </a:r>
+          </a:p>
+        </p:txBody>
+      </p:sp>
+      <p:sp>
+        <p:nvSpPr>
+          <p:cNvPr id="4" name="Marcador de Posição do Número do Diapositivo 3"/>
+          <p:cNvSpPr>
+            <a:spLocks noGrp="1"/>
+          </p:cNvSpPr>
+          <p:nvPr>
+            <p:ph type="sldNum" sz="quarter" idx="10"/>
+          </p:nvPr>
+        </p:nvSpPr>
+        <p:spPr/>
+        <p:txBody>
+          <a:bodyPr/>
+          <a:lstStyle/>
+          <a:p>
+            <a:fld id="{A0ACE316-2081-41FE-AA9B-0699E7AFC844}" type="slidenum">
+              <a:rPr lang="pt-PT" smtClean="0"/>
+              <a:t>26</a:t>
+            </a:fld>
+            <a:endParaRPr lang="pt-PT"/>
+          </a:p>
+        </p:txBody>
+      </p:sp>
+    </p:spTree>
+    <p:extLst>
+      <p:ext uri="{BB962C8B-B14F-4D97-AF65-F5344CB8AC3E}">
+        <p14:creationId xmlns:p14="http://schemas.microsoft.com/office/powerpoint/2010/main" val="211921028"/>
+      </p:ext>
+    </p:extLst>
+  </p:cSld>
+  <p:clrMapOvr>
+    <a:masterClrMapping/>
+  </p:clrMapOvr>
+</p:notes>
+</file>
+
+<file path=ppt/notesSlides/notesSlide27.xml><?xml version="1.0" encoding="utf-8"?>
+<p:notes xmlns:a="http://schemas.openxmlformats.org/drawingml/2006/main" xmlns:r="http://schemas.openxmlformats.org/officeDocument/2006/relationships" xmlns:p="http://schemas.openxmlformats.org/presentationml/2006/main">
+  <p:cSld>
+    <p:spTree>
+      <p:nvGrpSpPr>
+        <p:cNvPr id="1" name=""/>
+        <p:cNvGrpSpPr/>
+        <p:nvPr/>
+      </p:nvGrpSpPr>
+      <p:grpSpPr>
+        <a:xfrm>
+          <a:off x="0" y="0"/>
+          <a:ext cx="0" cy="0"/>
+          <a:chOff x="0" y="0"/>
+          <a:chExt cx="0" cy="0"/>
+        </a:xfrm>
+      </p:grpSpPr>
+      <p:sp>
+        <p:nvSpPr>
+          <p:cNvPr id="2" name="Marcador de Posição da Imagem do Diapositivo 1"/>
+          <p:cNvSpPr>
+            <a:spLocks noGrp="1" noRot="1" noChangeAspect="1"/>
+          </p:cNvSpPr>
+          <p:nvPr>
+            <p:ph type="sldImg"/>
+          </p:nvPr>
+        </p:nvSpPr>
+        <p:spPr/>
+      </p:sp>
+      <p:sp>
+        <p:nvSpPr>
+          <p:cNvPr id="3" name="Marcador de Posição de Notas 2"/>
+          <p:cNvSpPr>
+            <a:spLocks noGrp="1"/>
+          </p:cNvSpPr>
+          <p:nvPr>
+            <p:ph type="body" idx="1"/>
+          </p:nvPr>
+        </p:nvSpPr>
+        <p:spPr/>
+        <p:txBody>
+          <a:bodyPr/>
+          <a:lstStyle/>
+          <a:p>
+            <a:r>
+              <a:rPr lang="pt-PT" dirty="0"/>
+              <a:t>Rodrigo</a:t>
+            </a:r>
+          </a:p>
+        </p:txBody>
+      </p:sp>
+      <p:sp>
+        <p:nvSpPr>
+          <p:cNvPr id="4" name="Marcador de Posição do Número do Diapositivo 3"/>
+          <p:cNvSpPr>
+            <a:spLocks noGrp="1"/>
+          </p:cNvSpPr>
+          <p:nvPr>
+            <p:ph type="sldNum" sz="quarter" idx="10"/>
+          </p:nvPr>
+        </p:nvSpPr>
+        <p:spPr/>
+        <p:txBody>
+          <a:bodyPr/>
+          <a:lstStyle/>
+          <a:p>
+            <a:fld id="{A0ACE316-2081-41FE-AA9B-0699E7AFC844}" type="slidenum">
+              <a:rPr lang="pt-PT" smtClean="0"/>
+              <a:t>27</a:t>
+            </a:fld>
+            <a:endParaRPr lang="pt-PT"/>
+          </a:p>
+        </p:txBody>
+      </p:sp>
+    </p:spTree>
+    <p:extLst>
+      <p:ext uri="{BB962C8B-B14F-4D97-AF65-F5344CB8AC3E}">
+        <p14:creationId xmlns:p14="http://schemas.microsoft.com/office/powerpoint/2010/main" val="615326590"/>
+      </p:ext>
+    </p:extLst>
+  </p:cSld>
+  <p:clrMapOvr>
+    <a:masterClrMapping/>
+  </p:clrMapOvr>
+</p:notes>
+</file>
+
+<file path=ppt/notesSlides/notesSlide28.xml><?xml version="1.0" encoding="utf-8"?>
+<p:notes xmlns:a="http://schemas.openxmlformats.org/drawingml/2006/main" xmlns:r="http://schemas.openxmlformats.org/officeDocument/2006/relationships" xmlns:p="http://schemas.openxmlformats.org/presentationml/2006/main">
+  <p:cSld>
+    <p:spTree>
+      <p:nvGrpSpPr>
+        <p:cNvPr id="1" name=""/>
+        <p:cNvGrpSpPr/>
+        <p:nvPr/>
+      </p:nvGrpSpPr>
+      <p:grpSpPr>
+        <a:xfrm>
+          <a:off x="0" y="0"/>
+          <a:ext cx="0" cy="0"/>
+          <a:chOff x="0" y="0"/>
+          <a:chExt cx="0" cy="0"/>
+        </a:xfrm>
+      </p:grpSpPr>
+      <p:sp>
+        <p:nvSpPr>
+          <p:cNvPr id="2" name="Marcador de Posição da Imagem do Diapositivo 1"/>
+          <p:cNvSpPr>
+            <a:spLocks noGrp="1" noRot="1" noChangeAspect="1"/>
+          </p:cNvSpPr>
+          <p:nvPr>
+            <p:ph type="sldImg"/>
+          </p:nvPr>
+        </p:nvSpPr>
+        <p:spPr/>
+      </p:sp>
+      <p:sp>
+        <p:nvSpPr>
+          <p:cNvPr id="3" name="Marcador de Posição de Notas 2"/>
+          <p:cNvSpPr>
+            <a:spLocks noGrp="1"/>
+          </p:cNvSpPr>
+          <p:nvPr>
+            <p:ph type="body" idx="1"/>
+          </p:nvPr>
+        </p:nvSpPr>
+        <p:spPr/>
+        <p:txBody>
+          <a:bodyPr/>
+          <a:lstStyle/>
+          <a:p>
+            <a:r>
+              <a:rPr lang="pt-PT" dirty="0"/>
+              <a:t>Rodrigo</a:t>
+            </a:r>
+          </a:p>
+        </p:txBody>
+      </p:sp>
+      <p:sp>
+        <p:nvSpPr>
+          <p:cNvPr id="4" name="Marcador de Posição do Número do Diapositivo 3"/>
+          <p:cNvSpPr>
+            <a:spLocks noGrp="1"/>
+          </p:cNvSpPr>
+          <p:nvPr>
+            <p:ph type="sldNum" sz="quarter" idx="10"/>
+          </p:nvPr>
+        </p:nvSpPr>
+        <p:spPr/>
+        <p:txBody>
+          <a:bodyPr/>
+          <a:lstStyle/>
+          <a:p>
+            <a:fld id="{A0ACE316-2081-41FE-AA9B-0699E7AFC844}" type="slidenum">
+              <a:rPr lang="pt-PT" smtClean="0"/>
+              <a:t>28</a:t>
+            </a:fld>
+            <a:endParaRPr lang="pt-PT"/>
+          </a:p>
+        </p:txBody>
+      </p:sp>
+    </p:spTree>
+    <p:extLst>
+      <p:ext uri="{BB962C8B-B14F-4D97-AF65-F5344CB8AC3E}">
+        <p14:creationId xmlns:p14="http://schemas.microsoft.com/office/powerpoint/2010/main" val="3329761952"/>
+      </p:ext>
+    </p:extLst>
+  </p:cSld>
+  <p:clrMapOvr>
+    <a:masterClrMapping/>
+  </p:clrMapOvr>
+</p:notes>
+</file>
+
+<file path=ppt/notesSlides/notesSlide29.xml><?xml version="1.0" encoding="utf-8"?>
+<p:notes xmlns:a="http://schemas.openxmlformats.org/drawingml/2006/main" xmlns:r="http://schemas.openxmlformats.org/officeDocument/2006/relationships" xmlns:p="http://schemas.openxmlformats.org/presentationml/2006/main">
+  <p:cSld>
+    <p:spTree>
+      <p:nvGrpSpPr>
+        <p:cNvPr id="1" name=""/>
+        <p:cNvGrpSpPr/>
+        <p:nvPr/>
+      </p:nvGrpSpPr>
+      <p:grpSpPr>
+        <a:xfrm>
+          <a:off x="0" y="0"/>
+          <a:ext cx="0" cy="0"/>
+          <a:chOff x="0" y="0"/>
+          <a:chExt cx="0" cy="0"/>
+        </a:xfrm>
+      </p:grpSpPr>
+      <p:sp>
+        <p:nvSpPr>
+          <p:cNvPr id="2" name="Marcador de Posição da Imagem do Diapositivo 1"/>
+          <p:cNvSpPr>
+            <a:spLocks noGrp="1" noRot="1" noChangeAspect="1"/>
+          </p:cNvSpPr>
+          <p:nvPr>
+            <p:ph type="sldImg"/>
+          </p:nvPr>
+        </p:nvSpPr>
+        <p:spPr/>
+      </p:sp>
+      <p:sp>
+        <p:nvSpPr>
+          <p:cNvPr id="3" name="Marcador de Posição de Notas 2"/>
+          <p:cNvSpPr>
+            <a:spLocks noGrp="1"/>
+          </p:cNvSpPr>
+          <p:nvPr>
+            <p:ph type="body" idx="1"/>
+          </p:nvPr>
+        </p:nvSpPr>
+        <p:spPr/>
+        <p:txBody>
+          <a:bodyPr/>
+          <a:lstStyle/>
+          <a:p>
+            <a:r>
+              <a:rPr lang="pt-PT" dirty="0"/>
+              <a:t>Pedro</a:t>
+            </a:r>
+          </a:p>
+        </p:txBody>
+      </p:sp>
+      <p:sp>
+        <p:nvSpPr>
+          <p:cNvPr id="4" name="Marcador de Posição do Número do Diapositivo 3"/>
+          <p:cNvSpPr>
+            <a:spLocks noGrp="1"/>
+          </p:cNvSpPr>
+          <p:nvPr>
+            <p:ph type="sldNum" sz="quarter" idx="10"/>
+          </p:nvPr>
+        </p:nvSpPr>
+        <p:spPr/>
+        <p:txBody>
+          <a:bodyPr/>
+          <a:lstStyle/>
+          <a:p>
+            <a:fld id="{A0ACE316-2081-41FE-AA9B-0699E7AFC844}" type="slidenum">
+              <a:rPr lang="pt-PT" smtClean="0"/>
+              <a:t>29</a:t>
+            </a:fld>
+            <a:endParaRPr lang="pt-PT"/>
+          </a:p>
+        </p:txBody>
+      </p:sp>
+    </p:spTree>
+    <p:extLst>
+      <p:ext uri="{BB962C8B-B14F-4D97-AF65-F5344CB8AC3E}">
+        <p14:creationId xmlns:p14="http://schemas.microsoft.com/office/powerpoint/2010/main" val="976005144"/>
+      </p:ext>
+    </p:extLst>
+  </p:cSld>
+  <p:clrMapOvr>
+    <a:masterClrMapping/>
+  </p:clrMapOvr>
+</p:notes>
+</file>
+
+<file path=ppt/notesSlides/notesSlide3.xml><?xml version="1.0" encoding="utf-8"?>
+<p:notes xmlns:a="http://schemas.openxmlformats.org/drawingml/2006/main" xmlns:r="http://schemas.openxmlformats.org/officeDocument/2006/relationships" xmlns:p="http://schemas.openxmlformats.org/presentationml/2006/main">
+  <p:cSld>
+    <p:spTree>
+      <p:nvGrpSpPr>
+        <p:cNvPr id="1" name=""/>
+        <p:cNvGrpSpPr/>
+        <p:nvPr/>
+      </p:nvGrpSpPr>
+      <p:grpSpPr>
+        <a:xfrm>
+          <a:off x="0" y="0"/>
+          <a:ext cx="0" cy="0"/>
+          <a:chOff x="0" y="0"/>
+          <a:chExt cx="0" cy="0"/>
+        </a:xfrm>
+      </p:grpSpPr>
+      <p:sp>
+        <p:nvSpPr>
+          <p:cNvPr id="2" name="Marcador de Posição da Imagem do Diapositivo 1"/>
+          <p:cNvSpPr>
+            <a:spLocks noGrp="1" noRot="1" noChangeAspect="1"/>
+          </p:cNvSpPr>
+          <p:nvPr>
+            <p:ph type="sldImg"/>
+          </p:nvPr>
+        </p:nvSpPr>
+        <p:spPr/>
+      </p:sp>
+      <p:sp>
+        <p:nvSpPr>
+          <p:cNvPr id="3" name="Marcador de Posição de Notas 2"/>
+          <p:cNvSpPr>
+            <a:spLocks noGrp="1"/>
+          </p:cNvSpPr>
+          <p:nvPr>
+            <p:ph type="body" idx="1"/>
+          </p:nvPr>
+        </p:nvSpPr>
+        <p:spPr/>
+        <p:txBody>
+          <a:bodyPr/>
+          <a:lstStyle/>
+          <a:p>
+            <a:r>
+              <a:rPr lang="pt-PT" dirty="0"/>
+              <a:t>Rodrigo</a:t>
+            </a:r>
+          </a:p>
+        </p:txBody>
+      </p:sp>
+      <p:sp>
+        <p:nvSpPr>
+          <p:cNvPr id="4" name="Marcador de Posição do Número do Diapositivo 3"/>
+          <p:cNvSpPr>
+            <a:spLocks noGrp="1"/>
+          </p:cNvSpPr>
+          <p:nvPr>
+            <p:ph type="sldNum" sz="quarter" idx="10"/>
+          </p:nvPr>
+        </p:nvSpPr>
+        <p:spPr/>
+        <p:txBody>
+          <a:bodyPr/>
+          <a:lstStyle/>
+          <a:p>
+            <a:fld id="{A0ACE316-2081-41FE-AA9B-0699E7AFC844}" type="slidenum">
+              <a:rPr lang="pt-PT" smtClean="0"/>
+              <a:t>3</a:t>
+            </a:fld>
+            <a:endParaRPr lang="pt-PT"/>
+          </a:p>
+        </p:txBody>
+      </p:sp>
+    </p:spTree>
+    <p:extLst>
+      <p:ext uri="{BB962C8B-B14F-4D97-AF65-F5344CB8AC3E}">
+        <p14:creationId xmlns:p14="http://schemas.microsoft.com/office/powerpoint/2010/main" val="2291292478"/>
+      </p:ext>
+    </p:extLst>
+  </p:cSld>
+  <p:clrMapOvr>
+    <a:masterClrMapping/>
+  </p:clrMapOvr>
+</p:notes>
+</file>
+
+<file path=ppt/notesSlides/notesSlide30.xml><?xml version="1.0" encoding="utf-8"?>
+<p:notes xmlns:a="http://schemas.openxmlformats.org/drawingml/2006/main" xmlns:r="http://schemas.openxmlformats.org/officeDocument/2006/relationships" xmlns:p="http://schemas.openxmlformats.org/presentationml/2006/main">
+  <p:cSld>
+    <p:spTree>
+      <p:nvGrpSpPr>
+        <p:cNvPr id="1" name=""/>
+        <p:cNvGrpSpPr/>
+        <p:nvPr/>
+      </p:nvGrpSpPr>
+      <p:grpSpPr>
+        <a:xfrm>
+          <a:off x="0" y="0"/>
+          <a:ext cx="0" cy="0"/>
+          <a:chOff x="0" y="0"/>
+          <a:chExt cx="0" cy="0"/>
+        </a:xfrm>
+      </p:grpSpPr>
+      <p:sp>
+        <p:nvSpPr>
+          <p:cNvPr id="2" name="Marcador de Posição da Imagem do Diapositivo 1"/>
+          <p:cNvSpPr>
+            <a:spLocks noGrp="1" noRot="1" noChangeAspect="1"/>
+          </p:cNvSpPr>
+          <p:nvPr>
+            <p:ph type="sldImg"/>
+          </p:nvPr>
+        </p:nvSpPr>
+        <p:spPr/>
+      </p:sp>
+      <p:sp>
+        <p:nvSpPr>
+          <p:cNvPr id="3" name="Marcador de Posição de Notas 2"/>
+          <p:cNvSpPr>
+            <a:spLocks noGrp="1"/>
+          </p:cNvSpPr>
+          <p:nvPr>
+            <p:ph type="body" idx="1"/>
+          </p:nvPr>
+        </p:nvSpPr>
+        <p:spPr/>
+        <p:txBody>
+          <a:bodyPr/>
+          <a:lstStyle/>
+          <a:p>
+            <a:r>
+              <a:rPr lang="pt-PT" dirty="0"/>
+              <a:t>Pedro</a:t>
+            </a:r>
+          </a:p>
+        </p:txBody>
+      </p:sp>
+      <p:sp>
+        <p:nvSpPr>
+          <p:cNvPr id="4" name="Marcador de Posição do Número do Diapositivo 3"/>
+          <p:cNvSpPr>
+            <a:spLocks noGrp="1"/>
+          </p:cNvSpPr>
+          <p:nvPr>
+            <p:ph type="sldNum" sz="quarter" idx="10"/>
+          </p:nvPr>
+        </p:nvSpPr>
+        <p:spPr/>
+        <p:txBody>
+          <a:bodyPr/>
+          <a:lstStyle/>
+          <a:p>
+            <a:fld id="{A0ACE316-2081-41FE-AA9B-0699E7AFC844}" type="slidenum">
+              <a:rPr lang="pt-PT" smtClean="0"/>
+              <a:t>30</a:t>
+            </a:fld>
+            <a:endParaRPr lang="pt-PT"/>
+          </a:p>
+        </p:txBody>
+      </p:sp>
+    </p:spTree>
+    <p:extLst>
+      <p:ext uri="{BB962C8B-B14F-4D97-AF65-F5344CB8AC3E}">
+        <p14:creationId xmlns:p14="http://schemas.microsoft.com/office/powerpoint/2010/main" val="4161137138"/>
+      </p:ext>
+    </p:extLst>
+  </p:cSld>
+  <p:clrMapOvr>
+    <a:masterClrMapping/>
+  </p:clrMapOvr>
+</p:notes>
+</file>
+
+<file path=ppt/notesSlides/notesSlide31.xml><?xml version="1.0" encoding="utf-8"?>
+<p:notes xmlns:a="http://schemas.openxmlformats.org/drawingml/2006/main" xmlns:r="http://schemas.openxmlformats.org/officeDocument/2006/relationships" xmlns:p="http://schemas.openxmlformats.org/presentationml/2006/main">
+  <p:cSld>
+    <p:spTree>
+      <p:nvGrpSpPr>
+        <p:cNvPr id="1" name=""/>
+        <p:cNvGrpSpPr/>
+        <p:nvPr/>
+      </p:nvGrpSpPr>
+      <p:grpSpPr>
+        <a:xfrm>
+          <a:off x="0" y="0"/>
+          <a:ext cx="0" cy="0"/>
+          <a:chOff x="0" y="0"/>
+          <a:chExt cx="0" cy="0"/>
+        </a:xfrm>
+      </p:grpSpPr>
+      <p:sp>
+        <p:nvSpPr>
+          <p:cNvPr id="2" name="Marcador de Posição da Imagem do Diapositivo 1"/>
+          <p:cNvSpPr>
+            <a:spLocks noGrp="1" noRot="1" noChangeAspect="1"/>
+          </p:cNvSpPr>
+          <p:nvPr>
+            <p:ph type="sldImg"/>
+          </p:nvPr>
+        </p:nvSpPr>
+        <p:spPr/>
+      </p:sp>
+      <p:sp>
+        <p:nvSpPr>
+          <p:cNvPr id="3" name="Marcador de Posição de Notas 2"/>
+          <p:cNvSpPr>
+            <a:spLocks noGrp="1"/>
+          </p:cNvSpPr>
+          <p:nvPr>
+            <p:ph type="body" idx="1"/>
+          </p:nvPr>
+        </p:nvSpPr>
+        <p:spPr/>
+        <p:txBody>
+          <a:bodyPr/>
+          <a:lstStyle/>
+          <a:p>
+            <a:r>
+              <a:rPr lang="pt-PT" dirty="0"/>
+              <a:t>Rodrigo</a:t>
+            </a:r>
+          </a:p>
+        </p:txBody>
+      </p:sp>
+      <p:sp>
+        <p:nvSpPr>
+          <p:cNvPr id="4" name="Marcador de Posição do Número do Diapositivo 3"/>
+          <p:cNvSpPr>
+            <a:spLocks noGrp="1"/>
+          </p:cNvSpPr>
+          <p:nvPr>
+            <p:ph type="sldNum" sz="quarter" idx="10"/>
+          </p:nvPr>
+        </p:nvSpPr>
+        <p:spPr/>
+        <p:txBody>
+          <a:bodyPr/>
+          <a:lstStyle/>
+          <a:p>
+            <a:fld id="{A0ACE316-2081-41FE-AA9B-0699E7AFC844}" type="slidenum">
+              <a:rPr lang="pt-PT" smtClean="0"/>
+              <a:t>31</a:t>
+            </a:fld>
+            <a:endParaRPr lang="pt-PT"/>
+          </a:p>
+        </p:txBody>
+      </p:sp>
+    </p:spTree>
+    <p:extLst>
+      <p:ext uri="{BB962C8B-B14F-4D97-AF65-F5344CB8AC3E}">
+        <p14:creationId xmlns:p14="http://schemas.microsoft.com/office/powerpoint/2010/main" val="73396258"/>
+      </p:ext>
+    </p:extLst>
+  </p:cSld>
+  <p:clrMapOvr>
+    <a:masterClrMapping/>
+  </p:clrMapOvr>
+</p:notes>
+</file>
+
+<file path=ppt/notesSlides/notesSlide4.xml><?xml version="1.0" encoding="utf-8"?>
+<p:notes xmlns:a="http://schemas.openxmlformats.org/drawingml/2006/main" xmlns:r="http://schemas.openxmlformats.org/officeDocument/2006/relationships" xmlns:p="http://schemas.openxmlformats.org/presentationml/2006/main">
+  <p:cSld>
+    <p:spTree>
+      <p:nvGrpSpPr>
+        <p:cNvPr id="1" name=""/>
+        <p:cNvGrpSpPr/>
+        <p:nvPr/>
+      </p:nvGrpSpPr>
+      <p:grpSpPr>
+        <a:xfrm>
+          <a:off x="0" y="0"/>
+          <a:ext cx="0" cy="0"/>
+          <a:chOff x="0" y="0"/>
+          <a:chExt cx="0" cy="0"/>
+        </a:xfrm>
+      </p:grpSpPr>
+      <p:sp>
+        <p:nvSpPr>
+          <p:cNvPr id="2" name="Marcador de Posição da Imagem do Diapositivo 1"/>
+          <p:cNvSpPr>
+            <a:spLocks noGrp="1" noRot="1" noChangeAspect="1"/>
+          </p:cNvSpPr>
+          <p:nvPr>
+            <p:ph type="sldImg"/>
+          </p:nvPr>
+        </p:nvSpPr>
+        <p:spPr/>
+      </p:sp>
+      <p:sp>
+        <p:nvSpPr>
+          <p:cNvPr id="3" name="Marcador de Posição de Notas 2"/>
+          <p:cNvSpPr>
+            <a:spLocks noGrp="1"/>
+          </p:cNvSpPr>
+          <p:nvPr>
+            <p:ph type="body" idx="1"/>
+          </p:nvPr>
+        </p:nvSpPr>
+        <p:spPr/>
+        <p:txBody>
+          <a:bodyPr/>
+          <a:lstStyle/>
+          <a:p>
+            <a:r>
+              <a:rPr lang="pt-PT" dirty="0"/>
+              <a:t>Rodrigo</a:t>
+            </a:r>
+          </a:p>
+          <a:p>
+            <a:endParaRPr lang="pt-PT" dirty="0"/>
+          </a:p>
+        </p:txBody>
+      </p:sp>
+      <p:sp>
+        <p:nvSpPr>
+          <p:cNvPr id="4" name="Marcador de Posição do Número do Diapositivo 3"/>
+          <p:cNvSpPr>
+            <a:spLocks noGrp="1"/>
+          </p:cNvSpPr>
+          <p:nvPr>
+            <p:ph type="sldNum" sz="quarter" idx="10"/>
+          </p:nvPr>
+        </p:nvSpPr>
+        <p:spPr/>
+        <p:txBody>
+          <a:bodyPr/>
+          <a:lstStyle/>
+          <a:p>
+            <a:fld id="{A0ACE316-2081-41FE-AA9B-0699E7AFC844}" type="slidenum">
+              <a:rPr lang="pt-PT" smtClean="0"/>
+              <a:t>4</a:t>
+            </a:fld>
+            <a:endParaRPr lang="pt-PT"/>
+          </a:p>
+        </p:txBody>
+      </p:sp>
+    </p:spTree>
+    <p:extLst>
+      <p:ext uri="{BB962C8B-B14F-4D97-AF65-F5344CB8AC3E}">
+        <p14:creationId xmlns:p14="http://schemas.microsoft.com/office/powerpoint/2010/main" val="1531454098"/>
+      </p:ext>
+    </p:extLst>
+  </p:cSld>
+  <p:clrMapOvr>
+    <a:masterClrMapping/>
+  </p:clrMapOvr>
+</p:notes>
+</file>
+
+<file path=ppt/notesSlides/notesSlide5.xml><?xml version="1.0" encoding="utf-8"?>
+<p:notes xmlns:a="http://schemas.openxmlformats.org/drawingml/2006/main" xmlns:r="http://schemas.openxmlformats.org/officeDocument/2006/relationships" xmlns:p="http://schemas.openxmlformats.org/presentationml/2006/main">
+  <p:cSld>
+    <p:spTree>
+      <p:nvGrpSpPr>
+        <p:cNvPr id="1" name=""/>
+        <p:cNvGrpSpPr/>
+        <p:nvPr/>
+      </p:nvGrpSpPr>
+      <p:grpSpPr>
+        <a:xfrm>
+          <a:off x="0" y="0"/>
+          <a:ext cx="0" cy="0"/>
+          <a:chOff x="0" y="0"/>
+          <a:chExt cx="0" cy="0"/>
+        </a:xfrm>
+      </p:grpSpPr>
+      <p:sp>
+        <p:nvSpPr>
+          <p:cNvPr id="2" name="Marcador de Posição da Imagem do Diapositivo 1"/>
+          <p:cNvSpPr>
+            <a:spLocks noGrp="1" noRot="1" noChangeAspect="1"/>
+          </p:cNvSpPr>
+          <p:nvPr>
+            <p:ph type="sldImg"/>
+          </p:nvPr>
+        </p:nvSpPr>
+        <p:spPr/>
+      </p:sp>
+      <p:sp>
+        <p:nvSpPr>
+          <p:cNvPr id="3" name="Marcador de Posição de Notas 2"/>
+          <p:cNvSpPr>
+            <a:spLocks noGrp="1"/>
+          </p:cNvSpPr>
+          <p:nvPr>
+            <p:ph type="body" idx="1"/>
+          </p:nvPr>
+        </p:nvSpPr>
+        <p:spPr/>
+        <p:txBody>
+          <a:bodyPr/>
+          <a:lstStyle/>
+          <a:p>
+            <a:r>
+              <a:rPr lang="pt-PT" dirty="0"/>
+              <a:t>Rodrigo</a:t>
+            </a:r>
+          </a:p>
+          <a:p>
+            <a:endParaRPr lang="pt-PT" dirty="0"/>
+          </a:p>
+          <a:p>
+            <a:pPr marL="0" marR="0" lvl="0" indent="0" algn="l" defTabSz="914400" rtl="0" eaLnBrk="1" fontAlgn="auto" latinLnBrk="0" hangingPunct="1">
+              <a:lnSpc>
+                <a:spcPct val="100000"/>
+              </a:lnSpc>
+              <a:spcBef>
+                <a:spcPts val="0"/>
+              </a:spcBef>
+              <a:spcAft>
+                <a:spcPts val="0"/>
+              </a:spcAft>
+              <a:buClrTx/>
+              <a:buSzTx/>
+              <a:buFontTx/>
+              <a:buNone/>
+              <a:tabLst/>
+              <a:defRPr/>
+            </a:pPr>
+            <a:r>
+              <a:rPr lang="pt-PT" dirty="0"/>
+              <a:t>- NP-Complete não pode obter a solução através de uma função matemática, e conforme a dimensão do problema o tempo de solução aumenta exponencialmente </a:t>
+            </a:r>
+          </a:p>
+          <a:p>
+            <a:endParaRPr lang="pt-PT" dirty="0"/>
+          </a:p>
+        </p:txBody>
+      </p:sp>
+      <p:sp>
+        <p:nvSpPr>
+          <p:cNvPr id="4" name="Marcador de Posição do Número do Diapositivo 3"/>
+          <p:cNvSpPr>
+            <a:spLocks noGrp="1"/>
+          </p:cNvSpPr>
+          <p:nvPr>
+            <p:ph type="sldNum" sz="quarter" idx="10"/>
+          </p:nvPr>
+        </p:nvSpPr>
+        <p:spPr/>
+        <p:txBody>
+          <a:bodyPr/>
+          <a:lstStyle/>
+          <a:p>
+            <a:fld id="{A0ACE316-2081-41FE-AA9B-0699E7AFC844}" type="slidenum">
+              <a:rPr lang="pt-PT" smtClean="0"/>
+              <a:t>5</a:t>
+            </a:fld>
+            <a:endParaRPr lang="pt-PT"/>
+          </a:p>
+        </p:txBody>
+      </p:sp>
+    </p:spTree>
+    <p:extLst>
+      <p:ext uri="{BB962C8B-B14F-4D97-AF65-F5344CB8AC3E}">
+        <p14:creationId xmlns:p14="http://schemas.microsoft.com/office/powerpoint/2010/main" val="1479710902"/>
+      </p:ext>
+    </p:extLst>
+  </p:cSld>
+  <p:clrMapOvr>
+    <a:masterClrMapping/>
+  </p:clrMapOvr>
+</p:notes>
+</file>
+
+<file path=ppt/notesSlides/notesSlide6.xml><?xml version="1.0" encoding="utf-8"?>
+<p:notes xmlns:a="http://schemas.openxmlformats.org/drawingml/2006/main" xmlns:r="http://schemas.openxmlformats.org/officeDocument/2006/relationships" xmlns:p="http://schemas.openxmlformats.org/presentationml/2006/main">
+  <p:cSld>
+    <p:spTree>
+      <p:nvGrpSpPr>
+        <p:cNvPr id="1" name=""/>
+        <p:cNvGrpSpPr/>
+        <p:nvPr/>
+      </p:nvGrpSpPr>
+      <p:grpSpPr>
+        <a:xfrm>
+          <a:off x="0" y="0"/>
+          <a:ext cx="0" cy="0"/>
+          <a:chOff x="0" y="0"/>
+          <a:chExt cx="0" cy="0"/>
+        </a:xfrm>
+      </p:grpSpPr>
+      <p:sp>
+        <p:nvSpPr>
+          <p:cNvPr id="2" name="Marcador de Posição da Imagem do Diapositivo 1"/>
+          <p:cNvSpPr>
+            <a:spLocks noGrp="1" noRot="1" noChangeAspect="1"/>
+          </p:cNvSpPr>
+          <p:nvPr>
+            <p:ph type="sldImg"/>
+          </p:nvPr>
+        </p:nvSpPr>
+        <p:spPr/>
+      </p:sp>
+      <p:sp>
+        <p:nvSpPr>
+          <p:cNvPr id="3" name="Marcador de Posição de Notas 2"/>
+          <p:cNvSpPr>
+            <a:spLocks noGrp="1"/>
+          </p:cNvSpPr>
+          <p:nvPr>
+            <p:ph type="body" idx="1"/>
+          </p:nvPr>
+        </p:nvSpPr>
+        <p:spPr/>
+        <p:txBody>
+          <a:bodyPr/>
+          <a:lstStyle/>
+          <a:p>
+            <a:r>
+              <a:rPr lang="pt-PT" dirty="0"/>
+              <a:t>Rodrigo</a:t>
+            </a:r>
+          </a:p>
+          <a:p>
+            <a:endParaRPr lang="pt-PT" dirty="0"/>
+          </a:p>
+          <a:p>
+            <a:r>
+              <a:rPr lang="pt-PT" dirty="0"/>
+              <a:t>-  Algoritmos inspirados na natureza</a:t>
+            </a:r>
+          </a:p>
+          <a:p>
+            <a:r>
+              <a:rPr lang="pt-PT" dirty="0"/>
+              <a:t>- </a:t>
+            </a:r>
+            <a:r>
+              <a:rPr lang="pt-BR" dirty="0"/>
+              <a:t>Durante a licenciatura não abordamos algoritmos de swarm intelligence</a:t>
+            </a:r>
+            <a:endParaRPr lang="pt-PT" dirty="0"/>
+          </a:p>
+        </p:txBody>
+      </p:sp>
+      <p:sp>
+        <p:nvSpPr>
+          <p:cNvPr id="4" name="Marcador de Posição do Número do Diapositivo 3"/>
+          <p:cNvSpPr>
+            <a:spLocks noGrp="1"/>
+          </p:cNvSpPr>
+          <p:nvPr>
+            <p:ph type="sldNum" sz="quarter" idx="10"/>
+          </p:nvPr>
+        </p:nvSpPr>
+        <p:spPr/>
+        <p:txBody>
+          <a:bodyPr/>
+          <a:lstStyle/>
+          <a:p>
+            <a:fld id="{A0ACE316-2081-41FE-AA9B-0699E7AFC844}" type="slidenum">
+              <a:rPr lang="pt-PT" smtClean="0"/>
+              <a:t>6</a:t>
+            </a:fld>
+            <a:endParaRPr lang="pt-PT"/>
+          </a:p>
+        </p:txBody>
+      </p:sp>
+    </p:spTree>
+    <p:extLst>
+      <p:ext uri="{BB962C8B-B14F-4D97-AF65-F5344CB8AC3E}">
+        <p14:creationId xmlns:p14="http://schemas.microsoft.com/office/powerpoint/2010/main" val="851157089"/>
+      </p:ext>
+    </p:extLst>
+  </p:cSld>
+  <p:clrMapOvr>
+    <a:masterClrMapping/>
+  </p:clrMapOvr>
+</p:notes>
+</file>
+
+<file path=ppt/notesSlides/notesSlide7.xml><?xml version="1.0" encoding="utf-8"?>
+<p:notes xmlns:a="http://schemas.openxmlformats.org/drawingml/2006/main" xmlns:r="http://schemas.openxmlformats.org/officeDocument/2006/relationships" xmlns:p="http://schemas.openxmlformats.org/presentationml/2006/main">
+  <p:cSld>
+    <p:spTree>
+      <p:nvGrpSpPr>
+        <p:cNvPr id="1" name=""/>
+        <p:cNvGrpSpPr/>
+        <p:nvPr/>
+      </p:nvGrpSpPr>
+      <p:grpSpPr>
+        <a:xfrm>
+          <a:off x="0" y="0"/>
+          <a:ext cx="0" cy="0"/>
+          <a:chOff x="0" y="0"/>
+          <a:chExt cx="0" cy="0"/>
+        </a:xfrm>
+      </p:grpSpPr>
+      <p:sp>
+        <p:nvSpPr>
+          <p:cNvPr id="2" name="Marcador de Posição da Imagem do Diapositivo 1"/>
+          <p:cNvSpPr>
+            <a:spLocks noGrp="1" noRot="1" noChangeAspect="1"/>
+          </p:cNvSpPr>
+          <p:nvPr>
+            <p:ph type="sldImg"/>
+          </p:nvPr>
+        </p:nvSpPr>
+        <p:spPr/>
+      </p:sp>
+      <p:sp>
+        <p:nvSpPr>
+          <p:cNvPr id="3" name="Marcador de Posição de Notas 2"/>
+          <p:cNvSpPr>
+            <a:spLocks noGrp="1"/>
+          </p:cNvSpPr>
+          <p:nvPr>
+            <p:ph type="body" idx="1"/>
+          </p:nvPr>
+        </p:nvSpPr>
+        <p:spPr/>
+        <p:txBody>
+          <a:bodyPr/>
+          <a:lstStyle/>
+          <a:p>
+            <a:r>
+              <a:rPr lang="pt-PT" dirty="0"/>
+              <a:t>Pedro</a:t>
+            </a:r>
+          </a:p>
+        </p:txBody>
+      </p:sp>
+      <p:sp>
+        <p:nvSpPr>
+          <p:cNvPr id="4" name="Marcador de Posição do Número do Diapositivo 3"/>
+          <p:cNvSpPr>
+            <a:spLocks noGrp="1"/>
+          </p:cNvSpPr>
+          <p:nvPr>
+            <p:ph type="sldNum" sz="quarter" idx="10"/>
+          </p:nvPr>
+        </p:nvSpPr>
+        <p:spPr/>
+        <p:txBody>
+          <a:bodyPr/>
+          <a:lstStyle/>
+          <a:p>
+            <a:fld id="{A0ACE316-2081-41FE-AA9B-0699E7AFC844}" type="slidenum">
+              <a:rPr lang="pt-PT" smtClean="0"/>
+              <a:t>7</a:t>
+            </a:fld>
+            <a:endParaRPr lang="pt-PT"/>
+          </a:p>
+        </p:txBody>
+      </p:sp>
+    </p:spTree>
+    <p:extLst>
+      <p:ext uri="{BB962C8B-B14F-4D97-AF65-F5344CB8AC3E}">
+        <p14:creationId xmlns:p14="http://schemas.microsoft.com/office/powerpoint/2010/main" val="872574758"/>
+      </p:ext>
+    </p:extLst>
+  </p:cSld>
+  <p:clrMapOvr>
+    <a:masterClrMapping/>
+  </p:clrMapOvr>
+</p:notes>
+</file>
+
+<file path=ppt/notesSlides/notesSlide8.xml><?xml version="1.0" encoding="utf-8"?>
+<p:notes xmlns:a="http://schemas.openxmlformats.org/drawingml/2006/main" xmlns:r="http://schemas.openxmlformats.org/officeDocument/2006/relationships" xmlns:p="http://schemas.openxmlformats.org/presentationml/2006/main">
+  <p:cSld>
+    <p:spTree>
+      <p:nvGrpSpPr>
+        <p:cNvPr id="1" name=""/>
+        <p:cNvGrpSpPr/>
+        <p:nvPr/>
+      </p:nvGrpSpPr>
+      <p:grpSpPr>
+        <a:xfrm>
+          <a:off x="0" y="0"/>
+          <a:ext cx="0" cy="0"/>
+          <a:chOff x="0" y="0"/>
+          <a:chExt cx="0" cy="0"/>
+        </a:xfrm>
+      </p:grpSpPr>
+      <p:sp>
+        <p:nvSpPr>
+          <p:cNvPr id="2" name="Marcador de Posição da Imagem do Diapositivo 1"/>
+          <p:cNvSpPr>
+            <a:spLocks noGrp="1" noRot="1" noChangeAspect="1"/>
+          </p:cNvSpPr>
+          <p:nvPr>
+            <p:ph type="sldImg"/>
+          </p:nvPr>
+        </p:nvSpPr>
+        <p:spPr/>
+      </p:sp>
+      <p:sp>
+        <p:nvSpPr>
+          <p:cNvPr id="3" name="Marcador de Posição de Notas 2"/>
+          <p:cNvSpPr>
+            <a:spLocks noGrp="1"/>
+          </p:cNvSpPr>
+          <p:nvPr>
+            <p:ph type="body" idx="1"/>
+          </p:nvPr>
+        </p:nvSpPr>
+        <p:spPr/>
+        <p:txBody>
+          <a:bodyPr/>
+          <a:lstStyle/>
+          <a:p>
+            <a:r>
+              <a:rPr lang="pt-PT" dirty="0"/>
+              <a:t>Pedro</a:t>
+            </a:r>
+            <a:br>
+              <a:rPr lang="pt-PT" dirty="0"/>
+            </a:br>
+            <a:br>
+              <a:rPr lang="pt-PT" dirty="0"/>
+            </a:br>
+            <a:r>
+              <a:rPr lang="pt-BR" dirty="0"/>
+              <a:t>•	Leitura de problemas a partir de ficheiros de texto;</a:t>
+            </a:r>
+          </a:p>
+          <a:p>
+            <a:r>
+              <a:rPr lang="pt-BR" dirty="0"/>
+              <a:t>•	Criação de um conjunto de soluções para o problema;</a:t>
+            </a:r>
+          </a:p>
+          <a:p>
+            <a:r>
+              <a:rPr lang="pt-BR" dirty="0"/>
+              <a:t>•	Melhoraria das soluções propostas com um algoritmo evolutivo;</a:t>
+            </a:r>
+          </a:p>
+          <a:p>
+            <a:r>
+              <a:rPr lang="pt-BR" dirty="0"/>
+              <a:t>•	Observação da evolução das soluções em tempo real;</a:t>
+            </a:r>
+          </a:p>
+          <a:p>
+            <a:r>
+              <a:rPr lang="pt-BR" dirty="0"/>
+              <a:t>•	Desenvolvimento de outro algoritmo evolutivo;</a:t>
+            </a:r>
+          </a:p>
+          <a:p>
+            <a:r>
+              <a:rPr lang="pt-BR" dirty="0"/>
+              <a:t>•	Desenvolvimento de dois algoritmos de SI;</a:t>
+            </a:r>
+          </a:p>
+          <a:p>
+            <a:r>
+              <a:rPr lang="pt-BR" dirty="0"/>
+              <a:t>•	Otimização do funcionamento dos algoritmos;</a:t>
+            </a:r>
+          </a:p>
+          <a:p>
+            <a:r>
+              <a:rPr lang="pt-BR" dirty="0"/>
+              <a:t>•	Obtenção de combinações ideais de parâmetros para os algoritmos;</a:t>
+            </a:r>
+          </a:p>
+          <a:p>
+            <a:r>
+              <a:rPr lang="pt-BR" dirty="0"/>
+              <a:t>•	Resolução de múltiplos problemas em simultâneo;</a:t>
+            </a:r>
+          </a:p>
+          <a:p>
+            <a:r>
+              <a:rPr lang="pt-BR" dirty="0"/>
+              <a:t>•	Registo de dados sobre as soluções para análise.</a:t>
+            </a:r>
+            <a:endParaRPr lang="pt-PT" dirty="0"/>
+          </a:p>
+        </p:txBody>
+      </p:sp>
+      <p:sp>
+        <p:nvSpPr>
+          <p:cNvPr id="4" name="Marcador de Posição do Número do Diapositivo 3"/>
+          <p:cNvSpPr>
+            <a:spLocks noGrp="1"/>
+          </p:cNvSpPr>
+          <p:nvPr>
+            <p:ph type="sldNum" sz="quarter" idx="10"/>
+          </p:nvPr>
+        </p:nvSpPr>
+        <p:spPr/>
+        <p:txBody>
+          <a:bodyPr/>
+          <a:lstStyle/>
+          <a:p>
+            <a:fld id="{A0ACE316-2081-41FE-AA9B-0699E7AFC844}" type="slidenum">
+              <a:rPr lang="pt-PT" smtClean="0"/>
+              <a:t>8</a:t>
+            </a:fld>
+            <a:endParaRPr lang="pt-PT"/>
+          </a:p>
+        </p:txBody>
+      </p:sp>
+    </p:spTree>
+    <p:extLst>
+      <p:ext uri="{BB962C8B-B14F-4D97-AF65-F5344CB8AC3E}">
+        <p14:creationId xmlns:p14="http://schemas.microsoft.com/office/powerpoint/2010/main" val="4064917820"/>
+      </p:ext>
+    </p:extLst>
+  </p:cSld>
+  <p:clrMapOvr>
+    <a:masterClrMapping/>
+  </p:clrMapOvr>
+</p:notes>
+</file>
+
+<file path=ppt/notesSlides/notesSlide9.xml><?xml version="1.0" encoding="utf-8"?>
+<p:notes xmlns:a="http://schemas.openxmlformats.org/drawingml/2006/main" xmlns:r="http://schemas.openxmlformats.org/officeDocument/2006/relationships" xmlns:p="http://schemas.openxmlformats.org/presentationml/2006/main">
+  <p:cSld>
+    <p:spTree>
+      <p:nvGrpSpPr>
+        <p:cNvPr id="1" name=""/>
+        <p:cNvGrpSpPr/>
+        <p:nvPr/>
+      </p:nvGrpSpPr>
+      <p:grpSpPr>
+        <a:xfrm>
+          <a:off x="0" y="0"/>
+          <a:ext cx="0" cy="0"/>
+          <a:chOff x="0" y="0"/>
+          <a:chExt cx="0" cy="0"/>
+        </a:xfrm>
+      </p:grpSpPr>
+      <p:sp>
+        <p:nvSpPr>
+          <p:cNvPr id="2" name="Marcador de Posição da Imagem do Diapositivo 1"/>
+          <p:cNvSpPr>
+            <a:spLocks noGrp="1" noRot="1" noChangeAspect="1"/>
+          </p:cNvSpPr>
+          <p:nvPr>
+            <p:ph type="sldImg"/>
+          </p:nvPr>
+        </p:nvSpPr>
+        <p:spPr/>
+      </p:sp>
+      <p:sp>
+        <p:nvSpPr>
+          <p:cNvPr id="3" name="Marcador de Posição de Notas 2"/>
+          <p:cNvSpPr>
+            <a:spLocks noGrp="1"/>
+          </p:cNvSpPr>
+          <p:nvPr>
+            <p:ph type="body" idx="1"/>
+          </p:nvPr>
+        </p:nvSpPr>
+        <p:spPr/>
+        <p:txBody>
+          <a:bodyPr/>
+          <a:lstStyle/>
+          <a:p>
+            <a:r>
+              <a:rPr lang="pt-PT" dirty="0"/>
+              <a:t>Pedro</a:t>
+            </a:r>
+          </a:p>
+        </p:txBody>
+      </p:sp>
+      <p:sp>
+        <p:nvSpPr>
+          <p:cNvPr id="4" name="Marcador de Posição do Número do Diapositivo 3"/>
+          <p:cNvSpPr>
+            <a:spLocks noGrp="1"/>
+          </p:cNvSpPr>
+          <p:nvPr>
+            <p:ph type="sldNum" sz="quarter" idx="10"/>
+          </p:nvPr>
+        </p:nvSpPr>
+        <p:spPr/>
+        <p:txBody>
+          <a:bodyPr/>
+          <a:lstStyle/>
+          <a:p>
+            <a:fld id="{A0ACE316-2081-41FE-AA9B-0699E7AFC844}" type="slidenum">
+              <a:rPr lang="pt-PT" smtClean="0"/>
+              <a:t>9</a:t>
+            </a:fld>
+            <a:endParaRPr lang="pt-PT"/>
+          </a:p>
+        </p:txBody>
+      </p:sp>
+    </p:spTree>
+    <p:extLst>
+      <p:ext uri="{BB962C8B-B14F-4D97-AF65-F5344CB8AC3E}">
+        <p14:creationId xmlns:p14="http://schemas.microsoft.com/office/powerpoint/2010/main" val="446825803"/>
+      </p:ext>
+    </p:extLst>
+  </p:cSld>
+  <p:clrMapOvr>
+    <a:masterClrMapping/>
+  </p:clrMapOvr>
+</p:notes>
+</file>
+
 <file path=ppt/slideLayouts/slideLayout1.xml><?xml version="1.0" encoding="utf-8"?>
 <p:sldLayout xmlns:a="http://schemas.openxmlformats.org/drawingml/2006/main" xmlns:r="http://schemas.openxmlformats.org/officeDocument/2006/relationships" xmlns:p="http://schemas.openxmlformats.org/presentationml/2006/main" type="title" preserve="1">
   <p:cSld name="Diapositivo de Título">
@@ -846,7 +3756,7 @@
           <a:p>
             <a:fld id="{55B359FA-F11C-493A-BC16-D8286EBA4ABA}" type="datetime1">
               <a:rPr lang="pt-PT" smtClean="0"/>
-              <a:t>02/07/2018</a:t>
+              <a:t>03/07/2018</a:t>
             </a:fld>
             <a:endParaRPr lang="pt-PT"/>
           </a:p>
@@ -1016,7 +3926,7 @@
           <a:p>
             <a:fld id="{69E39573-3416-4EBF-B308-9E5BDBAC4BF2}" type="datetime1">
               <a:rPr lang="pt-PT" smtClean="0"/>
-              <a:t>02/07/2018</a:t>
+              <a:t>03/07/2018</a:t>
             </a:fld>
             <a:endParaRPr lang="pt-PT"/>
           </a:p>
@@ -1196,7 +4106,7 @@
           <a:p>
             <a:fld id="{99144E59-F33A-446B-847E-3E2479E2C2E8}" type="datetime1">
               <a:rPr lang="pt-PT" smtClean="0"/>
-              <a:t>02/07/2018</a:t>
+              <a:t>03/07/2018</a:t>
             </a:fld>
             <a:endParaRPr lang="pt-PT"/>
           </a:p>
@@ -1366,7 +4276,7 @@
           <a:p>
             <a:fld id="{DA79E15A-296D-4645-AE0C-A8D0BB1F2A95}" type="datetime1">
               <a:rPr lang="pt-PT" smtClean="0"/>
-              <a:t>02/07/2018</a:t>
+              <a:t>03/07/2018</a:t>
             </a:fld>
             <a:endParaRPr lang="pt-PT"/>
           </a:p>
@@ -1617,7 +4527,7 @@
           <a:p>
             <a:fld id="{775CB936-4A6B-4735-AA30-8D20B634AE79}" type="datetime1">
               <a:rPr lang="pt-PT" smtClean="0"/>
-              <a:t>02/07/2018</a:t>
+              <a:t>03/07/2018</a:t>
             </a:fld>
             <a:endParaRPr lang="pt-PT"/>
           </a:p>
@@ -1849,7 +4759,7 @@
           <a:p>
             <a:fld id="{04E794B7-2CC8-460A-9DA5-6DCFF73330A8}" type="datetime1">
               <a:rPr lang="pt-PT" smtClean="0"/>
-              <a:t>02/07/2018</a:t>
+              <a:t>03/07/2018</a:t>
             </a:fld>
             <a:endParaRPr lang="pt-PT"/>
           </a:p>
@@ -2196,7 +5106,7 @@
           <a:p>
             <a:fld id="{C16029F9-BE83-4354-B8B2-70DA4A567778}" type="datetime1">
               <a:rPr lang="pt-PT" smtClean="0"/>
-              <a:t>02/07/2018</a:t>
+              <a:t>03/07/2018</a:t>
             </a:fld>
             <a:endParaRPr lang="pt-PT"/>
           </a:p>
@@ -2314,7 +5224,7 @@
           <a:p>
             <a:fld id="{22919498-1FD5-45D5-83CC-1B71F56E8AF5}" type="datetime1">
               <a:rPr lang="pt-PT" smtClean="0"/>
-              <a:t>02/07/2018</a:t>
+              <a:t>03/07/2018</a:t>
             </a:fld>
             <a:endParaRPr lang="pt-PT"/>
           </a:p>
@@ -2432,7 +5342,7 @@
           <a:p>
             <a:fld id="{EE15091D-DE8F-476E-A035-7DAC05529222}" type="datetime1">
               <a:rPr lang="pt-PT" smtClean="0"/>
-              <a:t>02/07/2018</a:t>
+              <a:t>03/07/2018</a:t>
             </a:fld>
             <a:endParaRPr lang="pt-PT"/>
           </a:p>
@@ -2716,7 +5626,7 @@
           <a:p>
             <a:fld id="{E219A963-ED2D-44D0-86FE-A7ACF141634D}" type="datetime1">
               <a:rPr lang="pt-PT" smtClean="0"/>
-              <a:t>02/07/2018</a:t>
+              <a:t>03/07/2018</a:t>
             </a:fld>
             <a:endParaRPr lang="pt-PT"/>
           </a:p>
@@ -2980,7 +5890,7 @@
           <a:p>
             <a:fld id="{E716F7A9-A960-4ECD-85DD-EC5BE26534F7}" type="datetime1">
               <a:rPr lang="pt-PT" smtClean="0"/>
-              <a:t>02/07/2018</a:t>
+              <a:t>03/07/2018</a:t>
             </a:fld>
             <a:endParaRPr lang="pt-PT"/>
           </a:p>
@@ -3194,7 +6104,7 @@
           <a:p>
             <a:fld id="{70A6E104-864C-4D7E-A366-A1B1D1D490CB}" type="datetime1">
               <a:rPr lang="pt-PT" smtClean="0"/>
-              <a:t>02/07/2018</a:t>
+              <a:t>03/07/2018</a:t>
             </a:fld>
             <a:endParaRPr lang="pt-PT"/>
           </a:p>
@@ -3679,7 +6589,7 @@
           <p:nvPr/>
         </p:nvPicPr>
         <p:blipFill>
-          <a:blip r:embed="rId2">
+          <a:blip r:embed="rId3">
             <a:extLst>
               <a:ext uri="{28A0092B-C50C-407E-A947-70E740481C1C}">
                 <a14:useLocalDpi xmlns:a14="http://schemas.microsoft.com/office/drawing/2010/main" val="0"/>
@@ -4005,7 +6915,7 @@
           <p:nvPr/>
         </p:nvPicPr>
         <p:blipFill>
-          <a:blip r:embed="rId2">
+          <a:blip r:embed="rId3">
             <a:extLst>
               <a:ext uri="{28A0092B-C50C-407E-A947-70E740481C1C}">
                 <a14:useLocalDpi xmlns:a14="http://schemas.microsoft.com/office/drawing/2010/main" val="0"/>
@@ -4052,7 +6962,7 @@
           <p:nvPr/>
         </p:nvPicPr>
         <p:blipFill>
-          <a:blip r:embed="rId3">
+          <a:blip r:embed="rId4">
             <a:extLst>
               <a:ext uri="{28A0092B-C50C-407E-A947-70E740481C1C}">
                 <a14:useLocalDpi xmlns:a14="http://schemas.microsoft.com/office/drawing/2010/main" val="0"/>
@@ -4099,7 +7009,7 @@
           <p:nvPr/>
         </p:nvPicPr>
         <p:blipFill>
-          <a:blip r:embed="rId4">
+          <a:blip r:embed="rId5">
             <a:extLst>
               <a:ext uri="{28A0092B-C50C-407E-A947-70E740481C1C}">
                 <a14:useLocalDpi xmlns:a14="http://schemas.microsoft.com/office/drawing/2010/main" val="0"/>
@@ -4380,7 +7290,7 @@
           <p:nvPr/>
         </p:nvPicPr>
         <p:blipFill>
-          <a:blip r:embed="rId2">
+          <a:blip r:embed="rId3">
             <a:extLst>
               <a:ext uri="{28A0092B-C50C-407E-A947-70E740481C1C}">
                 <a14:useLocalDpi xmlns:a14="http://schemas.microsoft.com/office/drawing/2010/main" val="0"/>
@@ -4445,7 +7355,7 @@
           <p:nvPr/>
         </p:nvPicPr>
         <p:blipFill>
-          <a:blip r:embed="rId3"/>
+          <a:blip r:embed="rId4"/>
           <a:stretch>
             <a:fillRect/>
           </a:stretch>
@@ -4581,7 +7491,7 @@
             <p:nvPr/>
           </p:nvPicPr>
           <p:blipFill>
-            <a:blip r:embed="rId4"/>
+            <a:blip r:embed="rId5"/>
             <a:stretch>
               <a:fillRect/>
             </a:stretch>
@@ -4611,7 +7521,7 @@
             <p:nvPr/>
           </p:nvPicPr>
           <p:blipFill>
-            <a:blip r:embed="rId5"/>
+            <a:blip r:embed="rId6"/>
             <a:stretch>
               <a:fillRect/>
             </a:stretch>
@@ -4815,7 +7725,7 @@
           </p:nvPr>
         </p:nvPicPr>
         <p:blipFill>
-          <a:blip r:embed="rId2" cstate="print">
+          <a:blip r:embed="rId3" cstate="print">
             <a:extLst>
               <a:ext uri="{28A0092B-C50C-407E-A947-70E740481C1C}">
                 <a14:useLocalDpi xmlns:a14="http://schemas.microsoft.com/office/drawing/2010/main" val="0"/>
@@ -4935,7 +7845,7 @@
           <p:nvPr/>
         </p:nvPicPr>
         <p:blipFill>
-          <a:blip r:embed="rId3"/>
+          <a:blip r:embed="rId4"/>
           <a:stretch>
             <a:fillRect/>
           </a:stretch>
@@ -4963,7 +7873,7 @@
           <p:nvPr/>
         </p:nvPicPr>
         <p:blipFill>
-          <a:blip r:embed="rId4">
+          <a:blip r:embed="rId5">
             <a:extLst>
               <a:ext uri="{28A0092B-C50C-407E-A947-70E740481C1C}">
                 <a14:useLocalDpi xmlns:a14="http://schemas.microsoft.com/office/drawing/2010/main" val="0"/>
@@ -4999,7 +7909,7 @@
           <p:nvPr/>
         </p:nvPicPr>
         <p:blipFill>
-          <a:blip r:embed="rId5"/>
+          <a:blip r:embed="rId6"/>
           <a:stretch>
             <a:fillRect/>
           </a:stretch>
@@ -5027,7 +7937,7 @@
           <p:nvPr/>
         </p:nvPicPr>
         <p:blipFill>
-          <a:blip r:embed="rId6">
+          <a:blip r:embed="rId7">
             <a:extLst>
               <a:ext uri="{28A0092B-C50C-407E-A947-70E740481C1C}">
                 <a14:useLocalDpi xmlns:a14="http://schemas.microsoft.com/office/drawing/2010/main" val="0"/>
@@ -5063,7 +7973,7 @@
           <p:nvPr/>
         </p:nvPicPr>
         <p:blipFill>
-          <a:blip r:embed="rId7"/>
+          <a:blip r:embed="rId8"/>
           <a:stretch>
             <a:fillRect/>
           </a:stretch>
@@ -5327,7 +8237,7 @@
           <p:nvPr/>
         </p:nvPicPr>
         <p:blipFill>
-          <a:blip r:embed="rId2">
+          <a:blip r:embed="rId3">
             <a:extLst>
               <a:ext uri="{28A0092B-C50C-407E-A947-70E740481C1C}">
                 <a14:useLocalDpi xmlns:a14="http://schemas.microsoft.com/office/drawing/2010/main" val="0"/>
@@ -5467,7 +8377,7 @@
           </p:nvPr>
         </p:nvPicPr>
         <p:blipFill>
-          <a:blip r:embed="rId2">
+          <a:blip r:embed="rId3">
             <a:extLst>
               <a:ext uri="{28A0092B-C50C-407E-A947-70E740481C1C}">
                 <a14:useLocalDpi xmlns:a14="http://schemas.microsoft.com/office/drawing/2010/main" val="0"/>
@@ -5500,7 +8410,7 @@
           <p:nvPr/>
         </p:nvPicPr>
         <p:blipFill>
-          <a:blip r:embed="rId3">
+          <a:blip r:embed="rId4">
             <a:extLst>
               <a:ext uri="{28A0092B-C50C-407E-A947-70E740481C1C}">
                 <a14:useLocalDpi xmlns:a14="http://schemas.microsoft.com/office/drawing/2010/main" val="0"/>
@@ -5712,7 +8622,7 @@
           <p:nvPr/>
         </p:nvPicPr>
         <p:blipFill>
-          <a:blip r:embed="rId2">
+          <a:blip r:embed="rId3">
             <a:extLst>
               <a:ext uri="{28A0092B-C50C-407E-A947-70E740481C1C}">
                 <a14:useLocalDpi xmlns:a14="http://schemas.microsoft.com/office/drawing/2010/main" val="0"/>
@@ -5753,7 +8663,7 @@
           <p:nvPr/>
         </p:nvPicPr>
         <p:blipFill>
-          <a:blip r:embed="rId3">
+          <a:blip r:embed="rId4">
             <a:extLst>
               <a:ext uri="{28A0092B-C50C-407E-A947-70E740481C1C}">
                 <a14:useLocalDpi xmlns:a14="http://schemas.microsoft.com/office/drawing/2010/main" val="0"/>
@@ -5895,7 +8805,7 @@
           <p:nvPr/>
         </p:nvPicPr>
         <p:blipFill>
-          <a:blip r:embed="rId2">
+          <a:blip r:embed="rId3">
             <a:extLst>
               <a:ext uri="{28A0092B-C50C-407E-A947-70E740481C1C}">
                 <a14:useLocalDpi xmlns:a14="http://schemas.microsoft.com/office/drawing/2010/main" val="0"/>
@@ -5931,7 +8841,7 @@
           <p:nvPr/>
         </p:nvPicPr>
         <p:blipFill>
-          <a:blip r:embed="rId3">
+          <a:blip r:embed="rId4">
             <a:extLst>
               <a:ext uri="{28A0092B-C50C-407E-A947-70E740481C1C}">
                 <a14:useLocalDpi xmlns:a14="http://schemas.microsoft.com/office/drawing/2010/main" val="0"/>
@@ -6157,7 +9067,7 @@
           </p:nvPr>
         </p:nvPicPr>
         <p:blipFill>
-          <a:blip r:embed="rId2">
+          <a:blip r:embed="rId3">
             <a:extLst>
               <a:ext uri="{28A0092B-C50C-407E-A947-70E740481C1C}">
                 <a14:useLocalDpi xmlns:a14="http://schemas.microsoft.com/office/drawing/2010/main" val="0"/>
@@ -6301,7 +9211,7 @@
           </p:nvPr>
         </p:nvPicPr>
         <p:blipFill>
-          <a:blip r:embed="rId2">
+          <a:blip r:embed="rId3">
             <a:extLst>
               <a:ext uri="{28A0092B-C50C-407E-A947-70E740481C1C}">
                 <a14:useLocalDpi xmlns:a14="http://schemas.microsoft.com/office/drawing/2010/main" val="0"/>
@@ -6685,7 +9595,7 @@
           <p:nvPr/>
         </p:nvPicPr>
         <p:blipFill>
-          <a:blip r:embed="rId2"/>
+          <a:blip r:embed="rId3"/>
           <a:stretch>
             <a:fillRect/>
           </a:stretch>
@@ -6860,7 +9770,7 @@
           <p:nvPr/>
         </p:nvPicPr>
         <p:blipFill>
-          <a:blip r:embed="rId2"/>
+          <a:blip r:embed="rId3"/>
           <a:stretch>
             <a:fillRect/>
           </a:stretch>
@@ -7045,7 +9955,7 @@
           <p:nvPr/>
         </p:nvPicPr>
         <p:blipFill>
-          <a:blip r:embed="rId2"/>
+          <a:blip r:embed="rId3"/>
           <a:stretch>
             <a:fillRect/>
           </a:stretch>
@@ -7230,7 +10140,7 @@
           <p:nvPr/>
         </p:nvPicPr>
         <p:blipFill>
-          <a:blip r:embed="rId2"/>
+          <a:blip r:embed="rId3"/>
           <a:stretch>
             <a:fillRect/>
           </a:stretch>
@@ -7340,12 +10250,41 @@
           </a:p>
         </p:txBody>
       </p:sp>
+      <p:sp>
+        <p:nvSpPr>
+          <p:cNvPr id="3" name="Marcador de Posição do Número do Diapositivo 2">
+            <a:extLst>
+              <a:ext uri="{FF2B5EF4-FFF2-40B4-BE49-F238E27FC236}">
+                <a16:creationId xmlns:a16="http://schemas.microsoft.com/office/drawing/2014/main" id="{1023F61A-1A55-45F2-98E6-3C135A9D996C}"/>
+              </a:ext>
+            </a:extLst>
+          </p:cNvPr>
+          <p:cNvSpPr>
+            <a:spLocks noGrp="1"/>
+          </p:cNvSpPr>
+          <p:nvPr>
+            <p:ph type="sldNum" sz="quarter" idx="12"/>
+          </p:nvPr>
+        </p:nvSpPr>
+        <p:spPr/>
+        <p:txBody>
+          <a:bodyPr/>
+          <a:lstStyle/>
+          <a:p>
+            <a:fld id="{5AD5E5FD-F30B-4922-B20C-055EB5011373}" type="slidenum">
+              <a:rPr lang="pt-PT" smtClean="0"/>
+              <a:t>24</a:t>
+            </a:fld>
+            <a:endParaRPr lang="pt-PT"/>
+          </a:p>
+        </p:txBody>
+      </p:sp>
       <p:pic>
         <p:nvPicPr>
-          <p:cNvPr id="4" name="Imagem 3">
-            <a:extLst>
-              <a:ext uri="{FF2B5EF4-FFF2-40B4-BE49-F238E27FC236}">
-                <a16:creationId xmlns:a16="http://schemas.microsoft.com/office/drawing/2014/main" id="{A00E6555-C85B-435E-B3CE-B6BBC028BCE0}"/>
+          <p:cNvPr id="5" name="Imagem 4">
+            <a:extLst>
+              <a:ext uri="{FF2B5EF4-FFF2-40B4-BE49-F238E27FC236}">
+                <a16:creationId xmlns:a16="http://schemas.microsoft.com/office/drawing/2014/main" id="{F58EC1FF-08AB-4DA0-A075-3110226449E2}"/>
               </a:ext>
             </a:extLst>
           </p:cNvPr>
@@ -7355,15 +10294,15 @@
           <p:nvPr/>
         </p:nvPicPr>
         <p:blipFill>
-          <a:blip r:embed="rId2"/>
+          <a:blip r:embed="rId3"/>
           <a:stretch>
             <a:fillRect/>
           </a:stretch>
         </p:blipFill>
         <p:spPr>
           <a:xfrm>
-            <a:off x="1612157" y="1691322"/>
-            <a:ext cx="8981540" cy="4818222"/>
+            <a:off x="2218114" y="1757969"/>
+            <a:ext cx="7769626" cy="4531734"/>
           </a:xfrm>
           <a:prstGeom prst="rect">
             <a:avLst/>
@@ -7375,35 +10314,6 @@
           </a:ln>
         </p:spPr>
       </p:pic>
-      <p:sp>
-        <p:nvSpPr>
-          <p:cNvPr id="3" name="Marcador de Posição do Número do Diapositivo 2">
-            <a:extLst>
-              <a:ext uri="{FF2B5EF4-FFF2-40B4-BE49-F238E27FC236}">
-                <a16:creationId xmlns:a16="http://schemas.microsoft.com/office/drawing/2014/main" id="{1023F61A-1A55-45F2-98E6-3C135A9D996C}"/>
-              </a:ext>
-            </a:extLst>
-          </p:cNvPr>
-          <p:cNvSpPr>
-            <a:spLocks noGrp="1"/>
-          </p:cNvSpPr>
-          <p:nvPr>
-            <p:ph type="sldNum" sz="quarter" idx="12"/>
-          </p:nvPr>
-        </p:nvSpPr>
-        <p:spPr/>
-        <p:txBody>
-          <a:bodyPr/>
-          <a:lstStyle/>
-          <a:p>
-            <a:fld id="{5AD5E5FD-F30B-4922-B20C-055EB5011373}" type="slidenum">
-              <a:rPr lang="pt-PT" smtClean="0"/>
-              <a:t>24</a:t>
-            </a:fld>
-            <a:endParaRPr lang="pt-PT"/>
-          </a:p>
-        </p:txBody>
-      </p:sp>
     </p:spTree>
     <p:extLst>
       <p:ext uri="{BB962C8B-B14F-4D97-AF65-F5344CB8AC3E}">
@@ -7557,7 +10467,7 @@
           <p:nvPr/>
         </p:nvPicPr>
         <p:blipFill>
-          <a:blip r:embed="rId2"/>
+          <a:blip r:embed="rId3"/>
           <a:stretch>
             <a:fillRect/>
           </a:stretch>
@@ -7742,7 +10652,7 @@
           <p:nvPr/>
         </p:nvPicPr>
         <p:blipFill>
-          <a:blip r:embed="rId2"/>
+          <a:blip r:embed="rId3"/>
           <a:stretch>
             <a:fillRect/>
           </a:stretch>
@@ -7772,7 +10682,7 @@
           <p:nvPr/>
         </p:nvPicPr>
         <p:blipFill>
-          <a:blip r:embed="rId3"/>
+          <a:blip r:embed="rId4"/>
           <a:stretch>
             <a:fillRect/>
           </a:stretch>
@@ -7997,7 +10907,7 @@
           <p:nvPr/>
         </p:nvPicPr>
         <p:blipFill>
-          <a:blip r:embed="rId2">
+          <a:blip r:embed="rId3">
             <a:extLst>
               <a:ext uri="{28A0092B-C50C-407E-A947-70E740481C1C}">
                 <a14:useLocalDpi xmlns:a14="http://schemas.microsoft.com/office/drawing/2010/main" val="0"/>
@@ -8228,7 +11138,7 @@
           <p:nvPr/>
         </p:nvPicPr>
         <p:blipFill>
-          <a:blip r:embed="rId2">
+          <a:blip r:embed="rId3">
             <a:extLst>
               <a:ext uri="{28A0092B-C50C-407E-A947-70E740481C1C}">
                 <a14:useLocalDpi xmlns:a14="http://schemas.microsoft.com/office/drawing/2010/main" val="0"/>
@@ -8608,7 +11518,7 @@
           <p:nvPr/>
         </p:nvPicPr>
         <p:blipFill>
-          <a:blip r:embed="rId2">
+          <a:blip r:embed="rId3">
             <a:extLst>
               <a:ext uri="{28A0092B-C50C-407E-A947-70E740481C1C}">
                 <a14:useLocalDpi xmlns:a14="http://schemas.microsoft.com/office/drawing/2010/main" val="0"/>
@@ -8778,7 +11688,7 @@
           <a:p>
             <a:r>
               <a:rPr lang="pt-PT" dirty="0"/>
-              <a:t>Realização de estudos comparativos com resoluções do PLR já existentes na literatura</a:t>
+              <a:t>Realização de estudos comparativos com resoluções do PLR já existentes ou que venham a existir na literatura</a:t>
             </a:r>
           </a:p>
         </p:txBody>
@@ -8798,7 +11708,7 @@
           <p:nvPr/>
         </p:nvPicPr>
         <p:blipFill>
-          <a:blip r:embed="rId2">
+          <a:blip r:embed="rId3">
             <a:extLst>
               <a:ext uri="{28A0092B-C50C-407E-A947-70E740481C1C}">
                 <a14:useLocalDpi xmlns:a14="http://schemas.microsoft.com/office/drawing/2010/main" val="0"/>
@@ -9237,7 +12147,7 @@
           <p:nvPr/>
         </p:nvPicPr>
         <p:blipFill>
-          <a:blip r:embed="rId2">
+          <a:blip r:embed="rId3">
             <a:extLst>
               <a:ext uri="{28A0092B-C50C-407E-A947-70E740481C1C}">
                 <a14:useLocalDpi xmlns:a14="http://schemas.microsoft.com/office/drawing/2010/main" val="0"/>
@@ -9476,7 +12386,7 @@
           <p:nvPr/>
         </p:nvPicPr>
         <p:blipFill>
-          <a:blip r:embed="rId2" cstate="print">
+          <a:blip r:embed="rId3" cstate="print">
             <a:extLst>
               <a:ext uri="{28A0092B-C50C-407E-A947-70E740481C1C}">
                 <a14:useLocalDpi xmlns:a14="http://schemas.microsoft.com/office/drawing/2010/main" val="0"/>
@@ -9512,7 +12422,7 @@
           <p:nvPr/>
         </p:nvPicPr>
         <p:blipFill>
-          <a:blip r:embed="rId3" cstate="print">
+          <a:blip r:embed="rId4" cstate="print">
             <a:extLst>
               <a:ext uri="{28A0092B-C50C-407E-A947-70E740481C1C}">
                 <a14:useLocalDpi xmlns:a14="http://schemas.microsoft.com/office/drawing/2010/main" val="0"/>
@@ -9698,7 +12608,7 @@
           <p:nvPr/>
         </p:nvPicPr>
         <p:blipFill>
-          <a:blip r:embed="rId2">
+          <a:blip r:embed="rId3">
             <a:extLst>
               <a:ext uri="{28A0092B-C50C-407E-A947-70E740481C1C}">
                 <a14:useLocalDpi xmlns:a14="http://schemas.microsoft.com/office/drawing/2010/main" val="0"/>
@@ -9745,7 +12655,7 @@
           <p:nvPr/>
         </p:nvPicPr>
         <p:blipFill>
-          <a:blip r:embed="rId3">
+          <a:blip r:embed="rId4">
             <a:extLst>
               <a:ext uri="{28A0092B-C50C-407E-A947-70E740481C1C}">
                 <a14:useLocalDpi xmlns:a14="http://schemas.microsoft.com/office/drawing/2010/main" val="0"/>
@@ -9792,7 +12702,7 @@
           <p:nvPr/>
         </p:nvPicPr>
         <p:blipFill>
-          <a:blip r:embed="rId4">
+          <a:blip r:embed="rId5">
             <a:extLst>
               <a:ext uri="{28A0092B-C50C-407E-A947-70E740481C1C}">
                 <a14:useLocalDpi xmlns:a14="http://schemas.microsoft.com/office/drawing/2010/main" val="0"/>
@@ -9989,7 +12899,7 @@
           <p:nvPr/>
         </p:nvPicPr>
         <p:blipFill>
-          <a:blip r:embed="rId2">
+          <a:blip r:embed="rId3">
             <a:extLst>
               <a:ext uri="{28A0092B-C50C-407E-A947-70E740481C1C}">
                 <a14:useLocalDpi xmlns:a14="http://schemas.microsoft.com/office/drawing/2010/main" val="0"/>
@@ -10310,7 +13220,7 @@
           <p:nvPr/>
         </p:nvPicPr>
         <p:blipFill>
-          <a:blip r:embed="rId2">
+          <a:blip r:embed="rId3">
             <a:extLst>
               <a:ext uri="{28A0092B-C50C-407E-A947-70E740481C1C}">
                 <a14:useLocalDpi xmlns:a14="http://schemas.microsoft.com/office/drawing/2010/main" val="0"/>

--- a/powerpoint_defesa.pptx
+++ b/powerpoint_defesa.pptx
@@ -2066,6 +2066,52 @@
               <a:rPr lang="pt-PT" dirty="0"/>
               <a:t>Pedro</a:t>
             </a:r>
+          </a:p>
+          <a:p>
+            <a:endParaRPr lang="pt-PT" dirty="0"/>
+          </a:p>
+          <a:p>
+            <a:r>
+              <a:rPr lang="pt-BR" dirty="0"/>
+              <a:t>A cada iteração são calculadas probabilidades para as abelhas selecionadas com base na sua distancia ao melhor fitness da população</a:t>
+            </a:r>
+          </a:p>
+          <a:p>
+            <a:r>
+              <a:rPr lang="pt-BR" dirty="0"/>
+              <a:t>É calculado um numero de tentativas de otimização para cada abelha selecionada com base na probabilidade calculada e no numero de tentativas de cada tipo de abelha (selecionadas e melhores)</a:t>
+            </a:r>
+          </a:p>
+          <a:p>
+            <a:r>
+              <a:rPr lang="pt-BR" dirty="0"/>
+              <a:t>Cada tentativa a otimização consiste em dois cenarios com probabilidades iguais, ambos os cenario têm um numero limite de alterações</a:t>
+            </a:r>
+          </a:p>
+          <a:p>
+            <a:r>
+              <a:rPr lang="pt-BR" dirty="0"/>
+              <a:t>O primeiro cenario consiste em para cada alteração eliminar ou adicionar um regenerador dentro dos disponiveis</a:t>
+            </a:r>
+          </a:p>
+          <a:p>
+            <a:r>
+              <a:rPr lang="pt-BR" dirty="0"/>
+              <a:t>O segundo cenario consiste em à medida que o numero de alterações aumenta o numero de nós que podem ser alterados tambem aumenta:</a:t>
+            </a:r>
+          </a:p>
+          <a:p>
+            <a:r>
+              <a:rPr lang="pt-BR" dirty="0"/>
+              <a:t>Os regeneradores a remover são os nós  que fazem menos ligações, os regeneradores a adicionar são os nós não regenerados que ligam mais nós</a:t>
+            </a:r>
+          </a:p>
+          <a:p>
+            <a:r>
+              <a:rPr lang="pt-BR"/>
+              <a:t>A probabilidade de remover um regenerador é o dobro da probabilidade de adicionar um regenerador</a:t>
+            </a:r>
+            <a:endParaRPr lang="pt-PT" dirty="0"/>
           </a:p>
         </p:txBody>
       </p:sp>
